--- a/Slides/3. Query Execution.pptx
+++ b/Slides/3. Query Execution.pptx
@@ -5,43 +5,48 @@
     <p:sldMasterId id="2147483678" r:id="rId1"/>
   </p:sldMasterIdLst>
   <p:notesMasterIdLst>
-    <p:notesMasterId r:id="rId36"/>
+    <p:notesMasterId r:id="rId41"/>
   </p:notesMasterIdLst>
   <p:sldIdLst>
     <p:sldId id="256" r:id="rId2"/>
-    <p:sldId id="288" r:id="rId3"/>
-    <p:sldId id="284" r:id="rId4"/>
-    <p:sldId id="281" r:id="rId5"/>
-    <p:sldId id="257" r:id="rId6"/>
-    <p:sldId id="276" r:id="rId7"/>
-    <p:sldId id="277" r:id="rId8"/>
-    <p:sldId id="258" r:id="rId9"/>
-    <p:sldId id="280" r:id="rId10"/>
-    <p:sldId id="259" r:id="rId11"/>
-    <p:sldId id="289" r:id="rId12"/>
+    <p:sldId id="284" r:id="rId3"/>
+    <p:sldId id="288" r:id="rId4"/>
+    <p:sldId id="299" r:id="rId5"/>
+    <p:sldId id="281" r:id="rId6"/>
+    <p:sldId id="257" r:id="rId7"/>
+    <p:sldId id="276" r:id="rId8"/>
+    <p:sldId id="277" r:id="rId9"/>
+    <p:sldId id="258" r:id="rId10"/>
+    <p:sldId id="280" r:id="rId11"/>
+    <p:sldId id="259" r:id="rId12"/>
     <p:sldId id="283" r:id="rId13"/>
-    <p:sldId id="264" r:id="rId14"/>
-    <p:sldId id="287" r:id="rId15"/>
-    <p:sldId id="279" r:id="rId16"/>
-    <p:sldId id="278" r:id="rId17"/>
-    <p:sldId id="265" r:id="rId18"/>
-    <p:sldId id="286" r:id="rId19"/>
-    <p:sldId id="272" r:id="rId20"/>
-    <p:sldId id="285" r:id="rId21"/>
-    <p:sldId id="273" r:id="rId22"/>
-    <p:sldId id="271" r:id="rId23"/>
-    <p:sldId id="290" r:id="rId24"/>
-    <p:sldId id="260" r:id="rId25"/>
-    <p:sldId id="263" r:id="rId26"/>
-    <p:sldId id="292" r:id="rId27"/>
-    <p:sldId id="275" r:id="rId28"/>
-    <p:sldId id="294" r:id="rId29"/>
-    <p:sldId id="293" r:id="rId30"/>
-    <p:sldId id="269" r:id="rId31"/>
-    <p:sldId id="270" r:id="rId32"/>
-    <p:sldId id="295" r:id="rId33"/>
-    <p:sldId id="291" r:id="rId34"/>
-    <p:sldId id="274" r:id="rId35"/>
+    <p:sldId id="289" r:id="rId14"/>
+    <p:sldId id="264" r:id="rId15"/>
+    <p:sldId id="297" r:id="rId16"/>
+    <p:sldId id="287" r:id="rId17"/>
+    <p:sldId id="279" r:id="rId18"/>
+    <p:sldId id="278" r:id="rId19"/>
+    <p:sldId id="265" r:id="rId20"/>
+    <p:sldId id="286" r:id="rId21"/>
+    <p:sldId id="296" r:id="rId22"/>
+    <p:sldId id="285" r:id="rId23"/>
+    <p:sldId id="298" r:id="rId24"/>
+    <p:sldId id="300" r:id="rId25"/>
+    <p:sldId id="273" r:id="rId26"/>
+    <p:sldId id="271" r:id="rId27"/>
+    <p:sldId id="290" r:id="rId28"/>
+    <p:sldId id="301" r:id="rId29"/>
+    <p:sldId id="260" r:id="rId30"/>
+    <p:sldId id="263" r:id="rId31"/>
+    <p:sldId id="292" r:id="rId32"/>
+    <p:sldId id="275" r:id="rId33"/>
+    <p:sldId id="294" r:id="rId34"/>
+    <p:sldId id="293" r:id="rId35"/>
+    <p:sldId id="269" r:id="rId36"/>
+    <p:sldId id="302" r:id="rId37"/>
+    <p:sldId id="270" r:id="rId38"/>
+    <p:sldId id="291" r:id="rId39"/>
+    <p:sldId id="274" r:id="rId40"/>
   </p:sldIdLst>
   <p:sldSz cx="12192000" cy="6858000"/>
   <p:notesSz cx="6858000" cy="9144000"/>
@@ -146,8 +151,9 @@
         <p14:section name="Query Plans" id="{83BD849D-C976-4106-9033-75A5B83D4A95}">
           <p14:sldIdLst>
             <p14:sldId id="256"/>
+            <p14:sldId id="284"/>
             <p14:sldId id="288"/>
-            <p14:sldId id="284"/>
+            <p14:sldId id="299"/>
             <p14:sldId id="281"/>
             <p14:sldId id="257"/>
             <p14:sldId id="276"/>
@@ -155,9 +161,10 @@
             <p14:sldId id="258"/>
             <p14:sldId id="280"/>
             <p14:sldId id="259"/>
+            <p14:sldId id="283"/>
             <p14:sldId id="289"/>
-            <p14:sldId id="283"/>
             <p14:sldId id="264"/>
+            <p14:sldId id="297"/>
           </p14:sldIdLst>
         </p14:section>
         <p14:section name="Plan Reuse" id="{AA7FDDFA-2D45-49DD-B242-107DE2ACFE8A}">
@@ -167,11 +174,14 @@
             <p14:sldId id="278"/>
             <p14:sldId id="265"/>
             <p14:sldId id="286"/>
-            <p14:sldId id="272"/>
+            <p14:sldId id="296"/>
             <p14:sldId id="285"/>
+            <p14:sldId id="298"/>
+            <p14:sldId id="300"/>
             <p14:sldId id="273"/>
             <p14:sldId id="271"/>
             <p14:sldId id="290"/>
+            <p14:sldId id="301"/>
             <p14:sldId id="260"/>
             <p14:sldId id="263"/>
           </p14:sldIdLst>
@@ -183,8 +193,8 @@
             <p14:sldId id="294"/>
             <p14:sldId id="293"/>
             <p14:sldId id="269"/>
+            <p14:sldId id="302"/>
             <p14:sldId id="270"/>
-            <p14:sldId id="295"/>
           </p14:sldIdLst>
         </p14:section>
         <p14:section name="Forcing and Hints" id="{309A4193-68B1-4BD5-B3F2-6A397BEBDD38}">
@@ -197,6 +207,9 @@
     </p:ext>
     <p:ext uri="{EFAFB233-063F-42B5-8137-9DF3F51BA10A}">
       <p15:sldGuideLst xmlns:p15="http://schemas.microsoft.com/office/powerpoint/2012/main"/>
+    </p:ext>
+    <p:ext uri="{2D200454-40CA-4A62-9FC3-DE9A4176ACB9}">
+      <p15:notesGuideLst xmlns:p15="http://schemas.microsoft.com/office/powerpoint/2012/main"/>
     </p:ext>
   </p:extLst>
 </p:presentation>
@@ -7657,7 +7670,7 @@
           <a:p>
             <a:fld id="{C07FE611-E342-4944-80A8-F7B4C421E4DD}" type="slidenum">
               <a:rPr lang="en-GB" smtClean="0"/>
-              <a:t>4</a:t>
+              <a:t>5</a:t>
             </a:fld>
             <a:endParaRPr lang="en-GB"/>
           </a:p>
@@ -7722,12 +7735,20 @@
           <a:p>
             <a:r>
               <a:rPr lang="en-GB" dirty="0" smtClean="0"/>
-              <a:t>Simple example where the number of distinct values in</a:t>
+              <a:t>Histogram</a:t>
             </a:r>
             <a:r>
               <a:rPr lang="en-GB" baseline="0" dirty="0" smtClean="0"/>
-              <a:t> the column is low, but the number of matching records is high</a:t>
-            </a:r>
+              <a:t> shows skew for values between 160 and 175. If the plan is generated from a value in this range then it maybe off</a:t>
+            </a:r>
+          </a:p>
+          <a:p>
+            <a:r>
+              <a:rPr lang="en-GB" baseline="0" dirty="0" smtClean="0"/>
+              <a:t>Maximum 200 ranges calculated</a:t>
+            </a:r>
+          </a:p>
+          <a:p>
             <a:endParaRPr lang="en-GB" dirty="0"/>
           </a:p>
         </p:txBody>
@@ -7749,7 +7770,7 @@
           <a:p>
             <a:fld id="{C07FE611-E342-4944-80A8-F7B4C421E4DD}" type="slidenum">
               <a:rPr lang="en-GB" smtClean="0"/>
-              <a:t>11</a:t>
+              <a:t>12</a:t>
             </a:fld>
             <a:endParaRPr lang="en-GB"/>
           </a:p>
@@ -7758,7 +7779,7 @@
     </p:spTree>
     <p:extLst>
       <p:ext uri="{BB962C8B-B14F-4D97-AF65-F5344CB8AC3E}">
-        <p14:creationId xmlns:p14="http://schemas.microsoft.com/office/powerpoint/2010/main" val="2846438160"/>
+        <p14:creationId xmlns:p14="http://schemas.microsoft.com/office/powerpoint/2010/main" val="1921781621"/>
       </p:ext>
     </p:extLst>
   </p:cSld>
@@ -7814,20 +7835,12 @@
           <a:p>
             <a:r>
               <a:rPr lang="en-GB" dirty="0" smtClean="0"/>
-              <a:t>Histogram</a:t>
+              <a:t>Simple example where the number of distinct values in</a:t>
             </a:r>
             <a:r>
               <a:rPr lang="en-GB" baseline="0" dirty="0" smtClean="0"/>
-              <a:t> shows skew for values between 160 and 175. If the plan is generated from a value in this range then it maybe off</a:t>
-            </a:r>
-          </a:p>
-          <a:p>
-            <a:r>
-              <a:rPr lang="en-GB" baseline="0" dirty="0" smtClean="0"/>
-              <a:t>Maximum 200 ranges calculated</a:t>
-            </a:r>
-          </a:p>
-          <a:p>
+              <a:t> the column is low, but the number of matching records is high</a:t>
+            </a:r>
             <a:endParaRPr lang="en-GB" dirty="0"/>
           </a:p>
         </p:txBody>
@@ -7849,7 +7862,7 @@
           <a:p>
             <a:fld id="{C07FE611-E342-4944-80A8-F7B4C421E4DD}" type="slidenum">
               <a:rPr lang="en-GB" smtClean="0"/>
-              <a:t>12</a:t>
+              <a:t>13</a:t>
             </a:fld>
             <a:endParaRPr lang="en-GB"/>
           </a:p>
@@ -7858,7 +7871,7 @@
     </p:spTree>
     <p:extLst>
       <p:ext uri="{BB962C8B-B14F-4D97-AF65-F5344CB8AC3E}">
-        <p14:creationId xmlns:p14="http://schemas.microsoft.com/office/powerpoint/2010/main" val="1921781621"/>
+        <p14:creationId xmlns:p14="http://schemas.microsoft.com/office/powerpoint/2010/main" val="2846438160"/>
       </p:ext>
     </p:extLst>
   </p:cSld>
@@ -7973,7 +7986,7 @@
             <a:fld id="{B55B88FD-84B2-43BD-86AA-E2E5C0B76984}" type="slidenum">
               <a:rPr lang="en-GB" smtClean="0"/>
               <a:pPr/>
-              <a:t>16</a:t>
+              <a:t>18</a:t>
             </a:fld>
             <a:endParaRPr lang="en-GB"/>
           </a:p>
@@ -14007,7 +14020,7 @@
           <a:p>
             <a:r>
               <a:rPr lang="en-GB" dirty="0" smtClean="0"/>
-              <a:t>Statistics</a:t>
+              <a:t>Estimates</a:t>
             </a:r>
             <a:endParaRPr lang="en-GB" dirty="0"/>
           </a:p>
@@ -14030,64 +14043,40 @@
           <a:p>
             <a:r>
               <a:rPr lang="en-GB" dirty="0" smtClean="0"/>
-              <a:t>Histogram of column(s) </a:t>
-            </a:r>
-            <a:r>
-              <a:rPr lang="en-GB" dirty="0" smtClean="0"/>
-              <a:t>contents</a:t>
-            </a:r>
-          </a:p>
-          <a:p>
-            <a:r>
-              <a:rPr lang="en-GB" dirty="0" smtClean="0"/>
-              <a:t>Calculates the cardinality of a column (uniqueness of values)</a:t>
-            </a:r>
-            <a:endParaRPr lang="en-GB" dirty="0" smtClean="0"/>
-          </a:p>
-          <a:p>
-            <a:r>
-              <a:rPr lang="en-GB" dirty="0" smtClean="0"/>
-              <a:t>Estimated from a sample (usually</a:t>
-            </a:r>
-            <a:r>
-              <a:rPr lang="en-GB" dirty="0" smtClean="0"/>
-              <a:t>)</a:t>
-            </a:r>
-          </a:p>
-          <a:p>
-            <a:r>
-              <a:rPr lang="en-GB" dirty="0" smtClean="0"/>
-              <a:t>Always exist for indexes</a:t>
-            </a:r>
-            <a:endParaRPr lang="en-GB" dirty="0" smtClean="0"/>
-          </a:p>
-          <a:p>
-            <a:r>
-              <a:rPr lang="en-GB" dirty="0" smtClean="0"/>
-              <a:t>Auto generated (usually</a:t>
-            </a:r>
-            <a:r>
-              <a:rPr lang="en-GB" dirty="0" smtClean="0"/>
-              <a:t>) on other columns if used as predicates</a:t>
-            </a:r>
-            <a:endParaRPr lang="en-GB" dirty="0" smtClean="0"/>
-          </a:p>
-          <a:p>
-            <a:r>
-              <a:rPr lang="en-GB" dirty="0" smtClean="0"/>
-              <a:t>Never auto generated on multiple columns (except indexes)</a:t>
-            </a:r>
-          </a:p>
-          <a:p>
-            <a:r>
-              <a:rPr lang="en-GB" dirty="0" smtClean="0"/>
-              <a:t>Manually update with UPDATE STATISTICS</a:t>
-            </a:r>
-          </a:p>
-          <a:p>
-            <a:pPr marL="0" indent="0">
-              <a:buNone/>
-            </a:pPr>
+              <a:t>Plans are based on estimates</a:t>
+            </a:r>
+          </a:p>
+          <a:p>
+            <a:r>
+              <a:rPr lang="en-GB" dirty="0" smtClean="0"/>
+              <a:t>Based on statistics or fixed estimates</a:t>
+            </a:r>
+          </a:p>
+          <a:p>
+            <a:r>
+              <a:rPr lang="en-GB" dirty="0" smtClean="0"/>
+              <a:t>Statistics need updating</a:t>
+            </a:r>
+          </a:p>
+          <a:p>
+            <a:pPr lvl="1"/>
+            <a:r>
+              <a:rPr lang="en-GB" dirty="0" smtClean="0"/>
+              <a:t>Especially where distributions change</a:t>
+            </a:r>
+          </a:p>
+          <a:p>
+            <a:pPr lvl="1"/>
+            <a:r>
+              <a:rPr lang="en-GB" dirty="0" smtClean="0"/>
+              <a:t>i.e. time based data</a:t>
+            </a:r>
+          </a:p>
+          <a:p>
+            <a:r>
+              <a:rPr lang="en-GB" dirty="0" smtClean="0"/>
+              <a:t>Query has to run to get actuals</a:t>
+            </a:r>
             <a:endParaRPr lang="en-GB" dirty="0"/>
           </a:p>
         </p:txBody>
@@ -14095,13 +14084,21 @@
     </p:spTree>
     <p:extLst>
       <p:ext uri="{BB962C8B-B14F-4D97-AF65-F5344CB8AC3E}">
-        <p14:creationId xmlns:p14="http://schemas.microsoft.com/office/powerpoint/2010/main" val="2109371678"/>
+        <p14:creationId xmlns:p14="http://schemas.microsoft.com/office/powerpoint/2010/main" val="1845990105"/>
       </p:ext>
     </p:extLst>
   </p:cSld>
   <p:clrMapOvr>
     <a:masterClrMapping/>
   </p:clrMapOvr>
+  <mc:AlternateContent xmlns:mc="http://schemas.openxmlformats.org/markup-compatibility/2006" xmlns:p14="http://schemas.microsoft.com/office/powerpoint/2010/main">
+    <mc:Choice Requires="p14">
+      <p:transition spd="slow" p14:dur="2000"/>
+    </mc:Choice>
+    <mc:Fallback xmlns="">
+      <p:transition spd="slow"/>
+    </mc:Fallback>
+  </mc:AlternateContent>
   <p:timing>
     <p:tnLst>
       <p:par>
@@ -14146,59 +14143,80 @@
           <a:p>
             <a:r>
               <a:rPr lang="en-GB" dirty="0" smtClean="0"/>
-              <a:t>DBCC SHOW_STATISTICS</a:t>
+              <a:t>Statistics</a:t>
             </a:r>
             <a:endParaRPr lang="en-GB" dirty="0"/>
           </a:p>
         </p:txBody>
       </p:sp>
-      <p:pic>
-        <p:nvPicPr>
-          <p:cNvPr id="1026" name="Picture 2" descr="post64_Statitsics2"/>
-          <p:cNvPicPr>
-            <a:picLocks noGrp="1" noChangeAspect="1" noChangeArrowheads="1"/>
-          </p:cNvPicPr>
+      <p:sp>
+        <p:nvSpPr>
+          <p:cNvPr id="3" name="Content Placeholder 2"/>
+          <p:cNvSpPr>
+            <a:spLocks noGrp="1"/>
+          </p:cNvSpPr>
           <p:nvPr>
             <p:ph idx="1"/>
           </p:nvPr>
-        </p:nvPicPr>
-        <p:blipFill>
-          <a:blip r:embed="rId3">
-            <a:extLst>
-              <a:ext uri="{28A0092B-C50C-407E-A947-70E740481C1C}">
-                <a14:useLocalDpi xmlns:a14="http://schemas.microsoft.com/office/drawing/2010/main" val="0"/>
-              </a:ext>
-            </a:extLst>
-          </a:blip>
-          <a:srcRect/>
-          <a:stretch>
-            <a:fillRect/>
-          </a:stretch>
-        </p:blipFill>
-        <p:spPr bwMode="auto">
-          <a:xfrm>
-            <a:off x="2913430" y="1839125"/>
-            <a:ext cx="5515745" cy="2305372"/>
-          </a:xfrm>
-          <a:prstGeom prst="rect">
-            <a:avLst/>
-          </a:prstGeom>
-          <a:noFill/>
-          <a:extLst>
-            <a:ext uri="{909E8E84-426E-40DD-AFC4-6F175D3DCCD1}">
-              <a14:hiddenFill xmlns:a14="http://schemas.microsoft.com/office/drawing/2010/main">
-                <a:solidFill>
-                  <a:srgbClr val="FFFFFF"/>
-                </a:solidFill>
-              </a14:hiddenFill>
-            </a:ext>
-          </a:extLst>
-        </p:spPr>
-      </p:pic>
+        </p:nvSpPr>
+        <p:spPr/>
+        <p:txBody>
+          <a:bodyPr/>
+          <a:lstStyle/>
+          <a:p>
+            <a:r>
+              <a:rPr lang="en-GB" dirty="0" smtClean="0"/>
+              <a:t>Histogram of column(s) contents</a:t>
+            </a:r>
+          </a:p>
+          <a:p>
+            <a:r>
+              <a:rPr lang="en-GB" dirty="0" smtClean="0"/>
+              <a:t>Calculates the cardinality of a column (uniqueness of values)</a:t>
+            </a:r>
+          </a:p>
+          <a:p>
+            <a:r>
+              <a:rPr lang="en-GB" dirty="0" smtClean="0"/>
+              <a:t>Estimated from a sample (usually)</a:t>
+            </a:r>
+          </a:p>
+          <a:p>
+            <a:r>
+              <a:rPr lang="en-GB" dirty="0" smtClean="0"/>
+              <a:t>Always exist for indexes</a:t>
+            </a:r>
+          </a:p>
+          <a:p>
+            <a:r>
+              <a:rPr lang="en-GB" dirty="0" smtClean="0"/>
+              <a:t>Auto generated (usually) on other columns if used as predicates</a:t>
+            </a:r>
+          </a:p>
+          <a:p>
+            <a:r>
+              <a:rPr lang="en-GB" dirty="0" smtClean="0"/>
+              <a:t>Never auto generated on multiple columns (except indexes)</a:t>
+            </a:r>
+          </a:p>
+          <a:p>
+            <a:r>
+              <a:rPr lang="en-GB" dirty="0" smtClean="0"/>
+              <a:t>Manually update with UPDATE STATISTICS</a:t>
+            </a:r>
+          </a:p>
+          <a:p>
+            <a:pPr marL="0" indent="0">
+              <a:buNone/>
+            </a:pPr>
+            <a:endParaRPr lang="en-GB" dirty="0"/>
+          </a:p>
+        </p:txBody>
+      </p:sp>
     </p:spTree>
     <p:extLst>
       <p:ext uri="{BB962C8B-B14F-4D97-AF65-F5344CB8AC3E}">
-        <p14:creationId xmlns:p14="http://schemas.microsoft.com/office/powerpoint/2010/main" val="1344992069"/>
+        <p14:creationId xmlns:p14="http://schemas.microsoft.com/office/powerpoint/2010/main" val="2109371678"/>
       </p:ext>
     </p:extLst>
   </p:cSld>
@@ -14334,7 +14352,7 @@
           <a:p>
             <a:r>
               <a:rPr lang="en-GB" dirty="0" smtClean="0"/>
-              <a:t>Statistics Again</a:t>
+              <a:t>Demo</a:t>
             </a:r>
             <a:endParaRPr lang="en-GB" dirty="0"/>
           </a:p>
@@ -14357,42 +14375,7 @@
           <a:p>
             <a:r>
               <a:rPr lang="en-GB" dirty="0" smtClean="0"/>
-              <a:t>The tipping point</a:t>
-            </a:r>
-          </a:p>
-          <a:p>
-            <a:pPr lvl="1"/>
-            <a:r>
-              <a:rPr lang="en-GB" dirty="0" smtClean="0"/>
-              <a:t>At some point SQL will estimate that it is quicker/more efficient to scan an table rather than seek on a index</a:t>
-            </a:r>
-          </a:p>
-          <a:p>
-            <a:pPr lvl="1"/>
-            <a:r>
-              <a:rPr lang="en-GB" dirty="0" smtClean="0"/>
-              <a:t>Usually around 30% of the pages in the table are being read</a:t>
-            </a:r>
-          </a:p>
-          <a:p>
-            <a:pPr lvl="2"/>
-            <a:r>
-              <a:rPr lang="en-GB" dirty="0" smtClean="0"/>
-              <a:t>Varies based on parallelism</a:t>
-            </a:r>
-          </a:p>
-          <a:p>
-            <a:pPr lvl="2"/>
-            <a:r>
-              <a:rPr lang="en-GB" dirty="0" smtClean="0"/>
-              <a:t>Or, memory pressure</a:t>
-            </a:r>
-          </a:p>
-          <a:p>
-            <a:pPr lvl="2"/>
-            <a:r>
-              <a:rPr lang="en-GB" dirty="0" smtClean="0"/>
-              <a:t>Never happens on a covering non clustered index</a:t>
+              <a:t>Statistics and Estimation</a:t>
             </a:r>
             <a:endParaRPr lang="en-GB" dirty="0"/>
           </a:p>
@@ -14401,7 +14384,7 @@
     </p:spTree>
     <p:extLst>
       <p:ext uri="{BB962C8B-B14F-4D97-AF65-F5344CB8AC3E}">
-        <p14:creationId xmlns:p14="http://schemas.microsoft.com/office/powerpoint/2010/main" val="1379164342"/>
+        <p14:creationId xmlns:p14="http://schemas.microsoft.com/office/powerpoint/2010/main" val="1344992069"/>
       </p:ext>
     </p:extLst>
   </p:cSld>
@@ -14437,7 +14420,7 @@
       </p:grpSpPr>
       <p:sp>
         <p:nvSpPr>
-          <p:cNvPr id="4" name="Title 3"/>
+          <p:cNvPr id="2" name="Title 1"/>
           <p:cNvSpPr>
             <a:spLocks noGrp="1"/>
           </p:cNvSpPr>
@@ -14452,7 +14435,7 @@
           <a:p>
             <a:r>
               <a:rPr lang="en-GB" dirty="0" smtClean="0"/>
-              <a:t>Plan Reuse</a:t>
+              <a:t>Statistics Again</a:t>
             </a:r>
             <a:endParaRPr lang="en-GB" dirty="0"/>
           </a:p>
@@ -14460,12 +14443,12 @@
       </p:sp>
       <p:sp>
         <p:nvSpPr>
-          <p:cNvPr id="5" name="Text Placeholder 4"/>
+          <p:cNvPr id="3" name="Content Placeholder 2"/>
           <p:cNvSpPr>
             <a:spLocks noGrp="1"/>
           </p:cNvSpPr>
           <p:nvPr>
-            <p:ph type="body" idx="1"/>
+            <p:ph idx="1"/>
           </p:nvPr>
         </p:nvSpPr>
         <p:spPr/>
@@ -14473,14 +14456,53 @@
           <a:bodyPr/>
           <a:lstStyle/>
           <a:p>
-            <a:endParaRPr lang="en-GB"/>
+            <a:r>
+              <a:rPr lang="en-GB" dirty="0" smtClean="0"/>
+              <a:t>The tipping point</a:t>
+            </a:r>
+          </a:p>
+          <a:p>
+            <a:pPr lvl="1"/>
+            <a:r>
+              <a:rPr lang="en-GB" dirty="0" smtClean="0"/>
+              <a:t>At some point SQL will estimate that it is quicker/more efficient to scan an table rather than seek on a index</a:t>
+            </a:r>
+          </a:p>
+          <a:p>
+            <a:pPr lvl="1"/>
+            <a:r>
+              <a:rPr lang="en-GB" dirty="0" smtClean="0"/>
+              <a:t>Usually around 30% of the pages in the table are being read</a:t>
+            </a:r>
+          </a:p>
+          <a:p>
+            <a:pPr lvl="2"/>
+            <a:r>
+              <a:rPr lang="en-GB" dirty="0" smtClean="0"/>
+              <a:t>Varies based on parallelism</a:t>
+            </a:r>
+          </a:p>
+          <a:p>
+            <a:pPr lvl="2"/>
+            <a:r>
+              <a:rPr lang="en-GB" dirty="0" smtClean="0"/>
+              <a:t>Or, memory pressure</a:t>
+            </a:r>
+          </a:p>
+          <a:p>
+            <a:pPr lvl="2"/>
+            <a:r>
+              <a:rPr lang="en-GB" dirty="0" smtClean="0"/>
+              <a:t>Never happens on a covering non clustered index</a:t>
+            </a:r>
+            <a:endParaRPr lang="en-GB" dirty="0"/>
           </a:p>
         </p:txBody>
       </p:sp>
     </p:spTree>
     <p:extLst>
       <p:ext uri="{BB962C8B-B14F-4D97-AF65-F5344CB8AC3E}">
-        <p14:creationId xmlns:p14="http://schemas.microsoft.com/office/powerpoint/2010/main" val="2770975309"/>
+        <p14:creationId xmlns:p14="http://schemas.microsoft.com/office/powerpoint/2010/main" val="1379164342"/>
       </p:ext>
     </p:extLst>
   </p:cSld>
@@ -14531,6 +14553,207 @@
           <a:p>
             <a:r>
               <a:rPr lang="en-GB" dirty="0" smtClean="0"/>
+              <a:t>Indexes</a:t>
+            </a:r>
+            <a:endParaRPr lang="en-GB" dirty="0"/>
+          </a:p>
+        </p:txBody>
+      </p:sp>
+      <p:sp>
+        <p:nvSpPr>
+          <p:cNvPr id="3" name="Content Placeholder 2"/>
+          <p:cNvSpPr>
+            <a:spLocks noGrp="1"/>
+          </p:cNvSpPr>
+          <p:nvPr>
+            <p:ph idx="1"/>
+          </p:nvPr>
+        </p:nvSpPr>
+        <p:spPr/>
+        <p:txBody>
+          <a:bodyPr/>
+          <a:lstStyle/>
+          <a:p>
+            <a:r>
+              <a:rPr lang="en-GB" dirty="0" smtClean="0"/>
+              <a:t>Query plans show the index used to find records in each table</a:t>
+            </a:r>
+          </a:p>
+          <a:p>
+            <a:r>
+              <a:rPr lang="en-GB" dirty="0" smtClean="0"/>
+              <a:t>They will be scanned or </a:t>
+            </a:r>
+            <a:r>
+              <a:rPr lang="en-GB" dirty="0" err="1" smtClean="0"/>
+              <a:t>seeked</a:t>
+            </a:r>
+            <a:endParaRPr lang="en-GB" dirty="0" smtClean="0"/>
+          </a:p>
+          <a:p>
+            <a:r>
+              <a:rPr lang="en-GB" dirty="0" smtClean="0"/>
+              <a:t>If a non clustered index does not include all the required columns a bookmark lookup is required</a:t>
+            </a:r>
+          </a:p>
+          <a:p>
+            <a:pPr lvl="1"/>
+            <a:r>
+              <a:rPr lang="en-GB" dirty="0" smtClean="0"/>
+              <a:t>This does not mean create indexes including every column!</a:t>
+            </a:r>
+          </a:p>
+          <a:p>
+            <a:r>
+              <a:rPr lang="en-GB" dirty="0" smtClean="0"/>
+              <a:t>Column order is important</a:t>
+            </a:r>
+          </a:p>
+          <a:p>
+            <a:r>
+              <a:rPr lang="en-GB" dirty="0" smtClean="0"/>
+              <a:t>Use filtered indexes on poor selecting columns (such as status)</a:t>
+            </a:r>
+            <a:endParaRPr lang="en-GB" dirty="0" smtClean="0"/>
+          </a:p>
+          <a:p>
+            <a:endParaRPr lang="en-GB" dirty="0"/>
+          </a:p>
+        </p:txBody>
+      </p:sp>
+    </p:spTree>
+    <p:extLst>
+      <p:ext uri="{BB962C8B-B14F-4D97-AF65-F5344CB8AC3E}">
+        <p14:creationId xmlns:p14="http://schemas.microsoft.com/office/powerpoint/2010/main" val="4160478381"/>
+      </p:ext>
+    </p:extLst>
+  </p:cSld>
+  <p:clrMapOvr>
+    <a:masterClrMapping/>
+  </p:clrMapOvr>
+  <p:timing>
+    <p:tnLst>
+      <p:par>
+        <p:cTn id="1" dur="indefinite" restart="never" nodeType="tmRoot"/>
+      </p:par>
+    </p:tnLst>
+  </p:timing>
+</p:sld>
+</file>
+
+<file path=ppt/slides/slide16.xml><?xml version="1.0" encoding="utf-8"?>
+<p:sld xmlns:a="http://schemas.openxmlformats.org/drawingml/2006/main" xmlns:r="http://schemas.openxmlformats.org/officeDocument/2006/relationships" xmlns:p="http://schemas.openxmlformats.org/presentationml/2006/main">
+  <p:cSld>
+    <p:spTree>
+      <p:nvGrpSpPr>
+        <p:cNvPr id="1" name=""/>
+        <p:cNvGrpSpPr/>
+        <p:nvPr/>
+      </p:nvGrpSpPr>
+      <p:grpSpPr>
+        <a:xfrm>
+          <a:off x="0" y="0"/>
+          <a:ext cx="0" cy="0"/>
+          <a:chOff x="0" y="0"/>
+          <a:chExt cx="0" cy="0"/>
+        </a:xfrm>
+      </p:grpSpPr>
+      <p:sp>
+        <p:nvSpPr>
+          <p:cNvPr id="4" name="Title 3"/>
+          <p:cNvSpPr>
+            <a:spLocks noGrp="1"/>
+          </p:cNvSpPr>
+          <p:nvPr>
+            <p:ph type="title"/>
+          </p:nvPr>
+        </p:nvSpPr>
+        <p:spPr/>
+        <p:txBody>
+          <a:bodyPr/>
+          <a:lstStyle/>
+          <a:p>
+            <a:r>
+              <a:rPr lang="en-GB" dirty="0" smtClean="0"/>
+              <a:t>Plan Reuse</a:t>
+            </a:r>
+            <a:endParaRPr lang="en-GB" dirty="0"/>
+          </a:p>
+        </p:txBody>
+      </p:sp>
+      <p:sp>
+        <p:nvSpPr>
+          <p:cNvPr id="5" name="Text Placeholder 4"/>
+          <p:cNvSpPr>
+            <a:spLocks noGrp="1"/>
+          </p:cNvSpPr>
+          <p:nvPr>
+            <p:ph type="body" idx="1"/>
+          </p:nvPr>
+        </p:nvSpPr>
+        <p:spPr/>
+        <p:txBody>
+          <a:bodyPr/>
+          <a:lstStyle/>
+          <a:p>
+            <a:endParaRPr lang="en-GB"/>
+          </a:p>
+        </p:txBody>
+      </p:sp>
+    </p:spTree>
+    <p:extLst>
+      <p:ext uri="{BB962C8B-B14F-4D97-AF65-F5344CB8AC3E}">
+        <p14:creationId xmlns:p14="http://schemas.microsoft.com/office/powerpoint/2010/main" val="2770975309"/>
+      </p:ext>
+    </p:extLst>
+  </p:cSld>
+  <p:clrMapOvr>
+    <a:masterClrMapping/>
+  </p:clrMapOvr>
+  <p:timing>
+    <p:tnLst>
+      <p:par>
+        <p:cTn id="1" dur="indefinite" restart="never" nodeType="tmRoot"/>
+      </p:par>
+    </p:tnLst>
+  </p:timing>
+</p:sld>
+</file>
+
+<file path=ppt/slides/slide17.xml><?xml version="1.0" encoding="utf-8"?>
+<p:sld xmlns:a="http://schemas.openxmlformats.org/drawingml/2006/main" xmlns:r="http://schemas.openxmlformats.org/officeDocument/2006/relationships" xmlns:p="http://schemas.openxmlformats.org/presentationml/2006/main">
+  <p:cSld>
+    <p:spTree>
+      <p:nvGrpSpPr>
+        <p:cNvPr id="1" name=""/>
+        <p:cNvGrpSpPr/>
+        <p:nvPr/>
+      </p:nvGrpSpPr>
+      <p:grpSpPr>
+        <a:xfrm>
+          <a:off x="0" y="0"/>
+          <a:ext cx="0" cy="0"/>
+          <a:chOff x="0" y="0"/>
+          <a:chExt cx="0" cy="0"/>
+        </a:xfrm>
+      </p:grpSpPr>
+      <p:sp>
+        <p:nvSpPr>
+          <p:cNvPr id="2" name="Title 1"/>
+          <p:cNvSpPr>
+            <a:spLocks noGrp="1"/>
+          </p:cNvSpPr>
+          <p:nvPr>
+            <p:ph type="title"/>
+          </p:nvPr>
+        </p:nvSpPr>
+        <p:spPr/>
+        <p:txBody>
+          <a:bodyPr/>
+          <a:lstStyle/>
+          <a:p>
+            <a:r>
+              <a:rPr lang="en-GB" dirty="0" smtClean="0"/>
               <a:t>Why plan reuse</a:t>
             </a:r>
             <a:endParaRPr lang="en-GB" dirty="0"/>
@@ -14614,7 +14837,7 @@
 </p:sld>
 </file>
 
-<file path=ppt/slides/slide16.xml><?xml version="1.0" encoding="utf-8"?>
+<file path=ppt/slides/slide18.xml><?xml version="1.0" encoding="utf-8"?>
 <p:sld xmlns:a="http://schemas.openxmlformats.org/drawingml/2006/main" xmlns:r="http://schemas.openxmlformats.org/officeDocument/2006/relationships" xmlns:p="http://schemas.openxmlformats.org/presentationml/2006/main">
   <p:cSld>
     <p:spTree>
@@ -14702,7 +14925,7 @@
 </p:sld>
 </file>
 
-<file path=ppt/slides/slide17.xml><?xml version="1.0" encoding="utf-8"?>
+<file path=ppt/slides/slide19.xml><?xml version="1.0" encoding="utf-8"?>
 <p:sld xmlns:a="http://schemas.openxmlformats.org/drawingml/2006/main" xmlns:r="http://schemas.openxmlformats.org/officeDocument/2006/relationships" xmlns:p="http://schemas.openxmlformats.org/presentationml/2006/main">
   <p:cSld>
     <p:spTree>
@@ -14862,7 +15085,103 @@
 </p:sld>
 </file>
 
-<file path=ppt/slides/slide18.xml><?xml version="1.0" encoding="utf-8"?>
+<file path=ppt/slides/slide2.xml><?xml version="1.0" encoding="utf-8"?>
+<p:sld xmlns:a="http://schemas.openxmlformats.org/drawingml/2006/main" xmlns:r="http://schemas.openxmlformats.org/officeDocument/2006/relationships" xmlns:p="http://schemas.openxmlformats.org/presentationml/2006/main">
+  <p:cSld>
+    <p:spTree>
+      <p:nvGrpSpPr>
+        <p:cNvPr id="1" name=""/>
+        <p:cNvGrpSpPr/>
+        <p:nvPr/>
+      </p:nvGrpSpPr>
+      <p:grpSpPr>
+        <a:xfrm>
+          <a:off x="0" y="0"/>
+          <a:ext cx="0" cy="0"/>
+          <a:chOff x="0" y="0"/>
+          <a:chExt cx="0" cy="0"/>
+        </a:xfrm>
+      </p:grpSpPr>
+      <p:sp>
+        <p:nvSpPr>
+          <p:cNvPr id="2" name="Title 1"/>
+          <p:cNvSpPr>
+            <a:spLocks noGrp="1"/>
+          </p:cNvSpPr>
+          <p:nvPr>
+            <p:ph type="title"/>
+          </p:nvPr>
+        </p:nvSpPr>
+        <p:spPr/>
+        <p:txBody>
+          <a:bodyPr/>
+          <a:lstStyle/>
+          <a:p>
+            <a:r>
+              <a:rPr lang="en-GB" dirty="0" smtClean="0"/>
+              <a:t>Todays Objectives</a:t>
+            </a:r>
+            <a:endParaRPr lang="en-GB" dirty="0"/>
+          </a:p>
+        </p:txBody>
+      </p:sp>
+      <p:sp>
+        <p:nvSpPr>
+          <p:cNvPr id="3" name="Content Placeholder 2"/>
+          <p:cNvSpPr>
+            <a:spLocks noGrp="1"/>
+          </p:cNvSpPr>
+          <p:nvPr>
+            <p:ph idx="1"/>
+          </p:nvPr>
+        </p:nvSpPr>
+        <p:spPr/>
+        <p:txBody>
+          <a:bodyPr/>
+          <a:lstStyle/>
+          <a:p>
+            <a:r>
+              <a:rPr lang="en-GB" dirty="0" smtClean="0"/>
+              <a:t>How SQL Server generates a query plan</a:t>
+            </a:r>
+            <a:endParaRPr lang="en-GB" dirty="0" smtClean="0"/>
+          </a:p>
+          <a:p>
+            <a:r>
+              <a:rPr lang="en-GB" dirty="0" smtClean="0"/>
+              <a:t>How to read a query plan</a:t>
+            </a:r>
+          </a:p>
+          <a:p>
+            <a:r>
+              <a:rPr lang="en-GB" dirty="0" smtClean="0"/>
+              <a:t>Why query plans sometimes get it wrong</a:t>
+            </a:r>
+            <a:endParaRPr lang="en-GB" dirty="0" smtClean="0"/>
+          </a:p>
+        </p:txBody>
+      </p:sp>
+    </p:spTree>
+    <p:extLst>
+      <p:ext uri="{BB962C8B-B14F-4D97-AF65-F5344CB8AC3E}">
+        <p14:creationId xmlns:p14="http://schemas.microsoft.com/office/powerpoint/2010/main" val="2755014549"/>
+      </p:ext>
+    </p:extLst>
+  </p:cSld>
+  <p:clrMapOvr>
+    <a:masterClrMapping/>
+  </p:clrMapOvr>
+  <p:timing>
+    <p:tnLst>
+      <p:par>
+        <p:cTn id="1" dur="indefinite" restart="never" nodeType="tmRoot"/>
+      </p:par>
+    </p:tnLst>
+  </p:timing>
+</p:sld>
+</file>
+
+<file path=ppt/slides/slide20.xml><?xml version="1.0" encoding="utf-8"?>
 <p:sld xmlns:a="http://schemas.openxmlformats.org/drawingml/2006/main" xmlns:r="http://schemas.openxmlformats.org/officeDocument/2006/relationships" xmlns:p="http://schemas.openxmlformats.org/presentationml/2006/main">
   <p:cSld>
     <p:spTree>
@@ -15043,346 +15362,6 @@
 </p:sld>
 </file>
 
-<file path=ppt/slides/slide19.xml><?xml version="1.0" encoding="utf-8"?>
-<p:sld xmlns:a="http://schemas.openxmlformats.org/drawingml/2006/main" xmlns:r="http://schemas.openxmlformats.org/officeDocument/2006/relationships" xmlns:p="http://schemas.openxmlformats.org/presentationml/2006/main">
-  <p:cSld>
-    <p:spTree>
-      <p:nvGrpSpPr>
-        <p:cNvPr id="1" name=""/>
-        <p:cNvGrpSpPr/>
-        <p:nvPr/>
-      </p:nvGrpSpPr>
-      <p:grpSpPr>
-        <a:xfrm>
-          <a:off x="0" y="0"/>
-          <a:ext cx="0" cy="0"/>
-          <a:chOff x="0" y="0"/>
-          <a:chExt cx="0" cy="0"/>
-        </a:xfrm>
-      </p:grpSpPr>
-      <p:sp>
-        <p:nvSpPr>
-          <p:cNvPr id="2" name="Title 1"/>
-          <p:cNvSpPr>
-            <a:spLocks noGrp="1"/>
-          </p:cNvSpPr>
-          <p:nvPr>
-            <p:ph type="title"/>
-          </p:nvPr>
-        </p:nvSpPr>
-        <p:spPr/>
-        <p:txBody>
-          <a:bodyPr/>
-          <a:lstStyle/>
-          <a:p>
-            <a:r>
-              <a:rPr lang="en-GB" dirty="0" smtClean="0"/>
-              <a:t>Plan Caching</a:t>
-            </a:r>
-            <a:endParaRPr lang="en-GB" dirty="0"/>
-          </a:p>
-        </p:txBody>
-      </p:sp>
-      <p:sp>
-        <p:nvSpPr>
-          <p:cNvPr id="3" name="Content Placeholder 2"/>
-          <p:cNvSpPr>
-            <a:spLocks noGrp="1"/>
-          </p:cNvSpPr>
-          <p:nvPr>
-            <p:ph idx="1"/>
-          </p:nvPr>
-        </p:nvSpPr>
-        <p:spPr/>
-        <p:txBody>
-          <a:bodyPr/>
-          <a:lstStyle/>
-          <a:p>
-            <a:r>
-              <a:rPr lang="en-GB" dirty="0" smtClean="0"/>
-              <a:t>Creating plans is slow/expensive in an OLTP world</a:t>
-            </a:r>
-          </a:p>
-          <a:p>
-            <a:pPr lvl="1"/>
-            <a:r>
-              <a:rPr lang="en-GB" dirty="0" smtClean="0"/>
-              <a:t>Not so much of an issue for </a:t>
-            </a:r>
-            <a:r>
-              <a:rPr lang="en-GB" dirty="0" smtClean="0"/>
-              <a:t>data warehouses</a:t>
-            </a:r>
-            <a:endParaRPr lang="en-GB" dirty="0" smtClean="0"/>
-          </a:p>
-          <a:p>
-            <a:r>
-              <a:rPr lang="en-GB" dirty="0" err="1" smtClean="0"/>
-              <a:t>sys.dm_exec_cached_plans</a:t>
-            </a:r>
-            <a:r>
-              <a:rPr lang="en-GB" dirty="0" smtClean="0"/>
-              <a:t> - View</a:t>
-            </a:r>
-          </a:p>
-          <a:p>
-            <a:r>
-              <a:rPr lang="en-GB" dirty="0" err="1" smtClean="0"/>
-              <a:t>sys.dm_exec_query_plan</a:t>
-            </a:r>
-            <a:r>
-              <a:rPr lang="en-GB" dirty="0" smtClean="0"/>
-              <a:t> - Function</a:t>
-            </a:r>
-          </a:p>
-          <a:p>
-            <a:endParaRPr lang="en-GB" dirty="0"/>
-          </a:p>
-        </p:txBody>
-      </p:sp>
-    </p:spTree>
-    <p:extLst>
-      <p:ext uri="{BB962C8B-B14F-4D97-AF65-F5344CB8AC3E}">
-        <p14:creationId xmlns:p14="http://schemas.microsoft.com/office/powerpoint/2010/main" val="2589170775"/>
-      </p:ext>
-    </p:extLst>
-  </p:cSld>
-  <p:clrMapOvr>
-    <a:masterClrMapping/>
-  </p:clrMapOvr>
-  <p:timing>
-    <p:tnLst>
-      <p:par>
-        <p:cTn id="1" dur="indefinite" restart="never" nodeType="tmRoot"/>
-      </p:par>
-    </p:tnLst>
-  </p:timing>
-</p:sld>
-</file>
-
-<file path=ppt/slides/slide2.xml><?xml version="1.0" encoding="utf-8"?>
-<p:sld xmlns:a="http://schemas.openxmlformats.org/drawingml/2006/main" xmlns:r="http://schemas.openxmlformats.org/officeDocument/2006/relationships" xmlns:p="http://schemas.openxmlformats.org/presentationml/2006/main">
-  <p:cSld>
-    <p:spTree>
-      <p:nvGrpSpPr>
-        <p:cNvPr id="1" name=""/>
-        <p:cNvGrpSpPr/>
-        <p:nvPr/>
-      </p:nvGrpSpPr>
-      <p:grpSpPr>
-        <a:xfrm>
-          <a:off x="0" y="0"/>
-          <a:ext cx="0" cy="0"/>
-          <a:chOff x="0" y="0"/>
-          <a:chExt cx="0" cy="0"/>
-        </a:xfrm>
-      </p:grpSpPr>
-      <p:sp>
-        <p:nvSpPr>
-          <p:cNvPr id="4" name="Title 3"/>
-          <p:cNvSpPr>
-            <a:spLocks noGrp="1"/>
-          </p:cNvSpPr>
-          <p:nvPr>
-            <p:ph type="title"/>
-          </p:nvPr>
-        </p:nvSpPr>
-        <p:spPr/>
-        <p:txBody>
-          <a:bodyPr/>
-          <a:lstStyle/>
-          <a:p>
-            <a:r>
-              <a:rPr lang="en-GB" dirty="0" smtClean="0"/>
-              <a:t>Query Plans</a:t>
-            </a:r>
-            <a:endParaRPr lang="en-GB" dirty="0"/>
-          </a:p>
-        </p:txBody>
-      </p:sp>
-      <p:sp>
-        <p:nvSpPr>
-          <p:cNvPr id="5" name="Text Placeholder 4"/>
-          <p:cNvSpPr>
-            <a:spLocks noGrp="1"/>
-          </p:cNvSpPr>
-          <p:nvPr>
-            <p:ph type="body" idx="1"/>
-          </p:nvPr>
-        </p:nvSpPr>
-        <p:spPr/>
-        <p:txBody>
-          <a:bodyPr/>
-          <a:lstStyle/>
-          <a:p>
-            <a:endParaRPr lang="en-GB"/>
-          </a:p>
-        </p:txBody>
-      </p:sp>
-    </p:spTree>
-    <p:extLst>
-      <p:ext uri="{BB962C8B-B14F-4D97-AF65-F5344CB8AC3E}">
-        <p14:creationId xmlns:p14="http://schemas.microsoft.com/office/powerpoint/2010/main" val="3916409609"/>
-      </p:ext>
-    </p:extLst>
-  </p:cSld>
-  <p:clrMapOvr>
-    <a:masterClrMapping/>
-  </p:clrMapOvr>
-  <p:timing>
-    <p:tnLst>
-      <p:par>
-        <p:cTn id="1" dur="indefinite" restart="never" nodeType="tmRoot"/>
-      </p:par>
-    </p:tnLst>
-  </p:timing>
-</p:sld>
-</file>
-
-<file path=ppt/slides/slide20.xml><?xml version="1.0" encoding="utf-8"?>
-<p:sld xmlns:a="http://schemas.openxmlformats.org/drawingml/2006/main" xmlns:r="http://schemas.openxmlformats.org/officeDocument/2006/relationships" xmlns:p="http://schemas.openxmlformats.org/presentationml/2006/main">
-  <p:cSld>
-    <p:spTree>
-      <p:nvGrpSpPr>
-        <p:cNvPr id="1" name=""/>
-        <p:cNvGrpSpPr/>
-        <p:nvPr/>
-      </p:nvGrpSpPr>
-      <p:grpSpPr>
-        <a:xfrm>
-          <a:off x="0" y="0"/>
-          <a:ext cx="0" cy="0"/>
-          <a:chOff x="0" y="0"/>
-          <a:chExt cx="0" cy="0"/>
-        </a:xfrm>
-      </p:grpSpPr>
-      <p:sp>
-        <p:nvSpPr>
-          <p:cNvPr id="2" name="Title 1"/>
-          <p:cNvSpPr>
-            <a:spLocks noGrp="1"/>
-          </p:cNvSpPr>
-          <p:nvPr>
-            <p:ph type="title"/>
-          </p:nvPr>
-        </p:nvSpPr>
-        <p:spPr/>
-        <p:txBody>
-          <a:bodyPr/>
-          <a:lstStyle/>
-          <a:p>
-            <a:r>
-              <a:rPr lang="en-GB" dirty="0" smtClean="0"/>
-              <a:t>Bad plans</a:t>
-            </a:r>
-            <a:endParaRPr lang="en-GB" dirty="0"/>
-          </a:p>
-        </p:txBody>
-      </p:sp>
-      <p:sp>
-        <p:nvSpPr>
-          <p:cNvPr id="3" name="Content Placeholder 2"/>
-          <p:cNvSpPr>
-            <a:spLocks noGrp="1"/>
-          </p:cNvSpPr>
-          <p:nvPr>
-            <p:ph idx="1"/>
-          </p:nvPr>
-        </p:nvSpPr>
-        <p:spPr/>
-        <p:txBody>
-          <a:bodyPr>
-            <a:normAutofit lnSpcReduction="10000"/>
-          </a:bodyPr>
-          <a:lstStyle/>
-          <a:p>
-            <a:r>
-              <a:rPr lang="en-GB" dirty="0" smtClean="0"/>
-              <a:t>Skewed data</a:t>
-            </a:r>
-          </a:p>
-          <a:p>
-            <a:r>
-              <a:rPr lang="en-GB" dirty="0" smtClean="0"/>
-              <a:t>Parameter value not sniffed</a:t>
-            </a:r>
-          </a:p>
-          <a:p>
-            <a:r>
-              <a:rPr lang="en-GB" dirty="0" smtClean="0"/>
-              <a:t>Look for </a:t>
-            </a:r>
-          </a:p>
-          <a:p>
-            <a:pPr lvl="1"/>
-            <a:r>
-              <a:rPr lang="en-GB" dirty="0" smtClean="0"/>
-              <a:t>Differing Actual v Estimate</a:t>
-            </a:r>
-          </a:p>
-          <a:p>
-            <a:pPr lvl="1"/>
-            <a:r>
-              <a:rPr lang="en-GB" dirty="0" smtClean="0"/>
-              <a:t>Loop joins </a:t>
-            </a:r>
-          </a:p>
-          <a:p>
-            <a:pPr lvl="1"/>
-            <a:r>
-              <a:rPr lang="en-GB" dirty="0" smtClean="0"/>
-              <a:t>Large reads/</a:t>
-            </a:r>
-            <a:r>
-              <a:rPr lang="en-GB" dirty="0" err="1" smtClean="0"/>
-              <a:t>cpu</a:t>
-            </a:r>
-            <a:endParaRPr lang="en-GB" dirty="0" smtClean="0"/>
-          </a:p>
-          <a:p>
-            <a:pPr lvl="1"/>
-            <a:r>
-              <a:rPr lang="en-GB" dirty="0" smtClean="0"/>
-              <a:t>Odd behaviour</a:t>
-            </a:r>
-          </a:p>
-          <a:p>
-            <a:r>
-              <a:rPr lang="en-GB" dirty="0" smtClean="0"/>
-              <a:t>Look in DMVs for plans, running code in SSMS may result in a new good plan</a:t>
-            </a:r>
-            <a:endParaRPr lang="en-GB" dirty="0"/>
-          </a:p>
-        </p:txBody>
-      </p:sp>
-    </p:spTree>
-    <p:extLst>
-      <p:ext uri="{BB962C8B-B14F-4D97-AF65-F5344CB8AC3E}">
-        <p14:creationId xmlns:p14="http://schemas.microsoft.com/office/powerpoint/2010/main" val="1894684958"/>
-      </p:ext>
-    </p:extLst>
-  </p:cSld>
-  <p:clrMapOvr>
-    <a:masterClrMapping/>
-  </p:clrMapOvr>
-  <mc:AlternateContent xmlns:mc="http://schemas.openxmlformats.org/markup-compatibility/2006">
-    <mc:Choice xmlns:p14="http://schemas.microsoft.com/office/powerpoint/2010/main" Requires="p14">
-      <p:transition spd="slow" p14:dur="2000"/>
-    </mc:Choice>
-    <mc:Fallback>
-      <p:transition spd="slow"/>
-    </mc:Fallback>
-  </mc:AlternateContent>
-  <p:timing>
-    <p:tnLst>
-      <p:par>
-        <p:cTn id="1" dur="indefinite" restart="never" nodeType="tmRoot"/>
-      </p:par>
-    </p:tnLst>
-  </p:timing>
-</p:sld>
-</file>
-
 <file path=ppt/slides/slide21.xml><?xml version="1.0" encoding="utf-8"?>
 <p:sld xmlns:a="http://schemas.openxmlformats.org/drawingml/2006/main" xmlns:r="http://schemas.openxmlformats.org/officeDocument/2006/relationships" xmlns:p="http://schemas.openxmlformats.org/presentationml/2006/main">
   <p:cSld>
@@ -15417,64 +15396,7 @@
           <a:p>
             <a:r>
               <a:rPr lang="en-GB" dirty="0" smtClean="0"/>
-              <a:t>ORMs</a:t>
-            </a:r>
-            <a:endParaRPr lang="en-GB" dirty="0"/>
-          </a:p>
-        </p:txBody>
-      </p:sp>
-      <p:sp>
-        <p:nvSpPr>
-          <p:cNvPr id="3" name="Content Placeholder 2"/>
-          <p:cNvSpPr>
-            <a:spLocks noGrp="1"/>
-          </p:cNvSpPr>
-          <p:nvPr>
-            <p:ph idx="1"/>
-          </p:nvPr>
-        </p:nvSpPr>
-        <p:spPr/>
-        <p:txBody>
-          <a:bodyPr/>
-          <a:lstStyle/>
-          <a:p>
-            <a:r>
-              <a:rPr lang="en-GB" dirty="0" err="1" smtClean="0"/>
-              <a:t>nHiberbate</a:t>
-            </a:r>
-            <a:r>
-              <a:rPr lang="en-GB" dirty="0" smtClean="0"/>
-              <a:t>/</a:t>
-            </a:r>
-            <a:r>
-              <a:rPr lang="en-GB" dirty="0" err="1" smtClean="0"/>
-              <a:t>Linq</a:t>
-            </a:r>
-            <a:endParaRPr lang="en-GB" dirty="0" smtClean="0"/>
-          </a:p>
-          <a:p>
-            <a:r>
-              <a:rPr lang="en-GB" dirty="0" err="1" smtClean="0"/>
-              <a:t>Adhoc</a:t>
-            </a:r>
-            <a:r>
-              <a:rPr lang="en-GB" dirty="0" smtClean="0"/>
-              <a:t> Plan Caching</a:t>
-            </a:r>
-          </a:p>
-          <a:p>
-            <a:pPr lvl="1"/>
-            <a:r>
-              <a:rPr lang="en-GB" dirty="0" smtClean="0"/>
-              <a:t>Server setting to cache on 2</a:t>
-            </a:r>
-            <a:r>
-              <a:rPr lang="en-GB" baseline="30000" dirty="0" smtClean="0"/>
-              <a:t>nd</a:t>
-            </a:r>
-            <a:r>
-              <a:rPr lang="en-GB" dirty="0" smtClean="0"/>
-              <a:t> execution only to save memory</a:t>
+              <a:t>Demo – Forced Parametrisation</a:t>
             </a:r>
             <a:endParaRPr lang="en-GB" dirty="0"/>
           </a:p>
@@ -15483,7 +15405,7 @@
     </p:spTree>
     <p:extLst>
       <p:ext uri="{BB962C8B-B14F-4D97-AF65-F5344CB8AC3E}">
-        <p14:creationId xmlns:p14="http://schemas.microsoft.com/office/powerpoint/2010/main" val="750773888"/>
+        <p14:creationId xmlns:p14="http://schemas.microsoft.com/office/powerpoint/2010/main" val="474657059"/>
       </p:ext>
     </p:extLst>
   </p:cSld>
@@ -15534,7 +15456,7 @@
           <a:p>
             <a:r>
               <a:rPr lang="en-GB" dirty="0" smtClean="0"/>
-              <a:t>When do plans change?</a:t>
+              <a:t>Bad plans</a:t>
             </a:r>
             <a:endParaRPr lang="en-GB" dirty="0"/>
           </a:p>
@@ -15552,53 +15474,65 @@
         </p:nvSpPr>
         <p:spPr/>
         <p:txBody>
-          <a:bodyPr/>
+          <a:bodyPr>
+            <a:normAutofit lnSpcReduction="10000"/>
+          </a:bodyPr>
           <a:lstStyle/>
           <a:p>
             <a:r>
               <a:rPr lang="en-GB" dirty="0" smtClean="0"/>
-              <a:t>Statistics </a:t>
-            </a:r>
-            <a:r>
-              <a:rPr lang="en-GB" dirty="0" smtClean="0"/>
-              <a:t>Change</a:t>
-            </a:r>
-          </a:p>
-          <a:p>
-            <a:r>
-              <a:rPr lang="en-GB" dirty="0" smtClean="0"/>
-              <a:t>Different SET options - DBCC </a:t>
-            </a:r>
-            <a:r>
-              <a:rPr lang="en-GB" dirty="0"/>
-              <a:t>USEROPTIONS</a:t>
-            </a:r>
-            <a:r>
-              <a:rPr lang="en-GB" dirty="0" smtClean="0"/>
-              <a:t>()</a:t>
+              <a:t>Skewed data</a:t>
+            </a:r>
+          </a:p>
+          <a:p>
+            <a:r>
+              <a:rPr lang="en-GB" dirty="0" smtClean="0"/>
+              <a:t>Parameter value not sniffed</a:t>
+            </a:r>
+          </a:p>
+          <a:p>
+            <a:r>
+              <a:rPr lang="en-GB" dirty="0" smtClean="0"/>
+              <a:t>Look for </a:t>
+            </a:r>
+          </a:p>
+          <a:p>
+            <a:pPr lvl="1"/>
+            <a:r>
+              <a:rPr lang="en-GB" dirty="0" smtClean="0"/>
+              <a:t>Differing Actual v Estimate</a:t>
+            </a:r>
+          </a:p>
+          <a:p>
+            <a:pPr lvl="1"/>
+            <a:r>
+              <a:rPr lang="en-GB" dirty="0" smtClean="0"/>
+              <a:t>Loop joins </a:t>
+            </a:r>
+          </a:p>
+          <a:p>
+            <a:pPr lvl="1"/>
+            <a:r>
+              <a:rPr lang="en-GB" dirty="0" smtClean="0"/>
+              <a:t>Large reads/</a:t>
+            </a:r>
+            <a:r>
+              <a:rPr lang="en-GB" dirty="0" err="1" smtClean="0"/>
+              <a:t>cpu</a:t>
             </a:r>
             <a:endParaRPr lang="en-GB" dirty="0" smtClean="0"/>
           </a:p>
           <a:p>
-            <a:r>
-              <a:rPr lang="en-GB" dirty="0" smtClean="0"/>
-              <a:t>Object Changed</a:t>
-            </a:r>
-          </a:p>
-          <a:p>
-            <a:r>
-              <a:rPr lang="en-GB" dirty="0" smtClean="0"/>
-              <a:t>Forced </a:t>
-            </a:r>
-            <a:r>
-              <a:rPr lang="en-GB" dirty="0" smtClean="0"/>
-              <a:t>Recompile</a:t>
-            </a:r>
-          </a:p>
-          <a:p>
-            <a:r>
-              <a:rPr lang="en-GB" dirty="0" smtClean="0"/>
-              <a:t>Server restart will clear plan cache</a:t>
+            <a:pPr lvl="1"/>
+            <a:r>
+              <a:rPr lang="en-GB" dirty="0" smtClean="0"/>
+              <a:t>Odd behaviour</a:t>
+            </a:r>
+          </a:p>
+          <a:p>
+            <a:r>
+              <a:rPr lang="en-GB" dirty="0" smtClean="0"/>
+              <a:t>Look in DMVs for plans, running code in SSMS may result in a new good plan</a:t>
             </a:r>
             <a:endParaRPr lang="en-GB" dirty="0"/>
           </a:p>
@@ -15607,13 +15541,21 @@
     </p:spTree>
     <p:extLst>
       <p:ext uri="{BB962C8B-B14F-4D97-AF65-F5344CB8AC3E}">
-        <p14:creationId xmlns:p14="http://schemas.microsoft.com/office/powerpoint/2010/main" val="2474612064"/>
+        <p14:creationId xmlns:p14="http://schemas.microsoft.com/office/powerpoint/2010/main" val="1894684958"/>
       </p:ext>
     </p:extLst>
   </p:cSld>
   <p:clrMapOvr>
     <a:masterClrMapping/>
   </p:clrMapOvr>
+  <mc:AlternateContent xmlns:mc="http://schemas.openxmlformats.org/markup-compatibility/2006" xmlns:p14="http://schemas.microsoft.com/office/powerpoint/2010/main">
+    <mc:Choice Requires="p14">
+      <p:transition spd="slow" p14:dur="2000"/>
+    </mc:Choice>
+    <mc:Fallback xmlns="">
+      <p:transition spd="slow"/>
+    </mc:Fallback>
+  </mc:AlternateContent>
   <p:timing>
     <p:tnLst>
       <p:par>
@@ -15658,15 +15600,7 @@
           <a:p>
             <a:r>
               <a:rPr lang="en-GB" dirty="0" smtClean="0"/>
-              <a:t>Demo – </a:t>
-            </a:r>
-            <a:r>
-              <a:rPr lang="en-GB" dirty="0" err="1" smtClean="0"/>
-              <a:t>Arithabort</a:t>
-            </a:r>
-            <a:r>
-              <a:rPr lang="en-GB" dirty="0" smtClean="0"/>
-              <a:t> On/Off</a:t>
+              <a:t>Demo – Bad Plans</a:t>
             </a:r>
             <a:endParaRPr lang="en-GB" dirty="0"/>
           </a:p>
@@ -15684,9 +15618,19 @@
         </p:nvSpPr>
         <p:spPr/>
         <p:txBody>
-          <a:bodyPr/>
+          <a:bodyPr>
+            <a:normAutofit/>
+          </a:bodyPr>
           <a:lstStyle/>
           <a:p>
+            <a:r>
+              <a:rPr lang="en-GB" dirty="0" err="1" smtClean="0"/>
+              <a:t>Adeventure</a:t>
+            </a:r>
+            <a:r>
+              <a:rPr lang="en-GB" dirty="0" smtClean="0"/>
+              <a:t> Works Demo</a:t>
+            </a:r>
             <a:endParaRPr lang="en-GB" dirty="0"/>
           </a:p>
         </p:txBody>
@@ -15694,13 +15638,21 @@
     </p:spTree>
     <p:extLst>
       <p:ext uri="{BB962C8B-B14F-4D97-AF65-F5344CB8AC3E}">
-        <p14:creationId xmlns:p14="http://schemas.microsoft.com/office/powerpoint/2010/main" val="2820610570"/>
+        <p14:creationId xmlns:p14="http://schemas.microsoft.com/office/powerpoint/2010/main" val="849501960"/>
       </p:ext>
     </p:extLst>
   </p:cSld>
   <p:clrMapOvr>
     <a:masterClrMapping/>
   </p:clrMapOvr>
+  <mc:AlternateContent xmlns:mc="http://schemas.openxmlformats.org/markup-compatibility/2006" xmlns:p14="http://schemas.microsoft.com/office/powerpoint/2010/main">
+    <mc:Choice Requires="p14">
+      <p:transition spd="slow" p14:dur="2000"/>
+    </mc:Choice>
+    <mc:Fallback xmlns="">
+      <p:transition spd="slow"/>
+    </mc:Fallback>
+  </mc:AlternateContent>
   <p:timing>
     <p:tnLst>
       <p:par>
@@ -15744,12 +15696,8 @@
           <a:lstStyle/>
           <a:p>
             <a:r>
-              <a:rPr lang="en-GB" dirty="0"/>
-              <a:t>P</a:t>
-            </a:r>
-            <a:r>
-              <a:rPr lang="en-GB" dirty="0" smtClean="0"/>
-              <a:t>arallelism</a:t>
+              <a:rPr lang="en-GB" dirty="0" smtClean="0"/>
+              <a:t>Preventing Bad Plans</a:t>
             </a:r>
             <a:endParaRPr lang="en-GB" dirty="0"/>
           </a:p>
@@ -15767,59 +15715,36 @@
         </p:nvSpPr>
         <p:spPr/>
         <p:txBody>
-          <a:bodyPr/>
+          <a:bodyPr>
+            <a:normAutofit/>
+          </a:bodyPr>
           <a:lstStyle/>
           <a:p>
             <a:r>
               <a:rPr lang="en-GB" dirty="0" smtClean="0"/>
-              <a:t>The use of multiple </a:t>
-            </a:r>
-            <a:r>
-              <a:rPr lang="en-GB" dirty="0" err="1" smtClean="0"/>
-              <a:t>cpus</a:t>
-            </a:r>
-            <a:r>
-              <a:rPr lang="en-GB" dirty="0" smtClean="0"/>
-              <a:t>/cores</a:t>
-            </a:r>
-          </a:p>
-          <a:p>
-            <a:r>
-              <a:rPr lang="en-GB" dirty="0" smtClean="0"/>
-              <a:t>Controlled by server level configuration</a:t>
-            </a:r>
-          </a:p>
-          <a:p>
-            <a:pPr lvl="1"/>
-            <a:r>
-              <a:rPr lang="en-GB" dirty="0" smtClean="0"/>
-              <a:t>Overwritten by query hint (MAXDOP)</a:t>
-            </a:r>
-          </a:p>
-          <a:p>
-            <a:r>
-              <a:rPr lang="en-GB" dirty="0" smtClean="0"/>
-              <a:t>Not always possible	</a:t>
-            </a:r>
-          </a:p>
-          <a:p>
-            <a:pPr lvl="1"/>
-            <a:r>
-              <a:rPr lang="en-GB" dirty="0" smtClean="0"/>
-              <a:t>Distinct Count</a:t>
-            </a:r>
-          </a:p>
-          <a:p>
-            <a:r>
-              <a:rPr lang="en-GB" dirty="0" smtClean="0"/>
-              <a:t>Not always wanted</a:t>
-            </a:r>
-          </a:p>
-          <a:p>
-            <a:r>
-              <a:rPr lang="en-GB" dirty="0" smtClean="0"/>
-              <a:t>Skewed statistics leads to uneven threads (CXPACKET)</a:t>
-            </a:r>
+              <a:t>Keep statistics up to date</a:t>
+            </a:r>
+          </a:p>
+          <a:p>
+            <a:r>
+              <a:rPr lang="en-GB" dirty="0" smtClean="0"/>
+              <a:t>Recompile Procedure</a:t>
+            </a:r>
+          </a:p>
+          <a:p>
+            <a:r>
+              <a:rPr lang="en-GB" dirty="0" smtClean="0"/>
+              <a:t>OPTIMIZE FOR hint</a:t>
+            </a:r>
+          </a:p>
+          <a:p>
+            <a:r>
+              <a:rPr lang="en-GB" dirty="0" smtClean="0"/>
+              <a:t>Use Plan Guides</a:t>
+            </a:r>
+            <a:endParaRPr lang="en-GB" dirty="0" smtClean="0"/>
+          </a:p>
+          <a:p>
             <a:endParaRPr lang="en-GB" dirty="0"/>
           </a:p>
         </p:txBody>
@@ -15827,13 +15752,21 @@
     </p:spTree>
     <p:extLst>
       <p:ext uri="{BB962C8B-B14F-4D97-AF65-F5344CB8AC3E}">
-        <p14:creationId xmlns:p14="http://schemas.microsoft.com/office/powerpoint/2010/main" val="2989566329"/>
+        <p14:creationId xmlns:p14="http://schemas.microsoft.com/office/powerpoint/2010/main" val="2429056408"/>
       </p:ext>
     </p:extLst>
   </p:cSld>
   <p:clrMapOvr>
     <a:masterClrMapping/>
   </p:clrMapOvr>
+  <mc:AlternateContent xmlns:mc="http://schemas.openxmlformats.org/markup-compatibility/2006" xmlns:p14="http://schemas.microsoft.com/office/powerpoint/2010/main">
+    <mc:Choice Requires="p14">
+      <p:transition spd="slow" p14:dur="2000"/>
+    </mc:Choice>
+    <mc:Fallback xmlns="">
+      <p:transition spd="slow"/>
+    </mc:Fallback>
+  </mc:AlternateContent>
   <p:timing>
     <p:tnLst>
       <p:par>
@@ -15878,7 +15811,7 @@
           <a:p>
             <a:r>
               <a:rPr lang="en-GB" dirty="0" smtClean="0"/>
-              <a:t>Foreign Keys</a:t>
+              <a:t>ORMs</a:t>
             </a:r>
             <a:endParaRPr lang="en-GB" dirty="0"/>
           </a:p>
@@ -15900,35 +15833,43 @@
           <a:lstStyle/>
           <a:p>
             <a:r>
-              <a:rPr lang="en-GB" dirty="0" smtClean="0"/>
-              <a:t>Views that have unnecessary joins can slow queries if:</a:t>
+              <a:rPr lang="en-GB" dirty="0" err="1" smtClean="0"/>
+              <a:t>nHiberbate</a:t>
+            </a:r>
+            <a:r>
+              <a:rPr lang="en-GB" dirty="0" smtClean="0"/>
+              <a:t>/</a:t>
+            </a:r>
+            <a:r>
+              <a:rPr lang="en-GB" dirty="0" err="1" smtClean="0"/>
+              <a:t>Linq</a:t>
+            </a:r>
+            <a:endParaRPr lang="en-GB" dirty="0" smtClean="0"/>
+          </a:p>
+          <a:p>
+            <a:r>
+              <a:rPr lang="en-GB" dirty="0" err="1" smtClean="0"/>
+              <a:t>Adhoc</a:t>
+            </a:r>
+            <a:r>
+              <a:rPr lang="en-GB" dirty="0" smtClean="0"/>
+              <a:t> Plan Caching</a:t>
             </a:r>
           </a:p>
           <a:p>
             <a:pPr lvl="1"/>
             <a:r>
               <a:rPr lang="en-GB" dirty="0" smtClean="0"/>
-              <a:t>They are missing Foreign Keys</a:t>
-            </a:r>
-          </a:p>
-          <a:p>
-            <a:pPr lvl="1"/>
-            <a:r>
-              <a:rPr lang="en-GB" dirty="0" smtClean="0"/>
-              <a:t>Or, the Foreign key is untrusted</a:t>
-            </a:r>
-          </a:p>
-          <a:p>
-            <a:r>
-              <a:rPr lang="en-GB" dirty="0" smtClean="0"/>
-              <a:t>By having trusted keys the join does not need to be checked when not in use</a:t>
-            </a:r>
-          </a:p>
-          <a:p>
-            <a:endParaRPr lang="en-GB" dirty="0" smtClean="0"/>
-          </a:p>
-          <a:p>
-            <a:pPr lvl="1"/>
+              <a:t>Server setting to cache on 2</a:t>
+            </a:r>
+            <a:r>
+              <a:rPr lang="en-GB" baseline="30000" dirty="0" smtClean="0"/>
+              <a:t>nd</a:t>
+            </a:r>
+            <a:r>
+              <a:rPr lang="en-GB" dirty="0" smtClean="0"/>
+              <a:t> execution only to save memory</a:t>
+            </a:r>
             <a:endParaRPr lang="en-GB" dirty="0"/>
           </a:p>
         </p:txBody>
@@ -15936,7 +15877,7 @@
     </p:spTree>
     <p:extLst>
       <p:ext uri="{BB962C8B-B14F-4D97-AF65-F5344CB8AC3E}">
-        <p14:creationId xmlns:p14="http://schemas.microsoft.com/office/powerpoint/2010/main" val="4114035203"/>
+        <p14:creationId xmlns:p14="http://schemas.microsoft.com/office/powerpoint/2010/main" val="750773888"/>
       </p:ext>
     </p:extLst>
   </p:cSld>
@@ -15972,6 +15913,815 @@
       </p:grpSpPr>
       <p:sp>
         <p:nvSpPr>
+          <p:cNvPr id="2" name="Title 1"/>
+          <p:cNvSpPr>
+            <a:spLocks noGrp="1"/>
+          </p:cNvSpPr>
+          <p:nvPr>
+            <p:ph type="title"/>
+          </p:nvPr>
+        </p:nvSpPr>
+        <p:spPr/>
+        <p:txBody>
+          <a:bodyPr/>
+          <a:lstStyle/>
+          <a:p>
+            <a:r>
+              <a:rPr lang="en-GB" dirty="0" smtClean="0"/>
+              <a:t>When do plans change?</a:t>
+            </a:r>
+            <a:endParaRPr lang="en-GB" dirty="0"/>
+          </a:p>
+        </p:txBody>
+      </p:sp>
+      <p:sp>
+        <p:nvSpPr>
+          <p:cNvPr id="3" name="Content Placeholder 2"/>
+          <p:cNvSpPr>
+            <a:spLocks noGrp="1"/>
+          </p:cNvSpPr>
+          <p:nvPr>
+            <p:ph idx="1"/>
+          </p:nvPr>
+        </p:nvSpPr>
+        <p:spPr/>
+        <p:txBody>
+          <a:bodyPr/>
+          <a:lstStyle/>
+          <a:p>
+            <a:r>
+              <a:rPr lang="en-GB" dirty="0" smtClean="0"/>
+              <a:t>Statistics Change</a:t>
+            </a:r>
+          </a:p>
+          <a:p>
+            <a:r>
+              <a:rPr lang="en-GB" dirty="0" smtClean="0"/>
+              <a:t>Different SET options </a:t>
+            </a:r>
+            <a:r>
+              <a:rPr lang="en-GB" dirty="0" smtClean="0"/>
+              <a:t>– Next demo</a:t>
+            </a:r>
+            <a:endParaRPr lang="en-GB" dirty="0" smtClean="0"/>
+          </a:p>
+          <a:p>
+            <a:r>
+              <a:rPr lang="en-GB" dirty="0" smtClean="0"/>
+              <a:t>Object Changed</a:t>
+            </a:r>
+          </a:p>
+          <a:p>
+            <a:r>
+              <a:rPr lang="en-GB" dirty="0" smtClean="0"/>
+              <a:t>Forced Recompile</a:t>
+            </a:r>
+          </a:p>
+          <a:p>
+            <a:r>
+              <a:rPr lang="en-GB" dirty="0" smtClean="0"/>
+              <a:t>Server restart will clear plan cache</a:t>
+            </a:r>
+            <a:endParaRPr lang="en-GB" dirty="0"/>
+          </a:p>
+        </p:txBody>
+      </p:sp>
+    </p:spTree>
+    <p:extLst>
+      <p:ext uri="{BB962C8B-B14F-4D97-AF65-F5344CB8AC3E}">
+        <p14:creationId xmlns:p14="http://schemas.microsoft.com/office/powerpoint/2010/main" val="2474612064"/>
+      </p:ext>
+    </p:extLst>
+  </p:cSld>
+  <p:clrMapOvr>
+    <a:masterClrMapping/>
+  </p:clrMapOvr>
+  <p:timing>
+    <p:tnLst>
+      <p:par>
+        <p:cTn id="1" dur="indefinite" restart="never" nodeType="tmRoot"/>
+      </p:par>
+    </p:tnLst>
+  </p:timing>
+</p:sld>
+</file>
+
+<file path=ppt/slides/slide27.xml><?xml version="1.0" encoding="utf-8"?>
+<p:sld xmlns:a="http://schemas.openxmlformats.org/drawingml/2006/main" xmlns:r="http://schemas.openxmlformats.org/officeDocument/2006/relationships" xmlns:p="http://schemas.openxmlformats.org/presentationml/2006/main">
+  <p:cSld>
+    <p:spTree>
+      <p:nvGrpSpPr>
+        <p:cNvPr id="1" name=""/>
+        <p:cNvGrpSpPr/>
+        <p:nvPr/>
+      </p:nvGrpSpPr>
+      <p:grpSpPr>
+        <a:xfrm>
+          <a:off x="0" y="0"/>
+          <a:ext cx="0" cy="0"/>
+          <a:chOff x="0" y="0"/>
+          <a:chExt cx="0" cy="0"/>
+        </a:xfrm>
+      </p:grpSpPr>
+      <p:sp>
+        <p:nvSpPr>
+          <p:cNvPr id="2" name="Title 1"/>
+          <p:cNvSpPr>
+            <a:spLocks noGrp="1"/>
+          </p:cNvSpPr>
+          <p:nvPr>
+            <p:ph type="title"/>
+          </p:nvPr>
+        </p:nvSpPr>
+        <p:spPr/>
+        <p:txBody>
+          <a:bodyPr/>
+          <a:lstStyle/>
+          <a:p>
+            <a:r>
+              <a:rPr lang="en-GB" dirty="0" smtClean="0"/>
+              <a:t>Demo – </a:t>
+            </a:r>
+            <a:r>
+              <a:rPr lang="en-GB" dirty="0" err="1" smtClean="0"/>
+              <a:t>Arithabort</a:t>
+            </a:r>
+            <a:r>
+              <a:rPr lang="en-GB" dirty="0" smtClean="0"/>
+              <a:t> On/Off</a:t>
+            </a:r>
+            <a:endParaRPr lang="en-GB" dirty="0"/>
+          </a:p>
+        </p:txBody>
+      </p:sp>
+      <p:sp>
+        <p:nvSpPr>
+          <p:cNvPr id="3" name="Content Placeholder 2"/>
+          <p:cNvSpPr>
+            <a:spLocks noGrp="1"/>
+          </p:cNvSpPr>
+          <p:nvPr>
+            <p:ph idx="1"/>
+          </p:nvPr>
+        </p:nvSpPr>
+        <p:spPr/>
+        <p:txBody>
+          <a:bodyPr/>
+          <a:lstStyle/>
+          <a:p>
+            <a:r>
+              <a:rPr lang="en-GB" dirty="0" smtClean="0"/>
+              <a:t>The query via the app is timing out </a:t>
+            </a:r>
+          </a:p>
+          <a:p>
+            <a:r>
+              <a:rPr lang="en-GB" dirty="0" smtClean="0"/>
+              <a:t>But it runs in SSMS in milliseconds</a:t>
+            </a:r>
+            <a:endParaRPr lang="en-GB" dirty="0"/>
+          </a:p>
+        </p:txBody>
+      </p:sp>
+    </p:spTree>
+    <p:extLst>
+      <p:ext uri="{BB962C8B-B14F-4D97-AF65-F5344CB8AC3E}">
+        <p14:creationId xmlns:p14="http://schemas.microsoft.com/office/powerpoint/2010/main" val="2820610570"/>
+      </p:ext>
+    </p:extLst>
+  </p:cSld>
+  <p:clrMapOvr>
+    <a:masterClrMapping/>
+  </p:clrMapOvr>
+  <p:timing>
+    <p:tnLst>
+      <p:par>
+        <p:cTn id="1" dur="indefinite" restart="never" nodeType="tmRoot"/>
+      </p:par>
+    </p:tnLst>
+  </p:timing>
+</p:sld>
+</file>
+
+<file path=ppt/slides/slide28.xml><?xml version="1.0" encoding="utf-8"?>
+<p:sld xmlns:a="http://schemas.openxmlformats.org/drawingml/2006/main" xmlns:r="http://schemas.openxmlformats.org/officeDocument/2006/relationships" xmlns:p="http://schemas.openxmlformats.org/presentationml/2006/main">
+  <p:cSld>
+    <p:spTree>
+      <p:nvGrpSpPr>
+        <p:cNvPr id="1" name=""/>
+        <p:cNvGrpSpPr/>
+        <p:nvPr/>
+      </p:nvGrpSpPr>
+      <p:grpSpPr>
+        <a:xfrm>
+          <a:off x="0" y="0"/>
+          <a:ext cx="0" cy="0"/>
+          <a:chOff x="0" y="0"/>
+          <a:chExt cx="0" cy="0"/>
+        </a:xfrm>
+      </p:grpSpPr>
+      <p:sp>
+        <p:nvSpPr>
+          <p:cNvPr id="2" name="Title 1"/>
+          <p:cNvSpPr>
+            <a:spLocks noGrp="1"/>
+          </p:cNvSpPr>
+          <p:nvPr>
+            <p:ph type="title"/>
+          </p:nvPr>
+        </p:nvSpPr>
+        <p:spPr/>
+        <p:txBody>
+          <a:bodyPr/>
+          <a:lstStyle/>
+          <a:p>
+            <a:r>
+              <a:rPr lang="en-GB" dirty="0" smtClean="0"/>
+              <a:t>Remove the </a:t>
+            </a:r>
+            <a:r>
+              <a:rPr lang="en-GB" dirty="0" err="1" smtClean="0"/>
+              <a:t>Arithabort</a:t>
+            </a:r>
+            <a:r>
+              <a:rPr lang="en-GB" dirty="0" smtClean="0"/>
+              <a:t> </a:t>
+            </a:r>
+            <a:r>
+              <a:rPr lang="en-GB" dirty="0" smtClean="0"/>
+              <a:t>Problem</a:t>
+            </a:r>
+            <a:endParaRPr lang="en-GB" dirty="0"/>
+          </a:p>
+        </p:txBody>
+      </p:sp>
+      <p:pic>
+        <p:nvPicPr>
+          <p:cNvPr id="4" name="Content Placeholder 3" descr="Screen Clipping"/>
+          <p:cNvPicPr>
+            <a:picLocks noGrp="1" noChangeAspect="1"/>
+          </p:cNvPicPr>
+          <p:nvPr>
+            <p:ph sz="half" idx="1"/>
+          </p:nvPr>
+        </p:nvPicPr>
+        <p:blipFill>
+          <a:blip r:embed="rId2">
+            <a:extLst>
+              <a:ext uri="{28A0092B-C50C-407E-A947-70E740481C1C}">
+                <a14:useLocalDpi xmlns:a14="http://schemas.microsoft.com/office/drawing/2010/main" val="0"/>
+              </a:ext>
+            </a:extLst>
+          </a:blip>
+          <a:stretch>
+            <a:fillRect/>
+          </a:stretch>
+        </p:blipFill>
+        <p:spPr>
+          <a:xfrm>
+            <a:off x="685800" y="2290217"/>
+            <a:ext cx="4995863" cy="3352303"/>
+          </a:xfrm>
+        </p:spPr>
+      </p:pic>
+      <p:sp>
+        <p:nvSpPr>
+          <p:cNvPr id="6" name="Content Placeholder 5"/>
+          <p:cNvSpPr>
+            <a:spLocks noGrp="1"/>
+          </p:cNvSpPr>
+          <p:nvPr>
+            <p:ph sz="half" idx="2"/>
+          </p:nvPr>
+        </p:nvSpPr>
+        <p:spPr/>
+        <p:txBody>
+          <a:bodyPr/>
+          <a:lstStyle/>
+          <a:p>
+            <a:r>
+              <a:rPr lang="en-GB" dirty="0" smtClean="0"/>
+              <a:t>Backwards compatibility to SQL Server 4.x!</a:t>
+            </a:r>
+          </a:p>
+          <a:p>
+            <a:r>
+              <a:rPr lang="en-GB" dirty="0" err="1" smtClean="0"/>
+              <a:t>Arithabort</a:t>
+            </a:r>
+            <a:r>
+              <a:rPr lang="en-GB" dirty="0" smtClean="0"/>
+              <a:t> does nothing when ANSI Warnings is ON (which it always should be)</a:t>
+            </a:r>
+          </a:p>
+          <a:p>
+            <a:endParaRPr lang="en-GB" dirty="0"/>
+          </a:p>
+        </p:txBody>
+      </p:sp>
+      <p:sp>
+        <p:nvSpPr>
+          <p:cNvPr id="5" name="Rectangle 4"/>
+          <p:cNvSpPr/>
+          <p:nvPr/>
+        </p:nvSpPr>
+        <p:spPr>
+          <a:xfrm>
+            <a:off x="3839410" y="2727157"/>
+            <a:ext cx="1037390" cy="224589"/>
+          </a:xfrm>
+          <a:prstGeom prst="rect">
+            <a:avLst/>
+          </a:prstGeom>
+          <a:solidFill>
+            <a:schemeClr val="accent6">
+              <a:alpha val="50000"/>
+            </a:schemeClr>
+          </a:solidFill>
+          <a:ln>
+            <a:noFill/>
+          </a:ln>
+        </p:spPr>
+        <p:style>
+          <a:lnRef idx="0">
+            <a:scrgbClr r="0" g="0" b="0"/>
+          </a:lnRef>
+          <a:fillRef idx="0">
+            <a:scrgbClr r="0" g="0" b="0"/>
+          </a:fillRef>
+          <a:effectRef idx="0">
+            <a:scrgbClr r="0" g="0" b="0"/>
+          </a:effectRef>
+          <a:fontRef idx="minor">
+            <a:schemeClr val="lt1"/>
+          </a:fontRef>
+        </p:style>
+        <p:txBody>
+          <a:bodyPr rtlCol="0" anchor="ctr"/>
+          <a:lstStyle/>
+          <a:p>
+            <a:pPr algn="ctr"/>
+            <a:endParaRPr lang="en-GB"/>
+          </a:p>
+        </p:txBody>
+      </p:sp>
+      <p:sp>
+        <p:nvSpPr>
+          <p:cNvPr id="7" name="Rectangle 6"/>
+          <p:cNvSpPr/>
+          <p:nvPr/>
+        </p:nvSpPr>
+        <p:spPr>
+          <a:xfrm>
+            <a:off x="850232" y="4598737"/>
+            <a:ext cx="866273" cy="251326"/>
+          </a:xfrm>
+          <a:prstGeom prst="rect">
+            <a:avLst/>
+          </a:prstGeom>
+          <a:solidFill>
+            <a:schemeClr val="accent6">
+              <a:alpha val="50000"/>
+            </a:schemeClr>
+          </a:solidFill>
+          <a:ln>
+            <a:noFill/>
+          </a:ln>
+        </p:spPr>
+        <p:style>
+          <a:lnRef idx="0">
+            <a:scrgbClr r="0" g="0" b="0"/>
+          </a:lnRef>
+          <a:fillRef idx="0">
+            <a:scrgbClr r="0" g="0" b="0"/>
+          </a:fillRef>
+          <a:effectRef idx="0">
+            <a:scrgbClr r="0" g="0" b="0"/>
+          </a:effectRef>
+          <a:fontRef idx="minor">
+            <a:schemeClr val="lt1"/>
+          </a:fontRef>
+        </p:style>
+        <p:txBody>
+          <a:bodyPr rtlCol="0" anchor="ctr"/>
+          <a:lstStyle/>
+          <a:p>
+            <a:pPr algn="ctr"/>
+            <a:endParaRPr lang="en-GB"/>
+          </a:p>
+        </p:txBody>
+      </p:sp>
+    </p:spTree>
+    <p:extLst>
+      <p:ext uri="{BB962C8B-B14F-4D97-AF65-F5344CB8AC3E}">
+        <p14:creationId xmlns:p14="http://schemas.microsoft.com/office/powerpoint/2010/main" val="2800095247"/>
+      </p:ext>
+    </p:extLst>
+  </p:cSld>
+  <p:clrMapOvr>
+    <a:masterClrMapping/>
+  </p:clrMapOvr>
+  <p:timing>
+    <p:tnLst>
+      <p:par>
+        <p:cTn id="1" dur="indefinite" restart="never" nodeType="tmRoot"/>
+      </p:par>
+    </p:tnLst>
+  </p:timing>
+</p:sld>
+</file>
+
+<file path=ppt/slides/slide29.xml><?xml version="1.0" encoding="utf-8"?>
+<p:sld xmlns:a="http://schemas.openxmlformats.org/drawingml/2006/main" xmlns:r="http://schemas.openxmlformats.org/officeDocument/2006/relationships" xmlns:p="http://schemas.openxmlformats.org/presentationml/2006/main">
+  <p:cSld>
+    <p:spTree>
+      <p:nvGrpSpPr>
+        <p:cNvPr id="1" name=""/>
+        <p:cNvGrpSpPr/>
+        <p:nvPr/>
+      </p:nvGrpSpPr>
+      <p:grpSpPr>
+        <a:xfrm>
+          <a:off x="0" y="0"/>
+          <a:ext cx="0" cy="0"/>
+          <a:chOff x="0" y="0"/>
+          <a:chExt cx="0" cy="0"/>
+        </a:xfrm>
+      </p:grpSpPr>
+      <p:sp>
+        <p:nvSpPr>
+          <p:cNvPr id="2" name="Title 1"/>
+          <p:cNvSpPr>
+            <a:spLocks noGrp="1"/>
+          </p:cNvSpPr>
+          <p:nvPr>
+            <p:ph type="title"/>
+          </p:nvPr>
+        </p:nvSpPr>
+        <p:spPr/>
+        <p:txBody>
+          <a:bodyPr/>
+          <a:lstStyle/>
+          <a:p>
+            <a:r>
+              <a:rPr lang="en-GB" dirty="0"/>
+              <a:t>P</a:t>
+            </a:r>
+            <a:r>
+              <a:rPr lang="en-GB" dirty="0" smtClean="0"/>
+              <a:t>arallelism</a:t>
+            </a:r>
+            <a:endParaRPr lang="en-GB" dirty="0"/>
+          </a:p>
+        </p:txBody>
+      </p:sp>
+      <p:sp>
+        <p:nvSpPr>
+          <p:cNvPr id="3" name="Content Placeholder 2"/>
+          <p:cNvSpPr>
+            <a:spLocks noGrp="1"/>
+          </p:cNvSpPr>
+          <p:nvPr>
+            <p:ph idx="1"/>
+          </p:nvPr>
+        </p:nvSpPr>
+        <p:spPr/>
+        <p:txBody>
+          <a:bodyPr>
+            <a:normAutofit lnSpcReduction="10000"/>
+          </a:bodyPr>
+          <a:lstStyle/>
+          <a:p>
+            <a:r>
+              <a:rPr lang="en-GB" dirty="0" smtClean="0"/>
+              <a:t>The use of multiple </a:t>
+            </a:r>
+            <a:r>
+              <a:rPr lang="en-GB" dirty="0" err="1" smtClean="0"/>
+              <a:t>cpus</a:t>
+            </a:r>
+            <a:r>
+              <a:rPr lang="en-GB" dirty="0" smtClean="0"/>
+              <a:t>/cores</a:t>
+            </a:r>
+          </a:p>
+          <a:p>
+            <a:r>
+              <a:rPr lang="en-GB" dirty="0" smtClean="0"/>
+              <a:t>Controlled by server level configuration</a:t>
+            </a:r>
+          </a:p>
+          <a:p>
+            <a:pPr lvl="1"/>
+            <a:r>
+              <a:rPr lang="en-GB" dirty="0" smtClean="0"/>
+              <a:t>Overwritten by query hint (MAXDOP)</a:t>
+            </a:r>
+          </a:p>
+          <a:p>
+            <a:r>
+              <a:rPr lang="en-GB" dirty="0" smtClean="0"/>
+              <a:t>Not always possible	</a:t>
+            </a:r>
+          </a:p>
+          <a:p>
+            <a:pPr lvl="1"/>
+            <a:r>
+              <a:rPr lang="en-GB" dirty="0" smtClean="0"/>
+              <a:t>Distinct Count</a:t>
+            </a:r>
+          </a:p>
+          <a:p>
+            <a:r>
+              <a:rPr lang="en-GB" dirty="0" smtClean="0"/>
+              <a:t>Not always wanted</a:t>
+            </a:r>
+          </a:p>
+          <a:p>
+            <a:r>
+              <a:rPr lang="en-GB" dirty="0" smtClean="0"/>
+              <a:t>Skewed statistics leads to uneven threads (CXPACKET</a:t>
+            </a:r>
+            <a:r>
+              <a:rPr lang="en-GB" dirty="0" smtClean="0"/>
+              <a:t>)</a:t>
+            </a:r>
+          </a:p>
+          <a:p>
+            <a:r>
+              <a:rPr lang="en-GB" dirty="0" smtClean="0"/>
+              <a:t>Cost Threshold dictates if it should be considered (Server level setting)</a:t>
+            </a:r>
+            <a:endParaRPr lang="en-GB" dirty="0"/>
+          </a:p>
+        </p:txBody>
+      </p:sp>
+    </p:spTree>
+    <p:extLst>
+      <p:ext uri="{BB962C8B-B14F-4D97-AF65-F5344CB8AC3E}">
+        <p14:creationId xmlns:p14="http://schemas.microsoft.com/office/powerpoint/2010/main" val="2989566329"/>
+      </p:ext>
+    </p:extLst>
+  </p:cSld>
+  <p:clrMapOvr>
+    <a:masterClrMapping/>
+  </p:clrMapOvr>
+  <p:timing>
+    <p:tnLst>
+      <p:par>
+        <p:cTn id="1" dur="indefinite" restart="never" nodeType="tmRoot"/>
+      </p:par>
+    </p:tnLst>
+  </p:timing>
+</p:sld>
+</file>
+
+<file path=ppt/slides/slide3.xml><?xml version="1.0" encoding="utf-8"?>
+<p:sld xmlns:a="http://schemas.openxmlformats.org/drawingml/2006/main" xmlns:r="http://schemas.openxmlformats.org/officeDocument/2006/relationships" xmlns:p="http://schemas.openxmlformats.org/presentationml/2006/main">
+  <p:cSld>
+    <p:spTree>
+      <p:nvGrpSpPr>
+        <p:cNvPr id="1" name=""/>
+        <p:cNvGrpSpPr/>
+        <p:nvPr/>
+      </p:nvGrpSpPr>
+      <p:grpSpPr>
+        <a:xfrm>
+          <a:off x="0" y="0"/>
+          <a:ext cx="0" cy="0"/>
+          <a:chOff x="0" y="0"/>
+          <a:chExt cx="0" cy="0"/>
+        </a:xfrm>
+      </p:grpSpPr>
+      <p:sp>
+        <p:nvSpPr>
+          <p:cNvPr id="4" name="Title 3"/>
+          <p:cNvSpPr>
+            <a:spLocks noGrp="1"/>
+          </p:cNvSpPr>
+          <p:nvPr>
+            <p:ph type="title"/>
+          </p:nvPr>
+        </p:nvSpPr>
+        <p:spPr/>
+        <p:txBody>
+          <a:bodyPr/>
+          <a:lstStyle/>
+          <a:p>
+            <a:r>
+              <a:rPr lang="en-GB" dirty="0" smtClean="0"/>
+              <a:t>Query Plans</a:t>
+            </a:r>
+            <a:endParaRPr lang="en-GB" dirty="0"/>
+          </a:p>
+        </p:txBody>
+      </p:sp>
+      <p:sp>
+        <p:nvSpPr>
+          <p:cNvPr id="5" name="Text Placeholder 4"/>
+          <p:cNvSpPr>
+            <a:spLocks noGrp="1"/>
+          </p:cNvSpPr>
+          <p:nvPr>
+            <p:ph type="body" idx="1"/>
+          </p:nvPr>
+        </p:nvSpPr>
+        <p:spPr/>
+        <p:txBody>
+          <a:bodyPr/>
+          <a:lstStyle/>
+          <a:p>
+            <a:endParaRPr lang="en-GB"/>
+          </a:p>
+        </p:txBody>
+      </p:sp>
+    </p:spTree>
+    <p:extLst>
+      <p:ext uri="{BB962C8B-B14F-4D97-AF65-F5344CB8AC3E}">
+        <p14:creationId xmlns:p14="http://schemas.microsoft.com/office/powerpoint/2010/main" val="3916409609"/>
+      </p:ext>
+    </p:extLst>
+  </p:cSld>
+  <p:clrMapOvr>
+    <a:masterClrMapping/>
+  </p:clrMapOvr>
+  <p:timing>
+    <p:tnLst>
+      <p:par>
+        <p:cTn id="1" dur="indefinite" restart="never" nodeType="tmRoot"/>
+      </p:par>
+    </p:tnLst>
+  </p:timing>
+</p:sld>
+</file>
+
+<file path=ppt/slides/slide30.xml><?xml version="1.0" encoding="utf-8"?>
+<p:sld xmlns:a="http://schemas.openxmlformats.org/drawingml/2006/main" xmlns:r="http://schemas.openxmlformats.org/officeDocument/2006/relationships" xmlns:p="http://schemas.openxmlformats.org/presentationml/2006/main">
+  <p:cSld>
+    <p:spTree>
+      <p:nvGrpSpPr>
+        <p:cNvPr id="1" name=""/>
+        <p:cNvGrpSpPr/>
+        <p:nvPr/>
+      </p:nvGrpSpPr>
+      <p:grpSpPr>
+        <a:xfrm>
+          <a:off x="0" y="0"/>
+          <a:ext cx="0" cy="0"/>
+          <a:chOff x="0" y="0"/>
+          <a:chExt cx="0" cy="0"/>
+        </a:xfrm>
+      </p:grpSpPr>
+      <p:sp>
+        <p:nvSpPr>
+          <p:cNvPr id="2" name="Title 1"/>
+          <p:cNvSpPr>
+            <a:spLocks noGrp="1"/>
+          </p:cNvSpPr>
+          <p:nvPr>
+            <p:ph type="title"/>
+          </p:nvPr>
+        </p:nvSpPr>
+        <p:spPr/>
+        <p:txBody>
+          <a:bodyPr/>
+          <a:lstStyle/>
+          <a:p>
+            <a:r>
+              <a:rPr lang="en-GB" dirty="0" smtClean="0"/>
+              <a:t>Memory Grants &amp; Spills</a:t>
+            </a:r>
+            <a:endParaRPr lang="en-GB" dirty="0"/>
+          </a:p>
+        </p:txBody>
+      </p:sp>
+      <p:sp>
+        <p:nvSpPr>
+          <p:cNvPr id="3" name="Content Placeholder 2"/>
+          <p:cNvSpPr>
+            <a:spLocks noGrp="1"/>
+          </p:cNvSpPr>
+          <p:nvPr>
+            <p:ph idx="1"/>
+          </p:nvPr>
+        </p:nvSpPr>
+        <p:spPr/>
+        <p:txBody>
+          <a:bodyPr>
+            <a:normAutofit lnSpcReduction="10000"/>
+          </a:bodyPr>
+          <a:lstStyle/>
+          <a:p>
+            <a:r>
+              <a:rPr lang="en-GB" dirty="0" smtClean="0"/>
+              <a:t>Working memory space required to complete query</a:t>
+            </a:r>
+          </a:p>
+          <a:p>
+            <a:r>
+              <a:rPr lang="en-GB" dirty="0" smtClean="0"/>
+              <a:t>Lack of memory causes RESOURCE_SEMAPHORE waits</a:t>
+            </a:r>
+          </a:p>
+          <a:p>
+            <a:r>
+              <a:rPr lang="en-GB" dirty="0" smtClean="0"/>
+              <a:t>Memory grant is estimated</a:t>
+            </a:r>
+          </a:p>
+          <a:p>
+            <a:pPr lvl="1"/>
+            <a:r>
+              <a:rPr lang="en-GB" dirty="0" smtClean="0"/>
+              <a:t>Based on estimated rows expected from each operator</a:t>
+            </a:r>
+          </a:p>
+          <a:p>
+            <a:pPr lvl="1"/>
+            <a:r>
+              <a:rPr lang="en-GB" dirty="0" smtClean="0"/>
+              <a:t>Estimated space required to perform joins and aggregations</a:t>
+            </a:r>
+          </a:p>
+          <a:p>
+            <a:r>
+              <a:rPr lang="en-GB" dirty="0" smtClean="0"/>
+              <a:t>If under estimated the query will “spill” to </a:t>
+            </a:r>
+            <a:r>
+              <a:rPr lang="en-GB" dirty="0" err="1" smtClean="0"/>
+              <a:t>tempDB</a:t>
+            </a:r>
+            <a:endParaRPr lang="en-GB" dirty="0" smtClean="0"/>
+          </a:p>
+          <a:p>
+            <a:pPr lvl="1"/>
+            <a:r>
+              <a:rPr lang="en-GB" dirty="0" smtClean="0"/>
+              <a:t>This is very bad</a:t>
+            </a:r>
+          </a:p>
+          <a:p>
+            <a:r>
+              <a:rPr lang="en-GB" dirty="0" smtClean="0"/>
+              <a:t>If heavily over estimated the server may run out of memory</a:t>
+            </a:r>
+          </a:p>
+          <a:p>
+            <a:pPr lvl="1"/>
+            <a:endParaRPr lang="en-GB" dirty="0" smtClean="0"/>
+          </a:p>
+          <a:p>
+            <a:endParaRPr lang="en-GB" dirty="0" smtClean="0"/>
+          </a:p>
+          <a:p>
+            <a:endParaRPr lang="en-GB" dirty="0" smtClean="0"/>
+          </a:p>
+          <a:p>
+            <a:pPr lvl="1"/>
+            <a:endParaRPr lang="en-GB" dirty="0"/>
+          </a:p>
+        </p:txBody>
+      </p:sp>
+    </p:spTree>
+    <p:extLst>
+      <p:ext uri="{BB962C8B-B14F-4D97-AF65-F5344CB8AC3E}">
+        <p14:creationId xmlns:p14="http://schemas.microsoft.com/office/powerpoint/2010/main" val="4114035203"/>
+      </p:ext>
+    </p:extLst>
+  </p:cSld>
+  <p:clrMapOvr>
+    <a:masterClrMapping/>
+  </p:clrMapOvr>
+  <p:timing>
+    <p:tnLst>
+      <p:par>
+        <p:cTn id="1" dur="indefinite" restart="never" nodeType="tmRoot"/>
+      </p:par>
+    </p:tnLst>
+  </p:timing>
+</p:sld>
+</file>
+
+<file path=ppt/slides/slide31.xml><?xml version="1.0" encoding="utf-8"?>
+<p:sld xmlns:a="http://schemas.openxmlformats.org/drawingml/2006/main" xmlns:r="http://schemas.openxmlformats.org/officeDocument/2006/relationships" xmlns:p="http://schemas.openxmlformats.org/presentationml/2006/main">
+  <p:cSld>
+    <p:spTree>
+      <p:nvGrpSpPr>
+        <p:cNvPr id="1" name=""/>
+        <p:cNvGrpSpPr/>
+        <p:nvPr/>
+      </p:nvGrpSpPr>
+      <p:grpSpPr>
+        <a:xfrm>
+          <a:off x="0" y="0"/>
+          <a:ext cx="0" cy="0"/>
+          <a:chOff x="0" y="0"/>
+          <a:chExt cx="0" cy="0"/>
+        </a:xfrm>
+      </p:grpSpPr>
+      <p:sp>
+        <p:nvSpPr>
           <p:cNvPr id="4" name="Title 3"/>
           <p:cNvSpPr>
             <a:spLocks noGrp="1"/>
@@ -16032,7 +16782,7 @@
 </p:sld>
 </file>
 
-<file path=ppt/slides/slide27.xml><?xml version="1.0" encoding="utf-8"?>
+<file path=ppt/slides/slide32.xml><?xml version="1.0" encoding="utf-8"?>
 <p:sld xmlns:a="http://schemas.openxmlformats.org/drawingml/2006/main" xmlns:r="http://schemas.openxmlformats.org/officeDocument/2006/relationships" xmlns:p="http://schemas.openxmlformats.org/presentationml/2006/main">
   <p:cSld>
     <p:spTree>
@@ -16135,7 +16885,7 @@
 </p:sld>
 </file>
 
-<file path=ppt/slides/slide28.xml><?xml version="1.0" encoding="utf-8"?>
+<file path=ppt/slides/slide33.xml><?xml version="1.0" encoding="utf-8"?>
 <p:sld xmlns:a="http://schemas.openxmlformats.org/drawingml/2006/main" xmlns:r="http://schemas.openxmlformats.org/officeDocument/2006/relationships" xmlns:p="http://schemas.openxmlformats.org/presentationml/2006/main">
   <p:cSld>
     <p:spTree>
@@ -16336,7 +17086,7 @@
 </p:sld>
 </file>
 
-<file path=ppt/slides/slide29.xml><?xml version="1.0" encoding="utf-8"?>
+<file path=ppt/slides/slide34.xml><?xml version="1.0" encoding="utf-8"?>
 <p:sld xmlns:a="http://schemas.openxmlformats.org/drawingml/2006/main" xmlns:r="http://schemas.openxmlformats.org/officeDocument/2006/relationships" xmlns:p="http://schemas.openxmlformats.org/presentationml/2006/main">
   <p:cSld>
     <p:spTree>
@@ -16610,7 +17360,7 @@
 </p:sld>
 </file>
 
-<file path=ppt/slides/slide3.xml><?xml version="1.0" encoding="utf-8"?>
+<file path=ppt/slides/slide35.xml><?xml version="1.0" encoding="utf-8"?>
 <p:sld xmlns:a="http://schemas.openxmlformats.org/drawingml/2006/main" xmlns:r="http://schemas.openxmlformats.org/officeDocument/2006/relationships" xmlns:p="http://schemas.openxmlformats.org/presentationml/2006/main">
   <p:cSld>
     <p:spTree>
@@ -16644,7 +17394,7 @@
           <a:p>
             <a:r>
               <a:rPr lang="en-GB" dirty="0" smtClean="0"/>
-              <a:t>How do queries Execute?</a:t>
+              <a:t>Costly Operators</a:t>
             </a:r>
             <a:endParaRPr lang="en-GB" dirty="0"/>
           </a:p>
@@ -16662,114 +17412,6 @@
         </p:nvSpPr>
         <p:spPr/>
         <p:txBody>
-          <a:bodyPr/>
-          <a:lstStyle/>
-          <a:p>
-            <a:r>
-              <a:rPr lang="en-GB" dirty="0" smtClean="0"/>
-              <a:t>Plan is generated</a:t>
-            </a:r>
-          </a:p>
-          <a:p>
-            <a:r>
-              <a:rPr lang="en-GB" dirty="0" smtClean="0"/>
-              <a:t>Execution engine waits for resources</a:t>
-            </a:r>
-          </a:p>
-          <a:p>
-            <a:pPr lvl="1"/>
-            <a:r>
-              <a:rPr lang="en-GB" dirty="0" smtClean="0"/>
-              <a:t>Enough memory (space to execute the query) – not </a:t>
-            </a:r>
-            <a:r>
-              <a:rPr lang="en-GB" dirty="0" err="1" smtClean="0"/>
-              <a:t>fifo</a:t>
-            </a:r>
-            <a:endParaRPr lang="en-GB" dirty="0" smtClean="0"/>
-          </a:p>
-          <a:p>
-            <a:pPr lvl="1"/>
-            <a:r>
-              <a:rPr lang="en-GB" dirty="0" smtClean="0"/>
-              <a:t>Available scheduler (CPU)</a:t>
-            </a:r>
-            <a:endParaRPr lang="en-GB" dirty="0" smtClean="0"/>
-          </a:p>
-        </p:txBody>
-      </p:sp>
-    </p:spTree>
-    <p:extLst>
-      <p:ext uri="{BB962C8B-B14F-4D97-AF65-F5344CB8AC3E}">
-        <p14:creationId xmlns:p14="http://schemas.microsoft.com/office/powerpoint/2010/main" val="2755014549"/>
-      </p:ext>
-    </p:extLst>
-  </p:cSld>
-  <p:clrMapOvr>
-    <a:masterClrMapping/>
-  </p:clrMapOvr>
-  <p:timing>
-    <p:tnLst>
-      <p:par>
-        <p:cTn id="1" dur="indefinite" restart="never" nodeType="tmRoot"/>
-      </p:par>
-    </p:tnLst>
-  </p:timing>
-</p:sld>
-</file>
-
-<file path=ppt/slides/slide30.xml><?xml version="1.0" encoding="utf-8"?>
-<p:sld xmlns:a="http://schemas.openxmlformats.org/drawingml/2006/main" xmlns:r="http://schemas.openxmlformats.org/officeDocument/2006/relationships" xmlns:p="http://schemas.openxmlformats.org/presentationml/2006/main">
-  <p:cSld>
-    <p:spTree>
-      <p:nvGrpSpPr>
-        <p:cNvPr id="1" name=""/>
-        <p:cNvGrpSpPr/>
-        <p:nvPr/>
-      </p:nvGrpSpPr>
-      <p:grpSpPr>
-        <a:xfrm>
-          <a:off x="0" y="0"/>
-          <a:ext cx="0" cy="0"/>
-          <a:chOff x="0" y="0"/>
-          <a:chExt cx="0" cy="0"/>
-        </a:xfrm>
-      </p:grpSpPr>
-      <p:sp>
-        <p:nvSpPr>
-          <p:cNvPr id="2" name="Title 1"/>
-          <p:cNvSpPr>
-            <a:spLocks noGrp="1"/>
-          </p:cNvSpPr>
-          <p:nvPr>
-            <p:ph type="title"/>
-          </p:nvPr>
-        </p:nvSpPr>
-        <p:spPr/>
-        <p:txBody>
-          <a:bodyPr/>
-          <a:lstStyle/>
-          <a:p>
-            <a:r>
-              <a:rPr lang="en-GB" dirty="0" smtClean="0"/>
-              <a:t>Costly Operators</a:t>
-            </a:r>
-            <a:endParaRPr lang="en-GB" dirty="0"/>
-          </a:p>
-        </p:txBody>
-      </p:sp>
-      <p:sp>
-        <p:nvSpPr>
-          <p:cNvPr id="3" name="Content Placeholder 2"/>
-          <p:cNvSpPr>
-            <a:spLocks noGrp="1"/>
-          </p:cNvSpPr>
-          <p:nvPr>
-            <p:ph idx="1"/>
-          </p:nvPr>
-        </p:nvSpPr>
-        <p:spPr/>
-        <p:txBody>
           <a:bodyPr>
             <a:normAutofit fontScale="92500" lnSpcReduction="10000"/>
           </a:bodyPr>
@@ -16779,7 +17421,6 @@
               <a:rPr lang="en-GB" dirty="0" smtClean="0"/>
               <a:t>Sort</a:t>
             </a:r>
-            <a:endParaRPr lang="en-GB" dirty="0" smtClean="0"/>
           </a:p>
           <a:p>
             <a:pPr lvl="1"/>
@@ -16792,7 +17433,19 @@
             <a:pPr lvl="1"/>
             <a:r>
               <a:rPr lang="en-GB" dirty="0" smtClean="0"/>
-              <a:t>Sometimes required for merge joins</a:t>
+              <a:t>Sometimes required </a:t>
+            </a:r>
+            <a:r>
+              <a:rPr lang="en-GB" dirty="0" smtClean="0"/>
+              <a:t>(joins, </a:t>
+            </a:r>
+            <a:r>
+              <a:rPr lang="en-GB" dirty="0" err="1" smtClean="0"/>
+              <a:t>aggs</a:t>
+            </a:r>
+            <a:r>
+              <a:rPr lang="en-GB" dirty="0" smtClean="0"/>
+              <a:t>, grouping)</a:t>
             </a:r>
             <a:endParaRPr lang="en-GB" dirty="0" smtClean="0"/>
           </a:p>
@@ -16826,7 +17479,15 @@
             <a:pPr lvl="1"/>
             <a:r>
               <a:rPr lang="en-GB" dirty="0" smtClean="0"/>
-              <a:t>Storing working in </a:t>
+              <a:t>Storing </a:t>
+            </a:r>
+            <a:r>
+              <a:rPr lang="en-GB" dirty="0" smtClean="0"/>
+              <a:t>workings </a:t>
+            </a:r>
+            <a:r>
+              <a:rPr lang="en-GB" dirty="0" smtClean="0"/>
+              <a:t>in </a:t>
             </a:r>
             <a:r>
               <a:rPr lang="en-GB" dirty="0" err="1" smtClean="0"/>
@@ -16979,7 +17640,7 @@
 </p:sld>
 </file>
 
-<file path=ppt/slides/slide31.xml><?xml version="1.0" encoding="utf-8"?>
+<file path=ppt/slides/slide36.xml><?xml version="1.0" encoding="utf-8"?>
 <p:sld xmlns:a="http://schemas.openxmlformats.org/drawingml/2006/main" xmlns:r="http://schemas.openxmlformats.org/officeDocument/2006/relationships" xmlns:p="http://schemas.openxmlformats.org/presentationml/2006/main">
   <p:cSld>
     <p:spTree>
@@ -17013,7 +17674,15 @@
           <a:p>
             <a:r>
               <a:rPr lang="en-GB" dirty="0" smtClean="0"/>
-              <a:t>Demo</a:t>
+              <a:t>Parallel</a:t>
+            </a:r>
+            <a:r>
+              <a:rPr lang="en-GB" dirty="0" smtClean="0"/>
+              <a:t> </a:t>
+            </a:r>
+            <a:r>
+              <a:rPr lang="en-GB" dirty="0" smtClean="0"/>
+              <a:t>Operators</a:t>
             </a:r>
             <a:endParaRPr lang="en-GB" dirty="0"/>
           </a:p>
@@ -17031,22 +17700,210 @@
         </p:nvSpPr>
         <p:spPr/>
         <p:txBody>
+          <a:bodyPr>
+            <a:normAutofit/>
+          </a:bodyPr>
+          <a:lstStyle/>
+          <a:p>
+            <a:r>
+              <a:rPr lang="en-GB" dirty="0" smtClean="0"/>
+              <a:t>Anything with this symbol</a:t>
+            </a:r>
+            <a:endParaRPr lang="en-GB" dirty="0" smtClean="0"/>
+          </a:p>
+          <a:p>
+            <a:pPr lvl="1"/>
+            <a:r>
+              <a:rPr lang="en-GB" dirty="0" smtClean="0"/>
+              <a:t>Look at the properties to see how many threads</a:t>
+            </a:r>
+            <a:endParaRPr lang="en-GB" dirty="0"/>
+          </a:p>
+          <a:p>
+            <a:endParaRPr lang="en-GB" dirty="0" smtClean="0"/>
+          </a:p>
+          <a:p>
+            <a:r>
+              <a:rPr lang="en-GB" dirty="0" smtClean="0"/>
+              <a:t>Gatherer	</a:t>
+            </a:r>
+          </a:p>
+          <a:p>
+            <a:pPr lvl="1"/>
+            <a:r>
+              <a:rPr lang="en-GB" dirty="0" smtClean="0"/>
+              <a:t>Gathers parallel streams</a:t>
+            </a:r>
+            <a:endParaRPr lang="en-GB" dirty="0"/>
+          </a:p>
+        </p:txBody>
+      </p:sp>
+      <p:pic>
+        <p:nvPicPr>
+          <p:cNvPr id="1026" name="Picture 2" descr="Gather streams parallelism operator icon"/>
+          <p:cNvPicPr>
+            <a:picLocks noChangeAspect="1" noChangeArrowheads="1"/>
+          </p:cNvPicPr>
+          <p:nvPr/>
+        </p:nvPicPr>
+        <p:blipFill>
+          <a:blip r:embed="rId2">
+            <a:extLst>
+              <a:ext uri="{28A0092B-C50C-407E-A947-70E740481C1C}">
+                <a14:useLocalDpi xmlns:a14="http://schemas.microsoft.com/office/drawing/2010/main" val="0"/>
+              </a:ext>
+            </a:extLst>
+          </a:blip>
+          <a:srcRect/>
+          <a:stretch>
+            <a:fillRect/>
+          </a:stretch>
+        </p:blipFill>
+        <p:spPr bwMode="auto">
+          <a:xfrm>
+            <a:off x="7454732" y="3299241"/>
+            <a:ext cx="978067" cy="978070"/>
+          </a:xfrm>
+          <a:prstGeom prst="rect">
+            <a:avLst/>
+          </a:prstGeom>
+          <a:noFill/>
+          <a:extLst>
+            <a:ext uri="{909E8E84-426E-40DD-AFC4-6F175D3DCCD1}">
+              <a14:hiddenFill xmlns:a14="http://schemas.microsoft.com/office/drawing/2010/main">
+                <a:solidFill>
+                  <a:srgbClr val="FFFFFF"/>
+                </a:solidFill>
+              </a14:hiddenFill>
+            </a:ext>
+          </a:extLst>
+        </p:spPr>
+      </p:pic>
+      <p:pic>
+        <p:nvPicPr>
+          <p:cNvPr id="1028" name="Picture 4" descr="Parallel process icon"/>
+          <p:cNvPicPr>
+            <a:picLocks noChangeAspect="1" noChangeArrowheads="1"/>
+          </p:cNvPicPr>
+          <p:nvPr/>
+        </p:nvPicPr>
+        <p:blipFill>
+          <a:blip r:embed="rId3">
+            <a:extLst>
+              <a:ext uri="{28A0092B-C50C-407E-A947-70E740481C1C}">
+                <a14:useLocalDpi xmlns:a14="http://schemas.microsoft.com/office/drawing/2010/main" val="0"/>
+              </a:ext>
+            </a:extLst>
+          </a:blip>
+          <a:srcRect/>
+          <a:stretch>
+            <a:fillRect/>
+          </a:stretch>
+        </p:blipFill>
+        <p:spPr bwMode="auto">
+          <a:xfrm>
+            <a:off x="7454732" y="1737792"/>
+            <a:ext cx="702679" cy="702679"/>
+          </a:xfrm>
+          <a:prstGeom prst="rect">
+            <a:avLst/>
+          </a:prstGeom>
+          <a:noFill/>
+          <a:extLst>
+            <a:ext uri="{909E8E84-426E-40DD-AFC4-6F175D3DCCD1}">
+              <a14:hiddenFill xmlns:a14="http://schemas.microsoft.com/office/drawing/2010/main">
+                <a:solidFill>
+                  <a:srgbClr val="FFFFFF"/>
+                </a:solidFill>
+              </a14:hiddenFill>
+            </a:ext>
+          </a:extLst>
+        </p:spPr>
+      </p:pic>
+    </p:spTree>
+    <p:extLst>
+      <p:ext uri="{BB962C8B-B14F-4D97-AF65-F5344CB8AC3E}">
+        <p14:creationId xmlns:p14="http://schemas.microsoft.com/office/powerpoint/2010/main" val="4117652339"/>
+      </p:ext>
+    </p:extLst>
+  </p:cSld>
+  <p:clrMapOvr>
+    <a:masterClrMapping/>
+  </p:clrMapOvr>
+  <p:timing>
+    <p:tnLst>
+      <p:par>
+        <p:cTn id="1" dur="indefinite" restart="never" nodeType="tmRoot"/>
+      </p:par>
+    </p:tnLst>
+  </p:timing>
+</p:sld>
+</file>
+
+<file path=ppt/slides/slide37.xml><?xml version="1.0" encoding="utf-8"?>
+<p:sld xmlns:a="http://schemas.openxmlformats.org/drawingml/2006/main" xmlns:r="http://schemas.openxmlformats.org/officeDocument/2006/relationships" xmlns:p="http://schemas.openxmlformats.org/presentationml/2006/main">
+  <p:cSld>
+    <p:spTree>
+      <p:nvGrpSpPr>
+        <p:cNvPr id="1" name=""/>
+        <p:cNvGrpSpPr/>
+        <p:nvPr/>
+      </p:nvGrpSpPr>
+      <p:grpSpPr>
+        <a:xfrm>
+          <a:off x="0" y="0"/>
+          <a:ext cx="0" cy="0"/>
+          <a:chOff x="0" y="0"/>
+          <a:chExt cx="0" cy="0"/>
+        </a:xfrm>
+      </p:grpSpPr>
+      <p:sp>
+        <p:nvSpPr>
+          <p:cNvPr id="2" name="Title 1"/>
+          <p:cNvSpPr>
+            <a:spLocks noGrp="1"/>
+          </p:cNvSpPr>
+          <p:nvPr>
+            <p:ph type="title"/>
+          </p:nvPr>
+        </p:nvSpPr>
+        <p:spPr/>
+        <p:txBody>
           <a:bodyPr/>
           <a:lstStyle/>
           <a:p>
             <a:r>
               <a:rPr lang="en-GB" dirty="0" smtClean="0"/>
+              <a:t>Demo</a:t>
+            </a:r>
+            <a:endParaRPr lang="en-GB" dirty="0"/>
+          </a:p>
+        </p:txBody>
+      </p:sp>
+      <p:sp>
+        <p:nvSpPr>
+          <p:cNvPr id="3" name="Content Placeholder 2"/>
+          <p:cNvSpPr>
+            <a:spLocks noGrp="1"/>
+          </p:cNvSpPr>
+          <p:nvPr>
+            <p:ph idx="1"/>
+          </p:nvPr>
+        </p:nvSpPr>
+        <p:spPr/>
+        <p:txBody>
+          <a:bodyPr/>
+          <a:lstStyle/>
+          <a:p>
+            <a:r>
+              <a:rPr lang="en-GB" dirty="0" smtClean="0"/>
               <a:t>Finding a plan</a:t>
             </a:r>
           </a:p>
           <a:p>
             <a:r>
               <a:rPr lang="en-GB" dirty="0" smtClean="0"/>
-              <a:t>Viewing the </a:t>
-            </a:r>
-            <a:r>
-              <a:rPr lang="en-GB" dirty="0" smtClean="0"/>
-              <a:t>plan</a:t>
+              <a:t>Viewing the plan</a:t>
             </a:r>
           </a:p>
           <a:p>
@@ -17078,82 +17935,7 @@
 </p:sld>
 </file>
 
-<file path=ppt/slides/slide32.xml><?xml version="1.0" encoding="utf-8"?>
-<p:sld xmlns:a="http://schemas.openxmlformats.org/drawingml/2006/main" xmlns:r="http://schemas.openxmlformats.org/officeDocument/2006/relationships" xmlns:p="http://schemas.openxmlformats.org/presentationml/2006/main">
-  <p:cSld>
-    <p:spTree>
-      <p:nvGrpSpPr>
-        <p:cNvPr id="1" name=""/>
-        <p:cNvGrpSpPr/>
-        <p:nvPr/>
-      </p:nvGrpSpPr>
-      <p:grpSpPr>
-        <a:xfrm>
-          <a:off x="0" y="0"/>
-          <a:ext cx="0" cy="0"/>
-          <a:chOff x="0" y="0"/>
-          <a:chExt cx="0" cy="0"/>
-        </a:xfrm>
-      </p:grpSpPr>
-      <p:sp>
-        <p:nvSpPr>
-          <p:cNvPr id="2" name="Title 1"/>
-          <p:cNvSpPr>
-            <a:spLocks noGrp="1"/>
-          </p:cNvSpPr>
-          <p:nvPr>
-            <p:ph type="title"/>
-          </p:nvPr>
-        </p:nvSpPr>
-        <p:spPr/>
-        <p:txBody>
-          <a:bodyPr/>
-          <a:lstStyle/>
-          <a:p>
-            <a:endParaRPr lang="en-GB"/>
-          </a:p>
-        </p:txBody>
-      </p:sp>
-      <p:sp>
-        <p:nvSpPr>
-          <p:cNvPr id="3" name="Content Placeholder 2"/>
-          <p:cNvSpPr>
-            <a:spLocks noGrp="1"/>
-          </p:cNvSpPr>
-          <p:nvPr>
-            <p:ph idx="1"/>
-          </p:nvPr>
-        </p:nvSpPr>
-        <p:spPr/>
-        <p:txBody>
-          <a:bodyPr/>
-          <a:lstStyle/>
-          <a:p>
-            <a:endParaRPr lang="en-GB"/>
-          </a:p>
-        </p:txBody>
-      </p:sp>
-    </p:spTree>
-    <p:extLst>
-      <p:ext uri="{BB962C8B-B14F-4D97-AF65-F5344CB8AC3E}">
-        <p14:creationId xmlns:p14="http://schemas.microsoft.com/office/powerpoint/2010/main" val="1764593803"/>
-      </p:ext>
-    </p:extLst>
-  </p:cSld>
-  <p:clrMapOvr>
-    <a:masterClrMapping/>
-  </p:clrMapOvr>
-  <p:timing>
-    <p:tnLst>
-      <p:par>
-        <p:cTn id="1" dur="indefinite" restart="never" nodeType="tmRoot"/>
-      </p:par>
-    </p:tnLst>
-  </p:timing>
-</p:sld>
-</file>
-
-<file path=ppt/slides/slide33.xml><?xml version="1.0" encoding="utf-8"?>
+<file path=ppt/slides/slide38.xml><?xml version="1.0" encoding="utf-8"?>
 <p:sld xmlns:a="http://schemas.openxmlformats.org/drawingml/2006/main" xmlns:r="http://schemas.openxmlformats.org/officeDocument/2006/relationships" xmlns:p="http://schemas.openxmlformats.org/presentationml/2006/main">
   <p:cSld>
     <p:spTree>
@@ -17232,7 +18014,7 @@
 </p:sld>
 </file>
 
-<file path=ppt/slides/slide34.xml><?xml version="1.0" encoding="utf-8"?>
+<file path=ppt/slides/slide39.xml><?xml version="1.0" encoding="utf-8"?>
 <p:sld xmlns:a="http://schemas.openxmlformats.org/drawingml/2006/main" xmlns:r="http://schemas.openxmlformats.org/officeDocument/2006/relationships" xmlns:p="http://schemas.openxmlformats.org/presentationml/2006/main">
   <p:cSld>
     <p:spTree>
@@ -17285,7 +18067,7 @@
         <p:spPr/>
         <p:txBody>
           <a:bodyPr>
-            <a:normAutofit lnSpcReduction="10000"/>
+            <a:normAutofit fontScale="92500" lnSpcReduction="20000"/>
           </a:bodyPr>
           <a:lstStyle/>
           <a:p>
@@ -17305,14 +18087,29 @@
             <a:pPr lvl="1"/>
             <a:r>
               <a:rPr lang="en-GB" dirty="0" smtClean="0"/>
-              <a:t>Parameterization will not take place</a:t>
-            </a:r>
-          </a:p>
-          <a:p>
-            <a:r>
-              <a:rPr lang="en-GB" dirty="0" smtClean="0"/>
-              <a:t>FORCE ORDER</a:t>
-            </a:r>
+              <a:t>Parameterisation </a:t>
+            </a:r>
+            <a:r>
+              <a:rPr lang="en-GB" dirty="0" smtClean="0"/>
+              <a:t>will not take place</a:t>
+            </a:r>
+          </a:p>
+          <a:p>
+            <a:r>
+              <a:rPr lang="en-GB" dirty="0" smtClean="0"/>
+              <a:t>FORCE </a:t>
+            </a:r>
+            <a:r>
+              <a:rPr lang="en-GB" dirty="0" smtClean="0"/>
+              <a:t>ORDER</a:t>
+            </a:r>
+          </a:p>
+          <a:p>
+            <a:r>
+              <a:rPr lang="en-GB" dirty="0" smtClean="0"/>
+              <a:t>MERGE/HASH/LOOP Join</a:t>
+            </a:r>
+            <a:endParaRPr lang="en-GB" dirty="0" smtClean="0"/>
           </a:p>
           <a:p>
             <a:r>
@@ -17343,8 +18140,9 @@
           <a:p>
             <a:r>
               <a:rPr lang="en-GB" dirty="0" smtClean="0"/>
-              <a:t>UNKNOWN</a:t>
-            </a:r>
+              <a:t>OPTIMIZE FOR/UNKNOWN</a:t>
+            </a:r>
+            <a:endParaRPr lang="en-GB" dirty="0" smtClean="0"/>
           </a:p>
           <a:p>
             <a:endParaRPr lang="en-GB" dirty="0"/>
@@ -17372,6 +18170,124 @@
 </file>
 
 <file path=ppt/slides/slide4.xml><?xml version="1.0" encoding="utf-8"?>
+<p:sld xmlns:a="http://schemas.openxmlformats.org/drawingml/2006/main" xmlns:r="http://schemas.openxmlformats.org/officeDocument/2006/relationships" xmlns:p="http://schemas.openxmlformats.org/presentationml/2006/main">
+  <p:cSld>
+    <p:spTree>
+      <p:nvGrpSpPr>
+        <p:cNvPr id="1" name=""/>
+        <p:cNvGrpSpPr/>
+        <p:nvPr/>
+      </p:nvGrpSpPr>
+      <p:grpSpPr>
+        <a:xfrm>
+          <a:off x="0" y="0"/>
+          <a:ext cx="0" cy="0"/>
+          <a:chOff x="0" y="0"/>
+          <a:chExt cx="0" cy="0"/>
+        </a:xfrm>
+      </p:grpSpPr>
+      <p:sp>
+        <p:nvSpPr>
+          <p:cNvPr id="2" name="Title 1"/>
+          <p:cNvSpPr>
+            <a:spLocks noGrp="1"/>
+          </p:cNvSpPr>
+          <p:nvPr>
+            <p:ph type="title"/>
+          </p:nvPr>
+        </p:nvSpPr>
+        <p:spPr/>
+        <p:txBody>
+          <a:bodyPr/>
+          <a:lstStyle/>
+          <a:p>
+            <a:r>
+              <a:rPr lang="en-GB" dirty="0" smtClean="0"/>
+              <a:t>How do queries Execute?</a:t>
+            </a:r>
+            <a:endParaRPr lang="en-GB" dirty="0"/>
+          </a:p>
+        </p:txBody>
+      </p:sp>
+      <p:sp>
+        <p:nvSpPr>
+          <p:cNvPr id="3" name="Content Placeholder 2"/>
+          <p:cNvSpPr>
+            <a:spLocks noGrp="1"/>
+          </p:cNvSpPr>
+          <p:nvPr>
+            <p:ph idx="1"/>
+          </p:nvPr>
+        </p:nvSpPr>
+        <p:spPr/>
+        <p:txBody>
+          <a:bodyPr/>
+          <a:lstStyle/>
+          <a:p>
+            <a:r>
+              <a:rPr lang="en-GB" dirty="0" smtClean="0"/>
+              <a:t>Plan is generated</a:t>
+            </a:r>
+          </a:p>
+          <a:p>
+            <a:r>
+              <a:rPr lang="en-GB" dirty="0" smtClean="0"/>
+              <a:t>Execution engine waits for resources</a:t>
+            </a:r>
+          </a:p>
+          <a:p>
+            <a:pPr lvl="1"/>
+            <a:r>
+              <a:rPr lang="en-GB" dirty="0" smtClean="0"/>
+              <a:t>Enough memory (space to execute the query) – not </a:t>
+            </a:r>
+            <a:r>
+              <a:rPr lang="en-GB" dirty="0" err="1" smtClean="0"/>
+              <a:t>fifo</a:t>
+            </a:r>
+            <a:endParaRPr lang="en-GB" dirty="0" smtClean="0"/>
+          </a:p>
+          <a:p>
+            <a:pPr lvl="1"/>
+            <a:r>
+              <a:rPr lang="en-GB" dirty="0" smtClean="0"/>
+              <a:t>Available scheduler (CPU</a:t>
+            </a:r>
+            <a:r>
+              <a:rPr lang="en-GB" dirty="0" smtClean="0"/>
+              <a:t>)</a:t>
+            </a:r>
+          </a:p>
+          <a:p>
+            <a:r>
+              <a:rPr lang="en-GB" dirty="0" smtClean="0"/>
+              <a:t>Results returns/data modified</a:t>
+            </a:r>
+            <a:endParaRPr lang="en-GB" dirty="0" smtClean="0"/>
+          </a:p>
+        </p:txBody>
+      </p:sp>
+    </p:spTree>
+    <p:extLst>
+      <p:ext uri="{BB962C8B-B14F-4D97-AF65-F5344CB8AC3E}">
+        <p14:creationId xmlns:p14="http://schemas.microsoft.com/office/powerpoint/2010/main" val="3505838617"/>
+      </p:ext>
+    </p:extLst>
+  </p:cSld>
+  <p:clrMapOvr>
+    <a:masterClrMapping/>
+  </p:clrMapOvr>
+  <p:timing>
+    <p:tnLst>
+      <p:par>
+        <p:cTn id="1" dur="indefinite" restart="never" nodeType="tmRoot"/>
+      </p:par>
+    </p:tnLst>
+  </p:timing>
+</p:sld>
+</file>
+
+<file path=ppt/slides/slide5.xml><?xml version="1.0" encoding="utf-8"?>
 <p:sld xmlns:a="http://schemas.openxmlformats.org/drawingml/2006/main" xmlns:r="http://schemas.openxmlformats.org/officeDocument/2006/relationships" xmlns:p="http://schemas.openxmlformats.org/presentationml/2006/main">
   <p:cSld>
     <p:spTree>
@@ -17517,133 +18433,6 @@
 </p:sld>
 </file>
 
-<file path=ppt/slides/slide5.xml><?xml version="1.0" encoding="utf-8"?>
-<p:sld xmlns:a="http://schemas.openxmlformats.org/drawingml/2006/main" xmlns:r="http://schemas.openxmlformats.org/officeDocument/2006/relationships" xmlns:p="http://schemas.openxmlformats.org/presentationml/2006/main">
-  <p:cSld>
-    <p:spTree>
-      <p:nvGrpSpPr>
-        <p:cNvPr id="1" name=""/>
-        <p:cNvGrpSpPr/>
-        <p:nvPr/>
-      </p:nvGrpSpPr>
-      <p:grpSpPr>
-        <a:xfrm>
-          <a:off x="0" y="0"/>
-          <a:ext cx="0" cy="0"/>
-          <a:chOff x="0" y="0"/>
-          <a:chExt cx="0" cy="0"/>
-        </a:xfrm>
-      </p:grpSpPr>
-      <p:sp>
-        <p:nvSpPr>
-          <p:cNvPr id="2" name="Title 1"/>
-          <p:cNvSpPr>
-            <a:spLocks noGrp="1"/>
-          </p:cNvSpPr>
-          <p:nvPr>
-            <p:ph type="title"/>
-          </p:nvPr>
-        </p:nvSpPr>
-        <p:spPr/>
-        <p:txBody>
-          <a:bodyPr/>
-          <a:lstStyle/>
-          <a:p>
-            <a:r>
-              <a:rPr lang="en-GB" dirty="0" smtClean="0"/>
-              <a:t>What is a </a:t>
-            </a:r>
-            <a:r>
-              <a:rPr lang="en-GB" dirty="0" smtClean="0"/>
-              <a:t>Plan?</a:t>
-            </a:r>
-            <a:endParaRPr lang="en-GB" dirty="0"/>
-          </a:p>
-        </p:txBody>
-      </p:sp>
-      <p:sp>
-        <p:nvSpPr>
-          <p:cNvPr id="3" name="Content Placeholder 2"/>
-          <p:cNvSpPr>
-            <a:spLocks noGrp="1"/>
-          </p:cNvSpPr>
-          <p:nvPr>
-            <p:ph idx="1"/>
-          </p:nvPr>
-        </p:nvSpPr>
-        <p:spPr/>
-        <p:txBody>
-          <a:bodyPr/>
-          <a:lstStyle/>
-          <a:p>
-            <a:r>
-              <a:rPr lang="en-GB" dirty="0" smtClean="0"/>
-              <a:t>Calculated method to complete a given task</a:t>
-            </a:r>
-          </a:p>
-          <a:p>
-            <a:r>
-              <a:rPr lang="en-GB" dirty="0" smtClean="0"/>
-              <a:t>How?</a:t>
-            </a:r>
-          </a:p>
-          <a:p>
-            <a:pPr lvl="1"/>
-            <a:r>
-              <a:rPr lang="en-GB" dirty="0" smtClean="0"/>
-              <a:t>Indexes</a:t>
-            </a:r>
-          </a:p>
-          <a:p>
-            <a:pPr lvl="1"/>
-            <a:r>
-              <a:rPr lang="en-GB" dirty="0" smtClean="0"/>
-              <a:t>Statistics</a:t>
-            </a:r>
-          </a:p>
-          <a:p>
-            <a:pPr lvl="1"/>
-            <a:r>
-              <a:rPr lang="en-GB" dirty="0" smtClean="0"/>
-              <a:t>Hints</a:t>
-            </a:r>
-          </a:p>
-          <a:p>
-            <a:r>
-              <a:rPr lang="en-GB" dirty="0" smtClean="0"/>
-              <a:t>Estimated Plans vs Actual Plans</a:t>
-            </a:r>
-          </a:p>
-          <a:p>
-            <a:pPr lvl="1"/>
-            <a:r>
-              <a:rPr lang="en-GB" dirty="0" smtClean="0"/>
-              <a:t>Actually the same thing, one just has the actual counts/cost during execution</a:t>
-            </a:r>
-            <a:endParaRPr lang="en-GB" dirty="0"/>
-          </a:p>
-        </p:txBody>
-      </p:sp>
-    </p:spTree>
-    <p:extLst>
-      <p:ext uri="{BB962C8B-B14F-4D97-AF65-F5344CB8AC3E}">
-        <p14:creationId xmlns:p14="http://schemas.microsoft.com/office/powerpoint/2010/main" val="1233659612"/>
-      </p:ext>
-    </p:extLst>
-  </p:cSld>
-  <p:clrMapOvr>
-    <a:masterClrMapping/>
-  </p:clrMapOvr>
-  <p:timing>
-    <p:tnLst>
-      <p:par>
-        <p:cTn id="1" dur="indefinite" restart="never" nodeType="tmRoot"/>
-      </p:par>
-    </p:tnLst>
-  </p:timing>
-</p:sld>
-</file>
-
 <file path=ppt/slides/slide6.xml><?xml version="1.0" encoding="utf-8"?>
 <p:sld xmlns:a="http://schemas.openxmlformats.org/drawingml/2006/main" xmlns:r="http://schemas.openxmlformats.org/officeDocument/2006/relationships" xmlns:p="http://schemas.openxmlformats.org/presentationml/2006/main">
   <p:cSld>
@@ -17678,7 +18467,7 @@
           <a:p>
             <a:r>
               <a:rPr lang="en-GB" dirty="0" smtClean="0"/>
-              <a:t>Query Plans</a:t>
+              <a:t>What is a Plan?</a:t>
             </a:r>
             <a:endParaRPr lang="en-GB" dirty="0"/>
           </a:p>
@@ -17696,74 +18485,52 @@
         </p:nvSpPr>
         <p:spPr/>
         <p:txBody>
-          <a:bodyPr>
-            <a:normAutofit fontScale="92500" lnSpcReduction="20000"/>
-          </a:bodyPr>
+          <a:bodyPr/>
           <a:lstStyle/>
           <a:p>
             <a:r>
               <a:rPr lang="en-GB" dirty="0" smtClean="0"/>
-              <a:t>Cost</a:t>
-            </a:r>
-          </a:p>
-          <a:p>
-            <a:r>
-              <a:rPr lang="en-GB" dirty="0" smtClean="0"/>
-              <a:t>Operators</a:t>
+              <a:t>Calculated method to complete a given task</a:t>
+            </a:r>
+          </a:p>
+          <a:p>
+            <a:r>
+              <a:rPr lang="en-GB" dirty="0" smtClean="0"/>
+              <a:t>How?</a:t>
             </a:r>
           </a:p>
           <a:p>
             <a:pPr lvl="1"/>
             <a:r>
               <a:rPr lang="en-GB" dirty="0" smtClean="0"/>
-              <a:t>Seeks/Scans</a:t>
+              <a:t>Indexes</a:t>
             </a:r>
           </a:p>
           <a:p>
             <a:pPr lvl="1"/>
             <a:r>
               <a:rPr lang="en-GB" dirty="0" smtClean="0"/>
-              <a:t>Joins</a:t>
+              <a:t>Statistics</a:t>
             </a:r>
           </a:p>
           <a:p>
             <a:pPr lvl="1"/>
             <a:r>
               <a:rPr lang="en-GB" dirty="0" smtClean="0"/>
-              <a:t>Sorting</a:t>
+              <a:t>Hints</a:t>
+            </a:r>
+          </a:p>
+          <a:p>
+            <a:r>
+              <a:rPr lang="en-GB" dirty="0" smtClean="0"/>
+              <a:t>Estimated Plans vs Actual Plans</a:t>
             </a:r>
           </a:p>
           <a:p>
             <a:pPr lvl="1"/>
             <a:r>
               <a:rPr lang="en-GB" dirty="0" smtClean="0"/>
-              <a:t>Calculations</a:t>
-            </a:r>
-          </a:p>
-          <a:p>
-            <a:r>
-              <a:rPr lang="en-GB" dirty="0" smtClean="0"/>
-              <a:t>Indexing</a:t>
-            </a:r>
-          </a:p>
-          <a:p>
-            <a:pPr lvl="1"/>
-            <a:r>
-              <a:rPr lang="en-GB" dirty="0" smtClean="0"/>
-              <a:t>Covering indexes</a:t>
-            </a:r>
-          </a:p>
-          <a:p>
-            <a:pPr lvl="1"/>
-            <a:r>
-              <a:rPr lang="en-GB" dirty="0" smtClean="0"/>
-              <a:t>Sort order</a:t>
-            </a:r>
-          </a:p>
-          <a:p>
-            <a:r>
-              <a:rPr lang="en-GB" dirty="0" smtClean="0"/>
-              <a:t>Estimation</a:t>
+              <a:t>Actually the same thing, one just has the actual counts/cost during execution</a:t>
             </a:r>
             <a:endParaRPr lang="en-GB" dirty="0"/>
           </a:p>
@@ -17772,21 +18539,13 @@
     </p:spTree>
     <p:extLst>
       <p:ext uri="{BB962C8B-B14F-4D97-AF65-F5344CB8AC3E}">
-        <p14:creationId xmlns:p14="http://schemas.microsoft.com/office/powerpoint/2010/main" val="501372832"/>
+        <p14:creationId xmlns:p14="http://schemas.microsoft.com/office/powerpoint/2010/main" val="1233659612"/>
       </p:ext>
     </p:extLst>
   </p:cSld>
   <p:clrMapOvr>
     <a:masterClrMapping/>
   </p:clrMapOvr>
-  <mc:AlternateContent xmlns:mc="http://schemas.openxmlformats.org/markup-compatibility/2006" xmlns:p14="http://schemas.microsoft.com/office/powerpoint/2010/main">
-    <mc:Choice Requires="p14">
-      <p:transition spd="slow" p14:dur="2000"/>
-    </mc:Choice>
-    <mc:Fallback xmlns="">
-      <p:transition spd="slow"/>
-    </mc:Fallback>
-  </mc:AlternateContent>
   <p:timing>
     <p:tnLst>
       <p:par>
@@ -17831,7 +18590,7 @@
           <a:p>
             <a:r>
               <a:rPr lang="en-GB" dirty="0" smtClean="0"/>
-              <a:t>Cost</a:t>
+              <a:t>Query Plans</a:t>
             </a:r>
             <a:endParaRPr lang="en-GB" dirty="0"/>
           </a:p>
@@ -17850,58 +18609,73 @@
         <p:spPr/>
         <p:txBody>
           <a:bodyPr>
-            <a:normAutofit/>
+            <a:normAutofit fontScale="92500" lnSpcReduction="20000"/>
           </a:bodyPr>
           <a:lstStyle/>
           <a:p>
             <a:r>
               <a:rPr lang="en-GB" dirty="0" smtClean="0"/>
-              <a:t>Is based on a machine many years ago</a:t>
-            </a:r>
-          </a:p>
-          <a:p>
-            <a:r>
-              <a:rPr lang="en-GB" dirty="0" smtClean="0"/>
-              <a:t>Doesn't equate to anything specific</a:t>
-            </a:r>
-          </a:p>
-          <a:p>
-            <a:r>
-              <a:rPr lang="en-GB" dirty="0" smtClean="0"/>
-              <a:t>Useful for comparison</a:t>
-            </a:r>
-          </a:p>
-          <a:p>
-            <a:r>
-              <a:rPr lang="en-GB" dirty="0" smtClean="0"/>
-              <a:t>Shouldn't be used in isolation</a:t>
-            </a:r>
-          </a:p>
-          <a:p>
-            <a:r>
-              <a:rPr lang="en-GB" dirty="0" smtClean="0"/>
-              <a:t>Doesn't consider server state</a:t>
+              <a:t>Cost</a:t>
+            </a:r>
+          </a:p>
+          <a:p>
+            <a:r>
+              <a:rPr lang="en-GB" dirty="0" smtClean="0"/>
+              <a:t>Operators</a:t>
             </a:r>
           </a:p>
           <a:p>
             <a:pPr lvl="1"/>
             <a:r>
               <a:rPr lang="en-GB" dirty="0" smtClean="0"/>
-              <a:t>Available memory</a:t>
+              <a:t>Seeks/Scans</a:t>
             </a:r>
           </a:p>
           <a:p>
             <a:pPr lvl="1"/>
             <a:r>
               <a:rPr lang="en-GB" dirty="0" smtClean="0"/>
-              <a:t>Pages in memory already</a:t>
+              <a:t>Joins</a:t>
             </a:r>
           </a:p>
           <a:p>
             <a:pPr lvl="1"/>
             <a:r>
               <a:rPr lang="en-GB" dirty="0" smtClean="0"/>
-              <a:t>High end disk (ram disk, SSD)</a:t>
+              <a:t>Sorting</a:t>
+            </a:r>
+          </a:p>
+          <a:p>
+            <a:pPr lvl="1"/>
+            <a:r>
+              <a:rPr lang="en-GB" dirty="0" smtClean="0"/>
+              <a:t>Calculations</a:t>
+            </a:r>
+          </a:p>
+          <a:p>
+            <a:r>
+              <a:rPr lang="en-GB" dirty="0" smtClean="0"/>
+              <a:t>Indexing</a:t>
+            </a:r>
+          </a:p>
+          <a:p>
+            <a:pPr lvl="1"/>
+            <a:r>
+              <a:rPr lang="en-GB" dirty="0" smtClean="0"/>
+              <a:t>Covering indexes</a:t>
+            </a:r>
+          </a:p>
+          <a:p>
+            <a:pPr lvl="1"/>
+            <a:r>
+              <a:rPr lang="en-GB" dirty="0" smtClean="0"/>
+              <a:t>Sort order</a:t>
+            </a:r>
+          </a:p>
+          <a:p>
+            <a:r>
+              <a:rPr lang="en-GB" dirty="0" smtClean="0"/>
+              <a:t>Estimation</a:t>
             </a:r>
             <a:endParaRPr lang="en-GB" dirty="0"/>
           </a:p>
@@ -17910,7 +18684,7 @@
     </p:spTree>
     <p:extLst>
       <p:ext uri="{BB962C8B-B14F-4D97-AF65-F5344CB8AC3E}">
-        <p14:creationId xmlns:p14="http://schemas.microsoft.com/office/powerpoint/2010/main" val="1801466196"/>
+        <p14:creationId xmlns:p14="http://schemas.microsoft.com/office/powerpoint/2010/main" val="501372832"/>
       </p:ext>
     </p:extLst>
   </p:cSld>
@@ -17969,7 +18743,7 @@
           <a:p>
             <a:r>
               <a:rPr lang="en-GB" dirty="0" smtClean="0"/>
-              <a:t>Building a Plan</a:t>
+              <a:t>Cost</a:t>
             </a:r>
             <a:endParaRPr lang="en-GB" dirty="0"/>
           </a:p>
@@ -17987,43 +18761,60 @@
         </p:nvSpPr>
         <p:spPr/>
         <p:txBody>
-          <a:bodyPr/>
+          <a:bodyPr>
+            <a:normAutofit/>
+          </a:bodyPr>
           <a:lstStyle/>
           <a:p>
             <a:r>
               <a:rPr lang="en-GB" dirty="0" smtClean="0"/>
-              <a:t>Seek vs Scan</a:t>
-            </a:r>
-          </a:p>
-          <a:p>
-            <a:r>
-              <a:rPr lang="en-GB" dirty="0" smtClean="0"/>
-              <a:t>Choosing an Index</a:t>
+              <a:t>Is based on a machine many years ago</a:t>
+            </a:r>
+          </a:p>
+          <a:p>
+            <a:r>
+              <a:rPr lang="en-GB" dirty="0" smtClean="0"/>
+              <a:t>Doesn't equate to anything specific</a:t>
+            </a:r>
+          </a:p>
+          <a:p>
+            <a:r>
+              <a:rPr lang="en-GB" dirty="0" smtClean="0"/>
+              <a:t>Useful for comparison</a:t>
+            </a:r>
+          </a:p>
+          <a:p>
+            <a:r>
+              <a:rPr lang="en-GB" dirty="0" smtClean="0"/>
+              <a:t>Shouldn't be used in isolation</a:t>
+            </a:r>
+          </a:p>
+          <a:p>
+            <a:r>
+              <a:rPr lang="en-GB" dirty="0" smtClean="0"/>
+              <a:t>Doesn't consider server state</a:t>
             </a:r>
           </a:p>
           <a:p>
             <a:pPr lvl="1"/>
             <a:r>
               <a:rPr lang="en-GB" dirty="0" smtClean="0"/>
-              <a:t>Cardinality</a:t>
-            </a:r>
-          </a:p>
-          <a:p>
-            <a:r>
-              <a:rPr lang="en-GB" dirty="0" smtClean="0"/>
-              <a:t>Covering vs Non Covering</a:t>
-            </a:r>
-          </a:p>
-          <a:p>
-            <a:r>
-              <a:rPr lang="en-GB" dirty="0" smtClean="0"/>
-              <a:t>Filtered Indexes</a:t>
-            </a:r>
-          </a:p>
-          <a:p>
-            <a:endParaRPr lang="en-GB" dirty="0" smtClean="0"/>
-          </a:p>
-          <a:p>
+              <a:t>Available memory</a:t>
+            </a:r>
+          </a:p>
+          <a:p>
+            <a:pPr lvl="1"/>
+            <a:r>
+              <a:rPr lang="en-GB" dirty="0" smtClean="0"/>
+              <a:t>Pages in memory already</a:t>
+            </a:r>
+          </a:p>
+          <a:p>
+            <a:pPr lvl="1"/>
+            <a:r>
+              <a:rPr lang="en-GB" dirty="0" smtClean="0"/>
+              <a:t>High end disk (ram disk, SSD)</a:t>
+            </a:r>
             <a:endParaRPr lang="en-GB" dirty="0"/>
           </a:p>
         </p:txBody>
@@ -18031,13 +18822,21 @@
     </p:spTree>
     <p:extLst>
       <p:ext uri="{BB962C8B-B14F-4D97-AF65-F5344CB8AC3E}">
-        <p14:creationId xmlns:p14="http://schemas.microsoft.com/office/powerpoint/2010/main" val="2914966170"/>
+        <p14:creationId xmlns:p14="http://schemas.microsoft.com/office/powerpoint/2010/main" val="1801466196"/>
       </p:ext>
     </p:extLst>
   </p:cSld>
   <p:clrMapOvr>
     <a:masterClrMapping/>
   </p:clrMapOvr>
+  <mc:AlternateContent xmlns:mc="http://schemas.openxmlformats.org/markup-compatibility/2006" xmlns:p14="http://schemas.microsoft.com/office/powerpoint/2010/main">
+    <mc:Choice Requires="p14">
+      <p:transition spd="slow" p14:dur="2000"/>
+    </mc:Choice>
+    <mc:Fallback xmlns="">
+      <p:transition spd="slow"/>
+    </mc:Fallback>
+  </mc:AlternateContent>
   <p:timing>
     <p:tnLst>
       <p:par>
@@ -18082,7 +18881,7 @@
           <a:p>
             <a:r>
               <a:rPr lang="en-GB" dirty="0" smtClean="0"/>
-              <a:t>Estimates</a:t>
+              <a:t>Building a Plan</a:t>
             </a:r>
             <a:endParaRPr lang="en-GB" dirty="0"/>
           </a:p>
@@ -18105,44 +18904,38 @@
           <a:p>
             <a:r>
               <a:rPr lang="en-GB" dirty="0" smtClean="0"/>
-              <a:t>Plans are based on estimates</a:t>
-            </a:r>
-          </a:p>
-          <a:p>
-            <a:r>
-              <a:rPr lang="en-GB" dirty="0" smtClean="0"/>
-              <a:t>Based on statistics or fixed estimates</a:t>
-            </a:r>
-          </a:p>
-          <a:p>
-            <a:r>
-              <a:rPr lang="en-GB" dirty="0" smtClean="0"/>
-              <a:t>Statistics need updating</a:t>
+              <a:t>Seek vs Scan</a:t>
+            </a:r>
+          </a:p>
+          <a:p>
+            <a:r>
+              <a:rPr lang="en-GB" dirty="0" smtClean="0"/>
+              <a:t>Choosing an Index</a:t>
             </a:r>
           </a:p>
           <a:p>
             <a:pPr lvl="1"/>
             <a:r>
               <a:rPr lang="en-GB" dirty="0" smtClean="0"/>
-              <a:t>Especially where distributions change</a:t>
-            </a:r>
-          </a:p>
-          <a:p>
-            <a:pPr lvl="1"/>
-            <a:r>
-              <a:rPr lang="en-GB" dirty="0" smtClean="0"/>
-              <a:t>i.e. time based data</a:t>
-            </a:r>
-          </a:p>
-          <a:p>
-            <a:r>
-              <a:rPr lang="en-GB" dirty="0" smtClean="0"/>
-              <a:t>Query has to run to get </a:t>
-            </a:r>
-            <a:r>
-              <a:rPr lang="en-GB" dirty="0" err="1" smtClean="0"/>
-              <a:t>actuals</a:t>
-            </a:r>
+              <a:t>Cardinality</a:t>
+            </a:r>
+          </a:p>
+          <a:p>
+            <a:r>
+              <a:rPr lang="en-GB" dirty="0" smtClean="0"/>
+              <a:t>Covering vs Non Covering</a:t>
+            </a:r>
+          </a:p>
+          <a:p>
+            <a:r>
+              <a:rPr lang="en-GB" dirty="0" smtClean="0"/>
+              <a:t>Filtered Indexes</a:t>
+            </a:r>
+          </a:p>
+          <a:p>
+            <a:endParaRPr lang="en-GB" dirty="0" smtClean="0"/>
+          </a:p>
+          <a:p>
             <a:endParaRPr lang="en-GB" dirty="0"/>
           </a:p>
         </p:txBody>
@@ -18150,21 +18943,13 @@
     </p:spTree>
     <p:extLst>
       <p:ext uri="{BB962C8B-B14F-4D97-AF65-F5344CB8AC3E}">
-        <p14:creationId xmlns:p14="http://schemas.microsoft.com/office/powerpoint/2010/main" val="1845990105"/>
+        <p14:creationId xmlns:p14="http://schemas.microsoft.com/office/powerpoint/2010/main" val="2914966170"/>
       </p:ext>
     </p:extLst>
   </p:cSld>
   <p:clrMapOvr>
     <a:masterClrMapping/>
   </p:clrMapOvr>
-  <mc:AlternateContent xmlns:mc="http://schemas.openxmlformats.org/markup-compatibility/2006" xmlns:p14="http://schemas.microsoft.com/office/powerpoint/2010/main">
-    <mc:Choice Requires="p14">
-      <p:transition spd="slow" p14:dur="2000"/>
-    </mc:Choice>
-    <mc:Fallback xmlns="">
-      <p:transition spd="slow"/>
-    </mc:Fallback>
-  </mc:AlternateContent>
   <p:timing>
     <p:tnLst>
       <p:par>

--- a/Slides/3. Query Execution.pptx
+++ b/Slides/3. Query Execution.pptx
@@ -20,16 +20,16 @@
     <p:sldId id="280" r:id="rId11"/>
     <p:sldId id="259" r:id="rId12"/>
     <p:sldId id="283" r:id="rId13"/>
-    <p:sldId id="289" r:id="rId14"/>
-    <p:sldId id="264" r:id="rId15"/>
-    <p:sldId id="297" r:id="rId16"/>
-    <p:sldId id="287" r:id="rId17"/>
-    <p:sldId id="279" r:id="rId18"/>
-    <p:sldId id="278" r:id="rId19"/>
-    <p:sldId id="265" r:id="rId20"/>
-    <p:sldId id="286" r:id="rId21"/>
-    <p:sldId id="296" r:id="rId22"/>
-    <p:sldId id="285" r:id="rId23"/>
+    <p:sldId id="264" r:id="rId14"/>
+    <p:sldId id="297" r:id="rId15"/>
+    <p:sldId id="287" r:id="rId16"/>
+    <p:sldId id="279" r:id="rId17"/>
+    <p:sldId id="278" r:id="rId18"/>
+    <p:sldId id="265" r:id="rId19"/>
+    <p:sldId id="286" r:id="rId20"/>
+    <p:sldId id="285" r:id="rId21"/>
+    <p:sldId id="289" r:id="rId22"/>
+    <p:sldId id="296" r:id="rId23"/>
     <p:sldId id="298" r:id="rId24"/>
     <p:sldId id="300" r:id="rId25"/>
     <p:sldId id="273" r:id="rId26"/>
@@ -162,7 +162,6 @@
             <p14:sldId id="280"/>
             <p14:sldId id="259"/>
             <p14:sldId id="283"/>
-            <p14:sldId id="289"/>
             <p14:sldId id="264"/>
             <p14:sldId id="297"/>
           </p14:sldIdLst>
@@ -174,8 +173,9 @@
             <p14:sldId id="278"/>
             <p14:sldId id="265"/>
             <p14:sldId id="286"/>
+            <p14:sldId id="285"/>
+            <p14:sldId id="289"/>
             <p14:sldId id="296"/>
-            <p14:sldId id="285"/>
             <p14:sldId id="298"/>
             <p14:sldId id="300"/>
             <p14:sldId id="273"/>
@@ -7647,7 +7647,11 @@
             </a:r>
             <a:r>
               <a:rPr lang="en-GB" baseline="0" dirty="0" smtClean="0"/>
-              <a:t> of disk – all we care about here is memory</a:t>
+              <a:t> of disk – all we care about here is </a:t>
+            </a:r>
+            <a:r>
+              <a:rPr lang="en-GB" baseline="0" dirty="0" smtClean="0"/>
+              <a:t>memory, we will wait for disk when we start to execute</a:t>
             </a:r>
             <a:endParaRPr lang="en-GB" dirty="0"/>
           </a:p>
@@ -7739,7 +7743,23 @@
             </a:r>
             <a:r>
               <a:rPr lang="en-GB" baseline="0" dirty="0" smtClean="0"/>
-              <a:t> shows skew for values between 160 and 175. If the plan is generated from a value in this range then it maybe off</a:t>
+              <a:t> shows skew for values between </a:t>
+            </a:r>
+            <a:r>
+              <a:rPr lang="en-GB" baseline="0" dirty="0" smtClean="0"/>
+              <a:t>141 </a:t>
+            </a:r>
+            <a:r>
+              <a:rPr lang="en-GB" baseline="0" dirty="0" smtClean="0"/>
+              <a:t>and </a:t>
+            </a:r>
+            <a:r>
+              <a:rPr lang="en-GB" baseline="0" dirty="0" smtClean="0"/>
+              <a:t>160. </a:t>
+            </a:r>
+            <a:r>
+              <a:rPr lang="en-GB" baseline="0" dirty="0" smtClean="0"/>
+              <a:t>If the plan is generated from a value in this range then it maybe off</a:t>
             </a:r>
           </a:p>
           <a:p>
@@ -7816,7 +7836,12 @@
             <p:ph type="sldImg"/>
           </p:nvPr>
         </p:nvSpPr>
-        <p:spPr/>
+        <p:spPr>
+          <a:xfrm>
+            <a:off x="215900" y="722313"/>
+            <a:ext cx="6426200" cy="3614737"/>
+          </a:xfrm>
+        </p:spPr>
       </p:sp>
       <p:sp>
         <p:nvSpPr>
@@ -7830,16 +7855,42 @@
         </p:nvSpPr>
         <p:spPr/>
         <p:txBody>
-          <a:bodyPr/>
+          <a:bodyPr>
+            <a:normAutofit/>
+          </a:bodyPr>
           <a:lstStyle/>
           <a:p>
             <a:r>
               <a:rPr lang="en-GB" dirty="0" smtClean="0"/>
-              <a:t>Simple example where the number of distinct values in</a:t>
+              <a:t>If execution time much</a:t>
             </a:r>
             <a:r>
               <a:rPr lang="en-GB" baseline="0" dirty="0" smtClean="0"/>
-              <a:t> the column is low, but the number of matching records is high</a:t>
+              <a:t> &gt; than compile time, why worry - &gt; plan bloat</a:t>
+            </a:r>
+          </a:p>
+          <a:p>
+            <a:endParaRPr lang="en-GB" baseline="0" dirty="0" smtClean="0"/>
+          </a:p>
+          <a:p>
+            <a:r>
+              <a:rPr lang="en-GB" baseline="0" dirty="0" smtClean="0"/>
+              <a:t>If execution time &lt; compile time then really worry about it.</a:t>
+            </a:r>
+          </a:p>
+          <a:p>
+            <a:endParaRPr lang="en-GB" baseline="0" dirty="0" smtClean="0"/>
+          </a:p>
+          <a:p>
+            <a:r>
+              <a:rPr lang="en-GB" baseline="0" dirty="0" smtClean="0"/>
+              <a:t>OLTP plan reuse</a:t>
+            </a:r>
+          </a:p>
+          <a:p>
+            <a:r>
+              <a:rPr lang="en-GB" baseline="0" dirty="0" smtClean="0"/>
+              <a:t>ETL, Reporting plan no reuse</a:t>
             </a:r>
             <a:endParaRPr lang="en-GB" dirty="0"/>
           </a:p>
@@ -7860,10 +7911,53 @@
           <a:bodyPr/>
           <a:lstStyle/>
           <a:p>
-            <a:fld id="{C07FE611-E342-4944-80A8-F7B4C421E4DD}" type="slidenum">
+            <a:fld id="{B55B88FD-84B2-43BD-86AA-E2E5C0B76984}" type="slidenum">
               <a:rPr lang="en-GB" smtClean="0"/>
-              <a:t>13</a:t>
+              <a:pPr/>
+              <a:t>17</a:t>
             </a:fld>
+            <a:endParaRPr lang="en-GB"/>
+          </a:p>
+        </p:txBody>
+      </p:sp>
+      <p:sp>
+        <p:nvSpPr>
+          <p:cNvPr id="5" name="Date Placeholder 4"/>
+          <p:cNvSpPr>
+            <a:spLocks noGrp="1"/>
+          </p:cNvSpPr>
+          <p:nvPr>
+            <p:ph type="dt" idx="11"/>
+          </p:nvPr>
+        </p:nvSpPr>
+        <p:spPr/>
+        <p:txBody>
+          <a:bodyPr/>
+          <a:lstStyle/>
+          <a:p>
+            <a:endParaRPr lang="en-GB"/>
+          </a:p>
+        </p:txBody>
+      </p:sp>
+      <p:sp>
+        <p:nvSpPr>
+          <p:cNvPr id="6" name="Header Placeholder 5"/>
+          <p:cNvSpPr>
+            <a:spLocks noGrp="1"/>
+          </p:cNvSpPr>
+          <p:nvPr>
+            <p:ph type="hdr" sz="quarter" idx="12"/>
+          </p:nvPr>
+        </p:nvSpPr>
+        <p:spPr/>
+        <p:txBody>
+          <a:bodyPr/>
+          <a:lstStyle/>
+          <a:p>
+            <a:r>
+              <a:rPr lang="en-GB" smtClean="0"/>
+              <a:t>Advanced TSQL for Performance and Scalability</a:t>
+            </a:r>
             <a:endParaRPr lang="en-GB"/>
           </a:p>
         </p:txBody>
@@ -7871,7 +7965,7 @@
     </p:spTree>
     <p:extLst>
       <p:ext uri="{BB962C8B-B14F-4D97-AF65-F5344CB8AC3E}">
-        <p14:creationId xmlns:p14="http://schemas.microsoft.com/office/powerpoint/2010/main" val="2846438160"/>
+        <p14:creationId xmlns:p14="http://schemas.microsoft.com/office/powerpoint/2010/main" val="3130646790"/>
       </p:ext>
     </p:extLst>
   </p:cSld>
@@ -7908,12 +8002,7 @@
             <p:ph type="sldImg"/>
           </p:nvPr>
         </p:nvSpPr>
-        <p:spPr>
-          <a:xfrm>
-            <a:off x="215900" y="722313"/>
-            <a:ext cx="6426200" cy="3614737"/>
-          </a:xfrm>
-        </p:spPr>
+        <p:spPr/>
       </p:sp>
       <p:sp>
         <p:nvSpPr>
@@ -7927,42 +8016,12 @@
         </p:nvSpPr>
         <p:spPr/>
         <p:txBody>
-          <a:bodyPr>
-            <a:normAutofit/>
-          </a:bodyPr>
+          <a:bodyPr/>
           <a:lstStyle/>
           <a:p>
             <a:r>
               <a:rPr lang="en-GB" dirty="0" smtClean="0"/>
-              <a:t>If execution time much</a:t>
-            </a:r>
-            <a:r>
-              <a:rPr lang="en-GB" baseline="0" dirty="0" smtClean="0"/>
-              <a:t> &gt; than compile time, why worry - &gt; plan bloat</a:t>
-            </a:r>
-          </a:p>
-          <a:p>
-            <a:endParaRPr lang="en-GB" baseline="0" dirty="0" smtClean="0"/>
-          </a:p>
-          <a:p>
-            <a:r>
-              <a:rPr lang="en-GB" baseline="0" dirty="0" smtClean="0"/>
-              <a:t>If execution time &lt; compile time then really worry about it.</a:t>
-            </a:r>
-          </a:p>
-          <a:p>
-            <a:endParaRPr lang="en-GB" baseline="0" dirty="0" smtClean="0"/>
-          </a:p>
-          <a:p>
-            <a:r>
-              <a:rPr lang="en-GB" baseline="0" dirty="0" smtClean="0"/>
-              <a:t>OLTP plan reuse</a:t>
-            </a:r>
-          </a:p>
-          <a:p>
-            <a:r>
-              <a:rPr lang="en-GB" baseline="0" dirty="0" smtClean="0"/>
-              <a:t>ETL, Reporting plan no reuse</a:t>
+              <a:t>During this demo explain the parts of the query plan</a:t>
             </a:r>
             <a:endParaRPr lang="en-GB" dirty="0"/>
           </a:p>
@@ -7983,23 +8042,64 @@
           <a:bodyPr/>
           <a:lstStyle/>
           <a:p>
-            <a:fld id="{B55B88FD-84B2-43BD-86AA-E2E5C0B76984}" type="slidenum">
+            <a:fld id="{C07FE611-E342-4944-80A8-F7B4C421E4DD}" type="slidenum">
               <a:rPr lang="en-GB" smtClean="0"/>
-              <a:pPr/>
-              <a:t>18</a:t>
+              <a:t>21</a:t>
             </a:fld>
             <a:endParaRPr lang="en-GB"/>
           </a:p>
         </p:txBody>
       </p:sp>
-      <p:sp>
-        <p:nvSpPr>
-          <p:cNvPr id="5" name="Date Placeholder 4"/>
+    </p:spTree>
+    <p:extLst>
+      <p:ext uri="{BB962C8B-B14F-4D97-AF65-F5344CB8AC3E}">
+        <p14:creationId xmlns:p14="http://schemas.microsoft.com/office/powerpoint/2010/main" val="2846438160"/>
+      </p:ext>
+    </p:extLst>
+  </p:cSld>
+  <p:clrMapOvr>
+    <a:masterClrMapping/>
+  </p:clrMapOvr>
+</p:notes>
+</file>
+
+<file path=ppt/notesSlides/notesSlide5.xml><?xml version="1.0" encoding="utf-8"?>
+<p:notes xmlns:a="http://schemas.openxmlformats.org/drawingml/2006/main" xmlns:r="http://schemas.openxmlformats.org/officeDocument/2006/relationships" xmlns:p="http://schemas.openxmlformats.org/presentationml/2006/main">
+  <p:cSld>
+    <p:spTree>
+      <p:nvGrpSpPr>
+        <p:cNvPr id="1" name=""/>
+        <p:cNvGrpSpPr/>
+        <p:nvPr/>
+      </p:nvGrpSpPr>
+      <p:grpSpPr>
+        <a:xfrm>
+          <a:off x="0" y="0"/>
+          <a:ext cx="0" cy="0"/>
+          <a:chOff x="0" y="0"/>
+          <a:chExt cx="0" cy="0"/>
+        </a:xfrm>
+      </p:grpSpPr>
+      <p:sp>
+        <p:nvSpPr>
+          <p:cNvPr id="2" name="Slide Image Placeholder 1"/>
+          <p:cNvSpPr>
+            <a:spLocks noGrp="1" noRot="1" noChangeAspect="1"/>
+          </p:cNvSpPr>
+          <p:nvPr>
+            <p:ph type="sldImg"/>
+          </p:nvPr>
+        </p:nvSpPr>
+        <p:spPr/>
+      </p:sp>
+      <p:sp>
+        <p:nvSpPr>
+          <p:cNvPr id="3" name="Notes Placeholder 2"/>
           <p:cNvSpPr>
             <a:spLocks noGrp="1"/>
           </p:cNvSpPr>
           <p:nvPr>
-            <p:ph type="dt" idx="11"/>
+            <p:ph type="body" idx="1"/>
           </p:nvPr>
         </p:nvSpPr>
         <p:spPr/>
@@ -8007,18 +8107,18 @@
           <a:bodyPr/>
           <a:lstStyle/>
           <a:p>
-            <a:endParaRPr lang="en-GB"/>
+            <a:endParaRPr lang="en-GB" dirty="0"/>
           </a:p>
         </p:txBody>
       </p:sp>
       <p:sp>
         <p:nvSpPr>
-          <p:cNvPr id="6" name="Header Placeholder 5"/>
+          <p:cNvPr id="4" name="Slide Number Placeholder 3"/>
           <p:cNvSpPr>
             <a:spLocks noGrp="1"/>
           </p:cNvSpPr>
           <p:nvPr>
-            <p:ph type="hdr" sz="quarter" idx="12"/>
+            <p:ph type="sldNum" sz="quarter" idx="10"/>
           </p:nvPr>
         </p:nvSpPr>
         <p:spPr/>
@@ -8026,10 +8126,10 @@
           <a:bodyPr/>
           <a:lstStyle/>
           <a:p>
-            <a:r>
+            <a:fld id="{C07FE611-E342-4944-80A8-F7B4C421E4DD}" type="slidenum">
               <a:rPr lang="en-GB" smtClean="0"/>
-              <a:t>Advanced TSQL for Performance and Scalability</a:t>
-            </a:r>
+              <a:t>33</a:t>
+            </a:fld>
             <a:endParaRPr lang="en-GB"/>
           </a:p>
         </p:txBody>
@@ -8037,7 +8137,91 @@
     </p:spTree>
     <p:extLst>
       <p:ext uri="{BB962C8B-B14F-4D97-AF65-F5344CB8AC3E}">
-        <p14:creationId xmlns:p14="http://schemas.microsoft.com/office/powerpoint/2010/main" val="3130646790"/>
+        <p14:creationId xmlns:p14="http://schemas.microsoft.com/office/powerpoint/2010/main" val="826515963"/>
+      </p:ext>
+    </p:extLst>
+  </p:cSld>
+  <p:clrMapOvr>
+    <a:masterClrMapping/>
+  </p:clrMapOvr>
+</p:notes>
+</file>
+
+<file path=ppt/notesSlides/notesSlide6.xml><?xml version="1.0" encoding="utf-8"?>
+<p:notes xmlns:a="http://schemas.openxmlformats.org/drawingml/2006/main" xmlns:r="http://schemas.openxmlformats.org/officeDocument/2006/relationships" xmlns:p="http://schemas.openxmlformats.org/presentationml/2006/main">
+  <p:cSld>
+    <p:spTree>
+      <p:nvGrpSpPr>
+        <p:cNvPr id="1" name=""/>
+        <p:cNvGrpSpPr/>
+        <p:nvPr/>
+      </p:nvGrpSpPr>
+      <p:grpSpPr>
+        <a:xfrm>
+          <a:off x="0" y="0"/>
+          <a:ext cx="0" cy="0"/>
+          <a:chOff x="0" y="0"/>
+          <a:chExt cx="0" cy="0"/>
+        </a:xfrm>
+      </p:grpSpPr>
+      <p:sp>
+        <p:nvSpPr>
+          <p:cNvPr id="2" name="Slide Image Placeholder 1"/>
+          <p:cNvSpPr>
+            <a:spLocks noGrp="1" noRot="1" noChangeAspect="1"/>
+          </p:cNvSpPr>
+          <p:nvPr>
+            <p:ph type="sldImg"/>
+          </p:nvPr>
+        </p:nvSpPr>
+        <p:spPr/>
+      </p:sp>
+      <p:sp>
+        <p:nvSpPr>
+          <p:cNvPr id="3" name="Notes Placeholder 2"/>
+          <p:cNvSpPr>
+            <a:spLocks noGrp="1"/>
+          </p:cNvSpPr>
+          <p:nvPr>
+            <p:ph type="body" idx="1"/>
+          </p:nvPr>
+        </p:nvSpPr>
+        <p:spPr/>
+        <p:txBody>
+          <a:bodyPr/>
+          <a:lstStyle/>
+          <a:p>
+            <a:endParaRPr lang="en-GB" dirty="0"/>
+          </a:p>
+        </p:txBody>
+      </p:sp>
+      <p:sp>
+        <p:nvSpPr>
+          <p:cNvPr id="4" name="Slide Number Placeholder 3"/>
+          <p:cNvSpPr>
+            <a:spLocks noGrp="1"/>
+          </p:cNvSpPr>
+          <p:nvPr>
+            <p:ph type="sldNum" sz="quarter" idx="10"/>
+          </p:nvPr>
+        </p:nvSpPr>
+        <p:spPr/>
+        <p:txBody>
+          <a:bodyPr/>
+          <a:lstStyle/>
+          <a:p>
+            <a:fld id="{C07FE611-E342-4944-80A8-F7B4C421E4DD}" type="slidenum">
+              <a:rPr lang="en-GB" smtClean="0"/>
+              <a:t>34</a:t>
+            </a:fld>
+            <a:endParaRPr lang="en-GB"/>
+          </a:p>
+        </p:txBody>
+      </p:sp>
+    </p:spTree>
+    <p:extLst>
+      <p:ext uri="{BB962C8B-B14F-4D97-AF65-F5344CB8AC3E}">
+        <p14:creationId xmlns:p14="http://schemas.microsoft.com/office/powerpoint/2010/main" val="750475794"/>
       </p:ext>
     </p:extLst>
   </p:cSld>
@@ -14352,7 +14536,7 @@
           <a:p>
             <a:r>
               <a:rPr lang="en-GB" dirty="0" smtClean="0"/>
-              <a:t>Demo</a:t>
+              <a:t>Statistics Again</a:t>
             </a:r>
             <a:endParaRPr lang="en-GB" dirty="0"/>
           </a:p>
@@ -14375,7 +14559,42 @@
           <a:p>
             <a:r>
               <a:rPr lang="en-GB" dirty="0" smtClean="0"/>
-              <a:t>Statistics and Estimation</a:t>
+              <a:t>The tipping point</a:t>
+            </a:r>
+          </a:p>
+          <a:p>
+            <a:pPr lvl="1"/>
+            <a:r>
+              <a:rPr lang="en-GB" dirty="0" smtClean="0"/>
+              <a:t>At some point SQL will estimate that it is quicker/more efficient to scan an table rather than seek on a index</a:t>
+            </a:r>
+          </a:p>
+          <a:p>
+            <a:pPr lvl="1"/>
+            <a:r>
+              <a:rPr lang="en-GB" dirty="0" smtClean="0"/>
+              <a:t>Usually around 30% of the pages in the table are being read</a:t>
+            </a:r>
+          </a:p>
+          <a:p>
+            <a:pPr lvl="2"/>
+            <a:r>
+              <a:rPr lang="en-GB" dirty="0" smtClean="0"/>
+              <a:t>Varies based on parallelism</a:t>
+            </a:r>
+          </a:p>
+          <a:p>
+            <a:pPr lvl="2"/>
+            <a:r>
+              <a:rPr lang="en-GB" dirty="0" smtClean="0"/>
+              <a:t>Or, memory pressure</a:t>
+            </a:r>
+          </a:p>
+          <a:p>
+            <a:pPr lvl="2"/>
+            <a:r>
+              <a:rPr lang="en-GB" dirty="0" smtClean="0"/>
+              <a:t>Never happens on a covering non clustered index</a:t>
             </a:r>
             <a:endParaRPr lang="en-GB" dirty="0"/>
           </a:p>
@@ -14384,7 +14603,7 @@
     </p:spTree>
     <p:extLst>
       <p:ext uri="{BB962C8B-B14F-4D97-AF65-F5344CB8AC3E}">
-        <p14:creationId xmlns:p14="http://schemas.microsoft.com/office/powerpoint/2010/main" val="1344992069"/>
+        <p14:creationId xmlns:p14="http://schemas.microsoft.com/office/powerpoint/2010/main" val="1379164342"/>
       </p:ext>
     </p:extLst>
   </p:cSld>
@@ -14435,7 +14654,7 @@
           <a:p>
             <a:r>
               <a:rPr lang="en-GB" dirty="0" smtClean="0"/>
-              <a:t>Statistics Again</a:t>
+              <a:t>Indexes</a:t>
             </a:r>
             <a:endParaRPr lang="en-GB" dirty="0"/>
           </a:p>
@@ -14458,43 +14677,46 @@
           <a:p>
             <a:r>
               <a:rPr lang="en-GB" dirty="0" smtClean="0"/>
-              <a:t>The tipping point</a:t>
+              <a:t>Query plans show the index used to find records in each table</a:t>
+            </a:r>
+          </a:p>
+          <a:p>
+            <a:r>
+              <a:rPr lang="en-GB" dirty="0" smtClean="0"/>
+              <a:t>They will be scanned or </a:t>
+            </a:r>
+            <a:r>
+              <a:rPr lang="en-GB" dirty="0" err="1" smtClean="0"/>
+              <a:t>seeked</a:t>
+            </a:r>
+            <a:endParaRPr lang="en-GB" dirty="0" smtClean="0"/>
+          </a:p>
+          <a:p>
+            <a:r>
+              <a:rPr lang="en-GB" dirty="0" smtClean="0"/>
+              <a:t>If a non clustered index does not include all the required columns a bookmark lookup is required</a:t>
             </a:r>
           </a:p>
           <a:p>
             <a:pPr lvl="1"/>
             <a:r>
               <a:rPr lang="en-GB" dirty="0" smtClean="0"/>
-              <a:t>At some point SQL will estimate that it is quicker/more efficient to scan an table rather than seek on a index</a:t>
-            </a:r>
-          </a:p>
-          <a:p>
-            <a:pPr lvl="1"/>
-            <a:r>
-              <a:rPr lang="en-GB" dirty="0" smtClean="0"/>
-              <a:t>Usually around 30% of the pages in the table are being read</a:t>
-            </a:r>
-          </a:p>
-          <a:p>
-            <a:pPr lvl="2"/>
-            <a:r>
-              <a:rPr lang="en-GB" dirty="0" smtClean="0"/>
-              <a:t>Varies based on parallelism</a:t>
-            </a:r>
-          </a:p>
-          <a:p>
-            <a:pPr lvl="2"/>
-            <a:r>
-              <a:rPr lang="en-GB" dirty="0" smtClean="0"/>
-              <a:t>Or, memory pressure</a:t>
-            </a:r>
-          </a:p>
-          <a:p>
-            <a:pPr lvl="2"/>
-            <a:r>
-              <a:rPr lang="en-GB" dirty="0" smtClean="0"/>
-              <a:t>Never happens on a covering non clustered index</a:t>
-            </a:r>
+              <a:t>This does not mean create indexes including every column!</a:t>
+            </a:r>
+          </a:p>
+          <a:p>
+            <a:r>
+              <a:rPr lang="en-GB" dirty="0" smtClean="0"/>
+              <a:t>Column order is important</a:t>
+            </a:r>
+          </a:p>
+          <a:p>
+            <a:r>
+              <a:rPr lang="en-GB" dirty="0" smtClean="0"/>
+              <a:t>Use filtered indexes on poor selecting columns (such as status)</a:t>
+            </a:r>
+          </a:p>
+          <a:p>
             <a:endParaRPr lang="en-GB" dirty="0"/>
           </a:p>
         </p:txBody>
@@ -14502,7 +14724,7 @@
     </p:spTree>
     <p:extLst>
       <p:ext uri="{BB962C8B-B14F-4D97-AF65-F5344CB8AC3E}">
-        <p14:creationId xmlns:p14="http://schemas.microsoft.com/office/powerpoint/2010/main" val="1379164342"/>
+        <p14:creationId xmlns:p14="http://schemas.microsoft.com/office/powerpoint/2010/main" val="4160478381"/>
       </p:ext>
     </p:extLst>
   </p:cSld>
@@ -14538,7 +14760,7 @@
       </p:grpSpPr>
       <p:sp>
         <p:nvSpPr>
-          <p:cNvPr id="2" name="Title 1"/>
+          <p:cNvPr id="4" name="Title 3"/>
           <p:cNvSpPr>
             <a:spLocks noGrp="1"/>
           </p:cNvSpPr>
@@ -14553,7 +14775,7 @@
           <a:p>
             <a:r>
               <a:rPr lang="en-GB" dirty="0" smtClean="0"/>
-              <a:t>Indexes</a:t>
+              <a:t>Plan Reuse</a:t>
             </a:r>
             <a:endParaRPr lang="en-GB" dirty="0"/>
           </a:p>
@@ -14561,12 +14783,12 @@
       </p:sp>
       <p:sp>
         <p:nvSpPr>
-          <p:cNvPr id="3" name="Content Placeholder 2"/>
+          <p:cNvPr id="5" name="Text Placeholder 4"/>
           <p:cNvSpPr>
             <a:spLocks noGrp="1"/>
           </p:cNvSpPr>
           <p:nvPr>
-            <p:ph idx="1"/>
+            <p:ph type="body" idx="1"/>
           </p:nvPr>
         </p:nvSpPr>
         <p:spPr/>
@@ -14574,57 +14796,14 @@
           <a:bodyPr/>
           <a:lstStyle/>
           <a:p>
-            <a:r>
-              <a:rPr lang="en-GB" dirty="0" smtClean="0"/>
-              <a:t>Query plans show the index used to find records in each table</a:t>
-            </a:r>
-          </a:p>
-          <a:p>
-            <a:r>
-              <a:rPr lang="en-GB" dirty="0" smtClean="0"/>
-              <a:t>They will be scanned or </a:t>
-            </a:r>
-            <a:r>
-              <a:rPr lang="en-GB" dirty="0" err="1" smtClean="0"/>
-              <a:t>seeked</a:t>
-            </a:r>
-            <a:endParaRPr lang="en-GB" dirty="0" smtClean="0"/>
-          </a:p>
-          <a:p>
-            <a:r>
-              <a:rPr lang="en-GB" dirty="0" smtClean="0"/>
-              <a:t>If a non clustered index does not include all the required columns a bookmark lookup is required</a:t>
-            </a:r>
-          </a:p>
-          <a:p>
-            <a:pPr lvl="1"/>
-            <a:r>
-              <a:rPr lang="en-GB" dirty="0" smtClean="0"/>
-              <a:t>This does not mean create indexes including every column!</a:t>
-            </a:r>
-          </a:p>
-          <a:p>
-            <a:r>
-              <a:rPr lang="en-GB" dirty="0" smtClean="0"/>
-              <a:t>Column order is important</a:t>
-            </a:r>
-          </a:p>
-          <a:p>
-            <a:r>
-              <a:rPr lang="en-GB" dirty="0" smtClean="0"/>
-              <a:t>Use filtered indexes on poor selecting columns (such as status)</a:t>
-            </a:r>
-            <a:endParaRPr lang="en-GB" dirty="0" smtClean="0"/>
-          </a:p>
-          <a:p>
-            <a:endParaRPr lang="en-GB" dirty="0"/>
+            <a:endParaRPr lang="en-GB"/>
           </a:p>
         </p:txBody>
       </p:sp>
     </p:spTree>
     <p:extLst>
       <p:ext uri="{BB962C8B-B14F-4D97-AF65-F5344CB8AC3E}">
-        <p14:creationId xmlns:p14="http://schemas.microsoft.com/office/powerpoint/2010/main" val="4160478381"/>
+        <p14:creationId xmlns:p14="http://schemas.microsoft.com/office/powerpoint/2010/main" val="2770975309"/>
       </p:ext>
     </p:extLst>
   </p:cSld>
@@ -14660,7 +14839,7 @@
       </p:grpSpPr>
       <p:sp>
         <p:nvSpPr>
-          <p:cNvPr id="4" name="Title 3"/>
+          <p:cNvPr id="2" name="Title 1"/>
           <p:cNvSpPr>
             <a:spLocks noGrp="1"/>
           </p:cNvSpPr>
@@ -14675,7 +14854,7 @@
           <a:p>
             <a:r>
               <a:rPr lang="en-GB" dirty="0" smtClean="0"/>
-              <a:t>Plan Reuse</a:t>
+              <a:t>Why plan reuse</a:t>
             </a:r>
             <a:endParaRPr lang="en-GB" dirty="0"/>
           </a:p>
@@ -14683,33 +14862,71 @@
       </p:sp>
       <p:sp>
         <p:nvSpPr>
-          <p:cNvPr id="5" name="Text Placeholder 4"/>
+          <p:cNvPr id="3" name="Content Placeholder 2"/>
           <p:cNvSpPr>
             <a:spLocks noGrp="1"/>
           </p:cNvSpPr>
           <p:nvPr>
-            <p:ph type="body" idx="1"/>
-          </p:nvPr>
-        </p:nvSpPr>
-        <p:spPr/>
+            <p:ph idx="1"/>
+          </p:nvPr>
+        </p:nvSpPr>
+        <p:spPr>
+          <a:xfrm>
+            <a:off x="1981200" y="1500180"/>
+            <a:ext cx="8229600" cy="2214574"/>
+          </a:xfrm>
+        </p:spPr>
         <p:txBody>
-          <a:bodyPr/>
+          <a:bodyPr>
+            <a:normAutofit/>
+          </a:bodyPr>
           <a:lstStyle/>
           <a:p>
-            <a:endParaRPr lang="en-GB"/>
+            <a:r>
+              <a:rPr lang="en-GB" dirty="0" smtClean="0"/>
+              <a:t>Compilation can take longer than execution time</a:t>
+            </a:r>
+          </a:p>
+          <a:p>
+            <a:r>
+              <a:rPr lang="en-GB" dirty="0" smtClean="0"/>
+              <a:t>We want predictable results</a:t>
+            </a:r>
+          </a:p>
+          <a:p>
+            <a:r>
+              <a:rPr lang="en-GB" dirty="0" smtClean="0"/>
+              <a:t>Use our memory for data and not </a:t>
+            </a:r>
+            <a:r>
+              <a:rPr lang="en-GB" dirty="0" err="1" smtClean="0"/>
+              <a:t>adhoc</a:t>
+            </a:r>
+            <a:r>
+              <a:rPr lang="en-GB" dirty="0" smtClean="0"/>
+              <a:t> plans</a:t>
+            </a:r>
           </a:p>
         </p:txBody>
       </p:sp>
     </p:spTree>
     <p:extLst>
       <p:ext uri="{BB962C8B-B14F-4D97-AF65-F5344CB8AC3E}">
-        <p14:creationId xmlns:p14="http://schemas.microsoft.com/office/powerpoint/2010/main" val="2770975309"/>
+        <p14:creationId xmlns:p14="http://schemas.microsoft.com/office/powerpoint/2010/main" val="3546211356"/>
       </p:ext>
     </p:extLst>
   </p:cSld>
   <p:clrMapOvr>
     <a:masterClrMapping/>
   </p:clrMapOvr>
+  <mc:AlternateContent xmlns:mc="http://schemas.openxmlformats.org/markup-compatibility/2006" xmlns:p14="http://schemas.microsoft.com/office/powerpoint/2010/main">
+    <mc:Choice Requires="p14">
+      <p:transition spd="slow" p14:dur="2000"/>
+    </mc:Choice>
+    <mc:Fallback xmlns="">
+      <p:transition spd="slow"/>
+    </mc:Fallback>
+  </mc:AlternateContent>
   <p:timing>
     <p:tnLst>
       <p:par>
@@ -14754,65 +14971,36 @@
           <a:p>
             <a:r>
               <a:rPr lang="en-GB" dirty="0" smtClean="0"/>
-              <a:t>Why plan reuse</a:t>
+              <a:t>Plan reuse</a:t>
             </a:r>
             <a:endParaRPr lang="en-GB" dirty="0"/>
           </a:p>
         </p:txBody>
       </p:sp>
-      <p:sp>
-        <p:nvSpPr>
-          <p:cNvPr id="3" name="Content Placeholder 2"/>
-          <p:cNvSpPr>
-            <a:spLocks noGrp="1"/>
-          </p:cNvSpPr>
+      <p:graphicFrame>
+        <p:nvGraphicFramePr>
+          <p:cNvPr id="4" name="Content Placeholder 3"/>
+          <p:cNvGraphicFramePr>
+            <a:graphicFrameLocks noGrp="1"/>
+          </p:cNvGraphicFramePr>
           <p:nvPr>
             <p:ph idx="1"/>
           </p:nvPr>
-        </p:nvSpPr>
-        <p:spPr>
-          <a:xfrm>
-            <a:off x="1981200" y="1500180"/>
-            <a:ext cx="8229600" cy="2214574"/>
-          </a:xfrm>
-        </p:spPr>
-        <p:txBody>
-          <a:bodyPr>
-            <a:normAutofit/>
-          </a:bodyPr>
-          <a:lstStyle/>
-          <a:p>
-            <a:r>
-              <a:rPr lang="en-GB" dirty="0" smtClean="0"/>
-              <a:t>Compilation can take longer than execution time</a:t>
-            </a:r>
-          </a:p>
-          <a:p>
-            <a:r>
-              <a:rPr lang="en-GB" dirty="0" smtClean="0"/>
-              <a:t>We want predictable results</a:t>
-            </a:r>
-          </a:p>
-          <a:p>
-            <a:r>
-              <a:rPr lang="en-GB" dirty="0" smtClean="0"/>
-              <a:t>Use our memory for data and not </a:t>
-            </a:r>
-            <a:r>
-              <a:rPr lang="en-GB" dirty="0" err="1" smtClean="0"/>
-              <a:t>adhoc</a:t>
-            </a:r>
-            <a:r>
-              <a:rPr lang="en-GB" dirty="0" smtClean="0"/>
-              <a:t> plans</a:t>
-            </a:r>
-          </a:p>
-        </p:txBody>
-      </p:sp>
+        </p:nvGraphicFramePr>
+        <p:xfrm>
+          <a:off x="1981200" y="1500189"/>
+          <a:ext cx="8229600" cy="4429125"/>
+        </p:xfrm>
+        <a:graphic>
+          <a:graphicData uri="http://schemas.openxmlformats.org/drawingml/2006/diagram">
+            <dgm:relIds xmlns:dgm="http://schemas.openxmlformats.org/drawingml/2006/diagram" xmlns:r="http://schemas.openxmlformats.org/officeDocument/2006/relationships" r:dm="rId3" r:lo="rId4" r:qs="rId5" r:cs="rId6"/>
+          </a:graphicData>
+        </a:graphic>
+      </p:graphicFrame>
     </p:spTree>
     <p:extLst>
       <p:ext uri="{BB962C8B-B14F-4D97-AF65-F5344CB8AC3E}">
-        <p14:creationId xmlns:p14="http://schemas.microsoft.com/office/powerpoint/2010/main" val="3546211356"/>
+        <p14:creationId xmlns:p14="http://schemas.microsoft.com/office/powerpoint/2010/main" val="1869684227"/>
       </p:ext>
     </p:extLst>
   </p:cSld>
@@ -14871,50 +15059,122 @@
           <a:p>
             <a:r>
               <a:rPr lang="en-GB" dirty="0" smtClean="0"/>
-              <a:t>Plan reuse</a:t>
+              <a:t>Parameterisation</a:t>
             </a:r>
             <a:endParaRPr lang="en-GB" dirty="0"/>
           </a:p>
         </p:txBody>
       </p:sp>
-      <p:graphicFrame>
-        <p:nvGraphicFramePr>
-          <p:cNvPr id="4" name="Content Placeholder 3"/>
-          <p:cNvGraphicFramePr>
-            <a:graphicFrameLocks noGrp="1"/>
-          </p:cNvGraphicFramePr>
+      <p:sp>
+        <p:nvSpPr>
+          <p:cNvPr id="3" name="Content Placeholder 2"/>
+          <p:cNvSpPr>
+            <a:spLocks noGrp="1"/>
+          </p:cNvSpPr>
           <p:nvPr>
             <p:ph idx="1"/>
           </p:nvPr>
-        </p:nvGraphicFramePr>
-        <p:xfrm>
-          <a:off x="1981200" y="1500189"/>
-          <a:ext cx="8229600" cy="4429125"/>
-        </p:xfrm>
-        <a:graphic>
-          <a:graphicData uri="http://schemas.openxmlformats.org/drawingml/2006/diagram">
-            <dgm:relIds xmlns:dgm="http://schemas.openxmlformats.org/drawingml/2006/diagram" xmlns:r="http://schemas.openxmlformats.org/officeDocument/2006/relationships" r:dm="rId3" r:lo="rId4" r:qs="rId5" r:cs="rId6"/>
-          </a:graphicData>
-        </a:graphic>
-      </p:graphicFrame>
+        </p:nvSpPr>
+        <p:spPr>
+          <a:xfrm>
+            <a:off x="869595" y="1456726"/>
+            <a:ext cx="10515600" cy="4351338"/>
+          </a:xfrm>
+        </p:spPr>
+        <p:txBody>
+          <a:bodyPr>
+            <a:normAutofit lnSpcReduction="10000"/>
+          </a:bodyPr>
+          <a:lstStyle/>
+          <a:p>
+            <a:r>
+              <a:rPr lang="en-GB" dirty="0" smtClean="0"/>
+              <a:t>Query:</a:t>
+            </a:r>
+          </a:p>
+          <a:p>
+            <a:pPr lvl="1"/>
+            <a:r>
+              <a:rPr lang="en-GB" dirty="0" smtClean="0"/>
+              <a:t>SELECT * FROM Sales WHERE </a:t>
+            </a:r>
+            <a:r>
+              <a:rPr lang="en-GB" dirty="0" err="1" smtClean="0"/>
+              <a:t>SaleID</a:t>
+            </a:r>
+            <a:r>
+              <a:rPr lang="en-GB" dirty="0" smtClean="0"/>
+              <a:t> = 1001</a:t>
+            </a:r>
+          </a:p>
+          <a:p>
+            <a:r>
+              <a:rPr lang="en-GB" dirty="0" smtClean="0"/>
+              <a:t>Becomes:</a:t>
+            </a:r>
+            <a:endParaRPr lang="en-GB" dirty="0"/>
+          </a:p>
+          <a:p>
+            <a:pPr lvl="1"/>
+            <a:r>
+              <a:rPr lang="en-GB" dirty="0" smtClean="0"/>
+              <a:t>SELECT * FROM Sales WHERE </a:t>
+            </a:r>
+            <a:r>
+              <a:rPr lang="en-GB" dirty="0" err="1" smtClean="0"/>
+              <a:t>SaleID</a:t>
+            </a:r>
+            <a:r>
+              <a:rPr lang="en-GB" dirty="0" smtClean="0"/>
+              <a:t> = @p1</a:t>
+            </a:r>
+          </a:p>
+          <a:p>
+            <a:r>
+              <a:rPr lang="en-GB" dirty="0" smtClean="0"/>
+              <a:t>This increases the chance of a cache hit and reduces memory usage</a:t>
+            </a:r>
+          </a:p>
+          <a:p>
+            <a:r>
+              <a:rPr lang="en-GB" dirty="0" smtClean="0"/>
+              <a:t>Forced Parameterization </a:t>
+            </a:r>
+          </a:p>
+          <a:p>
+            <a:pPr lvl="1"/>
+            <a:r>
+              <a:rPr lang="en-GB" dirty="0" smtClean="0"/>
+              <a:t>Works on literal strings</a:t>
+            </a:r>
+          </a:p>
+          <a:p>
+            <a:pPr lvl="1"/>
+            <a:r>
+              <a:rPr lang="en-GB" dirty="0" smtClean="0"/>
+              <a:t>Will parameterize more queries</a:t>
+            </a:r>
+          </a:p>
+          <a:p>
+            <a:pPr lvl="1"/>
+            <a:r>
+              <a:rPr lang="en-GB" dirty="0" smtClean="0"/>
+              <a:t>But will increase chances of wrong plan</a:t>
+            </a:r>
+            <a:endParaRPr lang="en-GB" dirty="0"/>
+          </a:p>
+        </p:txBody>
+      </p:sp>
     </p:spTree>
     <p:extLst>
       <p:ext uri="{BB962C8B-B14F-4D97-AF65-F5344CB8AC3E}">
-        <p14:creationId xmlns:p14="http://schemas.microsoft.com/office/powerpoint/2010/main" val="1869684227"/>
+        <p14:creationId xmlns:p14="http://schemas.microsoft.com/office/powerpoint/2010/main" val="1291243221"/>
       </p:ext>
     </p:extLst>
   </p:cSld>
   <p:clrMapOvr>
     <a:masterClrMapping/>
   </p:clrMapOvr>
-  <mc:AlternateContent xmlns:mc="http://schemas.openxmlformats.org/markup-compatibility/2006" xmlns:p14="http://schemas.microsoft.com/office/powerpoint/2010/main">
-    <mc:Choice Requires="p14">
-      <p:transition spd="slow" p14:dur="2000"/>
-    </mc:Choice>
-    <mc:Fallback xmlns="">
-      <p:transition spd="slow"/>
-    </mc:Fallback>
-  </mc:AlternateContent>
   <p:timing>
     <p:tnLst>
       <p:par>
@@ -14959,116 +15219,137 @@
           <a:p>
             <a:r>
               <a:rPr lang="en-GB" dirty="0" smtClean="0"/>
-              <a:t>Parameterisation</a:t>
+              <a:t>Parametrisation Example</a:t>
             </a:r>
             <a:endParaRPr lang="en-GB" dirty="0"/>
           </a:p>
         </p:txBody>
       </p:sp>
-      <p:sp>
-        <p:nvSpPr>
-          <p:cNvPr id="3" name="Content Placeholder 2"/>
-          <p:cNvSpPr>
-            <a:spLocks noGrp="1"/>
-          </p:cNvSpPr>
+      <p:pic>
+        <p:nvPicPr>
+          <p:cNvPr id="4" name="Content Placeholder 3" descr="Screen Clipping"/>
+          <p:cNvPicPr>
+            <a:picLocks noGrp="1" noChangeAspect="1"/>
+          </p:cNvPicPr>
           <p:nvPr>
             <p:ph idx="1"/>
           </p:nvPr>
-        </p:nvSpPr>
+        </p:nvPicPr>
+        <p:blipFill>
+          <a:blip r:embed="rId2">
+            <a:extLst>
+              <a:ext uri="{28A0092B-C50C-407E-A947-70E740481C1C}">
+                <a14:useLocalDpi xmlns:a14="http://schemas.microsoft.com/office/drawing/2010/main" val="0"/>
+              </a:ext>
+            </a:extLst>
+          </a:blip>
+          <a:stretch>
+            <a:fillRect/>
+          </a:stretch>
+        </p:blipFill>
         <p:spPr>
           <a:xfrm>
-            <a:off x="869595" y="1456726"/>
-            <a:ext cx="10515600" cy="4351338"/>
+            <a:off x="1285129" y="1794950"/>
+            <a:ext cx="9534852" cy="3065807"/>
           </a:xfrm>
         </p:spPr>
+      </p:pic>
+      <p:sp>
+        <p:nvSpPr>
+          <p:cNvPr id="5" name="Rectangle 4"/>
+          <p:cNvSpPr/>
+          <p:nvPr/>
+        </p:nvSpPr>
+        <p:spPr>
+          <a:xfrm>
+            <a:off x="9357895" y="1978526"/>
+            <a:ext cx="465221" cy="422442"/>
+          </a:xfrm>
+          <a:prstGeom prst="rect">
+            <a:avLst/>
+          </a:prstGeom>
+          <a:solidFill>
+            <a:schemeClr val="accent5">
+              <a:alpha val="50000"/>
+            </a:schemeClr>
+          </a:solidFill>
+          <a:ln>
+            <a:noFill/>
+          </a:ln>
+        </p:spPr>
+        <p:style>
+          <a:lnRef idx="0">
+            <a:scrgbClr r="0" g="0" b="0"/>
+          </a:lnRef>
+          <a:fillRef idx="0">
+            <a:scrgbClr r="0" g="0" b="0"/>
+          </a:fillRef>
+          <a:effectRef idx="0">
+            <a:scrgbClr r="0" g="0" b="0"/>
+          </a:effectRef>
+          <a:fontRef idx="minor">
+            <a:schemeClr val="lt1"/>
+          </a:fontRef>
+        </p:style>
         <p:txBody>
-          <a:bodyPr>
-            <a:normAutofit lnSpcReduction="10000"/>
-          </a:bodyPr>
+          <a:bodyPr rtlCol="0" anchor="ctr"/>
           <a:lstStyle/>
           <a:p>
-            <a:r>
-              <a:rPr lang="en-GB" dirty="0" smtClean="0"/>
-              <a:t>Query:</a:t>
-            </a:r>
-          </a:p>
-          <a:p>
-            <a:pPr lvl="1"/>
-            <a:r>
-              <a:rPr lang="en-GB" dirty="0" smtClean="0"/>
-              <a:t>SELECT * FROM Sales WHERE </a:t>
-            </a:r>
-            <a:r>
-              <a:rPr lang="en-GB" dirty="0" err="1" smtClean="0"/>
-              <a:t>SaleID</a:t>
-            </a:r>
-            <a:r>
-              <a:rPr lang="en-GB" dirty="0" smtClean="0"/>
-              <a:t> = 1001</a:t>
-            </a:r>
-          </a:p>
-          <a:p>
-            <a:r>
-              <a:rPr lang="en-GB" dirty="0" smtClean="0"/>
-              <a:t>Becomes:</a:t>
-            </a:r>
-            <a:endParaRPr lang="en-GB" dirty="0"/>
-          </a:p>
-          <a:p>
-            <a:pPr lvl="1"/>
-            <a:r>
-              <a:rPr lang="en-GB" dirty="0" smtClean="0"/>
-              <a:t>SELECT * FROM Sales WHERE </a:t>
-            </a:r>
-            <a:r>
-              <a:rPr lang="en-GB" dirty="0" err="1" smtClean="0"/>
-              <a:t>SaleID</a:t>
-            </a:r>
-            <a:r>
-              <a:rPr lang="en-GB" dirty="0" smtClean="0"/>
-              <a:t> = @p1</a:t>
-            </a:r>
-          </a:p>
-          <a:p>
-            <a:r>
-              <a:rPr lang="en-GB" dirty="0" smtClean="0"/>
-              <a:t>This increases the chance of a cache hit and reduces memory usage</a:t>
-            </a:r>
-          </a:p>
-          <a:p>
-            <a:r>
-              <a:rPr lang="en-GB" dirty="0" smtClean="0"/>
-              <a:t>Forced Parameterization </a:t>
-            </a:r>
-          </a:p>
-          <a:p>
-            <a:pPr lvl="1"/>
-            <a:r>
-              <a:rPr lang="en-GB" dirty="0" smtClean="0"/>
-              <a:t>Works on literal strings</a:t>
-            </a:r>
-          </a:p>
-          <a:p>
-            <a:pPr lvl="1"/>
-            <a:r>
-              <a:rPr lang="en-GB" dirty="0" smtClean="0"/>
-              <a:t>Will parameterize more queries</a:t>
-            </a:r>
-          </a:p>
-          <a:p>
-            <a:pPr lvl="1"/>
-            <a:r>
-              <a:rPr lang="en-GB" dirty="0" smtClean="0"/>
-              <a:t>But will increase chances of wrong plan</a:t>
-            </a:r>
-            <a:endParaRPr lang="en-GB" dirty="0"/>
+            <a:pPr algn="ctr"/>
+            <a:endParaRPr lang="en-GB"/>
+          </a:p>
+        </p:txBody>
+      </p:sp>
+      <p:sp>
+        <p:nvSpPr>
+          <p:cNvPr id="6" name="Rectangle 5"/>
+          <p:cNvSpPr/>
+          <p:nvPr/>
+        </p:nvSpPr>
+        <p:spPr>
+          <a:xfrm>
+            <a:off x="9959474" y="3168315"/>
+            <a:ext cx="465221" cy="422442"/>
+          </a:xfrm>
+          <a:prstGeom prst="rect">
+            <a:avLst/>
+          </a:prstGeom>
+          <a:solidFill>
+            <a:schemeClr val="accent5">
+              <a:alpha val="50000"/>
+            </a:schemeClr>
+          </a:solidFill>
+          <a:ln>
+            <a:noFill/>
+          </a:ln>
+        </p:spPr>
+        <p:style>
+          <a:lnRef idx="0">
+            <a:scrgbClr r="0" g="0" b="0"/>
+          </a:lnRef>
+          <a:fillRef idx="0">
+            <a:scrgbClr r="0" g="0" b="0"/>
+          </a:fillRef>
+          <a:effectRef idx="0">
+            <a:scrgbClr r="0" g="0" b="0"/>
+          </a:effectRef>
+          <a:fontRef idx="minor">
+            <a:schemeClr val="lt1"/>
+          </a:fontRef>
+        </p:style>
+        <p:txBody>
+          <a:bodyPr rtlCol="0" anchor="ctr"/>
+          <a:lstStyle/>
+          <a:p>
+            <a:pPr algn="ctr"/>
+            <a:endParaRPr lang="en-GB"/>
           </a:p>
         </p:txBody>
       </p:sp>
     </p:spTree>
     <p:extLst>
       <p:ext uri="{BB962C8B-B14F-4D97-AF65-F5344CB8AC3E}">
-        <p14:creationId xmlns:p14="http://schemas.microsoft.com/office/powerpoint/2010/main" val="1291243221"/>
+        <p14:creationId xmlns:p14="http://schemas.microsoft.com/office/powerpoint/2010/main" val="3006713281"/>
       </p:ext>
     </p:extLst>
   </p:cSld>
@@ -15142,7 +15423,17 @@
           <a:p>
             <a:r>
               <a:rPr lang="en-GB" dirty="0" smtClean="0"/>
-              <a:t>How SQL Server generates a query plan</a:t>
+              <a:t>How SQL Server generates a query </a:t>
+            </a:r>
+            <a:r>
+              <a:rPr lang="en-GB" dirty="0" smtClean="0"/>
+              <a:t>plan</a:t>
+            </a:r>
+          </a:p>
+          <a:p>
+            <a:r>
+              <a:rPr lang="en-GB" dirty="0" smtClean="0"/>
+              <a:t>When plans are and are not reused</a:t>
             </a:r>
             <a:endParaRPr lang="en-GB" dirty="0" smtClean="0"/>
           </a:p>
@@ -15157,7 +15448,6 @@
               <a:rPr lang="en-GB" dirty="0" smtClean="0"/>
               <a:t>Why query plans sometimes get it wrong</a:t>
             </a:r>
-            <a:endParaRPr lang="en-GB" dirty="0" smtClean="0"/>
           </a:p>
         </p:txBody>
       </p:sp>
@@ -15215,143 +15505,106 @@
           <a:p>
             <a:r>
               <a:rPr lang="en-GB" dirty="0" smtClean="0"/>
-              <a:t>Parametrisation Example</a:t>
+              <a:t>Bad plans</a:t>
             </a:r>
             <a:endParaRPr lang="en-GB" dirty="0"/>
           </a:p>
         </p:txBody>
       </p:sp>
-      <p:pic>
-        <p:nvPicPr>
-          <p:cNvPr id="4" name="Content Placeholder 3" descr="Screen Clipping"/>
-          <p:cNvPicPr>
-            <a:picLocks noGrp="1" noChangeAspect="1"/>
-          </p:cNvPicPr>
+      <p:sp>
+        <p:nvSpPr>
+          <p:cNvPr id="3" name="Content Placeholder 2"/>
+          <p:cNvSpPr>
+            <a:spLocks noGrp="1"/>
+          </p:cNvSpPr>
           <p:nvPr>
             <p:ph idx="1"/>
           </p:nvPr>
-        </p:nvPicPr>
-        <p:blipFill>
-          <a:blip r:embed="rId2">
-            <a:extLst>
-              <a:ext uri="{28A0092B-C50C-407E-A947-70E740481C1C}">
-                <a14:useLocalDpi xmlns:a14="http://schemas.microsoft.com/office/drawing/2010/main" val="0"/>
-              </a:ext>
-            </a:extLst>
-          </a:blip>
-          <a:stretch>
-            <a:fillRect/>
-          </a:stretch>
-        </p:blipFill>
-        <p:spPr>
-          <a:xfrm>
-            <a:off x="1285129" y="1794950"/>
-            <a:ext cx="9534852" cy="3065807"/>
-          </a:xfrm>
-        </p:spPr>
-      </p:pic>
-      <p:sp>
-        <p:nvSpPr>
-          <p:cNvPr id="5" name="Rectangle 4"/>
-          <p:cNvSpPr/>
-          <p:nvPr/>
-        </p:nvSpPr>
-        <p:spPr>
-          <a:xfrm>
-            <a:off x="9357895" y="1978526"/>
-            <a:ext cx="465221" cy="422442"/>
-          </a:xfrm>
-          <a:prstGeom prst="rect">
-            <a:avLst/>
-          </a:prstGeom>
-          <a:solidFill>
-            <a:schemeClr val="accent5">
-              <a:alpha val="50000"/>
-            </a:schemeClr>
-          </a:solidFill>
-          <a:ln>
-            <a:noFill/>
-          </a:ln>
-        </p:spPr>
-        <p:style>
-          <a:lnRef idx="0">
-            <a:scrgbClr r="0" g="0" b="0"/>
-          </a:lnRef>
-          <a:fillRef idx="0">
-            <a:scrgbClr r="0" g="0" b="0"/>
-          </a:fillRef>
-          <a:effectRef idx="0">
-            <a:scrgbClr r="0" g="0" b="0"/>
-          </a:effectRef>
-          <a:fontRef idx="minor">
-            <a:schemeClr val="lt1"/>
-          </a:fontRef>
-        </p:style>
+        </p:nvSpPr>
+        <p:spPr/>
         <p:txBody>
-          <a:bodyPr rtlCol="0" anchor="ctr"/>
+          <a:bodyPr>
+            <a:normAutofit lnSpcReduction="10000"/>
+          </a:bodyPr>
           <a:lstStyle/>
           <a:p>
-            <a:pPr algn="ctr"/>
-            <a:endParaRPr lang="en-GB"/>
-          </a:p>
-        </p:txBody>
-      </p:sp>
-      <p:sp>
-        <p:nvSpPr>
-          <p:cNvPr id="6" name="Rectangle 5"/>
-          <p:cNvSpPr/>
-          <p:nvPr/>
-        </p:nvSpPr>
-        <p:spPr>
-          <a:xfrm>
-            <a:off x="9959474" y="3168315"/>
-            <a:ext cx="465221" cy="422442"/>
-          </a:xfrm>
-          <a:prstGeom prst="rect">
-            <a:avLst/>
-          </a:prstGeom>
-          <a:solidFill>
-            <a:schemeClr val="accent5">
-              <a:alpha val="50000"/>
-            </a:schemeClr>
-          </a:solidFill>
-          <a:ln>
-            <a:noFill/>
-          </a:ln>
-        </p:spPr>
-        <p:style>
-          <a:lnRef idx="0">
-            <a:scrgbClr r="0" g="0" b="0"/>
-          </a:lnRef>
-          <a:fillRef idx="0">
-            <a:scrgbClr r="0" g="0" b="0"/>
-          </a:fillRef>
-          <a:effectRef idx="0">
-            <a:scrgbClr r="0" g="0" b="0"/>
-          </a:effectRef>
-          <a:fontRef idx="minor">
-            <a:schemeClr val="lt1"/>
-          </a:fontRef>
-        </p:style>
-        <p:txBody>
-          <a:bodyPr rtlCol="0" anchor="ctr"/>
-          <a:lstStyle/>
-          <a:p>
-            <a:pPr algn="ctr"/>
-            <a:endParaRPr lang="en-GB"/>
+            <a:r>
+              <a:rPr lang="en-GB" dirty="0" smtClean="0"/>
+              <a:t>Skewed data</a:t>
+            </a:r>
+          </a:p>
+          <a:p>
+            <a:r>
+              <a:rPr lang="en-GB" dirty="0" smtClean="0"/>
+              <a:t>Parameter value not sniffed</a:t>
+            </a:r>
+          </a:p>
+          <a:p>
+            <a:r>
+              <a:rPr lang="en-GB" dirty="0" smtClean="0"/>
+              <a:t>Look for </a:t>
+            </a:r>
+          </a:p>
+          <a:p>
+            <a:pPr lvl="1"/>
+            <a:r>
+              <a:rPr lang="en-GB" dirty="0" smtClean="0"/>
+              <a:t>Differing Actual v Estimate</a:t>
+            </a:r>
+          </a:p>
+          <a:p>
+            <a:pPr lvl="1"/>
+            <a:r>
+              <a:rPr lang="en-GB" dirty="0" smtClean="0"/>
+              <a:t>Loop joins </a:t>
+            </a:r>
+          </a:p>
+          <a:p>
+            <a:pPr lvl="1"/>
+            <a:r>
+              <a:rPr lang="en-GB" dirty="0" smtClean="0"/>
+              <a:t>Large reads/</a:t>
+            </a:r>
+            <a:r>
+              <a:rPr lang="en-GB" dirty="0" err="1" smtClean="0"/>
+              <a:t>cpu</a:t>
+            </a:r>
+            <a:endParaRPr lang="en-GB" dirty="0" smtClean="0"/>
+          </a:p>
+          <a:p>
+            <a:pPr lvl="1"/>
+            <a:r>
+              <a:rPr lang="en-GB" dirty="0" smtClean="0"/>
+              <a:t>Odd behaviour</a:t>
+            </a:r>
+          </a:p>
+          <a:p>
+            <a:r>
+              <a:rPr lang="en-GB" dirty="0" smtClean="0"/>
+              <a:t>Look in DMVs for plans, running code in SSMS may result in a new good plan</a:t>
+            </a:r>
+            <a:endParaRPr lang="en-GB" dirty="0"/>
           </a:p>
         </p:txBody>
       </p:sp>
     </p:spTree>
     <p:extLst>
       <p:ext uri="{BB962C8B-B14F-4D97-AF65-F5344CB8AC3E}">
-        <p14:creationId xmlns:p14="http://schemas.microsoft.com/office/powerpoint/2010/main" val="3006713281"/>
+        <p14:creationId xmlns:p14="http://schemas.microsoft.com/office/powerpoint/2010/main" val="1894684958"/>
       </p:ext>
     </p:extLst>
   </p:cSld>
   <p:clrMapOvr>
     <a:masterClrMapping/>
   </p:clrMapOvr>
+  <mc:AlternateContent xmlns:mc="http://schemas.openxmlformats.org/markup-compatibility/2006" xmlns:p14="http://schemas.microsoft.com/office/powerpoint/2010/main">
+    <mc:Choice Requires="p14">
+      <p:transition spd="slow" p14:dur="2000"/>
+    </mc:Choice>
+    <mc:Fallback xmlns="">
+      <p:transition spd="slow"/>
+    </mc:Fallback>
+  </mc:AlternateContent>
   <p:timing>
     <p:tnLst>
       <p:par>
@@ -15396,8 +15649,27 @@
           <a:p>
             <a:r>
               <a:rPr lang="en-GB" dirty="0" smtClean="0"/>
-              <a:t>Demo – Forced Parametrisation</a:t>
-            </a:r>
+              <a:t>Demo – Out of Date Statistics</a:t>
+            </a:r>
+            <a:endParaRPr lang="en-GB" dirty="0"/>
+          </a:p>
+        </p:txBody>
+      </p:sp>
+      <p:sp>
+        <p:nvSpPr>
+          <p:cNvPr id="3" name="Content Placeholder 2"/>
+          <p:cNvSpPr>
+            <a:spLocks noGrp="1"/>
+          </p:cNvSpPr>
+          <p:nvPr>
+            <p:ph idx="1"/>
+          </p:nvPr>
+        </p:nvSpPr>
+        <p:spPr/>
+        <p:txBody>
+          <a:bodyPr/>
+          <a:lstStyle/>
+          <a:p>
             <a:endParaRPr lang="en-GB" dirty="0"/>
           </a:p>
         </p:txBody>
@@ -15405,7 +15677,7 @@
     </p:spTree>
     <p:extLst>
       <p:ext uri="{BB962C8B-B14F-4D97-AF65-F5344CB8AC3E}">
-        <p14:creationId xmlns:p14="http://schemas.microsoft.com/office/powerpoint/2010/main" val="474657059"/>
+        <p14:creationId xmlns:p14="http://schemas.microsoft.com/office/powerpoint/2010/main" val="1344992069"/>
       </p:ext>
     </p:extLst>
   </p:cSld>
@@ -15456,83 +15728,7 @@
           <a:p>
             <a:r>
               <a:rPr lang="en-GB" dirty="0" smtClean="0"/>
-              <a:t>Bad plans</a:t>
-            </a:r>
-            <a:endParaRPr lang="en-GB" dirty="0"/>
-          </a:p>
-        </p:txBody>
-      </p:sp>
-      <p:sp>
-        <p:nvSpPr>
-          <p:cNvPr id="3" name="Content Placeholder 2"/>
-          <p:cNvSpPr>
-            <a:spLocks noGrp="1"/>
-          </p:cNvSpPr>
-          <p:nvPr>
-            <p:ph idx="1"/>
-          </p:nvPr>
-        </p:nvSpPr>
-        <p:spPr/>
-        <p:txBody>
-          <a:bodyPr>
-            <a:normAutofit lnSpcReduction="10000"/>
-          </a:bodyPr>
-          <a:lstStyle/>
-          <a:p>
-            <a:r>
-              <a:rPr lang="en-GB" dirty="0" smtClean="0"/>
-              <a:t>Skewed data</a:t>
-            </a:r>
-          </a:p>
-          <a:p>
-            <a:r>
-              <a:rPr lang="en-GB" dirty="0" smtClean="0"/>
-              <a:t>Parameter value not sniffed</a:t>
-            </a:r>
-          </a:p>
-          <a:p>
-            <a:r>
-              <a:rPr lang="en-GB" dirty="0" smtClean="0"/>
-              <a:t>Look for </a:t>
-            </a:r>
-          </a:p>
-          <a:p>
-            <a:pPr lvl="1"/>
-            <a:r>
-              <a:rPr lang="en-GB" dirty="0" smtClean="0"/>
-              <a:t>Differing Actual v Estimate</a:t>
-            </a:r>
-          </a:p>
-          <a:p>
-            <a:pPr lvl="1"/>
-            <a:r>
-              <a:rPr lang="en-GB" dirty="0" smtClean="0"/>
-              <a:t>Loop joins </a:t>
-            </a:r>
-          </a:p>
-          <a:p>
-            <a:pPr lvl="1"/>
-            <a:r>
-              <a:rPr lang="en-GB" dirty="0" smtClean="0"/>
-              <a:t>Large reads/</a:t>
-            </a:r>
-            <a:r>
-              <a:rPr lang="en-GB" dirty="0" err="1" smtClean="0"/>
-              <a:t>cpu</a:t>
-            </a:r>
-            <a:endParaRPr lang="en-GB" dirty="0" smtClean="0"/>
-          </a:p>
-          <a:p>
-            <a:pPr lvl="1"/>
-            <a:r>
-              <a:rPr lang="en-GB" dirty="0" smtClean="0"/>
-              <a:t>Odd behaviour</a:t>
-            </a:r>
-          </a:p>
-          <a:p>
-            <a:r>
-              <a:rPr lang="en-GB" dirty="0" smtClean="0"/>
-              <a:t>Look in DMVs for plans, running code in SSMS may result in a new good plan</a:t>
+              <a:t>Demo – Forced Parametrisation</a:t>
             </a:r>
             <a:endParaRPr lang="en-GB" dirty="0"/>
           </a:p>
@@ -15541,21 +15737,13 @@
     </p:spTree>
     <p:extLst>
       <p:ext uri="{BB962C8B-B14F-4D97-AF65-F5344CB8AC3E}">
-        <p14:creationId xmlns:p14="http://schemas.microsoft.com/office/powerpoint/2010/main" val="1894684958"/>
+        <p14:creationId xmlns:p14="http://schemas.microsoft.com/office/powerpoint/2010/main" val="474657059"/>
       </p:ext>
     </p:extLst>
   </p:cSld>
   <p:clrMapOvr>
     <a:masterClrMapping/>
   </p:clrMapOvr>
-  <mc:AlternateContent xmlns:mc="http://schemas.openxmlformats.org/markup-compatibility/2006" xmlns:p14="http://schemas.microsoft.com/office/powerpoint/2010/main">
-    <mc:Choice Requires="p14">
-      <p:transition spd="slow" p14:dur="2000"/>
-    </mc:Choice>
-    <mc:Fallback xmlns="">
-      <p:transition spd="slow"/>
-    </mc:Fallback>
-  </mc:AlternateContent>
   <p:timing>
     <p:tnLst>
       <p:par>
@@ -15742,7 +15930,6 @@
               <a:rPr lang="en-GB" dirty="0" smtClean="0"/>
               <a:t>Use Plan Guides</a:t>
             </a:r>
-            <a:endParaRPr lang="en-GB" dirty="0" smtClean="0"/>
           </a:p>
           <a:p>
             <a:endParaRPr lang="en-GB" dirty="0"/>
@@ -15957,13 +16144,8 @@
           <a:p>
             <a:r>
               <a:rPr lang="en-GB" dirty="0" smtClean="0"/>
-              <a:t>Different SET options </a:t>
-            </a:r>
-            <a:r>
-              <a:rPr lang="en-GB" dirty="0" smtClean="0"/>
-              <a:t>– Next demo</a:t>
-            </a:r>
-            <a:endParaRPr lang="en-GB" dirty="0" smtClean="0"/>
+              <a:t>Different SET options – Next demo</a:t>
+            </a:r>
           </a:p>
           <a:p>
             <a:r>
@@ -16145,11 +16327,7 @@
             </a:r>
             <a:r>
               <a:rPr lang="en-GB" dirty="0" smtClean="0"/>
-              <a:t> </a:t>
-            </a:r>
-            <a:r>
-              <a:rPr lang="en-GB" dirty="0" smtClean="0"/>
-              <a:t>Problem</a:t>
+              <a:t> Problem</a:t>
             </a:r>
             <a:endParaRPr lang="en-GB" dirty="0"/>
           </a:p>
@@ -16440,11 +16618,7 @@
           <a:p>
             <a:r>
               <a:rPr lang="en-GB" dirty="0" smtClean="0"/>
-              <a:t>Skewed statistics leads to uneven threads (CXPACKET</a:t>
-            </a:r>
-            <a:r>
-              <a:rPr lang="en-GB" dirty="0" smtClean="0"/>
-              <a:t>)</a:t>
+              <a:t>Skewed statistics leads to uneven threads (CXPACKET)</a:t>
             </a:r>
           </a:p>
           <a:p>
@@ -16993,7 +17167,7 @@
           <p:nvPr/>
         </p:nvPicPr>
         <p:blipFill>
-          <a:blip r:embed="rId2">
+          <a:blip r:embed="rId3">
             <a:extLst>
               <a:ext uri="{28A0092B-C50C-407E-A947-70E740481C1C}">
                 <a14:useLocalDpi xmlns:a14="http://schemas.microsoft.com/office/drawing/2010/main" val="0"/>
@@ -17034,7 +17208,7 @@
           <p:nvPr/>
         </p:nvPicPr>
         <p:blipFill>
-          <a:blip r:embed="rId3">
+          <a:blip r:embed="rId4">
             <a:extLst>
               <a:ext uri="{28A0092B-C50C-407E-A947-70E740481C1C}">
                 <a14:useLocalDpi xmlns:a14="http://schemas.microsoft.com/office/drawing/2010/main" val="0"/>
@@ -17226,7 +17400,7 @@
           <p:nvPr/>
         </p:nvPicPr>
         <p:blipFill>
-          <a:blip r:embed="rId2">
+          <a:blip r:embed="rId3">
             <a:extLst>
               <a:ext uri="{28A0092B-C50C-407E-A947-70E740481C1C}">
                 <a14:useLocalDpi xmlns:a14="http://schemas.microsoft.com/office/drawing/2010/main" val="0"/>
@@ -17267,7 +17441,7 @@
           <p:nvPr/>
         </p:nvPicPr>
         <p:blipFill>
-          <a:blip r:embed="rId3">
+          <a:blip r:embed="rId4">
             <a:extLst>
               <a:ext uri="{28A0092B-C50C-407E-A947-70E740481C1C}">
                 <a14:useLocalDpi xmlns:a14="http://schemas.microsoft.com/office/drawing/2010/main" val="0"/>
@@ -17308,7 +17482,7 @@
           <p:nvPr/>
         </p:nvPicPr>
         <p:blipFill>
-          <a:blip r:embed="rId4">
+          <a:blip r:embed="rId5">
             <a:extLst>
               <a:ext uri="{28A0092B-C50C-407E-A947-70E740481C1C}">
                 <a14:useLocalDpi xmlns:a14="http://schemas.microsoft.com/office/drawing/2010/main" val="0"/>
@@ -17433,11 +17607,7 @@
             <a:pPr lvl="1"/>
             <a:r>
               <a:rPr lang="en-GB" dirty="0" smtClean="0"/>
-              <a:t>Sometimes required </a:t>
-            </a:r>
-            <a:r>
-              <a:rPr lang="en-GB" dirty="0" smtClean="0"/>
-              <a:t>(joins, </a:t>
+              <a:t>Sometimes required (joins, </a:t>
             </a:r>
             <a:r>
               <a:rPr lang="en-GB" dirty="0" err="1" smtClean="0"/>
@@ -17447,7 +17617,6 @@
               <a:rPr lang="en-GB" dirty="0" smtClean="0"/>
               <a:t>, grouping)</a:t>
             </a:r>
-            <a:endParaRPr lang="en-GB" dirty="0" smtClean="0"/>
           </a:p>
           <a:p>
             <a:endParaRPr lang="en-GB" dirty="0"/>
@@ -17479,15 +17648,7 @@
             <a:pPr lvl="1"/>
             <a:r>
               <a:rPr lang="en-GB" dirty="0" smtClean="0"/>
-              <a:t>Storing </a:t>
-            </a:r>
-            <a:r>
-              <a:rPr lang="en-GB" dirty="0" smtClean="0"/>
-              <a:t>workings </a:t>
-            </a:r>
-            <a:r>
-              <a:rPr lang="en-GB" dirty="0" smtClean="0"/>
-              <a:t>in </a:t>
+              <a:t>Storing workings in </a:t>
             </a:r>
             <a:r>
               <a:rPr lang="en-GB" dirty="0" err="1" smtClean="0"/>
@@ -17674,15 +17835,7 @@
           <a:p>
             <a:r>
               <a:rPr lang="en-GB" dirty="0" smtClean="0"/>
-              <a:t>Parallel</a:t>
-            </a:r>
-            <a:r>
-              <a:rPr lang="en-GB" dirty="0" smtClean="0"/>
-              <a:t> </a:t>
-            </a:r>
-            <a:r>
-              <a:rPr lang="en-GB" dirty="0" smtClean="0"/>
-              <a:t>Operators</a:t>
+              <a:t>Parallel Operators</a:t>
             </a:r>
             <a:endParaRPr lang="en-GB" dirty="0"/>
           </a:p>
@@ -17709,7 +17862,6 @@
               <a:rPr lang="en-GB" dirty="0" smtClean="0"/>
               <a:t>Anything with this symbol</a:t>
             </a:r>
-            <a:endParaRPr lang="en-GB" dirty="0" smtClean="0"/>
           </a:p>
           <a:p>
             <a:pPr lvl="1"/>
@@ -18087,21 +18239,13 @@
             <a:pPr lvl="1"/>
             <a:r>
               <a:rPr lang="en-GB" dirty="0" smtClean="0"/>
-              <a:t>Parameterisation </a:t>
-            </a:r>
-            <a:r>
-              <a:rPr lang="en-GB" dirty="0" smtClean="0"/>
-              <a:t>will not take place</a:t>
-            </a:r>
-          </a:p>
-          <a:p>
-            <a:r>
-              <a:rPr lang="en-GB" dirty="0" smtClean="0"/>
-              <a:t>FORCE </a:t>
-            </a:r>
-            <a:r>
-              <a:rPr lang="en-GB" dirty="0" smtClean="0"/>
-              <a:t>ORDER</a:t>
+              <a:t>Parameterisation will not take place</a:t>
+            </a:r>
+          </a:p>
+          <a:p>
+            <a:r>
+              <a:rPr lang="en-GB" dirty="0" smtClean="0"/>
+              <a:t>FORCE ORDER</a:t>
             </a:r>
           </a:p>
           <a:p>
@@ -18109,7 +18253,6 @@
               <a:rPr lang="en-GB" dirty="0" smtClean="0"/>
               <a:t>MERGE/HASH/LOOP Join</a:t>
             </a:r>
-            <a:endParaRPr lang="en-GB" dirty="0" smtClean="0"/>
           </a:p>
           <a:p>
             <a:r>
@@ -18142,7 +18285,6 @@
               <a:rPr lang="en-GB" dirty="0" smtClean="0"/>
               <a:t>OPTIMIZE FOR/UNKNOWN</a:t>
             </a:r>
-            <a:endParaRPr lang="en-GB" dirty="0" smtClean="0"/>
           </a:p>
           <a:p>
             <a:endParaRPr lang="en-GB" dirty="0"/>
@@ -18251,11 +18393,7 @@
             <a:pPr lvl="1"/>
             <a:r>
               <a:rPr lang="en-GB" dirty="0" smtClean="0"/>
-              <a:t>Available scheduler (CPU</a:t>
-            </a:r>
-            <a:r>
-              <a:rPr lang="en-GB" dirty="0" smtClean="0"/>
-              <a:t>)</a:t>
+              <a:t>Available scheduler (CPU)</a:t>
             </a:r>
           </a:p>
           <a:p>
@@ -18263,7 +18401,6 @@
               <a:rPr lang="en-GB" dirty="0" smtClean="0"/>
               <a:t>Results returns/data modified</a:t>
             </a:r>
-            <a:endParaRPr lang="en-GB" dirty="0" smtClean="0"/>
           </a:p>
         </p:txBody>
       </p:sp>

--- a/Slides/3. Query Execution.pptx
+++ b/Slides/3. Query Execution.pptx
@@ -20,17 +20,17 @@
     <p:sldId id="280" r:id="rId11"/>
     <p:sldId id="259" r:id="rId12"/>
     <p:sldId id="283" r:id="rId13"/>
-    <p:sldId id="264" r:id="rId14"/>
-    <p:sldId id="297" r:id="rId15"/>
-    <p:sldId id="287" r:id="rId16"/>
-    <p:sldId id="279" r:id="rId17"/>
-    <p:sldId id="278" r:id="rId18"/>
-    <p:sldId id="265" r:id="rId19"/>
-    <p:sldId id="286" r:id="rId20"/>
-    <p:sldId id="285" r:id="rId21"/>
-    <p:sldId id="289" r:id="rId22"/>
-    <p:sldId id="296" r:id="rId23"/>
-    <p:sldId id="298" r:id="rId24"/>
+    <p:sldId id="289" r:id="rId14"/>
+    <p:sldId id="264" r:id="rId15"/>
+    <p:sldId id="297" r:id="rId16"/>
+    <p:sldId id="287" r:id="rId17"/>
+    <p:sldId id="279" r:id="rId18"/>
+    <p:sldId id="278" r:id="rId19"/>
+    <p:sldId id="265" r:id="rId20"/>
+    <p:sldId id="286" r:id="rId21"/>
+    <p:sldId id="298" r:id="rId22"/>
+    <p:sldId id="285" r:id="rId23"/>
+    <p:sldId id="296" r:id="rId24"/>
     <p:sldId id="300" r:id="rId25"/>
     <p:sldId id="273" r:id="rId26"/>
     <p:sldId id="271" r:id="rId27"/>
@@ -162,6 +162,7 @@
             <p14:sldId id="280"/>
             <p14:sldId id="259"/>
             <p14:sldId id="283"/>
+            <p14:sldId id="289"/>
             <p14:sldId id="264"/>
             <p14:sldId id="297"/>
           </p14:sldIdLst>
@@ -173,10 +174,9 @@
             <p14:sldId id="278"/>
             <p14:sldId id="265"/>
             <p14:sldId id="286"/>
+            <p14:sldId id="298"/>
             <p14:sldId id="285"/>
-            <p14:sldId id="289"/>
             <p14:sldId id="296"/>
-            <p14:sldId id="298"/>
             <p14:sldId id="300"/>
             <p14:sldId id="273"/>
             <p14:sldId id="271"/>
@@ -7295,7 +7295,7 @@
           <a:p>
             <a:fld id="{C33E546B-25B4-4054-B726-50ABAEF81226}" type="datetimeFigureOut">
               <a:rPr lang="en-GB" smtClean="0"/>
-              <a:t>12/02/2016</a:t>
+              <a:t>15/02/2016</a:t>
             </a:fld>
             <a:endParaRPr lang="en-GB"/>
           </a:p>
@@ -7647,11 +7647,7 @@
             </a:r>
             <a:r>
               <a:rPr lang="en-GB" baseline="0" dirty="0" smtClean="0"/>
-              <a:t> of disk – all we care about here is </a:t>
-            </a:r>
-            <a:r>
-              <a:rPr lang="en-GB" baseline="0" dirty="0" smtClean="0"/>
-              <a:t>memory, we will wait for disk when we start to execute</a:t>
+              <a:t> of disk – all we care about here is memory, we will wait for disk when we start to execute</a:t>
             </a:r>
             <a:endParaRPr lang="en-GB" dirty="0"/>
           </a:p>
@@ -7743,23 +7739,7 @@
             </a:r>
             <a:r>
               <a:rPr lang="en-GB" baseline="0" dirty="0" smtClean="0"/>
-              <a:t> shows skew for values between </a:t>
-            </a:r>
-            <a:r>
-              <a:rPr lang="en-GB" baseline="0" dirty="0" smtClean="0"/>
-              <a:t>141 </a:t>
-            </a:r>
-            <a:r>
-              <a:rPr lang="en-GB" baseline="0" dirty="0" smtClean="0"/>
-              <a:t>and </a:t>
-            </a:r>
-            <a:r>
-              <a:rPr lang="en-GB" baseline="0" dirty="0" smtClean="0"/>
-              <a:t>160. </a:t>
-            </a:r>
-            <a:r>
-              <a:rPr lang="en-GB" baseline="0" dirty="0" smtClean="0"/>
-              <a:t>If the plan is generated from a value in this range then it maybe off</a:t>
+              <a:t> shows skew for values between 141 and 160. If the plan is generated from a value in this range then it maybe off</a:t>
             </a:r>
           </a:p>
           <a:p>
@@ -7836,12 +7816,7 @@
             <p:ph type="sldImg"/>
           </p:nvPr>
         </p:nvSpPr>
-        <p:spPr>
-          <a:xfrm>
-            <a:off x="215900" y="722313"/>
-            <a:ext cx="6426200" cy="3614737"/>
-          </a:xfrm>
-        </p:spPr>
+        <p:spPr/>
       </p:sp>
       <p:sp>
         <p:nvSpPr>
@@ -7855,42 +7830,12 @@
         </p:nvSpPr>
         <p:spPr/>
         <p:txBody>
-          <a:bodyPr>
-            <a:normAutofit/>
-          </a:bodyPr>
+          <a:bodyPr/>
           <a:lstStyle/>
           <a:p>
             <a:r>
               <a:rPr lang="en-GB" dirty="0" smtClean="0"/>
-              <a:t>If execution time much</a:t>
-            </a:r>
-            <a:r>
-              <a:rPr lang="en-GB" baseline="0" dirty="0" smtClean="0"/>
-              <a:t> &gt; than compile time, why worry - &gt; plan bloat</a:t>
-            </a:r>
-          </a:p>
-          <a:p>
-            <a:endParaRPr lang="en-GB" baseline="0" dirty="0" smtClean="0"/>
-          </a:p>
-          <a:p>
-            <a:r>
-              <a:rPr lang="en-GB" baseline="0" dirty="0" smtClean="0"/>
-              <a:t>If execution time &lt; compile time then really worry about it.</a:t>
-            </a:r>
-          </a:p>
-          <a:p>
-            <a:endParaRPr lang="en-GB" baseline="0" dirty="0" smtClean="0"/>
-          </a:p>
-          <a:p>
-            <a:r>
-              <a:rPr lang="en-GB" baseline="0" dirty="0" smtClean="0"/>
-              <a:t>OLTP plan reuse</a:t>
-            </a:r>
-          </a:p>
-          <a:p>
-            <a:r>
-              <a:rPr lang="en-GB" baseline="0" dirty="0" smtClean="0"/>
-              <a:t>ETL, Reporting plan no reuse</a:t>
+              <a:t>During this demo explain the parts of the query plan</a:t>
             </a:r>
             <a:endParaRPr lang="en-GB" dirty="0"/>
           </a:p>
@@ -7911,53 +7856,10 @@
           <a:bodyPr/>
           <a:lstStyle/>
           <a:p>
-            <a:fld id="{B55B88FD-84B2-43BD-86AA-E2E5C0B76984}" type="slidenum">
+            <a:fld id="{C07FE611-E342-4944-80A8-F7B4C421E4DD}" type="slidenum">
               <a:rPr lang="en-GB" smtClean="0"/>
-              <a:pPr/>
-              <a:t>17</a:t>
+              <a:t>13</a:t>
             </a:fld>
-            <a:endParaRPr lang="en-GB"/>
-          </a:p>
-        </p:txBody>
-      </p:sp>
-      <p:sp>
-        <p:nvSpPr>
-          <p:cNvPr id="5" name="Date Placeholder 4"/>
-          <p:cNvSpPr>
-            <a:spLocks noGrp="1"/>
-          </p:cNvSpPr>
-          <p:nvPr>
-            <p:ph type="dt" idx="11"/>
-          </p:nvPr>
-        </p:nvSpPr>
-        <p:spPr/>
-        <p:txBody>
-          <a:bodyPr/>
-          <a:lstStyle/>
-          <a:p>
-            <a:endParaRPr lang="en-GB"/>
-          </a:p>
-        </p:txBody>
-      </p:sp>
-      <p:sp>
-        <p:nvSpPr>
-          <p:cNvPr id="6" name="Header Placeholder 5"/>
-          <p:cNvSpPr>
-            <a:spLocks noGrp="1"/>
-          </p:cNvSpPr>
-          <p:nvPr>
-            <p:ph type="hdr" sz="quarter" idx="12"/>
-          </p:nvPr>
-        </p:nvSpPr>
-        <p:spPr/>
-        <p:txBody>
-          <a:bodyPr/>
-          <a:lstStyle/>
-          <a:p>
-            <a:r>
-              <a:rPr lang="en-GB" smtClean="0"/>
-              <a:t>Advanced TSQL for Performance and Scalability</a:t>
-            </a:r>
             <a:endParaRPr lang="en-GB"/>
           </a:p>
         </p:txBody>
@@ -7965,7 +7867,7 @@
     </p:spTree>
     <p:extLst>
       <p:ext uri="{BB962C8B-B14F-4D97-AF65-F5344CB8AC3E}">
-        <p14:creationId xmlns:p14="http://schemas.microsoft.com/office/powerpoint/2010/main" val="3130646790"/>
+        <p14:creationId xmlns:p14="http://schemas.microsoft.com/office/powerpoint/2010/main" val="2846438160"/>
       </p:ext>
     </p:extLst>
   </p:cSld>
@@ -8002,7 +7904,12 @@
             <p:ph type="sldImg"/>
           </p:nvPr>
         </p:nvSpPr>
-        <p:spPr/>
+        <p:spPr>
+          <a:xfrm>
+            <a:off x="215900" y="722313"/>
+            <a:ext cx="6426200" cy="3614737"/>
+          </a:xfrm>
+        </p:spPr>
       </p:sp>
       <p:sp>
         <p:nvSpPr>
@@ -8016,12 +7923,42 @@
         </p:nvSpPr>
         <p:spPr/>
         <p:txBody>
-          <a:bodyPr/>
+          <a:bodyPr>
+            <a:normAutofit/>
+          </a:bodyPr>
           <a:lstStyle/>
           <a:p>
             <a:r>
               <a:rPr lang="en-GB" dirty="0" smtClean="0"/>
-              <a:t>During this demo explain the parts of the query plan</a:t>
+              <a:t>If execution time much</a:t>
+            </a:r>
+            <a:r>
+              <a:rPr lang="en-GB" baseline="0" dirty="0" smtClean="0"/>
+              <a:t> &gt; than compile time, why worry - &gt; plan bloat</a:t>
+            </a:r>
+          </a:p>
+          <a:p>
+            <a:endParaRPr lang="en-GB" baseline="0" dirty="0" smtClean="0"/>
+          </a:p>
+          <a:p>
+            <a:r>
+              <a:rPr lang="en-GB" baseline="0" dirty="0" smtClean="0"/>
+              <a:t>If execution time &lt; compile time then really worry about it.</a:t>
+            </a:r>
+          </a:p>
+          <a:p>
+            <a:endParaRPr lang="en-GB" baseline="0" dirty="0" smtClean="0"/>
+          </a:p>
+          <a:p>
+            <a:r>
+              <a:rPr lang="en-GB" baseline="0" dirty="0" smtClean="0"/>
+              <a:t>OLTP plan reuse</a:t>
+            </a:r>
+          </a:p>
+          <a:p>
+            <a:r>
+              <a:rPr lang="en-GB" baseline="0" dirty="0" smtClean="0"/>
+              <a:t>ETL, Reporting plan no reuse</a:t>
             </a:r>
             <a:endParaRPr lang="en-GB" dirty="0"/>
           </a:p>
@@ -8042,10 +7979,53 @@
           <a:bodyPr/>
           <a:lstStyle/>
           <a:p>
-            <a:fld id="{C07FE611-E342-4944-80A8-F7B4C421E4DD}" type="slidenum">
+            <a:fld id="{B55B88FD-84B2-43BD-86AA-E2E5C0B76984}" type="slidenum">
               <a:rPr lang="en-GB" smtClean="0"/>
-              <a:t>21</a:t>
+              <a:pPr/>
+              <a:t>18</a:t>
             </a:fld>
+            <a:endParaRPr lang="en-GB"/>
+          </a:p>
+        </p:txBody>
+      </p:sp>
+      <p:sp>
+        <p:nvSpPr>
+          <p:cNvPr id="5" name="Date Placeholder 4"/>
+          <p:cNvSpPr>
+            <a:spLocks noGrp="1"/>
+          </p:cNvSpPr>
+          <p:nvPr>
+            <p:ph type="dt" idx="11"/>
+          </p:nvPr>
+        </p:nvSpPr>
+        <p:spPr/>
+        <p:txBody>
+          <a:bodyPr/>
+          <a:lstStyle/>
+          <a:p>
+            <a:endParaRPr lang="en-GB"/>
+          </a:p>
+        </p:txBody>
+      </p:sp>
+      <p:sp>
+        <p:nvSpPr>
+          <p:cNvPr id="6" name="Header Placeholder 5"/>
+          <p:cNvSpPr>
+            <a:spLocks noGrp="1"/>
+          </p:cNvSpPr>
+          <p:nvPr>
+            <p:ph type="hdr" sz="quarter" idx="12"/>
+          </p:nvPr>
+        </p:nvSpPr>
+        <p:spPr/>
+        <p:txBody>
+          <a:bodyPr/>
+          <a:lstStyle/>
+          <a:p>
+            <a:r>
+              <a:rPr lang="en-GB" smtClean="0"/>
+              <a:t>Advanced TSQL for Performance and Scalability</a:t>
+            </a:r>
             <a:endParaRPr lang="en-GB"/>
           </a:p>
         </p:txBody>
@@ -8053,7 +8033,7 @@
     </p:spTree>
     <p:extLst>
       <p:ext uri="{BB962C8B-B14F-4D97-AF65-F5344CB8AC3E}">
-        <p14:creationId xmlns:p14="http://schemas.microsoft.com/office/powerpoint/2010/main" val="2846438160"/>
+        <p14:creationId xmlns:p14="http://schemas.microsoft.com/office/powerpoint/2010/main" val="3130646790"/>
       </p:ext>
     </p:extLst>
   </p:cSld>
@@ -8460,7 +8440,7 @@
           <a:p>
             <a:fld id="{8204E7FD-169F-464A-8003-B2893D8D8FF1}" type="datetimeFigureOut">
               <a:rPr lang="en-GB" smtClean="0"/>
-              <a:t>12/02/2016</a:t>
+              <a:t>15/02/2016</a:t>
             </a:fld>
             <a:endParaRPr lang="en-GB"/>
           </a:p>
@@ -8801,7 +8781,7 @@
           <a:p>
             <a:fld id="{8204E7FD-169F-464A-8003-B2893D8D8FF1}" type="datetimeFigureOut">
               <a:rPr lang="en-GB" smtClean="0"/>
-              <a:t>12/02/2016</a:t>
+              <a:t>15/02/2016</a:t>
             </a:fld>
             <a:endParaRPr lang="en-GB"/>
           </a:p>
@@ -9079,7 +9059,7 @@
           <a:p>
             <a:fld id="{8204E7FD-169F-464A-8003-B2893D8D8FF1}" type="datetimeFigureOut">
               <a:rPr lang="en-GB" smtClean="0"/>
-              <a:t>12/02/2016</a:t>
+              <a:t>15/02/2016</a:t>
             </a:fld>
             <a:endParaRPr lang="en-GB"/>
           </a:p>
@@ -9695,7 +9675,7 @@
           <a:p>
             <a:fld id="{8204E7FD-169F-464A-8003-B2893D8D8FF1}" type="datetimeFigureOut">
               <a:rPr lang="en-GB" smtClean="0"/>
-              <a:t>12/02/2016</a:t>
+              <a:t>15/02/2016</a:t>
             </a:fld>
             <a:endParaRPr lang="en-GB"/>
           </a:p>
@@ -9973,7 +9953,7 @@
           <a:p>
             <a:fld id="{8204E7FD-169F-464A-8003-B2893D8D8FF1}" type="datetimeFigureOut">
               <a:rPr lang="en-GB" smtClean="0"/>
-              <a:t>12/02/2016</a:t>
+              <a:t>15/02/2016</a:t>
             </a:fld>
             <a:endParaRPr lang="en-GB"/>
           </a:p>
@@ -10583,7 +10563,7 @@
           <a:p>
             <a:fld id="{8204E7FD-169F-464A-8003-B2893D8D8FF1}" type="datetimeFigureOut">
               <a:rPr lang="en-GB" smtClean="0"/>
-              <a:t>12/02/2016</a:t>
+              <a:t>15/02/2016</a:t>
             </a:fld>
             <a:endParaRPr lang="en-GB"/>
           </a:p>
@@ -10910,7 +10890,7 @@
           <a:p>
             <a:fld id="{8204E7FD-169F-464A-8003-B2893D8D8FF1}" type="datetimeFigureOut">
               <a:rPr lang="en-GB" smtClean="0"/>
-              <a:t>12/02/2016</a:t>
+              <a:t>15/02/2016</a:t>
             </a:fld>
             <a:endParaRPr lang="en-GB"/>
           </a:p>
@@ -11087,7 +11067,7 @@
           <a:p>
             <a:fld id="{8204E7FD-169F-464A-8003-B2893D8D8FF1}" type="datetimeFigureOut">
               <a:rPr lang="en-GB" smtClean="0"/>
-              <a:t>12/02/2016</a:t>
+              <a:t>15/02/2016</a:t>
             </a:fld>
             <a:endParaRPr lang="en-GB"/>
           </a:p>
@@ -11325,7 +11305,7 @@
           <a:p>
             <a:fld id="{8204E7FD-169F-464A-8003-B2893D8D8FF1}" type="datetimeFigureOut">
               <a:rPr lang="en-GB" smtClean="0"/>
-              <a:t>12/02/2016</a:t>
+              <a:t>15/02/2016</a:t>
             </a:fld>
             <a:endParaRPr lang="en-GB"/>
           </a:p>
@@ -11525,7 +11505,7 @@
           <a:p>
             <a:fld id="{8204E7FD-169F-464A-8003-B2893D8D8FF1}" type="datetimeFigureOut">
               <a:rPr lang="en-GB" smtClean="0"/>
-              <a:t>12/02/2016</a:t>
+              <a:t>15/02/2016</a:t>
             </a:fld>
             <a:endParaRPr lang="en-GB"/>
           </a:p>
@@ -11808,7 +11788,7 @@
           <a:p>
             <a:fld id="{8204E7FD-169F-464A-8003-B2893D8D8FF1}" type="datetimeFigureOut">
               <a:rPr lang="en-GB" smtClean="0"/>
-              <a:t>12/02/2016</a:t>
+              <a:t>15/02/2016</a:t>
             </a:fld>
             <a:endParaRPr lang="en-GB"/>
           </a:p>
@@ -12081,7 +12061,7 @@
           <a:p>
             <a:fld id="{8204E7FD-169F-464A-8003-B2893D8D8FF1}" type="datetimeFigureOut">
               <a:rPr lang="en-GB" smtClean="0"/>
-              <a:t>12/02/2016</a:t>
+              <a:t>15/02/2016</a:t>
             </a:fld>
             <a:endParaRPr lang="en-GB"/>
           </a:p>
@@ -12455,7 +12435,7 @@
           <a:p>
             <a:fld id="{8204E7FD-169F-464A-8003-B2893D8D8FF1}" type="datetimeFigureOut">
               <a:rPr lang="en-GB" smtClean="0"/>
-              <a:t>12/02/2016</a:t>
+              <a:t>15/02/2016</a:t>
             </a:fld>
             <a:endParaRPr lang="en-GB"/>
           </a:p>
@@ -12610,7 +12590,7 @@
           <a:p>
             <a:fld id="{8204E7FD-169F-464A-8003-B2893D8D8FF1}" type="datetimeFigureOut">
               <a:rPr lang="en-GB" smtClean="0"/>
-              <a:t>12/02/2016</a:t>
+              <a:t>15/02/2016</a:t>
             </a:fld>
             <a:endParaRPr lang="en-GB"/>
           </a:p>
@@ -12735,7 +12715,7 @@
           <a:p>
             <a:fld id="{8204E7FD-169F-464A-8003-B2893D8D8FF1}" type="datetimeFigureOut">
               <a:rPr lang="en-GB" smtClean="0"/>
-              <a:t>12/02/2016</a:t>
+              <a:t>15/02/2016</a:t>
             </a:fld>
             <a:endParaRPr lang="en-GB"/>
           </a:p>
@@ -13020,7 +13000,7 @@
           <a:p>
             <a:fld id="{8204E7FD-169F-464A-8003-B2893D8D8FF1}" type="datetimeFigureOut">
               <a:rPr lang="en-GB" smtClean="0"/>
-              <a:t>12/02/2016</a:t>
+              <a:t>15/02/2016</a:t>
             </a:fld>
             <a:endParaRPr lang="en-GB"/>
           </a:p>
@@ -13344,7 +13324,7 @@
           <a:p>
             <a:fld id="{8204E7FD-169F-464A-8003-B2893D8D8FF1}" type="datetimeFigureOut">
               <a:rPr lang="en-GB" smtClean="0"/>
-              <a:t>12/02/2016</a:t>
+              <a:t>15/02/2016</a:t>
             </a:fld>
             <a:endParaRPr lang="en-GB"/>
           </a:p>
@@ -13558,7 +13538,7 @@
           <a:p>
             <a:fld id="{8204E7FD-169F-464A-8003-B2893D8D8FF1}" type="datetimeFigureOut">
               <a:rPr lang="en-GB" smtClean="0"/>
-              <a:t>12/02/2016</a:t>
+              <a:t>15/02/2016</a:t>
             </a:fld>
             <a:endParaRPr lang="en-GB"/>
           </a:p>
@@ -14536,7 +14516,7 @@
           <a:p>
             <a:r>
               <a:rPr lang="en-GB" dirty="0" smtClean="0"/>
-              <a:t>Statistics Again</a:t>
+              <a:t>Demo – Out of Date Statistics</a:t>
             </a:r>
             <a:endParaRPr lang="en-GB" dirty="0"/>
           </a:p>
@@ -14557,45 +14537,6 @@
           <a:bodyPr/>
           <a:lstStyle/>
           <a:p>
-            <a:r>
-              <a:rPr lang="en-GB" dirty="0" smtClean="0"/>
-              <a:t>The tipping point</a:t>
-            </a:r>
-          </a:p>
-          <a:p>
-            <a:pPr lvl="1"/>
-            <a:r>
-              <a:rPr lang="en-GB" dirty="0" smtClean="0"/>
-              <a:t>At some point SQL will estimate that it is quicker/more efficient to scan an table rather than seek on a index</a:t>
-            </a:r>
-          </a:p>
-          <a:p>
-            <a:pPr lvl="1"/>
-            <a:r>
-              <a:rPr lang="en-GB" dirty="0" smtClean="0"/>
-              <a:t>Usually around 30% of the pages in the table are being read</a:t>
-            </a:r>
-          </a:p>
-          <a:p>
-            <a:pPr lvl="2"/>
-            <a:r>
-              <a:rPr lang="en-GB" dirty="0" smtClean="0"/>
-              <a:t>Varies based on parallelism</a:t>
-            </a:r>
-          </a:p>
-          <a:p>
-            <a:pPr lvl="2"/>
-            <a:r>
-              <a:rPr lang="en-GB" dirty="0" smtClean="0"/>
-              <a:t>Or, memory pressure</a:t>
-            </a:r>
-          </a:p>
-          <a:p>
-            <a:pPr lvl="2"/>
-            <a:r>
-              <a:rPr lang="en-GB" dirty="0" smtClean="0"/>
-              <a:t>Never happens on a covering non clustered index</a:t>
-            </a:r>
             <a:endParaRPr lang="en-GB" dirty="0"/>
           </a:p>
         </p:txBody>
@@ -14603,7 +14544,7 @@
     </p:spTree>
     <p:extLst>
       <p:ext uri="{BB962C8B-B14F-4D97-AF65-F5344CB8AC3E}">
-        <p14:creationId xmlns:p14="http://schemas.microsoft.com/office/powerpoint/2010/main" val="1379164342"/>
+        <p14:creationId xmlns:p14="http://schemas.microsoft.com/office/powerpoint/2010/main" val="1344992069"/>
       </p:ext>
     </p:extLst>
   </p:cSld>
@@ -14654,7 +14595,7 @@
           <a:p>
             <a:r>
               <a:rPr lang="en-GB" dirty="0" smtClean="0"/>
-              <a:t>Indexes</a:t>
+              <a:t>Statistics Again</a:t>
             </a:r>
             <a:endParaRPr lang="en-GB" dirty="0"/>
           </a:p>
@@ -14677,46 +14618,43 @@
           <a:p>
             <a:r>
               <a:rPr lang="en-GB" dirty="0" smtClean="0"/>
-              <a:t>Query plans show the index used to find records in each table</a:t>
-            </a:r>
-          </a:p>
-          <a:p>
-            <a:r>
-              <a:rPr lang="en-GB" dirty="0" smtClean="0"/>
-              <a:t>They will be scanned or </a:t>
-            </a:r>
-            <a:r>
-              <a:rPr lang="en-GB" dirty="0" err="1" smtClean="0"/>
-              <a:t>seeked</a:t>
-            </a:r>
-            <a:endParaRPr lang="en-GB" dirty="0" smtClean="0"/>
-          </a:p>
-          <a:p>
-            <a:r>
-              <a:rPr lang="en-GB" dirty="0" smtClean="0"/>
-              <a:t>If a non clustered index does not include all the required columns a bookmark lookup is required</a:t>
+              <a:t>The tipping point</a:t>
             </a:r>
           </a:p>
           <a:p>
             <a:pPr lvl="1"/>
             <a:r>
               <a:rPr lang="en-GB" dirty="0" smtClean="0"/>
-              <a:t>This does not mean create indexes including every column!</a:t>
-            </a:r>
-          </a:p>
-          <a:p>
-            <a:r>
-              <a:rPr lang="en-GB" dirty="0" smtClean="0"/>
-              <a:t>Column order is important</a:t>
-            </a:r>
-          </a:p>
-          <a:p>
-            <a:r>
-              <a:rPr lang="en-GB" dirty="0" smtClean="0"/>
-              <a:t>Use filtered indexes on poor selecting columns (such as status)</a:t>
-            </a:r>
-          </a:p>
-          <a:p>
+              <a:t>At some point SQL will estimate that it is quicker/more efficient to scan an table rather than seek on a index</a:t>
+            </a:r>
+          </a:p>
+          <a:p>
+            <a:pPr lvl="1"/>
+            <a:r>
+              <a:rPr lang="en-GB" dirty="0" smtClean="0"/>
+              <a:t>Usually around 30% of the pages in the table are being read</a:t>
+            </a:r>
+          </a:p>
+          <a:p>
+            <a:pPr lvl="2"/>
+            <a:r>
+              <a:rPr lang="en-GB" dirty="0" smtClean="0"/>
+              <a:t>Varies based on parallelism</a:t>
+            </a:r>
+          </a:p>
+          <a:p>
+            <a:pPr lvl="2"/>
+            <a:r>
+              <a:rPr lang="en-GB" dirty="0" smtClean="0"/>
+              <a:t>Or, memory pressure</a:t>
+            </a:r>
+          </a:p>
+          <a:p>
+            <a:pPr lvl="2"/>
+            <a:r>
+              <a:rPr lang="en-GB" dirty="0" smtClean="0"/>
+              <a:t>Never happens on a covering non clustered index</a:t>
+            </a:r>
             <a:endParaRPr lang="en-GB" dirty="0"/>
           </a:p>
         </p:txBody>
@@ -14724,7 +14662,7 @@
     </p:spTree>
     <p:extLst>
       <p:ext uri="{BB962C8B-B14F-4D97-AF65-F5344CB8AC3E}">
-        <p14:creationId xmlns:p14="http://schemas.microsoft.com/office/powerpoint/2010/main" val="4160478381"/>
+        <p14:creationId xmlns:p14="http://schemas.microsoft.com/office/powerpoint/2010/main" val="1379164342"/>
       </p:ext>
     </p:extLst>
   </p:cSld>
@@ -14760,7 +14698,7 @@
       </p:grpSpPr>
       <p:sp>
         <p:nvSpPr>
-          <p:cNvPr id="4" name="Title 3"/>
+          <p:cNvPr id="2" name="Title 1"/>
           <p:cNvSpPr>
             <a:spLocks noGrp="1"/>
           </p:cNvSpPr>
@@ -14775,7 +14713,7 @@
           <a:p>
             <a:r>
               <a:rPr lang="en-GB" dirty="0" smtClean="0"/>
-              <a:t>Plan Reuse</a:t>
+              <a:t>Indexes</a:t>
             </a:r>
             <a:endParaRPr lang="en-GB" dirty="0"/>
           </a:p>
@@ -14783,12 +14721,12 @@
       </p:sp>
       <p:sp>
         <p:nvSpPr>
-          <p:cNvPr id="5" name="Text Placeholder 4"/>
+          <p:cNvPr id="3" name="Content Placeholder 2"/>
           <p:cNvSpPr>
             <a:spLocks noGrp="1"/>
           </p:cNvSpPr>
           <p:nvPr>
-            <p:ph type="body" idx="1"/>
+            <p:ph idx="1"/>
           </p:nvPr>
         </p:nvSpPr>
         <p:spPr/>
@@ -14796,14 +14734,56 @@
           <a:bodyPr/>
           <a:lstStyle/>
           <a:p>
-            <a:endParaRPr lang="en-GB"/>
+            <a:r>
+              <a:rPr lang="en-GB" dirty="0" smtClean="0"/>
+              <a:t>Query plans show the index used to find records in each table</a:t>
+            </a:r>
+          </a:p>
+          <a:p>
+            <a:r>
+              <a:rPr lang="en-GB" dirty="0" smtClean="0"/>
+              <a:t>They will be scanned or </a:t>
+            </a:r>
+            <a:r>
+              <a:rPr lang="en-GB" dirty="0" err="1" smtClean="0"/>
+              <a:t>seeked</a:t>
+            </a:r>
+            <a:endParaRPr lang="en-GB" dirty="0" smtClean="0"/>
+          </a:p>
+          <a:p>
+            <a:r>
+              <a:rPr lang="en-GB" dirty="0" smtClean="0"/>
+              <a:t>If a non clustered index does not include all the required columns a bookmark lookup is required</a:t>
+            </a:r>
+          </a:p>
+          <a:p>
+            <a:pPr lvl="1"/>
+            <a:r>
+              <a:rPr lang="en-GB" dirty="0" smtClean="0"/>
+              <a:t>This does not mean create indexes including every column!</a:t>
+            </a:r>
+          </a:p>
+          <a:p>
+            <a:r>
+              <a:rPr lang="en-GB" dirty="0" smtClean="0"/>
+              <a:t>Column order is important</a:t>
+            </a:r>
+          </a:p>
+          <a:p>
+            <a:r>
+              <a:rPr lang="en-GB" dirty="0" smtClean="0"/>
+              <a:t>Use filtered indexes on poor selecting columns (such as status)</a:t>
+            </a:r>
+          </a:p>
+          <a:p>
+            <a:endParaRPr lang="en-GB" dirty="0"/>
           </a:p>
         </p:txBody>
       </p:sp>
     </p:spTree>
     <p:extLst>
       <p:ext uri="{BB962C8B-B14F-4D97-AF65-F5344CB8AC3E}">
-        <p14:creationId xmlns:p14="http://schemas.microsoft.com/office/powerpoint/2010/main" val="2770975309"/>
+        <p14:creationId xmlns:p14="http://schemas.microsoft.com/office/powerpoint/2010/main" val="4160478381"/>
       </p:ext>
     </p:extLst>
   </p:cSld>
@@ -14839,7 +14819,7 @@
       </p:grpSpPr>
       <p:sp>
         <p:nvSpPr>
-          <p:cNvPr id="2" name="Title 1"/>
+          <p:cNvPr id="4" name="Title 3"/>
           <p:cNvSpPr>
             <a:spLocks noGrp="1"/>
           </p:cNvSpPr>
@@ -14854,7 +14834,7 @@
           <a:p>
             <a:r>
               <a:rPr lang="en-GB" dirty="0" smtClean="0"/>
-              <a:t>Why plan reuse</a:t>
+              <a:t>Plan Reuse</a:t>
             </a:r>
             <a:endParaRPr lang="en-GB" dirty="0"/>
           </a:p>
@@ -14862,71 +14842,33 @@
       </p:sp>
       <p:sp>
         <p:nvSpPr>
-          <p:cNvPr id="3" name="Content Placeholder 2"/>
+          <p:cNvPr id="5" name="Text Placeholder 4"/>
           <p:cNvSpPr>
             <a:spLocks noGrp="1"/>
           </p:cNvSpPr>
           <p:nvPr>
-            <p:ph idx="1"/>
-          </p:nvPr>
-        </p:nvSpPr>
-        <p:spPr>
-          <a:xfrm>
-            <a:off x="1981200" y="1500180"/>
-            <a:ext cx="8229600" cy="2214574"/>
-          </a:xfrm>
-        </p:spPr>
-        <p:txBody>
-          <a:bodyPr>
-            <a:normAutofit/>
-          </a:bodyPr>
+            <p:ph type="body" idx="1"/>
+          </p:nvPr>
+        </p:nvSpPr>
+        <p:spPr/>
+        <p:txBody>
+          <a:bodyPr/>
           <a:lstStyle/>
           <a:p>
-            <a:r>
-              <a:rPr lang="en-GB" dirty="0" smtClean="0"/>
-              <a:t>Compilation can take longer than execution time</a:t>
-            </a:r>
-          </a:p>
-          <a:p>
-            <a:r>
-              <a:rPr lang="en-GB" dirty="0" smtClean="0"/>
-              <a:t>We want predictable results</a:t>
-            </a:r>
-          </a:p>
-          <a:p>
-            <a:r>
-              <a:rPr lang="en-GB" dirty="0" smtClean="0"/>
-              <a:t>Use our memory for data and not </a:t>
-            </a:r>
-            <a:r>
-              <a:rPr lang="en-GB" dirty="0" err="1" smtClean="0"/>
-              <a:t>adhoc</a:t>
-            </a:r>
-            <a:r>
-              <a:rPr lang="en-GB" dirty="0" smtClean="0"/>
-              <a:t> plans</a:t>
-            </a:r>
+            <a:endParaRPr lang="en-GB"/>
           </a:p>
         </p:txBody>
       </p:sp>
     </p:spTree>
     <p:extLst>
       <p:ext uri="{BB962C8B-B14F-4D97-AF65-F5344CB8AC3E}">
-        <p14:creationId xmlns:p14="http://schemas.microsoft.com/office/powerpoint/2010/main" val="3546211356"/>
+        <p14:creationId xmlns:p14="http://schemas.microsoft.com/office/powerpoint/2010/main" val="2770975309"/>
       </p:ext>
     </p:extLst>
   </p:cSld>
   <p:clrMapOvr>
     <a:masterClrMapping/>
   </p:clrMapOvr>
-  <mc:AlternateContent xmlns:mc="http://schemas.openxmlformats.org/markup-compatibility/2006" xmlns:p14="http://schemas.microsoft.com/office/powerpoint/2010/main">
-    <mc:Choice Requires="p14">
-      <p:transition spd="slow" p14:dur="2000"/>
-    </mc:Choice>
-    <mc:Fallback xmlns="">
-      <p:transition spd="slow"/>
-    </mc:Fallback>
-  </mc:AlternateContent>
   <p:timing>
     <p:tnLst>
       <p:par>
@@ -14971,36 +14913,65 @@
           <a:p>
             <a:r>
               <a:rPr lang="en-GB" dirty="0" smtClean="0"/>
-              <a:t>Plan reuse</a:t>
+              <a:t>Why plan reuse</a:t>
             </a:r>
             <a:endParaRPr lang="en-GB" dirty="0"/>
           </a:p>
         </p:txBody>
       </p:sp>
-      <p:graphicFrame>
-        <p:nvGraphicFramePr>
-          <p:cNvPr id="4" name="Content Placeholder 3"/>
-          <p:cNvGraphicFramePr>
-            <a:graphicFrameLocks noGrp="1"/>
-          </p:cNvGraphicFramePr>
+      <p:sp>
+        <p:nvSpPr>
+          <p:cNvPr id="3" name="Content Placeholder 2"/>
+          <p:cNvSpPr>
+            <a:spLocks noGrp="1"/>
+          </p:cNvSpPr>
           <p:nvPr>
             <p:ph idx="1"/>
           </p:nvPr>
-        </p:nvGraphicFramePr>
-        <p:xfrm>
-          <a:off x="1981200" y="1500189"/>
-          <a:ext cx="8229600" cy="4429125"/>
-        </p:xfrm>
-        <a:graphic>
-          <a:graphicData uri="http://schemas.openxmlformats.org/drawingml/2006/diagram">
-            <dgm:relIds xmlns:dgm="http://schemas.openxmlformats.org/drawingml/2006/diagram" xmlns:r="http://schemas.openxmlformats.org/officeDocument/2006/relationships" r:dm="rId3" r:lo="rId4" r:qs="rId5" r:cs="rId6"/>
-          </a:graphicData>
-        </a:graphic>
-      </p:graphicFrame>
+        </p:nvSpPr>
+        <p:spPr>
+          <a:xfrm>
+            <a:off x="1981200" y="1500180"/>
+            <a:ext cx="8229600" cy="2214574"/>
+          </a:xfrm>
+        </p:spPr>
+        <p:txBody>
+          <a:bodyPr>
+            <a:normAutofit/>
+          </a:bodyPr>
+          <a:lstStyle/>
+          <a:p>
+            <a:r>
+              <a:rPr lang="en-GB" dirty="0" smtClean="0"/>
+              <a:t>Compilation can take longer than execution time</a:t>
+            </a:r>
+          </a:p>
+          <a:p>
+            <a:r>
+              <a:rPr lang="en-GB" dirty="0" smtClean="0"/>
+              <a:t>We want predictable results</a:t>
+            </a:r>
+          </a:p>
+          <a:p>
+            <a:r>
+              <a:rPr lang="en-GB" dirty="0" smtClean="0"/>
+              <a:t>Use our memory for data and not </a:t>
+            </a:r>
+            <a:r>
+              <a:rPr lang="en-GB" dirty="0" err="1" smtClean="0"/>
+              <a:t>adhoc</a:t>
+            </a:r>
+            <a:r>
+              <a:rPr lang="en-GB" dirty="0" smtClean="0"/>
+              <a:t> plans</a:t>
+            </a:r>
+          </a:p>
+        </p:txBody>
+      </p:sp>
     </p:spTree>
     <p:extLst>
       <p:ext uri="{BB962C8B-B14F-4D97-AF65-F5344CB8AC3E}">
-        <p14:creationId xmlns:p14="http://schemas.microsoft.com/office/powerpoint/2010/main" val="1869684227"/>
+        <p14:creationId xmlns:p14="http://schemas.microsoft.com/office/powerpoint/2010/main" val="3546211356"/>
       </p:ext>
     </p:extLst>
   </p:cSld>
@@ -15059,122 +15030,50 @@
           <a:p>
             <a:r>
               <a:rPr lang="en-GB" dirty="0" smtClean="0"/>
-              <a:t>Parameterisation</a:t>
+              <a:t>Plan reuse</a:t>
             </a:r>
             <a:endParaRPr lang="en-GB" dirty="0"/>
           </a:p>
         </p:txBody>
       </p:sp>
-      <p:sp>
-        <p:nvSpPr>
-          <p:cNvPr id="3" name="Content Placeholder 2"/>
-          <p:cNvSpPr>
-            <a:spLocks noGrp="1"/>
-          </p:cNvSpPr>
+      <p:graphicFrame>
+        <p:nvGraphicFramePr>
+          <p:cNvPr id="4" name="Content Placeholder 3"/>
+          <p:cNvGraphicFramePr>
+            <a:graphicFrameLocks noGrp="1"/>
+          </p:cNvGraphicFramePr>
           <p:nvPr>
             <p:ph idx="1"/>
           </p:nvPr>
-        </p:nvSpPr>
-        <p:spPr>
-          <a:xfrm>
-            <a:off x="869595" y="1456726"/>
-            <a:ext cx="10515600" cy="4351338"/>
-          </a:xfrm>
-        </p:spPr>
-        <p:txBody>
-          <a:bodyPr>
-            <a:normAutofit lnSpcReduction="10000"/>
-          </a:bodyPr>
-          <a:lstStyle/>
-          <a:p>
-            <a:r>
-              <a:rPr lang="en-GB" dirty="0" smtClean="0"/>
-              <a:t>Query:</a:t>
-            </a:r>
-          </a:p>
-          <a:p>
-            <a:pPr lvl="1"/>
-            <a:r>
-              <a:rPr lang="en-GB" dirty="0" smtClean="0"/>
-              <a:t>SELECT * FROM Sales WHERE </a:t>
-            </a:r>
-            <a:r>
-              <a:rPr lang="en-GB" dirty="0" err="1" smtClean="0"/>
-              <a:t>SaleID</a:t>
-            </a:r>
-            <a:r>
-              <a:rPr lang="en-GB" dirty="0" smtClean="0"/>
-              <a:t> = 1001</a:t>
-            </a:r>
-          </a:p>
-          <a:p>
-            <a:r>
-              <a:rPr lang="en-GB" dirty="0" smtClean="0"/>
-              <a:t>Becomes:</a:t>
-            </a:r>
-            <a:endParaRPr lang="en-GB" dirty="0"/>
-          </a:p>
-          <a:p>
-            <a:pPr lvl="1"/>
-            <a:r>
-              <a:rPr lang="en-GB" dirty="0" smtClean="0"/>
-              <a:t>SELECT * FROM Sales WHERE </a:t>
-            </a:r>
-            <a:r>
-              <a:rPr lang="en-GB" dirty="0" err="1" smtClean="0"/>
-              <a:t>SaleID</a:t>
-            </a:r>
-            <a:r>
-              <a:rPr lang="en-GB" dirty="0" smtClean="0"/>
-              <a:t> = @p1</a:t>
-            </a:r>
-          </a:p>
-          <a:p>
-            <a:r>
-              <a:rPr lang="en-GB" dirty="0" smtClean="0"/>
-              <a:t>This increases the chance of a cache hit and reduces memory usage</a:t>
-            </a:r>
-          </a:p>
-          <a:p>
-            <a:r>
-              <a:rPr lang="en-GB" dirty="0" smtClean="0"/>
-              <a:t>Forced Parameterization </a:t>
-            </a:r>
-          </a:p>
-          <a:p>
-            <a:pPr lvl="1"/>
-            <a:r>
-              <a:rPr lang="en-GB" dirty="0" smtClean="0"/>
-              <a:t>Works on literal strings</a:t>
-            </a:r>
-          </a:p>
-          <a:p>
-            <a:pPr lvl="1"/>
-            <a:r>
-              <a:rPr lang="en-GB" dirty="0" smtClean="0"/>
-              <a:t>Will parameterize more queries</a:t>
-            </a:r>
-          </a:p>
-          <a:p>
-            <a:pPr lvl="1"/>
-            <a:r>
-              <a:rPr lang="en-GB" dirty="0" smtClean="0"/>
-              <a:t>But will increase chances of wrong plan</a:t>
-            </a:r>
-            <a:endParaRPr lang="en-GB" dirty="0"/>
-          </a:p>
-        </p:txBody>
-      </p:sp>
+        </p:nvGraphicFramePr>
+        <p:xfrm>
+          <a:off x="1981200" y="1500189"/>
+          <a:ext cx="8229600" cy="4429125"/>
+        </p:xfrm>
+        <a:graphic>
+          <a:graphicData uri="http://schemas.openxmlformats.org/drawingml/2006/diagram">
+            <dgm:relIds xmlns:dgm="http://schemas.openxmlformats.org/drawingml/2006/diagram" xmlns:r="http://schemas.openxmlformats.org/officeDocument/2006/relationships" r:dm="rId3" r:lo="rId4" r:qs="rId5" r:cs="rId6"/>
+          </a:graphicData>
+        </a:graphic>
+      </p:graphicFrame>
     </p:spTree>
     <p:extLst>
       <p:ext uri="{BB962C8B-B14F-4D97-AF65-F5344CB8AC3E}">
-        <p14:creationId xmlns:p14="http://schemas.microsoft.com/office/powerpoint/2010/main" val="1291243221"/>
+        <p14:creationId xmlns:p14="http://schemas.microsoft.com/office/powerpoint/2010/main" val="1869684227"/>
       </p:ext>
     </p:extLst>
   </p:cSld>
   <p:clrMapOvr>
     <a:masterClrMapping/>
   </p:clrMapOvr>
+  <mc:AlternateContent xmlns:mc="http://schemas.openxmlformats.org/markup-compatibility/2006" xmlns:p14="http://schemas.microsoft.com/office/powerpoint/2010/main">
+    <mc:Choice Requires="p14">
+      <p:transition spd="slow" p14:dur="2000"/>
+    </mc:Choice>
+    <mc:Fallback xmlns="">
+      <p:transition spd="slow"/>
+    </mc:Fallback>
+  </mc:AlternateContent>
   <p:timing>
     <p:tnLst>
       <p:par>
@@ -15219,137 +15118,116 @@
           <a:p>
             <a:r>
               <a:rPr lang="en-GB" dirty="0" smtClean="0"/>
-              <a:t>Parametrisation Example</a:t>
+              <a:t>Parameterisation</a:t>
             </a:r>
             <a:endParaRPr lang="en-GB" dirty="0"/>
           </a:p>
         </p:txBody>
       </p:sp>
-      <p:pic>
-        <p:nvPicPr>
-          <p:cNvPr id="4" name="Content Placeholder 3" descr="Screen Clipping"/>
-          <p:cNvPicPr>
-            <a:picLocks noGrp="1" noChangeAspect="1"/>
-          </p:cNvPicPr>
+      <p:sp>
+        <p:nvSpPr>
+          <p:cNvPr id="3" name="Content Placeholder 2"/>
+          <p:cNvSpPr>
+            <a:spLocks noGrp="1"/>
+          </p:cNvSpPr>
           <p:nvPr>
             <p:ph idx="1"/>
           </p:nvPr>
-        </p:nvPicPr>
-        <p:blipFill>
-          <a:blip r:embed="rId2">
-            <a:extLst>
-              <a:ext uri="{28A0092B-C50C-407E-A947-70E740481C1C}">
-                <a14:useLocalDpi xmlns:a14="http://schemas.microsoft.com/office/drawing/2010/main" val="0"/>
-              </a:ext>
-            </a:extLst>
-          </a:blip>
-          <a:stretch>
-            <a:fillRect/>
-          </a:stretch>
-        </p:blipFill>
+        </p:nvSpPr>
         <p:spPr>
           <a:xfrm>
-            <a:off x="1285129" y="1794950"/>
-            <a:ext cx="9534852" cy="3065807"/>
+            <a:off x="869595" y="1456726"/>
+            <a:ext cx="10515600" cy="4351338"/>
           </a:xfrm>
         </p:spPr>
-      </p:pic>
-      <p:sp>
-        <p:nvSpPr>
-          <p:cNvPr id="5" name="Rectangle 4"/>
-          <p:cNvSpPr/>
-          <p:nvPr/>
-        </p:nvSpPr>
-        <p:spPr>
-          <a:xfrm>
-            <a:off x="9357895" y="1978526"/>
-            <a:ext cx="465221" cy="422442"/>
-          </a:xfrm>
-          <a:prstGeom prst="rect">
-            <a:avLst/>
-          </a:prstGeom>
-          <a:solidFill>
-            <a:schemeClr val="accent5">
-              <a:alpha val="50000"/>
-            </a:schemeClr>
-          </a:solidFill>
-          <a:ln>
-            <a:noFill/>
-          </a:ln>
-        </p:spPr>
-        <p:style>
-          <a:lnRef idx="0">
-            <a:scrgbClr r="0" g="0" b="0"/>
-          </a:lnRef>
-          <a:fillRef idx="0">
-            <a:scrgbClr r="0" g="0" b="0"/>
-          </a:fillRef>
-          <a:effectRef idx="0">
-            <a:scrgbClr r="0" g="0" b="0"/>
-          </a:effectRef>
-          <a:fontRef idx="minor">
-            <a:schemeClr val="lt1"/>
-          </a:fontRef>
-        </p:style>
-        <p:txBody>
-          <a:bodyPr rtlCol="0" anchor="ctr"/>
+        <p:txBody>
+          <a:bodyPr>
+            <a:normAutofit lnSpcReduction="10000"/>
+          </a:bodyPr>
           <a:lstStyle/>
           <a:p>
-            <a:pPr algn="ctr"/>
-            <a:endParaRPr lang="en-GB"/>
-          </a:p>
-        </p:txBody>
-      </p:sp>
-      <p:sp>
-        <p:nvSpPr>
-          <p:cNvPr id="6" name="Rectangle 5"/>
-          <p:cNvSpPr/>
-          <p:nvPr/>
-        </p:nvSpPr>
-        <p:spPr>
-          <a:xfrm>
-            <a:off x="9959474" y="3168315"/>
-            <a:ext cx="465221" cy="422442"/>
-          </a:xfrm>
-          <a:prstGeom prst="rect">
-            <a:avLst/>
-          </a:prstGeom>
-          <a:solidFill>
-            <a:schemeClr val="accent5">
-              <a:alpha val="50000"/>
-            </a:schemeClr>
-          </a:solidFill>
-          <a:ln>
-            <a:noFill/>
-          </a:ln>
-        </p:spPr>
-        <p:style>
-          <a:lnRef idx="0">
-            <a:scrgbClr r="0" g="0" b="0"/>
-          </a:lnRef>
-          <a:fillRef idx="0">
-            <a:scrgbClr r="0" g="0" b="0"/>
-          </a:fillRef>
-          <a:effectRef idx="0">
-            <a:scrgbClr r="0" g="0" b="0"/>
-          </a:effectRef>
-          <a:fontRef idx="minor">
-            <a:schemeClr val="lt1"/>
-          </a:fontRef>
-        </p:style>
-        <p:txBody>
-          <a:bodyPr rtlCol="0" anchor="ctr"/>
-          <a:lstStyle/>
-          <a:p>
-            <a:pPr algn="ctr"/>
-            <a:endParaRPr lang="en-GB"/>
+            <a:r>
+              <a:rPr lang="en-GB" dirty="0" smtClean="0"/>
+              <a:t>Query:</a:t>
+            </a:r>
+          </a:p>
+          <a:p>
+            <a:pPr lvl="1"/>
+            <a:r>
+              <a:rPr lang="en-GB" dirty="0" smtClean="0"/>
+              <a:t>SELECT * FROM Sales WHERE </a:t>
+            </a:r>
+            <a:r>
+              <a:rPr lang="en-GB" dirty="0" err="1" smtClean="0"/>
+              <a:t>SaleID</a:t>
+            </a:r>
+            <a:r>
+              <a:rPr lang="en-GB" dirty="0" smtClean="0"/>
+              <a:t> = 1001</a:t>
+            </a:r>
+          </a:p>
+          <a:p>
+            <a:r>
+              <a:rPr lang="en-GB" dirty="0" smtClean="0"/>
+              <a:t>Becomes:</a:t>
+            </a:r>
+            <a:endParaRPr lang="en-GB" dirty="0"/>
+          </a:p>
+          <a:p>
+            <a:pPr lvl="1"/>
+            <a:r>
+              <a:rPr lang="en-GB" dirty="0" smtClean="0"/>
+              <a:t>SELECT * FROM Sales WHERE </a:t>
+            </a:r>
+            <a:r>
+              <a:rPr lang="en-GB" dirty="0" err="1" smtClean="0"/>
+              <a:t>SaleID</a:t>
+            </a:r>
+            <a:r>
+              <a:rPr lang="en-GB" dirty="0" smtClean="0"/>
+              <a:t> = @p1</a:t>
+            </a:r>
+          </a:p>
+          <a:p>
+            <a:r>
+              <a:rPr lang="en-GB" dirty="0" smtClean="0"/>
+              <a:t>This increases the chance of a cache hit and reduces memory usage</a:t>
+            </a:r>
+          </a:p>
+          <a:p>
+            <a:r>
+              <a:rPr lang="en-GB" dirty="0" smtClean="0"/>
+              <a:t>Forced Parameterization </a:t>
+            </a:r>
+          </a:p>
+          <a:p>
+            <a:pPr lvl="1"/>
+            <a:r>
+              <a:rPr lang="en-GB" dirty="0" smtClean="0"/>
+              <a:t>Works on literal strings</a:t>
+            </a:r>
+          </a:p>
+          <a:p>
+            <a:pPr lvl="1"/>
+            <a:r>
+              <a:rPr lang="en-GB" dirty="0" smtClean="0"/>
+              <a:t>Will parameterize more queries</a:t>
+            </a:r>
+          </a:p>
+          <a:p>
+            <a:pPr lvl="1"/>
+            <a:r>
+              <a:rPr lang="en-GB" dirty="0" smtClean="0"/>
+              <a:t>But will increase chances of wrong plan</a:t>
+            </a:r>
+            <a:endParaRPr lang="en-GB" dirty="0"/>
           </a:p>
         </p:txBody>
       </p:sp>
     </p:spTree>
     <p:extLst>
       <p:ext uri="{BB962C8B-B14F-4D97-AF65-F5344CB8AC3E}">
-        <p14:creationId xmlns:p14="http://schemas.microsoft.com/office/powerpoint/2010/main" val="3006713281"/>
+        <p14:creationId xmlns:p14="http://schemas.microsoft.com/office/powerpoint/2010/main" val="1291243221"/>
       </p:ext>
     </p:extLst>
   </p:cSld>
@@ -15423,11 +15301,7 @@
           <a:p>
             <a:r>
               <a:rPr lang="en-GB" dirty="0" smtClean="0"/>
-              <a:t>How SQL Server generates a query </a:t>
-            </a:r>
-            <a:r>
-              <a:rPr lang="en-GB" dirty="0" smtClean="0"/>
-              <a:t>plan</a:t>
+              <a:t>How SQL Server generates a query plan</a:t>
             </a:r>
           </a:p>
           <a:p>
@@ -15435,7 +15309,6 @@
               <a:rPr lang="en-GB" dirty="0" smtClean="0"/>
               <a:t>When plans are and are not reused</a:t>
             </a:r>
-            <a:endParaRPr lang="en-GB" dirty="0" smtClean="0"/>
           </a:p>
           <a:p>
             <a:r>
@@ -15505,6 +15378,280 @@
           <a:p>
             <a:r>
               <a:rPr lang="en-GB" dirty="0" smtClean="0"/>
+              <a:t>Parametrisation Example</a:t>
+            </a:r>
+            <a:endParaRPr lang="en-GB" dirty="0"/>
+          </a:p>
+        </p:txBody>
+      </p:sp>
+      <p:pic>
+        <p:nvPicPr>
+          <p:cNvPr id="4" name="Content Placeholder 3" descr="Screen Clipping"/>
+          <p:cNvPicPr>
+            <a:picLocks noGrp="1" noChangeAspect="1"/>
+          </p:cNvPicPr>
+          <p:nvPr>
+            <p:ph idx="1"/>
+          </p:nvPr>
+        </p:nvPicPr>
+        <p:blipFill>
+          <a:blip r:embed="rId2">
+            <a:extLst>
+              <a:ext uri="{28A0092B-C50C-407E-A947-70E740481C1C}">
+                <a14:useLocalDpi xmlns:a14="http://schemas.microsoft.com/office/drawing/2010/main" val="0"/>
+              </a:ext>
+            </a:extLst>
+          </a:blip>
+          <a:stretch>
+            <a:fillRect/>
+          </a:stretch>
+        </p:blipFill>
+        <p:spPr>
+          <a:xfrm>
+            <a:off x="1285129" y="1794950"/>
+            <a:ext cx="9534852" cy="3065807"/>
+          </a:xfrm>
+        </p:spPr>
+      </p:pic>
+      <p:sp>
+        <p:nvSpPr>
+          <p:cNvPr id="5" name="Rectangle 4"/>
+          <p:cNvSpPr/>
+          <p:nvPr/>
+        </p:nvSpPr>
+        <p:spPr>
+          <a:xfrm>
+            <a:off x="9357895" y="1978526"/>
+            <a:ext cx="465221" cy="422442"/>
+          </a:xfrm>
+          <a:prstGeom prst="rect">
+            <a:avLst/>
+          </a:prstGeom>
+          <a:solidFill>
+            <a:schemeClr val="accent5">
+              <a:alpha val="50000"/>
+            </a:schemeClr>
+          </a:solidFill>
+          <a:ln>
+            <a:noFill/>
+          </a:ln>
+        </p:spPr>
+        <p:style>
+          <a:lnRef idx="0">
+            <a:scrgbClr r="0" g="0" b="0"/>
+          </a:lnRef>
+          <a:fillRef idx="0">
+            <a:scrgbClr r="0" g="0" b="0"/>
+          </a:fillRef>
+          <a:effectRef idx="0">
+            <a:scrgbClr r="0" g="0" b="0"/>
+          </a:effectRef>
+          <a:fontRef idx="minor">
+            <a:schemeClr val="lt1"/>
+          </a:fontRef>
+        </p:style>
+        <p:txBody>
+          <a:bodyPr rtlCol="0" anchor="ctr"/>
+          <a:lstStyle/>
+          <a:p>
+            <a:pPr algn="ctr"/>
+            <a:endParaRPr lang="en-GB"/>
+          </a:p>
+        </p:txBody>
+      </p:sp>
+      <p:sp>
+        <p:nvSpPr>
+          <p:cNvPr id="6" name="Rectangle 5"/>
+          <p:cNvSpPr/>
+          <p:nvPr/>
+        </p:nvSpPr>
+        <p:spPr>
+          <a:xfrm>
+            <a:off x="9959474" y="3168315"/>
+            <a:ext cx="465221" cy="422442"/>
+          </a:xfrm>
+          <a:prstGeom prst="rect">
+            <a:avLst/>
+          </a:prstGeom>
+          <a:solidFill>
+            <a:schemeClr val="accent5">
+              <a:alpha val="50000"/>
+            </a:schemeClr>
+          </a:solidFill>
+          <a:ln>
+            <a:noFill/>
+          </a:ln>
+        </p:spPr>
+        <p:style>
+          <a:lnRef idx="0">
+            <a:scrgbClr r="0" g="0" b="0"/>
+          </a:lnRef>
+          <a:fillRef idx="0">
+            <a:scrgbClr r="0" g="0" b="0"/>
+          </a:fillRef>
+          <a:effectRef idx="0">
+            <a:scrgbClr r="0" g="0" b="0"/>
+          </a:effectRef>
+          <a:fontRef idx="minor">
+            <a:schemeClr val="lt1"/>
+          </a:fontRef>
+        </p:style>
+        <p:txBody>
+          <a:bodyPr rtlCol="0" anchor="ctr"/>
+          <a:lstStyle/>
+          <a:p>
+            <a:pPr algn="ctr"/>
+            <a:endParaRPr lang="en-GB"/>
+          </a:p>
+        </p:txBody>
+      </p:sp>
+    </p:spTree>
+    <p:extLst>
+      <p:ext uri="{BB962C8B-B14F-4D97-AF65-F5344CB8AC3E}">
+        <p14:creationId xmlns:p14="http://schemas.microsoft.com/office/powerpoint/2010/main" val="3006713281"/>
+      </p:ext>
+    </p:extLst>
+  </p:cSld>
+  <p:clrMapOvr>
+    <a:masterClrMapping/>
+  </p:clrMapOvr>
+  <p:timing>
+    <p:tnLst>
+      <p:par>
+        <p:cTn id="1" dur="indefinite" restart="never" nodeType="tmRoot"/>
+      </p:par>
+    </p:tnLst>
+  </p:timing>
+</p:sld>
+</file>
+
+<file path=ppt/slides/slide21.xml><?xml version="1.0" encoding="utf-8"?>
+<p:sld xmlns:a="http://schemas.openxmlformats.org/drawingml/2006/main" xmlns:r="http://schemas.openxmlformats.org/officeDocument/2006/relationships" xmlns:p="http://schemas.openxmlformats.org/presentationml/2006/main">
+  <p:cSld>
+    <p:spTree>
+      <p:nvGrpSpPr>
+        <p:cNvPr id="1" name=""/>
+        <p:cNvGrpSpPr/>
+        <p:nvPr/>
+      </p:nvGrpSpPr>
+      <p:grpSpPr>
+        <a:xfrm>
+          <a:off x="0" y="0"/>
+          <a:ext cx="0" cy="0"/>
+          <a:chOff x="0" y="0"/>
+          <a:chExt cx="0" cy="0"/>
+        </a:xfrm>
+      </p:grpSpPr>
+      <p:sp>
+        <p:nvSpPr>
+          <p:cNvPr id="2" name="Title 1"/>
+          <p:cNvSpPr>
+            <a:spLocks noGrp="1"/>
+          </p:cNvSpPr>
+          <p:nvPr>
+            <p:ph type="title"/>
+          </p:nvPr>
+        </p:nvSpPr>
+        <p:spPr/>
+        <p:txBody>
+          <a:bodyPr/>
+          <a:lstStyle/>
+          <a:p>
+            <a:r>
+              <a:rPr lang="en-GB" dirty="0" smtClean="0"/>
+              <a:t>Demo – </a:t>
+            </a:r>
+            <a:r>
+              <a:rPr lang="en-GB" dirty="0"/>
+              <a:t>Parameterisation</a:t>
+            </a:r>
+            <a:endParaRPr lang="en-GB" dirty="0"/>
+          </a:p>
+        </p:txBody>
+      </p:sp>
+      <p:sp>
+        <p:nvSpPr>
+          <p:cNvPr id="3" name="Content Placeholder 2"/>
+          <p:cNvSpPr>
+            <a:spLocks noGrp="1"/>
+          </p:cNvSpPr>
+          <p:nvPr>
+            <p:ph idx="1"/>
+          </p:nvPr>
+        </p:nvSpPr>
+        <p:spPr/>
+        <p:txBody>
+          <a:bodyPr>
+            <a:normAutofit/>
+          </a:bodyPr>
+          <a:lstStyle/>
+          <a:p>
+            <a:endParaRPr lang="en-GB" dirty="0"/>
+          </a:p>
+        </p:txBody>
+      </p:sp>
+    </p:spTree>
+    <p:extLst>
+      <p:ext uri="{BB962C8B-B14F-4D97-AF65-F5344CB8AC3E}">
+        <p14:creationId xmlns:p14="http://schemas.microsoft.com/office/powerpoint/2010/main" val="849501960"/>
+      </p:ext>
+    </p:extLst>
+  </p:cSld>
+  <p:clrMapOvr>
+    <a:masterClrMapping/>
+  </p:clrMapOvr>
+  <mc:AlternateContent xmlns:mc="http://schemas.openxmlformats.org/markup-compatibility/2006" xmlns:p14="http://schemas.microsoft.com/office/powerpoint/2010/main">
+    <mc:Choice Requires="p14">
+      <p:transition spd="slow" p14:dur="2000"/>
+    </mc:Choice>
+    <mc:Fallback xmlns="">
+      <p:transition spd="slow"/>
+    </mc:Fallback>
+  </mc:AlternateContent>
+  <p:timing>
+    <p:tnLst>
+      <p:par>
+        <p:cTn id="1" dur="indefinite" restart="never" nodeType="tmRoot"/>
+      </p:par>
+    </p:tnLst>
+  </p:timing>
+</p:sld>
+</file>
+
+<file path=ppt/slides/slide22.xml><?xml version="1.0" encoding="utf-8"?>
+<p:sld xmlns:a="http://schemas.openxmlformats.org/drawingml/2006/main" xmlns:r="http://schemas.openxmlformats.org/officeDocument/2006/relationships" xmlns:p="http://schemas.openxmlformats.org/presentationml/2006/main">
+  <p:cSld>
+    <p:spTree>
+      <p:nvGrpSpPr>
+        <p:cNvPr id="1" name=""/>
+        <p:cNvGrpSpPr/>
+        <p:nvPr/>
+      </p:nvGrpSpPr>
+      <p:grpSpPr>
+        <a:xfrm>
+          <a:off x="0" y="0"/>
+          <a:ext cx="0" cy="0"/>
+          <a:chOff x="0" y="0"/>
+          <a:chExt cx="0" cy="0"/>
+        </a:xfrm>
+      </p:grpSpPr>
+      <p:sp>
+        <p:nvSpPr>
+          <p:cNvPr id="2" name="Title 1"/>
+          <p:cNvSpPr>
+            <a:spLocks noGrp="1"/>
+          </p:cNvSpPr>
+          <p:nvPr>
+            <p:ph type="title"/>
+          </p:nvPr>
+        </p:nvSpPr>
+        <p:spPr/>
+        <p:txBody>
+          <a:bodyPr/>
+          <a:lstStyle/>
+          <a:p>
+            <a:r>
+              <a:rPr lang="en-GB" dirty="0" smtClean="0"/>
               <a:t>Bad plans</a:t>
             </a:r>
             <a:endParaRPr lang="en-GB" dirty="0"/>
@@ -15615,145 +15762,6 @@
 </p:sld>
 </file>
 
-<file path=ppt/slides/slide21.xml><?xml version="1.0" encoding="utf-8"?>
-<p:sld xmlns:a="http://schemas.openxmlformats.org/drawingml/2006/main" xmlns:r="http://schemas.openxmlformats.org/officeDocument/2006/relationships" xmlns:p="http://schemas.openxmlformats.org/presentationml/2006/main">
-  <p:cSld>
-    <p:spTree>
-      <p:nvGrpSpPr>
-        <p:cNvPr id="1" name=""/>
-        <p:cNvGrpSpPr/>
-        <p:nvPr/>
-      </p:nvGrpSpPr>
-      <p:grpSpPr>
-        <a:xfrm>
-          <a:off x="0" y="0"/>
-          <a:ext cx="0" cy="0"/>
-          <a:chOff x="0" y="0"/>
-          <a:chExt cx="0" cy="0"/>
-        </a:xfrm>
-      </p:grpSpPr>
-      <p:sp>
-        <p:nvSpPr>
-          <p:cNvPr id="2" name="Title 1"/>
-          <p:cNvSpPr>
-            <a:spLocks noGrp="1"/>
-          </p:cNvSpPr>
-          <p:nvPr>
-            <p:ph type="title"/>
-          </p:nvPr>
-        </p:nvSpPr>
-        <p:spPr/>
-        <p:txBody>
-          <a:bodyPr/>
-          <a:lstStyle/>
-          <a:p>
-            <a:r>
-              <a:rPr lang="en-GB" dirty="0" smtClean="0"/>
-              <a:t>Demo – Out of Date Statistics</a:t>
-            </a:r>
-            <a:endParaRPr lang="en-GB" dirty="0"/>
-          </a:p>
-        </p:txBody>
-      </p:sp>
-      <p:sp>
-        <p:nvSpPr>
-          <p:cNvPr id="3" name="Content Placeholder 2"/>
-          <p:cNvSpPr>
-            <a:spLocks noGrp="1"/>
-          </p:cNvSpPr>
-          <p:nvPr>
-            <p:ph idx="1"/>
-          </p:nvPr>
-        </p:nvSpPr>
-        <p:spPr/>
-        <p:txBody>
-          <a:bodyPr/>
-          <a:lstStyle/>
-          <a:p>
-            <a:endParaRPr lang="en-GB" dirty="0"/>
-          </a:p>
-        </p:txBody>
-      </p:sp>
-    </p:spTree>
-    <p:extLst>
-      <p:ext uri="{BB962C8B-B14F-4D97-AF65-F5344CB8AC3E}">
-        <p14:creationId xmlns:p14="http://schemas.microsoft.com/office/powerpoint/2010/main" val="1344992069"/>
-      </p:ext>
-    </p:extLst>
-  </p:cSld>
-  <p:clrMapOvr>
-    <a:masterClrMapping/>
-  </p:clrMapOvr>
-  <p:timing>
-    <p:tnLst>
-      <p:par>
-        <p:cTn id="1" dur="indefinite" restart="never" nodeType="tmRoot"/>
-      </p:par>
-    </p:tnLst>
-  </p:timing>
-</p:sld>
-</file>
-
-<file path=ppt/slides/slide22.xml><?xml version="1.0" encoding="utf-8"?>
-<p:sld xmlns:a="http://schemas.openxmlformats.org/drawingml/2006/main" xmlns:r="http://schemas.openxmlformats.org/officeDocument/2006/relationships" xmlns:p="http://schemas.openxmlformats.org/presentationml/2006/main">
-  <p:cSld>
-    <p:spTree>
-      <p:nvGrpSpPr>
-        <p:cNvPr id="1" name=""/>
-        <p:cNvGrpSpPr/>
-        <p:nvPr/>
-      </p:nvGrpSpPr>
-      <p:grpSpPr>
-        <a:xfrm>
-          <a:off x="0" y="0"/>
-          <a:ext cx="0" cy="0"/>
-          <a:chOff x="0" y="0"/>
-          <a:chExt cx="0" cy="0"/>
-        </a:xfrm>
-      </p:grpSpPr>
-      <p:sp>
-        <p:nvSpPr>
-          <p:cNvPr id="2" name="Title 1"/>
-          <p:cNvSpPr>
-            <a:spLocks noGrp="1"/>
-          </p:cNvSpPr>
-          <p:nvPr>
-            <p:ph type="title"/>
-          </p:nvPr>
-        </p:nvSpPr>
-        <p:spPr/>
-        <p:txBody>
-          <a:bodyPr/>
-          <a:lstStyle/>
-          <a:p>
-            <a:r>
-              <a:rPr lang="en-GB" dirty="0" smtClean="0"/>
-              <a:t>Demo – Forced Parametrisation</a:t>
-            </a:r>
-            <a:endParaRPr lang="en-GB" dirty="0"/>
-          </a:p>
-        </p:txBody>
-      </p:sp>
-    </p:spTree>
-    <p:extLst>
-      <p:ext uri="{BB962C8B-B14F-4D97-AF65-F5344CB8AC3E}">
-        <p14:creationId xmlns:p14="http://schemas.microsoft.com/office/powerpoint/2010/main" val="474657059"/>
-      </p:ext>
-    </p:extLst>
-  </p:cSld>
-  <p:clrMapOvr>
-    <a:masterClrMapping/>
-  </p:clrMapOvr>
-  <p:timing>
-    <p:tnLst>
-      <p:par>
-        <p:cTn id="1" dur="indefinite" restart="never" nodeType="tmRoot"/>
-      </p:par>
-    </p:tnLst>
-  </p:timing>
-</p:sld>
-</file>
-
 <file path=ppt/slides/slide23.xml><?xml version="1.0" encoding="utf-8"?>
 <p:sld xmlns:a="http://schemas.openxmlformats.org/drawingml/2006/main" xmlns:r="http://schemas.openxmlformats.org/officeDocument/2006/relationships" xmlns:p="http://schemas.openxmlformats.org/presentationml/2006/main">
   <p:cSld>
@@ -15788,36 +15796,7 @@
           <a:p>
             <a:r>
               <a:rPr lang="en-GB" dirty="0" smtClean="0"/>
-              <a:t>Demo – Bad Plans</a:t>
-            </a:r>
-            <a:endParaRPr lang="en-GB" dirty="0"/>
-          </a:p>
-        </p:txBody>
-      </p:sp>
-      <p:sp>
-        <p:nvSpPr>
-          <p:cNvPr id="3" name="Content Placeholder 2"/>
-          <p:cNvSpPr>
-            <a:spLocks noGrp="1"/>
-          </p:cNvSpPr>
-          <p:nvPr>
-            <p:ph idx="1"/>
-          </p:nvPr>
-        </p:nvSpPr>
-        <p:spPr/>
-        <p:txBody>
-          <a:bodyPr>
-            <a:normAutofit/>
-          </a:bodyPr>
-          <a:lstStyle/>
-          <a:p>
-            <a:r>
-              <a:rPr lang="en-GB" dirty="0" err="1" smtClean="0"/>
-              <a:t>Adeventure</a:t>
-            </a:r>
-            <a:r>
-              <a:rPr lang="en-GB" dirty="0" smtClean="0"/>
-              <a:t> Works Demo</a:t>
+              <a:t>Demo – Forced Parametrisation</a:t>
             </a:r>
             <a:endParaRPr lang="en-GB" dirty="0"/>
           </a:p>
@@ -15826,21 +15805,13 @@
     </p:spTree>
     <p:extLst>
       <p:ext uri="{BB962C8B-B14F-4D97-AF65-F5344CB8AC3E}">
-        <p14:creationId xmlns:p14="http://schemas.microsoft.com/office/powerpoint/2010/main" val="849501960"/>
+        <p14:creationId xmlns:p14="http://schemas.microsoft.com/office/powerpoint/2010/main" val="474657059"/>
       </p:ext>
     </p:extLst>
   </p:cSld>
   <p:clrMapOvr>
     <a:masterClrMapping/>
   </p:clrMapOvr>
-  <mc:AlternateContent xmlns:mc="http://schemas.openxmlformats.org/markup-compatibility/2006" xmlns:p14="http://schemas.microsoft.com/office/powerpoint/2010/main">
-    <mc:Choice Requires="p14">
-      <p:transition spd="slow" p14:dur="2000"/>
-    </mc:Choice>
-    <mc:Fallback xmlns="">
-      <p:transition spd="slow"/>
-    </mc:Fallback>
-  </mc:AlternateContent>
   <p:timing>
     <p:tnLst>
       <p:par>

--- a/Slides/3. Query Execution.pptx
+++ b/Slides/3. Query Execution.pptx
@@ -5,48 +5,49 @@
     <p:sldMasterId id="2147483678" r:id="rId1"/>
   </p:sldMasterIdLst>
   <p:notesMasterIdLst>
-    <p:notesMasterId r:id="rId41"/>
+    <p:notesMasterId r:id="rId42"/>
   </p:notesMasterIdLst>
   <p:sldIdLst>
     <p:sldId id="256" r:id="rId2"/>
     <p:sldId id="284" r:id="rId3"/>
-    <p:sldId id="288" r:id="rId4"/>
-    <p:sldId id="299" r:id="rId5"/>
-    <p:sldId id="281" r:id="rId6"/>
-    <p:sldId id="257" r:id="rId7"/>
-    <p:sldId id="276" r:id="rId8"/>
-    <p:sldId id="277" r:id="rId9"/>
-    <p:sldId id="258" r:id="rId10"/>
-    <p:sldId id="280" r:id="rId11"/>
-    <p:sldId id="259" r:id="rId12"/>
-    <p:sldId id="283" r:id="rId13"/>
-    <p:sldId id="289" r:id="rId14"/>
-    <p:sldId id="264" r:id="rId15"/>
-    <p:sldId id="297" r:id="rId16"/>
-    <p:sldId id="287" r:id="rId17"/>
-    <p:sldId id="279" r:id="rId18"/>
-    <p:sldId id="278" r:id="rId19"/>
-    <p:sldId id="265" r:id="rId20"/>
-    <p:sldId id="286" r:id="rId21"/>
-    <p:sldId id="298" r:id="rId22"/>
-    <p:sldId id="285" r:id="rId23"/>
-    <p:sldId id="296" r:id="rId24"/>
-    <p:sldId id="300" r:id="rId25"/>
-    <p:sldId id="273" r:id="rId26"/>
-    <p:sldId id="271" r:id="rId27"/>
-    <p:sldId id="290" r:id="rId28"/>
-    <p:sldId id="301" r:id="rId29"/>
-    <p:sldId id="260" r:id="rId30"/>
-    <p:sldId id="263" r:id="rId31"/>
-    <p:sldId id="292" r:id="rId32"/>
-    <p:sldId id="275" r:id="rId33"/>
-    <p:sldId id="294" r:id="rId34"/>
-    <p:sldId id="293" r:id="rId35"/>
-    <p:sldId id="269" r:id="rId36"/>
-    <p:sldId id="302" r:id="rId37"/>
-    <p:sldId id="270" r:id="rId38"/>
-    <p:sldId id="291" r:id="rId39"/>
-    <p:sldId id="274" r:id="rId40"/>
+    <p:sldId id="304" r:id="rId4"/>
+    <p:sldId id="288" r:id="rId5"/>
+    <p:sldId id="299" r:id="rId6"/>
+    <p:sldId id="281" r:id="rId7"/>
+    <p:sldId id="257" r:id="rId8"/>
+    <p:sldId id="276" r:id="rId9"/>
+    <p:sldId id="277" r:id="rId10"/>
+    <p:sldId id="258" r:id="rId11"/>
+    <p:sldId id="280" r:id="rId12"/>
+    <p:sldId id="259" r:id="rId13"/>
+    <p:sldId id="283" r:id="rId14"/>
+    <p:sldId id="289" r:id="rId15"/>
+    <p:sldId id="264" r:id="rId16"/>
+    <p:sldId id="297" r:id="rId17"/>
+    <p:sldId id="287" r:id="rId18"/>
+    <p:sldId id="279" r:id="rId19"/>
+    <p:sldId id="278" r:id="rId20"/>
+    <p:sldId id="265" r:id="rId21"/>
+    <p:sldId id="286" r:id="rId22"/>
+    <p:sldId id="298" r:id="rId23"/>
+    <p:sldId id="285" r:id="rId24"/>
+    <p:sldId id="296" r:id="rId25"/>
+    <p:sldId id="300" r:id="rId26"/>
+    <p:sldId id="273" r:id="rId27"/>
+    <p:sldId id="271" r:id="rId28"/>
+    <p:sldId id="290" r:id="rId29"/>
+    <p:sldId id="301" r:id="rId30"/>
+    <p:sldId id="260" r:id="rId31"/>
+    <p:sldId id="263" r:id="rId32"/>
+    <p:sldId id="292" r:id="rId33"/>
+    <p:sldId id="275" r:id="rId34"/>
+    <p:sldId id="294" r:id="rId35"/>
+    <p:sldId id="293" r:id="rId36"/>
+    <p:sldId id="269" r:id="rId37"/>
+    <p:sldId id="302" r:id="rId38"/>
+    <p:sldId id="303" r:id="rId39"/>
+    <p:sldId id="291" r:id="rId40"/>
+    <p:sldId id="274" r:id="rId41"/>
   </p:sldIdLst>
   <p:sldSz cx="12192000" cy="6858000"/>
   <p:notesSz cx="6858000" cy="9144000"/>
@@ -152,6 +153,7 @@
           <p14:sldIdLst>
             <p14:sldId id="256"/>
             <p14:sldId id="284"/>
+            <p14:sldId id="304"/>
             <p14:sldId id="288"/>
             <p14:sldId id="299"/>
             <p14:sldId id="281"/>
@@ -194,7 +196,7 @@
             <p14:sldId id="293"/>
             <p14:sldId id="269"/>
             <p14:sldId id="302"/>
-            <p14:sldId id="270"/>
+            <p14:sldId id="303"/>
           </p14:sldIdLst>
         </p14:section>
         <p14:section name="Forcing and Hints" id="{309A4193-68B1-4BD5-B3F2-6A397BEBDD38}">
@@ -7670,7 +7672,7 @@
           <a:p>
             <a:fld id="{C07FE611-E342-4944-80A8-F7B4C421E4DD}" type="slidenum">
               <a:rPr lang="en-GB" smtClean="0"/>
-              <a:t>5</a:t>
+              <a:t>6</a:t>
             </a:fld>
             <a:endParaRPr lang="en-GB"/>
           </a:p>
@@ -7770,7 +7772,7 @@
           <a:p>
             <a:fld id="{C07FE611-E342-4944-80A8-F7B4C421E4DD}" type="slidenum">
               <a:rPr lang="en-GB" smtClean="0"/>
-              <a:t>12</a:t>
+              <a:t>13</a:t>
             </a:fld>
             <a:endParaRPr lang="en-GB"/>
           </a:p>
@@ -7835,7 +7837,54 @@
           <a:p>
             <a:r>
               <a:rPr lang="en-GB" dirty="0" smtClean="0"/>
-              <a:t>During this demo explain the parts of the query plan</a:t>
+              <a:t>During this demo explain the parts of the query </a:t>
+            </a:r>
+            <a:r>
+              <a:rPr lang="en-GB" dirty="0" smtClean="0"/>
+              <a:t>plan</a:t>
+            </a:r>
+          </a:p>
+          <a:p>
+            <a:endParaRPr lang="en-GB" dirty="0" smtClean="0"/>
+          </a:p>
+          <a:p>
+            <a:r>
+              <a:rPr lang="en-GB" dirty="0" smtClean="0"/>
+              <a:t>DBCC SHOW STATS:</a:t>
+            </a:r>
+          </a:p>
+          <a:p>
+            <a:r>
+              <a:rPr lang="en-GB" dirty="0" smtClean="0"/>
+              <a:t>RANGE_HI_KEY – Upper bound of the key value</a:t>
+            </a:r>
+          </a:p>
+          <a:p>
+            <a:r>
+              <a:rPr lang="en-GB" dirty="0" smtClean="0"/>
+              <a:t>RANGE_ROWS</a:t>
+            </a:r>
+            <a:r>
+              <a:rPr lang="en-GB" baseline="0" dirty="0" smtClean="0"/>
+              <a:t> – Estimated number of rows in range (excluding key)</a:t>
+            </a:r>
+          </a:p>
+          <a:p>
+            <a:r>
+              <a:rPr lang="en-GB" baseline="0" dirty="0" smtClean="0"/>
+              <a:t>EQ_ROW – Estimated number of matching rows</a:t>
+            </a:r>
+          </a:p>
+          <a:p>
+            <a:r>
+              <a:rPr lang="en-GB" baseline="0" dirty="0" smtClean="0"/>
+              <a:t>DISTINCT_RANGE – Estimated number of distinct values in range (excluding key)</a:t>
+            </a:r>
+          </a:p>
+          <a:p>
+            <a:r>
+              <a:rPr lang="en-GB" baseline="0" dirty="0" smtClean="0"/>
+              <a:t>AVG_RANGE_ROWS – Average number of duplicates</a:t>
             </a:r>
             <a:endParaRPr lang="en-GB" dirty="0"/>
           </a:p>
@@ -7858,7 +7907,7 @@
           <a:p>
             <a:fld id="{C07FE611-E342-4944-80A8-F7B4C421E4DD}" type="slidenum">
               <a:rPr lang="en-GB" smtClean="0"/>
-              <a:t>13</a:t>
+              <a:t>14</a:t>
             </a:fld>
             <a:endParaRPr lang="en-GB"/>
           </a:p>
@@ -7982,7 +8031,7 @@
             <a:fld id="{B55B88FD-84B2-43BD-86AA-E2E5C0B76984}" type="slidenum">
               <a:rPr lang="en-GB" smtClean="0"/>
               <a:pPr/>
-              <a:t>18</a:t>
+              <a:t>19</a:t>
             </a:fld>
             <a:endParaRPr lang="en-GB"/>
           </a:p>
@@ -8108,7 +8157,7 @@
           <a:p>
             <a:fld id="{C07FE611-E342-4944-80A8-F7B4C421E4DD}" type="slidenum">
               <a:rPr lang="en-GB" smtClean="0"/>
-              <a:t>33</a:t>
+              <a:t>34</a:t>
             </a:fld>
             <a:endParaRPr lang="en-GB"/>
           </a:p>
@@ -8192,7 +8241,7 @@
           <a:p>
             <a:fld id="{C07FE611-E342-4944-80A8-F7B4C421E4DD}" type="slidenum">
               <a:rPr lang="en-GB" smtClean="0"/>
-              <a:t>34</a:t>
+              <a:t>35</a:t>
             </a:fld>
             <a:endParaRPr lang="en-GB"/>
           </a:p>
@@ -14184,6 +14233,119 @@
           <a:p>
             <a:r>
               <a:rPr lang="en-GB" dirty="0" smtClean="0"/>
+              <a:t>Building a Plan</a:t>
+            </a:r>
+            <a:endParaRPr lang="en-GB" dirty="0"/>
+          </a:p>
+        </p:txBody>
+      </p:sp>
+      <p:sp>
+        <p:nvSpPr>
+          <p:cNvPr id="3" name="Content Placeholder 2"/>
+          <p:cNvSpPr>
+            <a:spLocks noGrp="1"/>
+          </p:cNvSpPr>
+          <p:nvPr>
+            <p:ph idx="1"/>
+          </p:nvPr>
+        </p:nvSpPr>
+        <p:spPr/>
+        <p:txBody>
+          <a:bodyPr/>
+          <a:lstStyle/>
+          <a:p>
+            <a:r>
+              <a:rPr lang="en-GB" dirty="0" smtClean="0"/>
+              <a:t>Seek vs Scan</a:t>
+            </a:r>
+          </a:p>
+          <a:p>
+            <a:r>
+              <a:rPr lang="en-GB" dirty="0" smtClean="0"/>
+              <a:t>Choosing an Index</a:t>
+            </a:r>
+          </a:p>
+          <a:p>
+            <a:pPr lvl="1"/>
+            <a:r>
+              <a:rPr lang="en-GB" dirty="0" smtClean="0"/>
+              <a:t>Cardinality</a:t>
+            </a:r>
+          </a:p>
+          <a:p>
+            <a:r>
+              <a:rPr lang="en-GB" dirty="0" smtClean="0"/>
+              <a:t>Covering vs Non Covering</a:t>
+            </a:r>
+          </a:p>
+          <a:p>
+            <a:r>
+              <a:rPr lang="en-GB" dirty="0" smtClean="0"/>
+              <a:t>Filtered Indexes</a:t>
+            </a:r>
+          </a:p>
+          <a:p>
+            <a:endParaRPr lang="en-GB" dirty="0" smtClean="0"/>
+          </a:p>
+          <a:p>
+            <a:endParaRPr lang="en-GB" dirty="0"/>
+          </a:p>
+        </p:txBody>
+      </p:sp>
+    </p:spTree>
+    <p:extLst>
+      <p:ext uri="{BB962C8B-B14F-4D97-AF65-F5344CB8AC3E}">
+        <p14:creationId xmlns:p14="http://schemas.microsoft.com/office/powerpoint/2010/main" val="2914966170"/>
+      </p:ext>
+    </p:extLst>
+  </p:cSld>
+  <p:clrMapOvr>
+    <a:masterClrMapping/>
+  </p:clrMapOvr>
+  <p:timing>
+    <p:tnLst>
+      <p:par>
+        <p:cTn id="1" dur="indefinite" restart="never" nodeType="tmRoot"/>
+      </p:par>
+    </p:tnLst>
+  </p:timing>
+</p:sld>
+</file>
+
+<file path=ppt/slides/slide11.xml><?xml version="1.0" encoding="utf-8"?>
+<p:sld xmlns:a="http://schemas.openxmlformats.org/drawingml/2006/main" xmlns:r="http://schemas.openxmlformats.org/officeDocument/2006/relationships" xmlns:p="http://schemas.openxmlformats.org/presentationml/2006/main">
+  <p:cSld>
+    <p:spTree>
+      <p:nvGrpSpPr>
+        <p:cNvPr id="1" name=""/>
+        <p:cNvGrpSpPr/>
+        <p:nvPr/>
+      </p:nvGrpSpPr>
+      <p:grpSpPr>
+        <a:xfrm>
+          <a:off x="0" y="0"/>
+          <a:ext cx="0" cy="0"/>
+          <a:chOff x="0" y="0"/>
+          <a:chExt cx="0" cy="0"/>
+        </a:xfrm>
+      </p:grpSpPr>
+      <p:sp>
+        <p:nvSpPr>
+          <p:cNvPr id="2" name="Title 1"/>
+          <p:cNvSpPr>
+            <a:spLocks noGrp="1"/>
+          </p:cNvSpPr>
+          <p:nvPr>
+            <p:ph type="title"/>
+          </p:nvPr>
+        </p:nvSpPr>
+        <p:spPr/>
+        <p:txBody>
+          <a:bodyPr/>
+          <a:lstStyle/>
+          <a:p>
+            <a:r>
+              <a:rPr lang="en-GB" dirty="0" smtClean="0"/>
               <a:t>Estimates</a:t>
             </a:r>
             <a:endParaRPr lang="en-GB" dirty="0"/>
@@ -14273,130 +14435,6 @@
 </p:sld>
 </file>
 
-<file path=ppt/slides/slide11.xml><?xml version="1.0" encoding="utf-8"?>
-<p:sld xmlns:a="http://schemas.openxmlformats.org/drawingml/2006/main" xmlns:r="http://schemas.openxmlformats.org/officeDocument/2006/relationships" xmlns:p="http://schemas.openxmlformats.org/presentationml/2006/main">
-  <p:cSld>
-    <p:spTree>
-      <p:nvGrpSpPr>
-        <p:cNvPr id="1" name=""/>
-        <p:cNvGrpSpPr/>
-        <p:nvPr/>
-      </p:nvGrpSpPr>
-      <p:grpSpPr>
-        <a:xfrm>
-          <a:off x="0" y="0"/>
-          <a:ext cx="0" cy="0"/>
-          <a:chOff x="0" y="0"/>
-          <a:chExt cx="0" cy="0"/>
-        </a:xfrm>
-      </p:grpSpPr>
-      <p:sp>
-        <p:nvSpPr>
-          <p:cNvPr id="2" name="Title 1"/>
-          <p:cNvSpPr>
-            <a:spLocks noGrp="1"/>
-          </p:cNvSpPr>
-          <p:nvPr>
-            <p:ph type="title"/>
-          </p:nvPr>
-        </p:nvSpPr>
-        <p:spPr/>
-        <p:txBody>
-          <a:bodyPr/>
-          <a:lstStyle/>
-          <a:p>
-            <a:r>
-              <a:rPr lang="en-GB" dirty="0" smtClean="0"/>
-              <a:t>Statistics</a:t>
-            </a:r>
-            <a:endParaRPr lang="en-GB" dirty="0"/>
-          </a:p>
-        </p:txBody>
-      </p:sp>
-      <p:sp>
-        <p:nvSpPr>
-          <p:cNvPr id="3" name="Content Placeholder 2"/>
-          <p:cNvSpPr>
-            <a:spLocks noGrp="1"/>
-          </p:cNvSpPr>
-          <p:nvPr>
-            <p:ph idx="1"/>
-          </p:nvPr>
-        </p:nvSpPr>
-        <p:spPr/>
-        <p:txBody>
-          <a:bodyPr/>
-          <a:lstStyle/>
-          <a:p>
-            <a:r>
-              <a:rPr lang="en-GB" dirty="0" smtClean="0"/>
-              <a:t>Histogram of column(s) contents</a:t>
-            </a:r>
-          </a:p>
-          <a:p>
-            <a:r>
-              <a:rPr lang="en-GB" dirty="0" smtClean="0"/>
-              <a:t>Calculates the cardinality of a column (uniqueness of values)</a:t>
-            </a:r>
-          </a:p>
-          <a:p>
-            <a:r>
-              <a:rPr lang="en-GB" dirty="0" smtClean="0"/>
-              <a:t>Estimated from a sample (usually)</a:t>
-            </a:r>
-          </a:p>
-          <a:p>
-            <a:r>
-              <a:rPr lang="en-GB" dirty="0" smtClean="0"/>
-              <a:t>Always exist for indexes</a:t>
-            </a:r>
-          </a:p>
-          <a:p>
-            <a:r>
-              <a:rPr lang="en-GB" dirty="0" smtClean="0"/>
-              <a:t>Auto generated (usually) on other columns if used as predicates</a:t>
-            </a:r>
-          </a:p>
-          <a:p>
-            <a:r>
-              <a:rPr lang="en-GB" dirty="0" smtClean="0"/>
-              <a:t>Never auto generated on multiple columns (except indexes)</a:t>
-            </a:r>
-          </a:p>
-          <a:p>
-            <a:r>
-              <a:rPr lang="en-GB" dirty="0" smtClean="0"/>
-              <a:t>Manually update with UPDATE STATISTICS</a:t>
-            </a:r>
-          </a:p>
-          <a:p>
-            <a:pPr marL="0" indent="0">
-              <a:buNone/>
-            </a:pPr>
-            <a:endParaRPr lang="en-GB" dirty="0"/>
-          </a:p>
-        </p:txBody>
-      </p:sp>
-    </p:spTree>
-    <p:extLst>
-      <p:ext uri="{BB962C8B-B14F-4D97-AF65-F5344CB8AC3E}">
-        <p14:creationId xmlns:p14="http://schemas.microsoft.com/office/powerpoint/2010/main" val="2109371678"/>
-      </p:ext>
-    </p:extLst>
-  </p:cSld>
-  <p:clrMapOvr>
-    <a:masterClrMapping/>
-  </p:clrMapOvr>
-  <p:timing>
-    <p:tnLst>
-      <p:par>
-        <p:cTn id="1" dur="indefinite" restart="never" nodeType="tmRoot"/>
-      </p:par>
-    </p:tnLst>
-  </p:timing>
-</p:sld>
-</file>
-
 <file path=ppt/slides/slide12.xml><?xml version="1.0" encoding="utf-8"?>
 <p:sld xmlns:a="http://schemas.openxmlformats.org/drawingml/2006/main" xmlns:r="http://schemas.openxmlformats.org/officeDocument/2006/relationships" xmlns:p="http://schemas.openxmlformats.org/presentationml/2006/main">
   <p:cSld>
@@ -14431,41 +14469,80 @@
           <a:p>
             <a:r>
               <a:rPr lang="en-GB" dirty="0" smtClean="0"/>
-              <a:t>Statistics Histogram</a:t>
+              <a:t>Statistics</a:t>
             </a:r>
             <a:endParaRPr lang="en-GB" dirty="0"/>
           </a:p>
         </p:txBody>
       </p:sp>
-      <p:graphicFrame>
-        <p:nvGraphicFramePr>
-          <p:cNvPr id="4" name="Content Placeholder 3"/>
-          <p:cNvGraphicFramePr>
-            <a:graphicFrameLocks noGrp="1"/>
-          </p:cNvGraphicFramePr>
+      <p:sp>
+        <p:nvSpPr>
+          <p:cNvPr id="3" name="Content Placeholder 2"/>
+          <p:cNvSpPr>
+            <a:spLocks noGrp="1"/>
+          </p:cNvSpPr>
           <p:nvPr>
             <p:ph idx="1"/>
-            <p:extLst>
-              <p:ext uri="{D42A27DB-BD31-4B8C-83A1-F6EECF244321}">
-                <p14:modId xmlns:p14="http://schemas.microsoft.com/office/powerpoint/2010/main" val="2035612574"/>
-              </p:ext>
-            </p:extLst>
-          </p:nvPr>
-        </p:nvGraphicFramePr>
-        <p:xfrm>
-          <a:off x="685800" y="1576388"/>
-          <a:ext cx="10131425" cy="4221162"/>
-        </p:xfrm>
-        <a:graphic>
-          <a:graphicData uri="http://schemas.openxmlformats.org/drawingml/2006/chart">
-            <c:chart xmlns:c="http://schemas.openxmlformats.org/drawingml/2006/chart" xmlns:r="http://schemas.openxmlformats.org/officeDocument/2006/relationships" r:id="rId3"/>
-          </a:graphicData>
-        </a:graphic>
-      </p:graphicFrame>
+          </p:nvPr>
+        </p:nvSpPr>
+        <p:spPr/>
+        <p:txBody>
+          <a:bodyPr/>
+          <a:lstStyle/>
+          <a:p>
+            <a:r>
+              <a:rPr lang="en-GB" dirty="0" smtClean="0"/>
+              <a:t>Histogram of column(s) contents</a:t>
+            </a:r>
+          </a:p>
+          <a:p>
+            <a:r>
+              <a:rPr lang="en-GB" dirty="0" smtClean="0"/>
+              <a:t>Calculates the cardinality of a column (uniqueness of values)</a:t>
+            </a:r>
+          </a:p>
+          <a:p>
+            <a:r>
+              <a:rPr lang="en-GB" dirty="0" smtClean="0"/>
+              <a:t>Estimated from a sample (usually)</a:t>
+            </a:r>
+          </a:p>
+          <a:p>
+            <a:r>
+              <a:rPr lang="en-GB" dirty="0" smtClean="0"/>
+              <a:t>Always exist for indexes</a:t>
+            </a:r>
+          </a:p>
+          <a:p>
+            <a:r>
+              <a:rPr lang="en-GB" dirty="0" smtClean="0"/>
+              <a:t>Auto generated (usually) on other columns if used as predicates</a:t>
+            </a:r>
+          </a:p>
+          <a:p>
+            <a:r>
+              <a:rPr lang="en-GB" dirty="0" smtClean="0"/>
+              <a:t>Never auto generated on multiple columns (except indexes)</a:t>
+            </a:r>
+          </a:p>
+          <a:p>
+            <a:r>
+              <a:rPr lang="en-GB" dirty="0" smtClean="0"/>
+              <a:t>Manually update with UPDATE STATISTICS</a:t>
+            </a:r>
+          </a:p>
+          <a:p>
+            <a:pPr marL="0" indent="0">
+              <a:buNone/>
+            </a:pPr>
+            <a:endParaRPr lang="en-GB" dirty="0"/>
+          </a:p>
+        </p:txBody>
+      </p:sp>
     </p:spTree>
     <p:extLst>
       <p:ext uri="{BB962C8B-B14F-4D97-AF65-F5344CB8AC3E}">
-        <p14:creationId xmlns:p14="http://schemas.microsoft.com/office/powerpoint/2010/main" val="4145581422"/>
+        <p14:creationId xmlns:p14="http://schemas.microsoft.com/office/powerpoint/2010/main" val="2109371678"/>
       </p:ext>
     </p:extLst>
   </p:cSld>
@@ -14516,35 +14593,41 @@
           <a:p>
             <a:r>
               <a:rPr lang="en-GB" dirty="0" smtClean="0"/>
-              <a:t>Demo – Out of Date Statistics</a:t>
+              <a:t>Statistics Histogram</a:t>
             </a:r>
             <a:endParaRPr lang="en-GB" dirty="0"/>
           </a:p>
         </p:txBody>
       </p:sp>
-      <p:sp>
-        <p:nvSpPr>
-          <p:cNvPr id="3" name="Content Placeholder 2"/>
-          <p:cNvSpPr>
-            <a:spLocks noGrp="1"/>
-          </p:cNvSpPr>
+      <p:graphicFrame>
+        <p:nvGraphicFramePr>
+          <p:cNvPr id="4" name="Content Placeholder 3"/>
+          <p:cNvGraphicFramePr>
+            <a:graphicFrameLocks noGrp="1"/>
+          </p:cNvGraphicFramePr>
           <p:nvPr>
             <p:ph idx="1"/>
-          </p:nvPr>
-        </p:nvSpPr>
-        <p:spPr/>
-        <p:txBody>
-          <a:bodyPr/>
-          <a:lstStyle/>
-          <a:p>
-            <a:endParaRPr lang="en-GB" dirty="0"/>
-          </a:p>
-        </p:txBody>
-      </p:sp>
+            <p:extLst>
+              <p:ext uri="{D42A27DB-BD31-4B8C-83A1-F6EECF244321}">
+                <p14:modId xmlns:p14="http://schemas.microsoft.com/office/powerpoint/2010/main" val="2035612574"/>
+              </p:ext>
+            </p:extLst>
+          </p:nvPr>
+        </p:nvGraphicFramePr>
+        <p:xfrm>
+          <a:off x="685800" y="1576388"/>
+          <a:ext cx="10131425" cy="4221162"/>
+        </p:xfrm>
+        <a:graphic>
+          <a:graphicData uri="http://schemas.openxmlformats.org/drawingml/2006/chart">
+            <c:chart xmlns:c="http://schemas.openxmlformats.org/drawingml/2006/chart" xmlns:r="http://schemas.openxmlformats.org/officeDocument/2006/relationships" r:id="rId3"/>
+          </a:graphicData>
+        </a:graphic>
+      </p:graphicFrame>
     </p:spTree>
     <p:extLst>
       <p:ext uri="{BB962C8B-B14F-4D97-AF65-F5344CB8AC3E}">
-        <p14:creationId xmlns:p14="http://schemas.microsoft.com/office/powerpoint/2010/main" val="1344992069"/>
+        <p14:creationId xmlns:p14="http://schemas.microsoft.com/office/powerpoint/2010/main" val="4145581422"/>
       </p:ext>
     </p:extLst>
   </p:cSld>
@@ -14595,7 +14678,7 @@
           <a:p>
             <a:r>
               <a:rPr lang="en-GB" dirty="0" smtClean="0"/>
-              <a:t>Statistics Again</a:t>
+              <a:t>Demo – Out of Date Statistics</a:t>
             </a:r>
             <a:endParaRPr lang="en-GB" dirty="0"/>
           </a:p>
@@ -14616,45 +14699,6 @@
           <a:bodyPr/>
           <a:lstStyle/>
           <a:p>
-            <a:r>
-              <a:rPr lang="en-GB" dirty="0" smtClean="0"/>
-              <a:t>The tipping point</a:t>
-            </a:r>
-          </a:p>
-          <a:p>
-            <a:pPr lvl="1"/>
-            <a:r>
-              <a:rPr lang="en-GB" dirty="0" smtClean="0"/>
-              <a:t>At some point SQL will estimate that it is quicker/more efficient to scan an table rather than seek on a index</a:t>
-            </a:r>
-          </a:p>
-          <a:p>
-            <a:pPr lvl="1"/>
-            <a:r>
-              <a:rPr lang="en-GB" dirty="0" smtClean="0"/>
-              <a:t>Usually around 30% of the pages in the table are being read</a:t>
-            </a:r>
-          </a:p>
-          <a:p>
-            <a:pPr lvl="2"/>
-            <a:r>
-              <a:rPr lang="en-GB" dirty="0" smtClean="0"/>
-              <a:t>Varies based on parallelism</a:t>
-            </a:r>
-          </a:p>
-          <a:p>
-            <a:pPr lvl="2"/>
-            <a:r>
-              <a:rPr lang="en-GB" dirty="0" smtClean="0"/>
-              <a:t>Or, memory pressure</a:t>
-            </a:r>
-          </a:p>
-          <a:p>
-            <a:pPr lvl="2"/>
-            <a:r>
-              <a:rPr lang="en-GB" dirty="0" smtClean="0"/>
-              <a:t>Never happens on a covering non clustered index</a:t>
-            </a:r>
             <a:endParaRPr lang="en-GB" dirty="0"/>
           </a:p>
         </p:txBody>
@@ -14662,7 +14706,7 @@
     </p:spTree>
     <p:extLst>
       <p:ext uri="{BB962C8B-B14F-4D97-AF65-F5344CB8AC3E}">
-        <p14:creationId xmlns:p14="http://schemas.microsoft.com/office/powerpoint/2010/main" val="1379164342"/>
+        <p14:creationId xmlns:p14="http://schemas.microsoft.com/office/powerpoint/2010/main" val="1344992069"/>
       </p:ext>
     </p:extLst>
   </p:cSld>
@@ -14713,7 +14757,7 @@
           <a:p>
             <a:r>
               <a:rPr lang="en-GB" dirty="0" smtClean="0"/>
-              <a:t>Indexes</a:t>
+              <a:t>Statistics Again</a:t>
             </a:r>
             <a:endParaRPr lang="en-GB" dirty="0"/>
           </a:p>
@@ -14736,46 +14780,43 @@
           <a:p>
             <a:r>
               <a:rPr lang="en-GB" dirty="0" smtClean="0"/>
-              <a:t>Query plans show the index used to find records in each table</a:t>
-            </a:r>
-          </a:p>
-          <a:p>
-            <a:r>
-              <a:rPr lang="en-GB" dirty="0" smtClean="0"/>
-              <a:t>They will be scanned or </a:t>
-            </a:r>
-            <a:r>
-              <a:rPr lang="en-GB" dirty="0" err="1" smtClean="0"/>
-              <a:t>seeked</a:t>
-            </a:r>
-            <a:endParaRPr lang="en-GB" dirty="0" smtClean="0"/>
-          </a:p>
-          <a:p>
-            <a:r>
-              <a:rPr lang="en-GB" dirty="0" smtClean="0"/>
-              <a:t>If a non clustered index does not include all the required columns a bookmark lookup is required</a:t>
+              <a:t>The tipping point</a:t>
             </a:r>
           </a:p>
           <a:p>
             <a:pPr lvl="1"/>
             <a:r>
               <a:rPr lang="en-GB" dirty="0" smtClean="0"/>
-              <a:t>This does not mean create indexes including every column!</a:t>
-            </a:r>
-          </a:p>
-          <a:p>
-            <a:r>
-              <a:rPr lang="en-GB" dirty="0" smtClean="0"/>
-              <a:t>Column order is important</a:t>
-            </a:r>
-          </a:p>
-          <a:p>
-            <a:r>
-              <a:rPr lang="en-GB" dirty="0" smtClean="0"/>
-              <a:t>Use filtered indexes on poor selecting columns (such as status)</a:t>
-            </a:r>
-          </a:p>
-          <a:p>
+              <a:t>At some point SQL will estimate that it is quicker/more efficient to scan an table rather than seek on a index</a:t>
+            </a:r>
+          </a:p>
+          <a:p>
+            <a:pPr lvl="1"/>
+            <a:r>
+              <a:rPr lang="en-GB" dirty="0" smtClean="0"/>
+              <a:t>Usually around 30% of the pages in the table are being read</a:t>
+            </a:r>
+          </a:p>
+          <a:p>
+            <a:pPr lvl="2"/>
+            <a:r>
+              <a:rPr lang="en-GB" dirty="0" smtClean="0"/>
+              <a:t>Varies based on parallelism</a:t>
+            </a:r>
+          </a:p>
+          <a:p>
+            <a:pPr lvl="2"/>
+            <a:r>
+              <a:rPr lang="en-GB" dirty="0" smtClean="0"/>
+              <a:t>Or, memory pressure</a:t>
+            </a:r>
+          </a:p>
+          <a:p>
+            <a:pPr lvl="2"/>
+            <a:r>
+              <a:rPr lang="en-GB" dirty="0" smtClean="0"/>
+              <a:t>Never happens on a covering non clustered index</a:t>
+            </a:r>
             <a:endParaRPr lang="en-GB" dirty="0"/>
           </a:p>
         </p:txBody>
@@ -14783,7 +14824,7 @@
     </p:spTree>
     <p:extLst>
       <p:ext uri="{BB962C8B-B14F-4D97-AF65-F5344CB8AC3E}">
-        <p14:creationId xmlns:p14="http://schemas.microsoft.com/office/powerpoint/2010/main" val="4160478381"/>
+        <p14:creationId xmlns:p14="http://schemas.microsoft.com/office/powerpoint/2010/main" val="1379164342"/>
       </p:ext>
     </p:extLst>
   </p:cSld>
@@ -14819,7 +14860,7 @@
       </p:grpSpPr>
       <p:sp>
         <p:nvSpPr>
-          <p:cNvPr id="4" name="Title 3"/>
+          <p:cNvPr id="2" name="Title 1"/>
           <p:cNvSpPr>
             <a:spLocks noGrp="1"/>
           </p:cNvSpPr>
@@ -14834,7 +14875,7 @@
           <a:p>
             <a:r>
               <a:rPr lang="en-GB" dirty="0" smtClean="0"/>
-              <a:t>Plan Reuse</a:t>
+              <a:t>Indexes</a:t>
             </a:r>
             <a:endParaRPr lang="en-GB" dirty="0"/>
           </a:p>
@@ -14842,12 +14883,12 @@
       </p:sp>
       <p:sp>
         <p:nvSpPr>
-          <p:cNvPr id="5" name="Text Placeholder 4"/>
+          <p:cNvPr id="3" name="Content Placeholder 2"/>
           <p:cNvSpPr>
             <a:spLocks noGrp="1"/>
           </p:cNvSpPr>
           <p:nvPr>
-            <p:ph type="body" idx="1"/>
+            <p:ph idx="1"/>
           </p:nvPr>
         </p:nvSpPr>
         <p:spPr/>
@@ -14855,14 +14896,56 @@
           <a:bodyPr/>
           <a:lstStyle/>
           <a:p>
-            <a:endParaRPr lang="en-GB"/>
+            <a:r>
+              <a:rPr lang="en-GB" dirty="0" smtClean="0"/>
+              <a:t>Query plans show the index used to find records in each table</a:t>
+            </a:r>
+          </a:p>
+          <a:p>
+            <a:r>
+              <a:rPr lang="en-GB" dirty="0" smtClean="0"/>
+              <a:t>They will be scanned or </a:t>
+            </a:r>
+            <a:r>
+              <a:rPr lang="en-GB" dirty="0" err="1" smtClean="0"/>
+              <a:t>seeked</a:t>
+            </a:r>
+            <a:endParaRPr lang="en-GB" dirty="0" smtClean="0"/>
+          </a:p>
+          <a:p>
+            <a:r>
+              <a:rPr lang="en-GB" dirty="0" smtClean="0"/>
+              <a:t>If a non clustered index does not include all the required columns a bookmark lookup is required</a:t>
+            </a:r>
+          </a:p>
+          <a:p>
+            <a:pPr lvl="1"/>
+            <a:r>
+              <a:rPr lang="en-GB" dirty="0" smtClean="0"/>
+              <a:t>This does not mean create indexes including every column!</a:t>
+            </a:r>
+          </a:p>
+          <a:p>
+            <a:r>
+              <a:rPr lang="en-GB" dirty="0" smtClean="0"/>
+              <a:t>Column order is important</a:t>
+            </a:r>
+          </a:p>
+          <a:p>
+            <a:r>
+              <a:rPr lang="en-GB" dirty="0" smtClean="0"/>
+              <a:t>Use filtered indexes on poor selecting columns (such as status)</a:t>
+            </a:r>
+          </a:p>
+          <a:p>
+            <a:endParaRPr lang="en-GB" dirty="0"/>
           </a:p>
         </p:txBody>
       </p:sp>
     </p:spTree>
     <p:extLst>
       <p:ext uri="{BB962C8B-B14F-4D97-AF65-F5344CB8AC3E}">
-        <p14:creationId xmlns:p14="http://schemas.microsoft.com/office/powerpoint/2010/main" val="2770975309"/>
+        <p14:creationId xmlns:p14="http://schemas.microsoft.com/office/powerpoint/2010/main" val="4160478381"/>
       </p:ext>
     </p:extLst>
   </p:cSld>
@@ -14898,7 +14981,7 @@
       </p:grpSpPr>
       <p:sp>
         <p:nvSpPr>
-          <p:cNvPr id="2" name="Title 1"/>
+          <p:cNvPr id="4" name="Title 3"/>
           <p:cNvSpPr>
             <a:spLocks noGrp="1"/>
           </p:cNvSpPr>
@@ -14913,7 +14996,7 @@
           <a:p>
             <a:r>
               <a:rPr lang="en-GB" dirty="0" smtClean="0"/>
-              <a:t>Why plan reuse</a:t>
+              <a:t>Plan Reuse</a:t>
             </a:r>
             <a:endParaRPr lang="en-GB" dirty="0"/>
           </a:p>
@@ -14921,71 +15004,33 @@
       </p:sp>
       <p:sp>
         <p:nvSpPr>
-          <p:cNvPr id="3" name="Content Placeholder 2"/>
+          <p:cNvPr id="5" name="Text Placeholder 4"/>
           <p:cNvSpPr>
             <a:spLocks noGrp="1"/>
           </p:cNvSpPr>
           <p:nvPr>
-            <p:ph idx="1"/>
-          </p:nvPr>
-        </p:nvSpPr>
-        <p:spPr>
-          <a:xfrm>
-            <a:off x="1981200" y="1500180"/>
-            <a:ext cx="8229600" cy="2214574"/>
-          </a:xfrm>
-        </p:spPr>
+            <p:ph type="body" idx="1"/>
+          </p:nvPr>
+        </p:nvSpPr>
+        <p:spPr/>
         <p:txBody>
-          <a:bodyPr>
-            <a:normAutofit/>
-          </a:bodyPr>
+          <a:bodyPr/>
           <a:lstStyle/>
           <a:p>
-            <a:r>
-              <a:rPr lang="en-GB" dirty="0" smtClean="0"/>
-              <a:t>Compilation can take longer than execution time</a:t>
-            </a:r>
-          </a:p>
-          <a:p>
-            <a:r>
-              <a:rPr lang="en-GB" dirty="0" smtClean="0"/>
-              <a:t>We want predictable results</a:t>
-            </a:r>
-          </a:p>
-          <a:p>
-            <a:r>
-              <a:rPr lang="en-GB" dirty="0" smtClean="0"/>
-              <a:t>Use our memory for data and not </a:t>
-            </a:r>
-            <a:r>
-              <a:rPr lang="en-GB" dirty="0" err="1" smtClean="0"/>
-              <a:t>adhoc</a:t>
-            </a:r>
-            <a:r>
-              <a:rPr lang="en-GB" dirty="0" smtClean="0"/>
-              <a:t> plans</a:t>
-            </a:r>
+            <a:endParaRPr lang="en-GB"/>
           </a:p>
         </p:txBody>
       </p:sp>
     </p:spTree>
     <p:extLst>
       <p:ext uri="{BB962C8B-B14F-4D97-AF65-F5344CB8AC3E}">
-        <p14:creationId xmlns:p14="http://schemas.microsoft.com/office/powerpoint/2010/main" val="3546211356"/>
+        <p14:creationId xmlns:p14="http://schemas.microsoft.com/office/powerpoint/2010/main" val="2770975309"/>
       </p:ext>
     </p:extLst>
   </p:cSld>
   <p:clrMapOvr>
     <a:masterClrMapping/>
   </p:clrMapOvr>
-  <mc:AlternateContent xmlns:mc="http://schemas.openxmlformats.org/markup-compatibility/2006" xmlns:p14="http://schemas.microsoft.com/office/powerpoint/2010/main">
-    <mc:Choice Requires="p14">
-      <p:transition spd="slow" p14:dur="2000"/>
-    </mc:Choice>
-    <mc:Fallback xmlns="">
-      <p:transition spd="slow"/>
-    </mc:Fallback>
-  </mc:AlternateContent>
   <p:timing>
     <p:tnLst>
       <p:par>
@@ -15030,36 +15075,65 @@
           <a:p>
             <a:r>
               <a:rPr lang="en-GB" dirty="0" smtClean="0"/>
-              <a:t>Plan reuse</a:t>
+              <a:t>Why plan reuse</a:t>
             </a:r>
             <a:endParaRPr lang="en-GB" dirty="0"/>
           </a:p>
         </p:txBody>
       </p:sp>
-      <p:graphicFrame>
-        <p:nvGraphicFramePr>
-          <p:cNvPr id="4" name="Content Placeholder 3"/>
-          <p:cNvGraphicFramePr>
-            <a:graphicFrameLocks noGrp="1"/>
-          </p:cNvGraphicFramePr>
+      <p:sp>
+        <p:nvSpPr>
+          <p:cNvPr id="3" name="Content Placeholder 2"/>
+          <p:cNvSpPr>
+            <a:spLocks noGrp="1"/>
+          </p:cNvSpPr>
           <p:nvPr>
             <p:ph idx="1"/>
           </p:nvPr>
-        </p:nvGraphicFramePr>
-        <p:xfrm>
-          <a:off x="1981200" y="1500189"/>
-          <a:ext cx="8229600" cy="4429125"/>
-        </p:xfrm>
-        <a:graphic>
-          <a:graphicData uri="http://schemas.openxmlformats.org/drawingml/2006/diagram">
-            <dgm:relIds xmlns:dgm="http://schemas.openxmlformats.org/drawingml/2006/diagram" xmlns:r="http://schemas.openxmlformats.org/officeDocument/2006/relationships" r:dm="rId3" r:lo="rId4" r:qs="rId5" r:cs="rId6"/>
-          </a:graphicData>
-        </a:graphic>
-      </p:graphicFrame>
+        </p:nvSpPr>
+        <p:spPr>
+          <a:xfrm>
+            <a:off x="1981200" y="1500180"/>
+            <a:ext cx="8229600" cy="2214574"/>
+          </a:xfrm>
+        </p:spPr>
+        <p:txBody>
+          <a:bodyPr>
+            <a:normAutofit/>
+          </a:bodyPr>
+          <a:lstStyle/>
+          <a:p>
+            <a:r>
+              <a:rPr lang="en-GB" dirty="0" smtClean="0"/>
+              <a:t>Compilation can take longer than execution time</a:t>
+            </a:r>
+          </a:p>
+          <a:p>
+            <a:r>
+              <a:rPr lang="en-GB" dirty="0" smtClean="0"/>
+              <a:t>We want predictable results</a:t>
+            </a:r>
+          </a:p>
+          <a:p>
+            <a:r>
+              <a:rPr lang="en-GB" dirty="0" smtClean="0"/>
+              <a:t>Use our memory for data and not </a:t>
+            </a:r>
+            <a:r>
+              <a:rPr lang="en-GB" dirty="0" err="1" smtClean="0"/>
+              <a:t>adhoc</a:t>
+            </a:r>
+            <a:r>
+              <a:rPr lang="en-GB" dirty="0" smtClean="0"/>
+              <a:t> plans</a:t>
+            </a:r>
+          </a:p>
+        </p:txBody>
+      </p:sp>
     </p:spTree>
     <p:extLst>
       <p:ext uri="{BB962C8B-B14F-4D97-AF65-F5344CB8AC3E}">
-        <p14:creationId xmlns:p14="http://schemas.microsoft.com/office/powerpoint/2010/main" val="1869684227"/>
+        <p14:creationId xmlns:p14="http://schemas.microsoft.com/office/powerpoint/2010/main" val="3546211356"/>
       </p:ext>
     </p:extLst>
   </p:cSld>
@@ -15118,122 +15192,50 @@
           <a:p>
             <a:r>
               <a:rPr lang="en-GB" dirty="0" smtClean="0"/>
-              <a:t>Parameterisation</a:t>
+              <a:t>Plan reuse</a:t>
             </a:r>
             <a:endParaRPr lang="en-GB" dirty="0"/>
           </a:p>
         </p:txBody>
       </p:sp>
-      <p:sp>
-        <p:nvSpPr>
-          <p:cNvPr id="3" name="Content Placeholder 2"/>
-          <p:cNvSpPr>
-            <a:spLocks noGrp="1"/>
-          </p:cNvSpPr>
+      <p:graphicFrame>
+        <p:nvGraphicFramePr>
+          <p:cNvPr id="4" name="Content Placeholder 3"/>
+          <p:cNvGraphicFramePr>
+            <a:graphicFrameLocks noGrp="1"/>
+          </p:cNvGraphicFramePr>
           <p:nvPr>
             <p:ph idx="1"/>
           </p:nvPr>
-        </p:nvSpPr>
-        <p:spPr>
-          <a:xfrm>
-            <a:off x="869595" y="1456726"/>
-            <a:ext cx="10515600" cy="4351338"/>
-          </a:xfrm>
-        </p:spPr>
-        <p:txBody>
-          <a:bodyPr>
-            <a:normAutofit lnSpcReduction="10000"/>
-          </a:bodyPr>
-          <a:lstStyle/>
-          <a:p>
-            <a:r>
-              <a:rPr lang="en-GB" dirty="0" smtClean="0"/>
-              <a:t>Query:</a:t>
-            </a:r>
-          </a:p>
-          <a:p>
-            <a:pPr lvl="1"/>
-            <a:r>
-              <a:rPr lang="en-GB" dirty="0" smtClean="0"/>
-              <a:t>SELECT * FROM Sales WHERE </a:t>
-            </a:r>
-            <a:r>
-              <a:rPr lang="en-GB" dirty="0" err="1" smtClean="0"/>
-              <a:t>SaleID</a:t>
-            </a:r>
-            <a:r>
-              <a:rPr lang="en-GB" dirty="0" smtClean="0"/>
-              <a:t> = 1001</a:t>
-            </a:r>
-          </a:p>
-          <a:p>
-            <a:r>
-              <a:rPr lang="en-GB" dirty="0" smtClean="0"/>
-              <a:t>Becomes:</a:t>
-            </a:r>
-            <a:endParaRPr lang="en-GB" dirty="0"/>
-          </a:p>
-          <a:p>
-            <a:pPr lvl="1"/>
-            <a:r>
-              <a:rPr lang="en-GB" dirty="0" smtClean="0"/>
-              <a:t>SELECT * FROM Sales WHERE </a:t>
-            </a:r>
-            <a:r>
-              <a:rPr lang="en-GB" dirty="0" err="1" smtClean="0"/>
-              <a:t>SaleID</a:t>
-            </a:r>
-            <a:r>
-              <a:rPr lang="en-GB" dirty="0" smtClean="0"/>
-              <a:t> = @p1</a:t>
-            </a:r>
-          </a:p>
-          <a:p>
-            <a:r>
-              <a:rPr lang="en-GB" dirty="0" smtClean="0"/>
-              <a:t>This increases the chance of a cache hit and reduces memory usage</a:t>
-            </a:r>
-          </a:p>
-          <a:p>
-            <a:r>
-              <a:rPr lang="en-GB" dirty="0" smtClean="0"/>
-              <a:t>Forced Parameterization </a:t>
-            </a:r>
-          </a:p>
-          <a:p>
-            <a:pPr lvl="1"/>
-            <a:r>
-              <a:rPr lang="en-GB" dirty="0" smtClean="0"/>
-              <a:t>Works on literal strings</a:t>
-            </a:r>
-          </a:p>
-          <a:p>
-            <a:pPr lvl="1"/>
-            <a:r>
-              <a:rPr lang="en-GB" dirty="0" smtClean="0"/>
-              <a:t>Will parameterize more queries</a:t>
-            </a:r>
-          </a:p>
-          <a:p>
-            <a:pPr lvl="1"/>
-            <a:r>
-              <a:rPr lang="en-GB" dirty="0" smtClean="0"/>
-              <a:t>But will increase chances of wrong plan</a:t>
-            </a:r>
-            <a:endParaRPr lang="en-GB" dirty="0"/>
-          </a:p>
-        </p:txBody>
-      </p:sp>
+        </p:nvGraphicFramePr>
+        <p:xfrm>
+          <a:off x="1981200" y="1500189"/>
+          <a:ext cx="8229600" cy="4429125"/>
+        </p:xfrm>
+        <a:graphic>
+          <a:graphicData uri="http://schemas.openxmlformats.org/drawingml/2006/diagram">
+            <dgm:relIds xmlns:dgm="http://schemas.openxmlformats.org/drawingml/2006/diagram" xmlns:r="http://schemas.openxmlformats.org/officeDocument/2006/relationships" r:dm="rId3" r:lo="rId4" r:qs="rId5" r:cs="rId6"/>
+          </a:graphicData>
+        </a:graphic>
+      </p:graphicFrame>
     </p:spTree>
     <p:extLst>
       <p:ext uri="{BB962C8B-B14F-4D97-AF65-F5344CB8AC3E}">
-        <p14:creationId xmlns:p14="http://schemas.microsoft.com/office/powerpoint/2010/main" val="1291243221"/>
+        <p14:creationId xmlns:p14="http://schemas.microsoft.com/office/powerpoint/2010/main" val="1869684227"/>
       </p:ext>
     </p:extLst>
   </p:cSld>
   <p:clrMapOvr>
     <a:masterClrMapping/>
   </p:clrMapOvr>
+  <mc:AlternateContent xmlns:mc="http://schemas.openxmlformats.org/markup-compatibility/2006" xmlns:p14="http://schemas.microsoft.com/office/powerpoint/2010/main">
+    <mc:Choice Requires="p14">
+      <p:transition spd="slow" p14:dur="2000"/>
+    </mc:Choice>
+    <mc:Fallback xmlns="">
+      <p:transition spd="slow"/>
+    </mc:Fallback>
+  </mc:AlternateContent>
   <p:timing>
     <p:tnLst>
       <p:par>
@@ -15278,7 +15280,7 @@
           <a:p>
             <a:r>
               <a:rPr lang="en-GB" dirty="0" smtClean="0"/>
-              <a:t>Todays Objectives</a:t>
+              <a:t>Welcome</a:t>
             </a:r>
             <a:endParaRPr lang="en-GB" dirty="0"/>
           </a:p>
@@ -15296,31 +15298,102 @@
         </p:nvSpPr>
         <p:spPr/>
         <p:txBody>
-          <a:bodyPr/>
+          <a:bodyPr>
+            <a:normAutofit/>
+          </a:bodyPr>
           <a:lstStyle/>
           <a:p>
             <a:r>
               <a:rPr lang="en-GB" dirty="0" smtClean="0"/>
-              <a:t>How SQL Server generates a query plan</a:t>
-            </a:r>
-          </a:p>
-          <a:p>
-            <a:r>
-              <a:rPr lang="en-GB" dirty="0" smtClean="0"/>
-              <a:t>When plans are and are not reused</a:t>
-            </a:r>
-          </a:p>
-          <a:p>
-            <a:r>
-              <a:rPr lang="en-GB" dirty="0" smtClean="0"/>
-              <a:t>How to read a query plan</a:t>
-            </a:r>
-          </a:p>
-          <a:p>
-            <a:r>
-              <a:rPr lang="en-GB" dirty="0" smtClean="0"/>
-              <a:t>Why query plans sometimes get it wrong</a:t>
-            </a:r>
+              <a:t>Get a VM:</a:t>
+            </a:r>
+          </a:p>
+          <a:p>
+            <a:pPr lvl="1"/>
+            <a:r>
+              <a:rPr lang="en-GB" dirty="0" smtClean="0"/>
+              <a:t>sabiniotr</a:t>
+            </a:r>
+            <a:r>
+              <a:rPr lang="en-GB" dirty="0" smtClean="0">
+                <a:solidFill>
+                  <a:srgbClr val="FF0000"/>
+                </a:solidFill>
+              </a:rPr>
+              <a:t>XX</a:t>
+            </a:r>
+            <a:r>
+              <a:rPr lang="en-GB" dirty="0" smtClean="0"/>
+              <a:t>.westeurope.cloudapp.azure.com</a:t>
+            </a:r>
+          </a:p>
+          <a:p>
+            <a:r>
+              <a:rPr lang="en-GB" dirty="0" smtClean="0"/>
+              <a:t>Login</a:t>
+            </a:r>
+          </a:p>
+          <a:p>
+            <a:pPr lvl="1"/>
+            <a:r>
+              <a:rPr lang="en-GB" dirty="0" smtClean="0"/>
+              <a:t>.\</a:t>
+            </a:r>
+            <a:r>
+              <a:rPr lang="en-GB" dirty="0" err="1" smtClean="0"/>
+              <a:t>SQLTraining</a:t>
+            </a:r>
+            <a:endParaRPr lang="en-GB" dirty="0" smtClean="0"/>
+          </a:p>
+          <a:p>
+            <a:pPr lvl="1"/>
+            <a:r>
+              <a:rPr lang="en-GB" dirty="0" smtClean="0"/>
+              <a:t>SQLTraining123</a:t>
+            </a:r>
+            <a:endParaRPr lang="en-GB" dirty="0" smtClean="0"/>
+          </a:p>
+          <a:p>
+            <a:r>
+              <a:rPr lang="en-GB" dirty="0" err="1" smtClean="0"/>
+              <a:t>Wifi</a:t>
+            </a:r>
+            <a:endParaRPr lang="en-GB" dirty="0" smtClean="0"/>
+          </a:p>
+          <a:p>
+            <a:pPr lvl="1"/>
+            <a:r>
+              <a:rPr lang="en-GB" dirty="0"/>
+              <a:t>U</a:t>
+            </a:r>
+            <a:r>
+              <a:rPr lang="en-GB" dirty="0" smtClean="0"/>
+              <a:t>sername</a:t>
+            </a:r>
+            <a:r>
+              <a:rPr lang="en-GB" dirty="0"/>
+              <a:t>:	huddle</a:t>
+            </a:r>
+          </a:p>
+          <a:p>
+            <a:pPr lvl="1"/>
+            <a:r>
+              <a:rPr lang="en-GB" dirty="0" smtClean="0"/>
+              <a:t>Password</a:t>
+            </a:r>
+            <a:r>
+              <a:rPr lang="en-GB" dirty="0"/>
+              <a:t>:	</a:t>
+            </a:r>
+            <a:r>
+              <a:rPr lang="en-GB" dirty="0" err="1"/>
+              <a:t>wCKEgk</a:t>
+            </a:r>
+            <a:endParaRPr lang="en-GB" dirty="0"/>
+          </a:p>
+          <a:p>
+            <a:pPr lvl="1"/>
+            <a:endParaRPr lang="en-GB" dirty="0" smtClean="0"/>
           </a:p>
         </p:txBody>
       </p:sp>
@@ -15378,6 +15451,166 @@
           <a:p>
             <a:r>
               <a:rPr lang="en-GB" dirty="0" smtClean="0"/>
+              <a:t>Parameterisation</a:t>
+            </a:r>
+            <a:endParaRPr lang="en-GB" dirty="0"/>
+          </a:p>
+        </p:txBody>
+      </p:sp>
+      <p:sp>
+        <p:nvSpPr>
+          <p:cNvPr id="3" name="Content Placeholder 2"/>
+          <p:cNvSpPr>
+            <a:spLocks noGrp="1"/>
+          </p:cNvSpPr>
+          <p:nvPr>
+            <p:ph idx="1"/>
+          </p:nvPr>
+        </p:nvSpPr>
+        <p:spPr>
+          <a:xfrm>
+            <a:off x="869595" y="1456726"/>
+            <a:ext cx="10515600" cy="4351338"/>
+          </a:xfrm>
+        </p:spPr>
+        <p:txBody>
+          <a:bodyPr>
+            <a:normAutofit lnSpcReduction="10000"/>
+          </a:bodyPr>
+          <a:lstStyle/>
+          <a:p>
+            <a:r>
+              <a:rPr lang="en-GB" dirty="0" smtClean="0"/>
+              <a:t>Query:</a:t>
+            </a:r>
+          </a:p>
+          <a:p>
+            <a:pPr lvl="1"/>
+            <a:r>
+              <a:rPr lang="en-GB" dirty="0" smtClean="0"/>
+              <a:t>SELECT * FROM Sales WHERE </a:t>
+            </a:r>
+            <a:r>
+              <a:rPr lang="en-GB" dirty="0" err="1" smtClean="0"/>
+              <a:t>SaleID</a:t>
+            </a:r>
+            <a:r>
+              <a:rPr lang="en-GB" dirty="0" smtClean="0"/>
+              <a:t> = 1001</a:t>
+            </a:r>
+          </a:p>
+          <a:p>
+            <a:r>
+              <a:rPr lang="en-GB" dirty="0" smtClean="0"/>
+              <a:t>Becomes:</a:t>
+            </a:r>
+            <a:endParaRPr lang="en-GB" dirty="0"/>
+          </a:p>
+          <a:p>
+            <a:pPr lvl="1"/>
+            <a:r>
+              <a:rPr lang="en-GB" dirty="0" smtClean="0"/>
+              <a:t>SELECT * FROM Sales WHERE </a:t>
+            </a:r>
+            <a:r>
+              <a:rPr lang="en-GB" dirty="0" err="1" smtClean="0"/>
+              <a:t>SaleID</a:t>
+            </a:r>
+            <a:r>
+              <a:rPr lang="en-GB" dirty="0" smtClean="0"/>
+              <a:t> = @p1</a:t>
+            </a:r>
+          </a:p>
+          <a:p>
+            <a:r>
+              <a:rPr lang="en-GB" dirty="0" smtClean="0"/>
+              <a:t>This increases the chance of a cache hit and reduces memory usage</a:t>
+            </a:r>
+          </a:p>
+          <a:p>
+            <a:r>
+              <a:rPr lang="en-GB" dirty="0" smtClean="0"/>
+              <a:t>Forced Parameterization </a:t>
+            </a:r>
+          </a:p>
+          <a:p>
+            <a:pPr lvl="1"/>
+            <a:r>
+              <a:rPr lang="en-GB" dirty="0" smtClean="0"/>
+              <a:t>Works on literal strings</a:t>
+            </a:r>
+          </a:p>
+          <a:p>
+            <a:pPr lvl="1"/>
+            <a:r>
+              <a:rPr lang="en-GB" dirty="0" smtClean="0"/>
+              <a:t>Will parameterize more queries</a:t>
+            </a:r>
+          </a:p>
+          <a:p>
+            <a:pPr lvl="1"/>
+            <a:r>
+              <a:rPr lang="en-GB" dirty="0" smtClean="0"/>
+              <a:t>But will increase chances of wrong plan</a:t>
+            </a:r>
+            <a:endParaRPr lang="en-GB" dirty="0"/>
+          </a:p>
+        </p:txBody>
+      </p:sp>
+    </p:spTree>
+    <p:extLst>
+      <p:ext uri="{BB962C8B-B14F-4D97-AF65-F5344CB8AC3E}">
+        <p14:creationId xmlns:p14="http://schemas.microsoft.com/office/powerpoint/2010/main" val="1291243221"/>
+      </p:ext>
+    </p:extLst>
+  </p:cSld>
+  <p:clrMapOvr>
+    <a:masterClrMapping/>
+  </p:clrMapOvr>
+  <p:timing>
+    <p:tnLst>
+      <p:par>
+        <p:cTn id="1" dur="indefinite" restart="never" nodeType="tmRoot"/>
+      </p:par>
+    </p:tnLst>
+  </p:timing>
+</p:sld>
+</file>
+
+<file path=ppt/slides/slide21.xml><?xml version="1.0" encoding="utf-8"?>
+<p:sld xmlns:a="http://schemas.openxmlformats.org/drawingml/2006/main" xmlns:r="http://schemas.openxmlformats.org/officeDocument/2006/relationships" xmlns:p="http://schemas.openxmlformats.org/presentationml/2006/main">
+  <p:cSld>
+    <p:spTree>
+      <p:nvGrpSpPr>
+        <p:cNvPr id="1" name=""/>
+        <p:cNvGrpSpPr/>
+        <p:nvPr/>
+      </p:nvGrpSpPr>
+      <p:grpSpPr>
+        <a:xfrm>
+          <a:off x="0" y="0"/>
+          <a:ext cx="0" cy="0"/>
+          <a:chOff x="0" y="0"/>
+          <a:chExt cx="0" cy="0"/>
+        </a:xfrm>
+      </p:grpSpPr>
+      <p:sp>
+        <p:nvSpPr>
+          <p:cNvPr id="2" name="Title 1"/>
+          <p:cNvSpPr>
+            <a:spLocks noGrp="1"/>
+          </p:cNvSpPr>
+          <p:nvPr>
+            <p:ph type="title"/>
+          </p:nvPr>
+        </p:nvSpPr>
+        <p:spPr/>
+        <p:txBody>
+          <a:bodyPr/>
+          <a:lstStyle/>
+          <a:p>
+            <a:r>
+              <a:rPr lang="en-GB" dirty="0" smtClean="0"/>
               <a:t>Parametrisation Example</a:t>
             </a:r>
             <a:endParaRPr lang="en-GB" dirty="0"/>
@@ -15525,99 +15758,6 @@
 </p:sld>
 </file>
 
-<file path=ppt/slides/slide21.xml><?xml version="1.0" encoding="utf-8"?>
-<p:sld xmlns:a="http://schemas.openxmlformats.org/drawingml/2006/main" xmlns:r="http://schemas.openxmlformats.org/officeDocument/2006/relationships" xmlns:p="http://schemas.openxmlformats.org/presentationml/2006/main">
-  <p:cSld>
-    <p:spTree>
-      <p:nvGrpSpPr>
-        <p:cNvPr id="1" name=""/>
-        <p:cNvGrpSpPr/>
-        <p:nvPr/>
-      </p:nvGrpSpPr>
-      <p:grpSpPr>
-        <a:xfrm>
-          <a:off x="0" y="0"/>
-          <a:ext cx="0" cy="0"/>
-          <a:chOff x="0" y="0"/>
-          <a:chExt cx="0" cy="0"/>
-        </a:xfrm>
-      </p:grpSpPr>
-      <p:sp>
-        <p:nvSpPr>
-          <p:cNvPr id="2" name="Title 1"/>
-          <p:cNvSpPr>
-            <a:spLocks noGrp="1"/>
-          </p:cNvSpPr>
-          <p:nvPr>
-            <p:ph type="title"/>
-          </p:nvPr>
-        </p:nvSpPr>
-        <p:spPr/>
-        <p:txBody>
-          <a:bodyPr/>
-          <a:lstStyle/>
-          <a:p>
-            <a:r>
-              <a:rPr lang="en-GB" dirty="0" smtClean="0"/>
-              <a:t>Demo – </a:t>
-            </a:r>
-            <a:r>
-              <a:rPr lang="en-GB" dirty="0"/>
-              <a:t>Parameterisation</a:t>
-            </a:r>
-            <a:endParaRPr lang="en-GB" dirty="0"/>
-          </a:p>
-        </p:txBody>
-      </p:sp>
-      <p:sp>
-        <p:nvSpPr>
-          <p:cNvPr id="3" name="Content Placeholder 2"/>
-          <p:cNvSpPr>
-            <a:spLocks noGrp="1"/>
-          </p:cNvSpPr>
-          <p:nvPr>
-            <p:ph idx="1"/>
-          </p:nvPr>
-        </p:nvSpPr>
-        <p:spPr/>
-        <p:txBody>
-          <a:bodyPr>
-            <a:normAutofit/>
-          </a:bodyPr>
-          <a:lstStyle/>
-          <a:p>
-            <a:endParaRPr lang="en-GB" dirty="0"/>
-          </a:p>
-        </p:txBody>
-      </p:sp>
-    </p:spTree>
-    <p:extLst>
-      <p:ext uri="{BB962C8B-B14F-4D97-AF65-F5344CB8AC3E}">
-        <p14:creationId xmlns:p14="http://schemas.microsoft.com/office/powerpoint/2010/main" val="849501960"/>
-      </p:ext>
-    </p:extLst>
-  </p:cSld>
-  <p:clrMapOvr>
-    <a:masterClrMapping/>
-  </p:clrMapOvr>
-  <mc:AlternateContent xmlns:mc="http://schemas.openxmlformats.org/markup-compatibility/2006" xmlns:p14="http://schemas.microsoft.com/office/powerpoint/2010/main">
-    <mc:Choice Requires="p14">
-      <p:transition spd="slow" p14:dur="2000"/>
-    </mc:Choice>
-    <mc:Fallback xmlns="">
-      <p:transition spd="slow"/>
-    </mc:Fallback>
-  </mc:AlternateContent>
-  <p:timing>
-    <p:tnLst>
-      <p:par>
-        <p:cTn id="1" dur="indefinite" restart="never" nodeType="tmRoot"/>
-      </p:par>
-    </p:tnLst>
-  </p:timing>
-</p:sld>
-</file>
-
 <file path=ppt/slides/slide22.xml><?xml version="1.0" encoding="utf-8"?>
 <p:sld xmlns:a="http://schemas.openxmlformats.org/drawingml/2006/main" xmlns:r="http://schemas.openxmlformats.org/officeDocument/2006/relationships" xmlns:p="http://schemas.openxmlformats.org/presentationml/2006/main">
   <p:cSld>
@@ -15652,9 +15792,12 @@
           <a:p>
             <a:r>
               <a:rPr lang="en-GB" dirty="0" smtClean="0"/>
-              <a:t>Bad plans</a:t>
-            </a:r>
-            <a:endParaRPr lang="en-GB" dirty="0"/>
+              <a:t>Demo – </a:t>
+            </a:r>
+            <a:r>
+              <a:rPr lang="en-GB" dirty="0"/>
+              <a:t>Parameterisation</a:t>
+            </a:r>
           </a:p>
         </p:txBody>
       </p:sp>
@@ -15671,65 +15814,10 @@
         <p:spPr/>
         <p:txBody>
           <a:bodyPr>
-            <a:normAutofit lnSpcReduction="10000"/>
+            <a:normAutofit/>
           </a:bodyPr>
           <a:lstStyle/>
           <a:p>
-            <a:r>
-              <a:rPr lang="en-GB" dirty="0" smtClean="0"/>
-              <a:t>Skewed data</a:t>
-            </a:r>
-          </a:p>
-          <a:p>
-            <a:r>
-              <a:rPr lang="en-GB" dirty="0" smtClean="0"/>
-              <a:t>Parameter value not sniffed</a:t>
-            </a:r>
-          </a:p>
-          <a:p>
-            <a:r>
-              <a:rPr lang="en-GB" dirty="0" smtClean="0"/>
-              <a:t>Look for </a:t>
-            </a:r>
-          </a:p>
-          <a:p>
-            <a:pPr lvl="1"/>
-            <a:r>
-              <a:rPr lang="en-GB" dirty="0" smtClean="0"/>
-              <a:t>Differing Actual v Estimate</a:t>
-            </a:r>
-          </a:p>
-          <a:p>
-            <a:pPr lvl="1"/>
-            <a:r>
-              <a:rPr lang="en-GB" dirty="0" smtClean="0"/>
-              <a:t>Loop joins </a:t>
-            </a:r>
-          </a:p>
-          <a:p>
-            <a:pPr lvl="1"/>
-            <a:r>
-              <a:rPr lang="en-GB" dirty="0" smtClean="0"/>
-              <a:t>Large reads/</a:t>
-            </a:r>
-            <a:r>
-              <a:rPr lang="en-GB" dirty="0" err="1" smtClean="0"/>
-              <a:t>cpu</a:t>
-            </a:r>
-            <a:endParaRPr lang="en-GB" dirty="0" smtClean="0"/>
-          </a:p>
-          <a:p>
-            <a:pPr lvl="1"/>
-            <a:r>
-              <a:rPr lang="en-GB" dirty="0" smtClean="0"/>
-              <a:t>Odd behaviour</a:t>
-            </a:r>
-          </a:p>
-          <a:p>
-            <a:r>
-              <a:rPr lang="en-GB" dirty="0" smtClean="0"/>
-              <a:t>Look in DMVs for plans, running code in SSMS may result in a new good plan</a:t>
-            </a:r>
             <a:endParaRPr lang="en-GB" dirty="0"/>
           </a:p>
         </p:txBody>
@@ -15737,7 +15825,7 @@
     </p:spTree>
     <p:extLst>
       <p:ext uri="{BB962C8B-B14F-4D97-AF65-F5344CB8AC3E}">
-        <p14:creationId xmlns:p14="http://schemas.microsoft.com/office/powerpoint/2010/main" val="1894684958"/>
+        <p14:creationId xmlns:p14="http://schemas.microsoft.com/office/powerpoint/2010/main" val="849501960"/>
       </p:ext>
     </p:extLst>
   </p:cSld>
@@ -15796,6 +15884,150 @@
           <a:p>
             <a:r>
               <a:rPr lang="en-GB" dirty="0" smtClean="0"/>
+              <a:t>Bad plans</a:t>
+            </a:r>
+            <a:endParaRPr lang="en-GB" dirty="0"/>
+          </a:p>
+        </p:txBody>
+      </p:sp>
+      <p:sp>
+        <p:nvSpPr>
+          <p:cNvPr id="3" name="Content Placeholder 2"/>
+          <p:cNvSpPr>
+            <a:spLocks noGrp="1"/>
+          </p:cNvSpPr>
+          <p:nvPr>
+            <p:ph idx="1"/>
+          </p:nvPr>
+        </p:nvSpPr>
+        <p:spPr/>
+        <p:txBody>
+          <a:bodyPr>
+            <a:normAutofit lnSpcReduction="10000"/>
+          </a:bodyPr>
+          <a:lstStyle/>
+          <a:p>
+            <a:r>
+              <a:rPr lang="en-GB" dirty="0" smtClean="0"/>
+              <a:t>Skewed data</a:t>
+            </a:r>
+          </a:p>
+          <a:p>
+            <a:r>
+              <a:rPr lang="en-GB" dirty="0" smtClean="0"/>
+              <a:t>Parameter value not sniffed</a:t>
+            </a:r>
+          </a:p>
+          <a:p>
+            <a:r>
+              <a:rPr lang="en-GB" dirty="0" smtClean="0"/>
+              <a:t>Look for </a:t>
+            </a:r>
+          </a:p>
+          <a:p>
+            <a:pPr lvl="1"/>
+            <a:r>
+              <a:rPr lang="en-GB" dirty="0" smtClean="0"/>
+              <a:t>Differing Actual v Estimate</a:t>
+            </a:r>
+          </a:p>
+          <a:p>
+            <a:pPr lvl="1"/>
+            <a:r>
+              <a:rPr lang="en-GB" dirty="0" smtClean="0"/>
+              <a:t>Loop joins </a:t>
+            </a:r>
+          </a:p>
+          <a:p>
+            <a:pPr lvl="1"/>
+            <a:r>
+              <a:rPr lang="en-GB" dirty="0" smtClean="0"/>
+              <a:t>Large reads/</a:t>
+            </a:r>
+            <a:r>
+              <a:rPr lang="en-GB" dirty="0" err="1" smtClean="0"/>
+              <a:t>cpu</a:t>
+            </a:r>
+            <a:endParaRPr lang="en-GB" dirty="0" smtClean="0"/>
+          </a:p>
+          <a:p>
+            <a:pPr lvl="1"/>
+            <a:r>
+              <a:rPr lang="en-GB" dirty="0" smtClean="0"/>
+              <a:t>Odd behaviour</a:t>
+            </a:r>
+          </a:p>
+          <a:p>
+            <a:r>
+              <a:rPr lang="en-GB" dirty="0" smtClean="0"/>
+              <a:t>Look in DMVs for plans, running code in SSMS may result in a new good plan</a:t>
+            </a:r>
+            <a:endParaRPr lang="en-GB" dirty="0"/>
+          </a:p>
+        </p:txBody>
+      </p:sp>
+    </p:spTree>
+    <p:extLst>
+      <p:ext uri="{BB962C8B-B14F-4D97-AF65-F5344CB8AC3E}">
+        <p14:creationId xmlns:p14="http://schemas.microsoft.com/office/powerpoint/2010/main" val="1894684958"/>
+      </p:ext>
+    </p:extLst>
+  </p:cSld>
+  <p:clrMapOvr>
+    <a:masterClrMapping/>
+  </p:clrMapOvr>
+  <mc:AlternateContent xmlns:mc="http://schemas.openxmlformats.org/markup-compatibility/2006" xmlns:p14="http://schemas.microsoft.com/office/powerpoint/2010/main">
+    <mc:Choice Requires="p14">
+      <p:transition spd="slow" p14:dur="2000"/>
+    </mc:Choice>
+    <mc:Fallback xmlns="">
+      <p:transition spd="slow"/>
+    </mc:Fallback>
+  </mc:AlternateContent>
+  <p:timing>
+    <p:tnLst>
+      <p:par>
+        <p:cTn id="1" dur="indefinite" restart="never" nodeType="tmRoot"/>
+      </p:par>
+    </p:tnLst>
+  </p:timing>
+</p:sld>
+</file>
+
+<file path=ppt/slides/slide24.xml><?xml version="1.0" encoding="utf-8"?>
+<p:sld xmlns:a="http://schemas.openxmlformats.org/drawingml/2006/main" xmlns:r="http://schemas.openxmlformats.org/officeDocument/2006/relationships" xmlns:p="http://schemas.openxmlformats.org/presentationml/2006/main">
+  <p:cSld>
+    <p:spTree>
+      <p:nvGrpSpPr>
+        <p:cNvPr id="1" name=""/>
+        <p:cNvGrpSpPr/>
+        <p:nvPr/>
+      </p:nvGrpSpPr>
+      <p:grpSpPr>
+        <a:xfrm>
+          <a:off x="0" y="0"/>
+          <a:ext cx="0" cy="0"/>
+          <a:chOff x="0" y="0"/>
+          <a:chExt cx="0" cy="0"/>
+        </a:xfrm>
+      </p:grpSpPr>
+      <p:sp>
+        <p:nvSpPr>
+          <p:cNvPr id="2" name="Title 1"/>
+          <p:cNvSpPr>
+            <a:spLocks noGrp="1"/>
+          </p:cNvSpPr>
+          <p:nvPr>
+            <p:ph type="title"/>
+          </p:nvPr>
+        </p:nvSpPr>
+        <p:spPr/>
+        <p:txBody>
+          <a:bodyPr/>
+          <a:lstStyle/>
+          <a:p>
+            <a:r>
+              <a:rPr lang="en-GB" dirty="0" smtClean="0"/>
               <a:t>Demo – Forced Parametrisation</a:t>
             </a:r>
             <a:endParaRPr lang="en-GB" dirty="0"/>
@@ -15822,7 +16054,7 @@
 </p:sld>
 </file>
 
-<file path=ppt/slides/slide24.xml><?xml version="1.0" encoding="utf-8"?>
+<file path=ppt/slides/slide25.xml><?xml version="1.0" encoding="utf-8"?>
 <p:sld xmlns:a="http://schemas.openxmlformats.org/drawingml/2006/main" xmlns:r="http://schemas.openxmlformats.org/officeDocument/2006/relationships" xmlns:p="http://schemas.openxmlformats.org/presentationml/2006/main">
   <p:cSld>
     <p:spTree>
@@ -15935,123 +16167,6 @@
 </p:sld>
 </file>
 
-<file path=ppt/slides/slide25.xml><?xml version="1.0" encoding="utf-8"?>
-<p:sld xmlns:a="http://schemas.openxmlformats.org/drawingml/2006/main" xmlns:r="http://schemas.openxmlformats.org/officeDocument/2006/relationships" xmlns:p="http://schemas.openxmlformats.org/presentationml/2006/main">
-  <p:cSld>
-    <p:spTree>
-      <p:nvGrpSpPr>
-        <p:cNvPr id="1" name=""/>
-        <p:cNvGrpSpPr/>
-        <p:nvPr/>
-      </p:nvGrpSpPr>
-      <p:grpSpPr>
-        <a:xfrm>
-          <a:off x="0" y="0"/>
-          <a:ext cx="0" cy="0"/>
-          <a:chOff x="0" y="0"/>
-          <a:chExt cx="0" cy="0"/>
-        </a:xfrm>
-      </p:grpSpPr>
-      <p:sp>
-        <p:nvSpPr>
-          <p:cNvPr id="2" name="Title 1"/>
-          <p:cNvSpPr>
-            <a:spLocks noGrp="1"/>
-          </p:cNvSpPr>
-          <p:nvPr>
-            <p:ph type="title"/>
-          </p:nvPr>
-        </p:nvSpPr>
-        <p:spPr/>
-        <p:txBody>
-          <a:bodyPr/>
-          <a:lstStyle/>
-          <a:p>
-            <a:r>
-              <a:rPr lang="en-GB" dirty="0" smtClean="0"/>
-              <a:t>ORMs</a:t>
-            </a:r>
-            <a:endParaRPr lang="en-GB" dirty="0"/>
-          </a:p>
-        </p:txBody>
-      </p:sp>
-      <p:sp>
-        <p:nvSpPr>
-          <p:cNvPr id="3" name="Content Placeholder 2"/>
-          <p:cNvSpPr>
-            <a:spLocks noGrp="1"/>
-          </p:cNvSpPr>
-          <p:nvPr>
-            <p:ph idx="1"/>
-          </p:nvPr>
-        </p:nvSpPr>
-        <p:spPr/>
-        <p:txBody>
-          <a:bodyPr/>
-          <a:lstStyle/>
-          <a:p>
-            <a:r>
-              <a:rPr lang="en-GB" dirty="0" err="1" smtClean="0"/>
-              <a:t>nHiberbate</a:t>
-            </a:r>
-            <a:r>
-              <a:rPr lang="en-GB" dirty="0" smtClean="0"/>
-              <a:t>/</a:t>
-            </a:r>
-            <a:r>
-              <a:rPr lang="en-GB" dirty="0" err="1" smtClean="0"/>
-              <a:t>Linq</a:t>
-            </a:r>
-            <a:endParaRPr lang="en-GB" dirty="0" smtClean="0"/>
-          </a:p>
-          <a:p>
-            <a:r>
-              <a:rPr lang="en-GB" dirty="0" err="1" smtClean="0"/>
-              <a:t>Adhoc</a:t>
-            </a:r>
-            <a:r>
-              <a:rPr lang="en-GB" dirty="0" smtClean="0"/>
-              <a:t> Plan Caching</a:t>
-            </a:r>
-          </a:p>
-          <a:p>
-            <a:pPr lvl="1"/>
-            <a:r>
-              <a:rPr lang="en-GB" dirty="0" smtClean="0"/>
-              <a:t>Server setting to cache on 2</a:t>
-            </a:r>
-            <a:r>
-              <a:rPr lang="en-GB" baseline="30000" dirty="0" smtClean="0"/>
-              <a:t>nd</a:t>
-            </a:r>
-            <a:r>
-              <a:rPr lang="en-GB" dirty="0" smtClean="0"/>
-              <a:t> execution only to save memory</a:t>
-            </a:r>
-            <a:endParaRPr lang="en-GB" dirty="0"/>
-          </a:p>
-        </p:txBody>
-      </p:sp>
-    </p:spTree>
-    <p:extLst>
-      <p:ext uri="{BB962C8B-B14F-4D97-AF65-F5344CB8AC3E}">
-        <p14:creationId xmlns:p14="http://schemas.microsoft.com/office/powerpoint/2010/main" val="750773888"/>
-      </p:ext>
-    </p:extLst>
-  </p:cSld>
-  <p:clrMapOvr>
-    <a:masterClrMapping/>
-  </p:clrMapOvr>
-  <p:timing>
-    <p:tnLst>
-      <p:par>
-        <p:cTn id="1" dur="indefinite" restart="never" nodeType="tmRoot"/>
-      </p:par>
-    </p:tnLst>
-  </p:timing>
-</p:sld>
-</file>
-
 <file path=ppt/slides/slide26.xml><?xml version="1.0" encoding="utf-8"?>
 <p:sld xmlns:a="http://schemas.openxmlformats.org/drawingml/2006/main" xmlns:r="http://schemas.openxmlformats.org/officeDocument/2006/relationships" xmlns:p="http://schemas.openxmlformats.org/presentationml/2006/main">
   <p:cSld>
@@ -16086,7 +16201,7 @@
           <a:p>
             <a:r>
               <a:rPr lang="en-GB" dirty="0" smtClean="0"/>
-              <a:t>When do plans change?</a:t>
+              <a:t>ORMs</a:t>
             </a:r>
             <a:endParaRPr lang="en-GB" dirty="0"/>
           </a:p>
@@ -16108,32 +16223,42 @@
           <a:lstStyle/>
           <a:p>
             <a:r>
-              <a:rPr lang="en-GB" dirty="0" smtClean="0"/>
-              <a:t>Statistics Change</a:t>
-            </a:r>
-          </a:p>
-          <a:p>
-            <a:r>
-              <a:rPr lang="en-GB" dirty="0" smtClean="0"/>
-              <a:t>Different SET options – Next demo</a:t>
-            </a:r>
-          </a:p>
-          <a:p>
-            <a:r>
-              <a:rPr lang="en-GB" dirty="0" smtClean="0"/>
-              <a:t>Object Changed</a:t>
-            </a:r>
-          </a:p>
-          <a:p>
-            <a:r>
-              <a:rPr lang="en-GB" dirty="0" smtClean="0"/>
-              <a:t>Forced Recompile</a:t>
-            </a:r>
-          </a:p>
-          <a:p>
-            <a:r>
-              <a:rPr lang="en-GB" dirty="0" smtClean="0"/>
-              <a:t>Server restart will clear plan cache</a:t>
+              <a:rPr lang="en-GB" dirty="0" err="1" smtClean="0"/>
+              <a:t>nHiberbate</a:t>
+            </a:r>
+            <a:r>
+              <a:rPr lang="en-GB" dirty="0" smtClean="0"/>
+              <a:t>/</a:t>
+            </a:r>
+            <a:r>
+              <a:rPr lang="en-GB" dirty="0" err="1" smtClean="0"/>
+              <a:t>Linq</a:t>
+            </a:r>
+            <a:endParaRPr lang="en-GB" dirty="0" smtClean="0"/>
+          </a:p>
+          <a:p>
+            <a:r>
+              <a:rPr lang="en-GB" dirty="0" err="1" smtClean="0"/>
+              <a:t>Adhoc</a:t>
+            </a:r>
+            <a:r>
+              <a:rPr lang="en-GB" dirty="0" smtClean="0"/>
+              <a:t> Plan Caching</a:t>
+            </a:r>
+          </a:p>
+          <a:p>
+            <a:pPr lvl="1"/>
+            <a:r>
+              <a:rPr lang="en-GB" dirty="0" smtClean="0"/>
+              <a:t>Server setting to cache on 2</a:t>
+            </a:r>
+            <a:r>
+              <a:rPr lang="en-GB" baseline="30000" dirty="0" smtClean="0"/>
+              <a:t>nd</a:t>
+            </a:r>
+            <a:r>
+              <a:rPr lang="en-GB" dirty="0" smtClean="0"/>
+              <a:t> execution only to save memory</a:t>
             </a:r>
             <a:endParaRPr lang="en-GB" dirty="0"/>
           </a:p>
@@ -16142,7 +16267,7 @@
     </p:spTree>
     <p:extLst>
       <p:ext uri="{BB962C8B-B14F-4D97-AF65-F5344CB8AC3E}">
-        <p14:creationId xmlns:p14="http://schemas.microsoft.com/office/powerpoint/2010/main" val="2474612064"/>
+        <p14:creationId xmlns:p14="http://schemas.microsoft.com/office/powerpoint/2010/main" val="750773888"/>
       </p:ext>
     </p:extLst>
   </p:cSld>
@@ -16193,6 +16318,118 @@
           <a:p>
             <a:r>
               <a:rPr lang="en-GB" dirty="0" smtClean="0"/>
+              <a:t>When do plans change?</a:t>
+            </a:r>
+            <a:endParaRPr lang="en-GB" dirty="0"/>
+          </a:p>
+        </p:txBody>
+      </p:sp>
+      <p:sp>
+        <p:nvSpPr>
+          <p:cNvPr id="3" name="Content Placeholder 2"/>
+          <p:cNvSpPr>
+            <a:spLocks noGrp="1"/>
+          </p:cNvSpPr>
+          <p:nvPr>
+            <p:ph idx="1"/>
+          </p:nvPr>
+        </p:nvSpPr>
+        <p:spPr/>
+        <p:txBody>
+          <a:bodyPr/>
+          <a:lstStyle/>
+          <a:p>
+            <a:r>
+              <a:rPr lang="en-GB" dirty="0" smtClean="0"/>
+              <a:t>Statistics Change</a:t>
+            </a:r>
+          </a:p>
+          <a:p>
+            <a:r>
+              <a:rPr lang="en-GB" dirty="0" smtClean="0"/>
+              <a:t>Different SET options </a:t>
+            </a:r>
+            <a:r>
+              <a:rPr lang="en-GB" dirty="0" smtClean="0"/>
+              <a:t>– demo later</a:t>
+            </a:r>
+            <a:endParaRPr lang="en-GB" dirty="0" smtClean="0"/>
+          </a:p>
+          <a:p>
+            <a:r>
+              <a:rPr lang="en-GB" dirty="0" smtClean="0"/>
+              <a:t>Object Changed</a:t>
+            </a:r>
+          </a:p>
+          <a:p>
+            <a:r>
+              <a:rPr lang="en-GB" dirty="0" smtClean="0"/>
+              <a:t>Forced Recompile</a:t>
+            </a:r>
+          </a:p>
+          <a:p>
+            <a:r>
+              <a:rPr lang="en-GB" dirty="0" smtClean="0"/>
+              <a:t>Server restart will clear plan cache</a:t>
+            </a:r>
+            <a:endParaRPr lang="en-GB" dirty="0"/>
+          </a:p>
+        </p:txBody>
+      </p:sp>
+    </p:spTree>
+    <p:extLst>
+      <p:ext uri="{BB962C8B-B14F-4D97-AF65-F5344CB8AC3E}">
+        <p14:creationId xmlns:p14="http://schemas.microsoft.com/office/powerpoint/2010/main" val="2474612064"/>
+      </p:ext>
+    </p:extLst>
+  </p:cSld>
+  <p:clrMapOvr>
+    <a:masterClrMapping/>
+  </p:clrMapOvr>
+  <p:timing>
+    <p:tnLst>
+      <p:par>
+        <p:cTn id="1" dur="indefinite" restart="never" nodeType="tmRoot"/>
+      </p:par>
+    </p:tnLst>
+  </p:timing>
+</p:sld>
+</file>
+
+<file path=ppt/slides/slide28.xml><?xml version="1.0" encoding="utf-8"?>
+<p:sld xmlns:a="http://schemas.openxmlformats.org/drawingml/2006/main" xmlns:r="http://schemas.openxmlformats.org/officeDocument/2006/relationships" xmlns:p="http://schemas.openxmlformats.org/presentationml/2006/main">
+  <p:cSld>
+    <p:spTree>
+      <p:nvGrpSpPr>
+        <p:cNvPr id="1" name=""/>
+        <p:cNvGrpSpPr/>
+        <p:nvPr/>
+      </p:nvGrpSpPr>
+      <p:grpSpPr>
+        <a:xfrm>
+          <a:off x="0" y="0"/>
+          <a:ext cx="0" cy="0"/>
+          <a:chOff x="0" y="0"/>
+          <a:chExt cx="0" cy="0"/>
+        </a:xfrm>
+      </p:grpSpPr>
+      <p:sp>
+        <p:nvSpPr>
+          <p:cNvPr id="2" name="Title 1"/>
+          <p:cNvSpPr>
+            <a:spLocks noGrp="1"/>
+          </p:cNvSpPr>
+          <p:nvPr>
+            <p:ph type="title"/>
+          </p:nvPr>
+        </p:nvSpPr>
+        <p:spPr/>
+        <p:txBody>
+          <a:bodyPr/>
+          <a:lstStyle/>
+          <a:p>
+            <a:r>
+              <a:rPr lang="en-GB" dirty="0" smtClean="0"/>
               <a:t>Demo – </a:t>
             </a:r>
             <a:r>
@@ -16256,7 +16493,7 @@
 </p:sld>
 </file>
 
-<file path=ppt/slides/slide28.xml><?xml version="1.0" encoding="utf-8"?>
+<file path=ppt/slides/slide29.xml><?xml version="1.0" encoding="utf-8"?>
 <p:sld xmlns:a="http://schemas.openxmlformats.org/drawingml/2006/main" xmlns:r="http://schemas.openxmlformats.org/officeDocument/2006/relationships" xmlns:p="http://schemas.openxmlformats.org/presentationml/2006/main">
   <p:cSld>
     <p:spTree>
@@ -16480,147 +16717,6 @@
 </p:sld>
 </file>
 
-<file path=ppt/slides/slide29.xml><?xml version="1.0" encoding="utf-8"?>
-<p:sld xmlns:a="http://schemas.openxmlformats.org/drawingml/2006/main" xmlns:r="http://schemas.openxmlformats.org/officeDocument/2006/relationships" xmlns:p="http://schemas.openxmlformats.org/presentationml/2006/main">
-  <p:cSld>
-    <p:spTree>
-      <p:nvGrpSpPr>
-        <p:cNvPr id="1" name=""/>
-        <p:cNvGrpSpPr/>
-        <p:nvPr/>
-      </p:nvGrpSpPr>
-      <p:grpSpPr>
-        <a:xfrm>
-          <a:off x="0" y="0"/>
-          <a:ext cx="0" cy="0"/>
-          <a:chOff x="0" y="0"/>
-          <a:chExt cx="0" cy="0"/>
-        </a:xfrm>
-      </p:grpSpPr>
-      <p:sp>
-        <p:nvSpPr>
-          <p:cNvPr id="2" name="Title 1"/>
-          <p:cNvSpPr>
-            <a:spLocks noGrp="1"/>
-          </p:cNvSpPr>
-          <p:nvPr>
-            <p:ph type="title"/>
-          </p:nvPr>
-        </p:nvSpPr>
-        <p:spPr/>
-        <p:txBody>
-          <a:bodyPr/>
-          <a:lstStyle/>
-          <a:p>
-            <a:r>
-              <a:rPr lang="en-GB" dirty="0"/>
-              <a:t>P</a:t>
-            </a:r>
-            <a:r>
-              <a:rPr lang="en-GB" dirty="0" smtClean="0"/>
-              <a:t>arallelism</a:t>
-            </a:r>
-            <a:endParaRPr lang="en-GB" dirty="0"/>
-          </a:p>
-        </p:txBody>
-      </p:sp>
-      <p:sp>
-        <p:nvSpPr>
-          <p:cNvPr id="3" name="Content Placeholder 2"/>
-          <p:cNvSpPr>
-            <a:spLocks noGrp="1"/>
-          </p:cNvSpPr>
-          <p:nvPr>
-            <p:ph idx="1"/>
-          </p:nvPr>
-        </p:nvSpPr>
-        <p:spPr/>
-        <p:txBody>
-          <a:bodyPr>
-            <a:normAutofit lnSpcReduction="10000"/>
-          </a:bodyPr>
-          <a:lstStyle/>
-          <a:p>
-            <a:r>
-              <a:rPr lang="en-GB" dirty="0" smtClean="0"/>
-              <a:t>The use of multiple </a:t>
-            </a:r>
-            <a:r>
-              <a:rPr lang="en-GB" dirty="0" err="1" smtClean="0"/>
-              <a:t>cpus</a:t>
-            </a:r>
-            <a:r>
-              <a:rPr lang="en-GB" dirty="0" smtClean="0"/>
-              <a:t>/cores</a:t>
-            </a:r>
-          </a:p>
-          <a:p>
-            <a:r>
-              <a:rPr lang="en-GB" dirty="0" smtClean="0"/>
-              <a:t>Controlled by server level configuration</a:t>
-            </a:r>
-          </a:p>
-          <a:p>
-            <a:pPr lvl="1"/>
-            <a:r>
-              <a:rPr lang="en-GB" dirty="0" smtClean="0"/>
-              <a:t>Overwritten by query hint (MAXDOP)</a:t>
-            </a:r>
-          </a:p>
-          <a:p>
-            <a:r>
-              <a:rPr lang="en-GB" dirty="0" smtClean="0"/>
-              <a:t>Not always possible	</a:t>
-            </a:r>
-          </a:p>
-          <a:p>
-            <a:pPr lvl="1"/>
-            <a:r>
-              <a:rPr lang="en-GB" dirty="0" smtClean="0"/>
-              <a:t>Distinct Count</a:t>
-            </a:r>
-          </a:p>
-          <a:p>
-            <a:r>
-              <a:rPr lang="en-GB" dirty="0" smtClean="0"/>
-              <a:t>Not always wanted</a:t>
-            </a:r>
-          </a:p>
-          <a:p>
-            <a:r>
-              <a:rPr lang="en-GB" dirty="0" smtClean="0"/>
-              <a:t>Skewed statistics leads to uneven threads (CXPACKET)</a:t>
-            </a:r>
-          </a:p>
-          <a:p>
-            <a:r>
-              <a:rPr lang="en-GB" dirty="0" smtClean="0"/>
-              <a:t>Cost Threshold dictates if it should be considered (Server level setting)</a:t>
-            </a:r>
-            <a:endParaRPr lang="en-GB" dirty="0"/>
-          </a:p>
-        </p:txBody>
-      </p:sp>
-    </p:spTree>
-    <p:extLst>
-      <p:ext uri="{BB962C8B-B14F-4D97-AF65-F5344CB8AC3E}">
-        <p14:creationId xmlns:p14="http://schemas.microsoft.com/office/powerpoint/2010/main" val="2989566329"/>
-      </p:ext>
-    </p:extLst>
-  </p:cSld>
-  <p:clrMapOvr>
-    <a:masterClrMapping/>
-  </p:clrMapOvr>
-  <p:timing>
-    <p:tnLst>
-      <p:par>
-        <p:cTn id="1" dur="indefinite" restart="never" nodeType="tmRoot"/>
-      </p:par>
-    </p:tnLst>
-  </p:timing>
-</p:sld>
-</file>
-
 <file path=ppt/slides/slide3.xml><?xml version="1.0" encoding="utf-8"?>
 <p:sld xmlns:a="http://schemas.openxmlformats.org/drawingml/2006/main" xmlns:r="http://schemas.openxmlformats.org/officeDocument/2006/relationships" xmlns:p="http://schemas.openxmlformats.org/presentationml/2006/main">
   <p:cSld>
@@ -16640,7 +16736,7 @@
       </p:grpSpPr>
       <p:sp>
         <p:nvSpPr>
-          <p:cNvPr id="4" name="Title 3"/>
+          <p:cNvPr id="2" name="Title 1"/>
           <p:cNvSpPr>
             <a:spLocks noGrp="1"/>
           </p:cNvSpPr>
@@ -16655,7 +16751,7 @@
           <a:p>
             <a:r>
               <a:rPr lang="en-GB" dirty="0" smtClean="0"/>
-              <a:t>Query Plans</a:t>
+              <a:t>Todays Objectives</a:t>
             </a:r>
             <a:endParaRPr lang="en-GB" dirty="0"/>
           </a:p>
@@ -16663,12 +16759,12 @@
       </p:sp>
       <p:sp>
         <p:nvSpPr>
-          <p:cNvPr id="5" name="Text Placeholder 4"/>
+          <p:cNvPr id="3" name="Content Placeholder 2"/>
           <p:cNvSpPr>
             <a:spLocks noGrp="1"/>
           </p:cNvSpPr>
           <p:nvPr>
-            <p:ph type="body" idx="1"/>
+            <p:ph idx="1"/>
           </p:nvPr>
         </p:nvSpPr>
         <p:spPr/>
@@ -16676,14 +16772,35 @@
           <a:bodyPr/>
           <a:lstStyle/>
           <a:p>
-            <a:endParaRPr lang="en-GB"/>
+            <a:r>
+              <a:rPr lang="en-GB" dirty="0" smtClean="0"/>
+              <a:t>How SQL Server generates a query plan</a:t>
+            </a:r>
+          </a:p>
+          <a:p>
+            <a:r>
+              <a:rPr lang="en-GB" dirty="0" smtClean="0"/>
+              <a:t>When plans are and are not reused</a:t>
+            </a:r>
+          </a:p>
+          <a:p>
+            <a:r>
+              <a:rPr lang="en-GB" dirty="0" smtClean="0"/>
+              <a:t>How to read a query plan</a:t>
+            </a:r>
+          </a:p>
+          <a:p>
+            <a:r>
+              <a:rPr lang="en-GB" dirty="0" smtClean="0"/>
+              <a:t>Why query plans sometimes get it wrong</a:t>
+            </a:r>
           </a:p>
         </p:txBody>
       </p:sp>
     </p:spTree>
     <p:extLst>
       <p:ext uri="{BB962C8B-B14F-4D97-AF65-F5344CB8AC3E}">
-        <p14:creationId xmlns:p14="http://schemas.microsoft.com/office/powerpoint/2010/main" val="3916409609"/>
+        <p14:creationId xmlns:p14="http://schemas.microsoft.com/office/powerpoint/2010/main" val="1010077829"/>
       </p:ext>
     </p:extLst>
   </p:cSld>
@@ -16733,8 +16850,12 @@
           <a:lstStyle/>
           <a:p>
             <a:r>
-              <a:rPr lang="en-GB" dirty="0" smtClean="0"/>
-              <a:t>Memory Grants &amp; Spills</a:t>
+              <a:rPr lang="en-GB" dirty="0"/>
+              <a:t>P</a:t>
+            </a:r>
+            <a:r>
+              <a:rPr lang="en-GB" dirty="0" smtClean="0"/>
+              <a:t>arallelism</a:t>
             </a:r>
             <a:endParaRPr lang="en-GB" dirty="0"/>
           </a:p>
@@ -16759,71 +16880,60 @@
           <a:p>
             <a:r>
               <a:rPr lang="en-GB" dirty="0" smtClean="0"/>
-              <a:t>Working memory space required to complete query</a:t>
-            </a:r>
-          </a:p>
-          <a:p>
-            <a:r>
-              <a:rPr lang="en-GB" dirty="0" smtClean="0"/>
-              <a:t>Lack of memory causes RESOURCE_SEMAPHORE waits</a:t>
-            </a:r>
-          </a:p>
-          <a:p>
-            <a:r>
-              <a:rPr lang="en-GB" dirty="0" smtClean="0"/>
-              <a:t>Memory grant is estimated</a:t>
+              <a:t>The use of multiple </a:t>
+            </a:r>
+            <a:r>
+              <a:rPr lang="en-GB" dirty="0" err="1" smtClean="0"/>
+              <a:t>cpus</a:t>
+            </a:r>
+            <a:r>
+              <a:rPr lang="en-GB" dirty="0" smtClean="0"/>
+              <a:t>/cores</a:t>
+            </a:r>
+          </a:p>
+          <a:p>
+            <a:r>
+              <a:rPr lang="en-GB" dirty="0" smtClean="0"/>
+              <a:t>Controlled by server level configuration</a:t>
             </a:r>
           </a:p>
           <a:p>
             <a:pPr lvl="1"/>
             <a:r>
               <a:rPr lang="en-GB" dirty="0" smtClean="0"/>
-              <a:t>Based on estimated rows expected from each operator</a:t>
+              <a:t>Overwritten by query hint (MAXDOP)</a:t>
+            </a:r>
+          </a:p>
+          <a:p>
+            <a:r>
+              <a:rPr lang="en-GB" dirty="0" smtClean="0"/>
+              <a:t>Not always possible	</a:t>
             </a:r>
           </a:p>
           <a:p>
             <a:pPr lvl="1"/>
             <a:r>
               <a:rPr lang="en-GB" dirty="0" smtClean="0"/>
-              <a:t>Estimated space required to perform joins and aggregations</a:t>
-            </a:r>
-          </a:p>
-          <a:p>
-            <a:r>
-              <a:rPr lang="en-GB" dirty="0" smtClean="0"/>
-              <a:t>If under estimated the query will “spill” to </a:t>
-            </a:r>
-            <a:r>
-              <a:rPr lang="en-GB" dirty="0" err="1" smtClean="0"/>
-              <a:t>tempDB</a:t>
-            </a:r>
-            <a:endParaRPr lang="en-GB" dirty="0" smtClean="0"/>
-          </a:p>
-          <a:p>
-            <a:pPr lvl="1"/>
-            <a:r>
-              <a:rPr lang="en-GB" dirty="0" smtClean="0"/>
-              <a:t>This is very bad</a:t>
-            </a:r>
-          </a:p>
-          <a:p>
-            <a:r>
-              <a:rPr lang="en-GB" dirty="0" smtClean="0"/>
-              <a:t>If heavily over estimated the server may run out of memory</a:t>
-            </a:r>
-          </a:p>
-          <a:p>
-            <a:pPr lvl="1"/>
-            <a:endParaRPr lang="en-GB" dirty="0" smtClean="0"/>
-          </a:p>
-          <a:p>
-            <a:endParaRPr lang="en-GB" dirty="0" smtClean="0"/>
-          </a:p>
-          <a:p>
-            <a:endParaRPr lang="en-GB" dirty="0" smtClean="0"/>
-          </a:p>
-          <a:p>
-            <a:pPr lvl="1"/>
+              <a:t>Distinct Count</a:t>
+            </a:r>
+          </a:p>
+          <a:p>
+            <a:r>
+              <a:rPr lang="en-GB" dirty="0" smtClean="0"/>
+              <a:t>Not always wanted</a:t>
+            </a:r>
+          </a:p>
+          <a:p>
+            <a:r>
+              <a:rPr lang="en-GB" dirty="0" smtClean="0"/>
+              <a:t>Skewed statistics leads to uneven threads (CXPACKET)</a:t>
+            </a:r>
+          </a:p>
+          <a:p>
+            <a:r>
+              <a:rPr lang="en-GB" dirty="0" smtClean="0"/>
+              <a:t>Cost Threshold dictates if it should be considered (Server level setting)</a:t>
+            </a:r>
             <a:endParaRPr lang="en-GB" dirty="0"/>
           </a:p>
         </p:txBody>
@@ -16831,7 +16941,7 @@
     </p:spTree>
     <p:extLst>
       <p:ext uri="{BB962C8B-B14F-4D97-AF65-F5344CB8AC3E}">
-        <p14:creationId xmlns:p14="http://schemas.microsoft.com/office/powerpoint/2010/main" val="4114035203"/>
+        <p14:creationId xmlns:p14="http://schemas.microsoft.com/office/powerpoint/2010/main" val="2989566329"/>
       </p:ext>
     </p:extLst>
   </p:cSld>
@@ -16867,6 +16977,154 @@
       </p:grpSpPr>
       <p:sp>
         <p:nvSpPr>
+          <p:cNvPr id="2" name="Title 1"/>
+          <p:cNvSpPr>
+            <a:spLocks noGrp="1"/>
+          </p:cNvSpPr>
+          <p:nvPr>
+            <p:ph type="title"/>
+          </p:nvPr>
+        </p:nvSpPr>
+        <p:spPr/>
+        <p:txBody>
+          <a:bodyPr/>
+          <a:lstStyle/>
+          <a:p>
+            <a:r>
+              <a:rPr lang="en-GB" dirty="0" smtClean="0"/>
+              <a:t>Memory Grants &amp; Spills</a:t>
+            </a:r>
+            <a:endParaRPr lang="en-GB" dirty="0"/>
+          </a:p>
+        </p:txBody>
+      </p:sp>
+      <p:sp>
+        <p:nvSpPr>
+          <p:cNvPr id="3" name="Content Placeholder 2"/>
+          <p:cNvSpPr>
+            <a:spLocks noGrp="1"/>
+          </p:cNvSpPr>
+          <p:nvPr>
+            <p:ph idx="1"/>
+          </p:nvPr>
+        </p:nvSpPr>
+        <p:spPr/>
+        <p:txBody>
+          <a:bodyPr>
+            <a:normAutofit lnSpcReduction="10000"/>
+          </a:bodyPr>
+          <a:lstStyle/>
+          <a:p>
+            <a:r>
+              <a:rPr lang="en-GB" dirty="0" smtClean="0"/>
+              <a:t>Working memory space required to complete query</a:t>
+            </a:r>
+          </a:p>
+          <a:p>
+            <a:r>
+              <a:rPr lang="en-GB" dirty="0" smtClean="0"/>
+              <a:t>Lack of memory causes RESOURCE_SEMAPHORE waits</a:t>
+            </a:r>
+          </a:p>
+          <a:p>
+            <a:r>
+              <a:rPr lang="en-GB" dirty="0" smtClean="0"/>
+              <a:t>Memory grant is estimated</a:t>
+            </a:r>
+          </a:p>
+          <a:p>
+            <a:pPr lvl="1"/>
+            <a:r>
+              <a:rPr lang="en-GB" dirty="0" smtClean="0"/>
+              <a:t>Based on estimated rows expected from each operator</a:t>
+            </a:r>
+          </a:p>
+          <a:p>
+            <a:pPr lvl="1"/>
+            <a:r>
+              <a:rPr lang="en-GB" dirty="0" smtClean="0"/>
+              <a:t>Estimated space required to perform joins and aggregations</a:t>
+            </a:r>
+          </a:p>
+          <a:p>
+            <a:r>
+              <a:rPr lang="en-GB" dirty="0" smtClean="0"/>
+              <a:t>If under estimated the query will “spill” to </a:t>
+            </a:r>
+            <a:r>
+              <a:rPr lang="en-GB" dirty="0" err="1" smtClean="0"/>
+              <a:t>tempDB</a:t>
+            </a:r>
+            <a:endParaRPr lang="en-GB" dirty="0" smtClean="0"/>
+          </a:p>
+          <a:p>
+            <a:pPr lvl="1"/>
+            <a:r>
+              <a:rPr lang="en-GB" dirty="0" smtClean="0"/>
+              <a:t>This is very bad</a:t>
+            </a:r>
+          </a:p>
+          <a:p>
+            <a:r>
+              <a:rPr lang="en-GB" dirty="0" smtClean="0"/>
+              <a:t>If heavily over estimated the server may run out of memory</a:t>
+            </a:r>
+          </a:p>
+          <a:p>
+            <a:pPr lvl="1"/>
+            <a:endParaRPr lang="en-GB" dirty="0" smtClean="0"/>
+          </a:p>
+          <a:p>
+            <a:endParaRPr lang="en-GB" dirty="0" smtClean="0"/>
+          </a:p>
+          <a:p>
+            <a:endParaRPr lang="en-GB" dirty="0" smtClean="0"/>
+          </a:p>
+          <a:p>
+            <a:pPr lvl="1"/>
+            <a:endParaRPr lang="en-GB" dirty="0"/>
+          </a:p>
+        </p:txBody>
+      </p:sp>
+    </p:spTree>
+    <p:extLst>
+      <p:ext uri="{BB962C8B-B14F-4D97-AF65-F5344CB8AC3E}">
+        <p14:creationId xmlns:p14="http://schemas.microsoft.com/office/powerpoint/2010/main" val="4114035203"/>
+      </p:ext>
+    </p:extLst>
+  </p:cSld>
+  <p:clrMapOvr>
+    <a:masterClrMapping/>
+  </p:clrMapOvr>
+  <p:timing>
+    <p:tnLst>
+      <p:par>
+        <p:cTn id="1" dur="indefinite" restart="never" nodeType="tmRoot"/>
+      </p:par>
+    </p:tnLst>
+  </p:timing>
+</p:sld>
+</file>
+
+<file path=ppt/slides/slide32.xml><?xml version="1.0" encoding="utf-8"?>
+<p:sld xmlns:a="http://schemas.openxmlformats.org/drawingml/2006/main" xmlns:r="http://schemas.openxmlformats.org/officeDocument/2006/relationships" xmlns:p="http://schemas.openxmlformats.org/presentationml/2006/main">
+  <p:cSld>
+    <p:spTree>
+      <p:nvGrpSpPr>
+        <p:cNvPr id="1" name=""/>
+        <p:cNvGrpSpPr/>
+        <p:nvPr/>
+      </p:nvGrpSpPr>
+      <p:grpSpPr>
+        <a:xfrm>
+          <a:off x="0" y="0"/>
+          <a:ext cx="0" cy="0"/>
+          <a:chOff x="0" y="0"/>
+          <a:chExt cx="0" cy="0"/>
+        </a:xfrm>
+      </p:grpSpPr>
+      <p:sp>
+        <p:nvSpPr>
           <p:cNvPr id="4" name="Title 3"/>
           <p:cNvSpPr>
             <a:spLocks noGrp="1"/>
@@ -16927,7 +17185,7 @@
 </p:sld>
 </file>
 
-<file path=ppt/slides/slide32.xml><?xml version="1.0" encoding="utf-8"?>
+<file path=ppt/slides/slide33.xml><?xml version="1.0" encoding="utf-8"?>
 <p:sld xmlns:a="http://schemas.openxmlformats.org/drawingml/2006/main" xmlns:r="http://schemas.openxmlformats.org/officeDocument/2006/relationships" xmlns:p="http://schemas.openxmlformats.org/presentationml/2006/main">
   <p:cSld>
     <p:spTree>
@@ -17030,7 +17288,7 @@
 </p:sld>
 </file>
 
-<file path=ppt/slides/slide33.xml><?xml version="1.0" encoding="utf-8"?>
+<file path=ppt/slides/slide34.xml><?xml version="1.0" encoding="utf-8"?>
 <p:sld xmlns:a="http://schemas.openxmlformats.org/drawingml/2006/main" xmlns:r="http://schemas.openxmlformats.org/officeDocument/2006/relationships" xmlns:p="http://schemas.openxmlformats.org/presentationml/2006/main">
   <p:cSld>
     <p:spTree>
@@ -17231,7 +17489,7 @@
 </p:sld>
 </file>
 
-<file path=ppt/slides/slide34.xml><?xml version="1.0" encoding="utf-8"?>
+<file path=ppt/slides/slide35.xml><?xml version="1.0" encoding="utf-8"?>
 <p:sld xmlns:a="http://schemas.openxmlformats.org/drawingml/2006/main" xmlns:r="http://schemas.openxmlformats.org/officeDocument/2006/relationships" xmlns:p="http://schemas.openxmlformats.org/presentationml/2006/main">
   <p:cSld>
     <p:spTree>
@@ -17505,7 +17763,7 @@
 </p:sld>
 </file>
 
-<file path=ppt/slides/slide35.xml><?xml version="1.0" encoding="utf-8"?>
+<file path=ppt/slides/slide36.xml><?xml version="1.0" encoding="utf-8"?>
 <p:sld xmlns:a="http://schemas.openxmlformats.org/drawingml/2006/main" xmlns:r="http://schemas.openxmlformats.org/officeDocument/2006/relationships" xmlns:p="http://schemas.openxmlformats.org/presentationml/2006/main">
   <p:cSld>
     <p:spTree>
@@ -17772,7 +18030,7 @@
 </p:sld>
 </file>
 
-<file path=ppt/slides/slide36.xml><?xml version="1.0" encoding="utf-8"?>
+<file path=ppt/slides/slide37.xml><?xml version="1.0" encoding="utf-8"?>
 <p:sld xmlns:a="http://schemas.openxmlformats.org/drawingml/2006/main" xmlns:r="http://schemas.openxmlformats.org/officeDocument/2006/relationships" xmlns:p="http://schemas.openxmlformats.org/presentationml/2006/main">
   <p:cSld>
     <p:spTree>
@@ -17963,101 +18221,6 @@
 </p:sld>
 </file>
 
-<file path=ppt/slides/slide37.xml><?xml version="1.0" encoding="utf-8"?>
-<p:sld xmlns:a="http://schemas.openxmlformats.org/drawingml/2006/main" xmlns:r="http://schemas.openxmlformats.org/officeDocument/2006/relationships" xmlns:p="http://schemas.openxmlformats.org/presentationml/2006/main">
-  <p:cSld>
-    <p:spTree>
-      <p:nvGrpSpPr>
-        <p:cNvPr id="1" name=""/>
-        <p:cNvGrpSpPr/>
-        <p:nvPr/>
-      </p:nvGrpSpPr>
-      <p:grpSpPr>
-        <a:xfrm>
-          <a:off x="0" y="0"/>
-          <a:ext cx="0" cy="0"/>
-          <a:chOff x="0" y="0"/>
-          <a:chExt cx="0" cy="0"/>
-        </a:xfrm>
-      </p:grpSpPr>
-      <p:sp>
-        <p:nvSpPr>
-          <p:cNvPr id="2" name="Title 1"/>
-          <p:cNvSpPr>
-            <a:spLocks noGrp="1"/>
-          </p:cNvSpPr>
-          <p:nvPr>
-            <p:ph type="title"/>
-          </p:nvPr>
-        </p:nvSpPr>
-        <p:spPr/>
-        <p:txBody>
-          <a:bodyPr/>
-          <a:lstStyle/>
-          <a:p>
-            <a:r>
-              <a:rPr lang="en-GB" dirty="0" smtClean="0"/>
-              <a:t>Demo</a:t>
-            </a:r>
-            <a:endParaRPr lang="en-GB" dirty="0"/>
-          </a:p>
-        </p:txBody>
-      </p:sp>
-      <p:sp>
-        <p:nvSpPr>
-          <p:cNvPr id="3" name="Content Placeholder 2"/>
-          <p:cNvSpPr>
-            <a:spLocks noGrp="1"/>
-          </p:cNvSpPr>
-          <p:nvPr>
-            <p:ph idx="1"/>
-          </p:nvPr>
-        </p:nvSpPr>
-        <p:spPr/>
-        <p:txBody>
-          <a:bodyPr/>
-          <a:lstStyle/>
-          <a:p>
-            <a:r>
-              <a:rPr lang="en-GB" dirty="0" smtClean="0"/>
-              <a:t>Finding a plan</a:t>
-            </a:r>
-          </a:p>
-          <a:p>
-            <a:r>
-              <a:rPr lang="en-GB" dirty="0" smtClean="0"/>
-              <a:t>Viewing the plan</a:t>
-            </a:r>
-          </a:p>
-          <a:p>
-            <a:r>
-              <a:rPr lang="en-GB" dirty="0" smtClean="0"/>
-              <a:t>Looking at the memory grant &amp; cost</a:t>
-            </a:r>
-            <a:endParaRPr lang="en-GB" dirty="0"/>
-          </a:p>
-        </p:txBody>
-      </p:sp>
-    </p:spTree>
-    <p:extLst>
-      <p:ext uri="{BB962C8B-B14F-4D97-AF65-F5344CB8AC3E}">
-        <p14:creationId xmlns:p14="http://schemas.microsoft.com/office/powerpoint/2010/main" val="1836877953"/>
-      </p:ext>
-    </p:extLst>
-  </p:cSld>
-  <p:clrMapOvr>
-    <a:masterClrMapping/>
-  </p:clrMapOvr>
-  <p:timing>
-    <p:tnLst>
-      <p:par>
-        <p:cTn id="1" dur="indefinite" restart="never" nodeType="tmRoot"/>
-      </p:par>
-    </p:tnLst>
-  </p:timing>
-</p:sld>
-</file>
-
 <file path=ppt/slides/slide38.xml><?xml version="1.0" encoding="utf-8"?>
 <p:sld xmlns:a="http://schemas.openxmlformats.org/drawingml/2006/main" xmlns:r="http://schemas.openxmlformats.org/officeDocument/2006/relationships" xmlns:p="http://schemas.openxmlformats.org/presentationml/2006/main">
   <p:cSld>
@@ -18077,7 +18240,7 @@
       </p:grpSpPr>
       <p:sp>
         <p:nvSpPr>
-          <p:cNvPr id="4" name="Title 3"/>
+          <p:cNvPr id="2" name="Title 1"/>
           <p:cNvSpPr>
             <a:spLocks noGrp="1"/>
           </p:cNvSpPr>
@@ -18092,7 +18255,7 @@
           <a:p>
             <a:r>
               <a:rPr lang="en-GB" dirty="0" smtClean="0"/>
-              <a:t>Hints</a:t>
+              <a:t>What to look for in plans</a:t>
             </a:r>
             <a:endParaRPr lang="en-GB" dirty="0"/>
           </a:p>
@@ -18100,12 +18263,12 @@
       </p:sp>
       <p:sp>
         <p:nvSpPr>
-          <p:cNvPr id="5" name="Text Placeholder 4"/>
+          <p:cNvPr id="3" name="Content Placeholder 2"/>
           <p:cNvSpPr>
             <a:spLocks noGrp="1"/>
           </p:cNvSpPr>
           <p:nvPr>
-            <p:ph type="body" idx="1"/>
+            <p:ph idx="1"/>
           </p:nvPr>
         </p:nvSpPr>
         <p:spPr/>
@@ -18113,27 +18276,66 @@
           <a:bodyPr/>
           <a:lstStyle/>
           <a:p>
-            <a:endParaRPr lang="en-GB"/>
+            <a:r>
+              <a:rPr lang="en-GB" dirty="0" smtClean="0"/>
+              <a:t>Actuals vs Estimates</a:t>
+            </a:r>
+          </a:p>
+          <a:p>
+            <a:pPr lvl="1"/>
+            <a:r>
+              <a:rPr lang="en-GB" dirty="0" smtClean="0"/>
+              <a:t>Statistics out of date?</a:t>
+            </a:r>
+          </a:p>
+          <a:p>
+            <a:r>
+              <a:rPr lang="en-GB" dirty="0" smtClean="0"/>
+              <a:t>Large arrows between operators</a:t>
+            </a:r>
+          </a:p>
+          <a:p>
+            <a:pPr lvl="1"/>
+            <a:r>
+              <a:rPr lang="en-GB" dirty="0" smtClean="0"/>
+              <a:t>Usually from excessive scanning</a:t>
+            </a:r>
+          </a:p>
+          <a:p>
+            <a:pPr lvl="1"/>
+            <a:r>
+              <a:rPr lang="en-GB" dirty="0" smtClean="0"/>
+              <a:t>Missing indexes? </a:t>
+            </a:r>
+          </a:p>
+          <a:p>
+            <a:pPr lvl="1"/>
+            <a:r>
+              <a:rPr lang="en-GB" dirty="0" smtClean="0"/>
+              <a:t>Poor predicates?</a:t>
+            </a:r>
+          </a:p>
+          <a:p>
+            <a:r>
+              <a:rPr lang="en-GB" dirty="0" smtClean="0"/>
+              <a:t>Warnings (Yellow exclamation marks)</a:t>
+            </a:r>
+          </a:p>
+          <a:p>
+            <a:endParaRPr lang="en-GB" dirty="0"/>
           </a:p>
         </p:txBody>
       </p:sp>
     </p:spTree>
     <p:extLst>
       <p:ext uri="{BB962C8B-B14F-4D97-AF65-F5344CB8AC3E}">
-        <p14:creationId xmlns:p14="http://schemas.microsoft.com/office/powerpoint/2010/main" val="333528818"/>
+        <p14:creationId xmlns:p14="http://schemas.microsoft.com/office/powerpoint/2010/main" val="3790498457"/>
       </p:ext>
     </p:extLst>
   </p:cSld>
   <p:clrMapOvr>
     <a:masterClrMapping/>
   </p:clrMapOvr>
-  <p:timing>
-    <p:tnLst>
-      <p:par>
-        <p:cTn id="1" dur="indefinite" restart="never" nodeType="tmRoot"/>
-      </p:par>
-    </p:tnLst>
-  </p:timing>
 </p:sld>
 </file>
 
@@ -18156,7 +18358,7 @@
       </p:grpSpPr>
       <p:sp>
         <p:nvSpPr>
-          <p:cNvPr id="2" name="Title 1"/>
+          <p:cNvPr id="4" name="Title 3"/>
           <p:cNvSpPr>
             <a:spLocks noGrp="1"/>
           </p:cNvSpPr>
@@ -18179,93 +18381,27 @@
       </p:sp>
       <p:sp>
         <p:nvSpPr>
-          <p:cNvPr id="3" name="Content Placeholder 2"/>
+          <p:cNvPr id="5" name="Text Placeholder 4"/>
           <p:cNvSpPr>
             <a:spLocks noGrp="1"/>
           </p:cNvSpPr>
           <p:nvPr>
-            <p:ph idx="1"/>
+            <p:ph type="body" idx="1"/>
           </p:nvPr>
         </p:nvSpPr>
         <p:spPr/>
         <p:txBody>
-          <a:bodyPr>
-            <a:normAutofit fontScale="92500" lnSpcReduction="20000"/>
-          </a:bodyPr>
+          <a:bodyPr/>
           <a:lstStyle/>
           <a:p>
-            <a:r>
-              <a:rPr lang="en-GB" dirty="0" smtClean="0"/>
-              <a:t>RECOMPILE/With Recompile</a:t>
-            </a:r>
-          </a:p>
-          <a:p>
-            <a:pPr lvl="1"/>
-            <a:r>
-              <a:rPr lang="en-GB" dirty="0" smtClean="0"/>
-              <a:t>Prevents the plan from being cached</a:t>
-            </a:r>
-          </a:p>
-          <a:p>
-            <a:pPr lvl="1"/>
-            <a:r>
-              <a:rPr lang="en-GB" dirty="0" smtClean="0"/>
-              <a:t>Parameterisation will not take place</a:t>
-            </a:r>
-          </a:p>
-          <a:p>
-            <a:r>
-              <a:rPr lang="en-GB" dirty="0" smtClean="0"/>
-              <a:t>FORCE ORDER</a:t>
-            </a:r>
-          </a:p>
-          <a:p>
-            <a:r>
-              <a:rPr lang="en-GB" dirty="0" smtClean="0"/>
-              <a:t>MERGE/HASH/LOOP Join</a:t>
-            </a:r>
-          </a:p>
-          <a:p>
-            <a:r>
-              <a:rPr lang="en-GB" dirty="0" smtClean="0"/>
-              <a:t>FORCE SEEK/SCAN</a:t>
-            </a:r>
-          </a:p>
-          <a:p>
-            <a:r>
-              <a:rPr lang="en-GB" dirty="0" smtClean="0"/>
-              <a:t>MAXDOP</a:t>
-            </a:r>
-          </a:p>
-          <a:p>
-            <a:r>
-              <a:rPr lang="en-GB" dirty="0" smtClean="0"/>
-              <a:t>INDEX [</a:t>
-            </a:r>
-            <a:r>
-              <a:rPr lang="en-GB" dirty="0" err="1" smtClean="0"/>
-              <a:t>IndexName</a:t>
-            </a:r>
-            <a:r>
-              <a:rPr lang="en-GB" dirty="0" smtClean="0"/>
-              <a:t>]</a:t>
-            </a:r>
-          </a:p>
-          <a:p>
-            <a:r>
-              <a:rPr lang="en-GB" dirty="0" smtClean="0"/>
-              <a:t>OPTIMIZE FOR/UNKNOWN</a:t>
-            </a:r>
-          </a:p>
-          <a:p>
-            <a:endParaRPr lang="en-GB" dirty="0"/>
+            <a:endParaRPr lang="en-GB"/>
           </a:p>
         </p:txBody>
       </p:sp>
     </p:spTree>
     <p:extLst>
       <p:ext uri="{BB962C8B-B14F-4D97-AF65-F5344CB8AC3E}">
-        <p14:creationId xmlns:p14="http://schemas.microsoft.com/office/powerpoint/2010/main" val="2038152599"/>
+        <p14:creationId xmlns:p14="http://schemas.microsoft.com/office/powerpoint/2010/main" val="333528818"/>
       </p:ext>
     </p:extLst>
   </p:cSld>
@@ -18301,6 +18437,230 @@
       </p:grpSpPr>
       <p:sp>
         <p:nvSpPr>
+          <p:cNvPr id="4" name="Title 3"/>
+          <p:cNvSpPr>
+            <a:spLocks noGrp="1"/>
+          </p:cNvSpPr>
+          <p:nvPr>
+            <p:ph type="title"/>
+          </p:nvPr>
+        </p:nvSpPr>
+        <p:spPr/>
+        <p:txBody>
+          <a:bodyPr/>
+          <a:lstStyle/>
+          <a:p>
+            <a:r>
+              <a:rPr lang="en-GB" dirty="0" smtClean="0"/>
+              <a:t>Query Plans</a:t>
+            </a:r>
+            <a:endParaRPr lang="en-GB" dirty="0"/>
+          </a:p>
+        </p:txBody>
+      </p:sp>
+      <p:sp>
+        <p:nvSpPr>
+          <p:cNvPr id="5" name="Text Placeholder 4"/>
+          <p:cNvSpPr>
+            <a:spLocks noGrp="1"/>
+          </p:cNvSpPr>
+          <p:nvPr>
+            <p:ph type="body" idx="1"/>
+          </p:nvPr>
+        </p:nvSpPr>
+        <p:spPr/>
+        <p:txBody>
+          <a:bodyPr/>
+          <a:lstStyle/>
+          <a:p>
+            <a:endParaRPr lang="en-GB"/>
+          </a:p>
+        </p:txBody>
+      </p:sp>
+    </p:spTree>
+    <p:extLst>
+      <p:ext uri="{BB962C8B-B14F-4D97-AF65-F5344CB8AC3E}">
+        <p14:creationId xmlns:p14="http://schemas.microsoft.com/office/powerpoint/2010/main" val="3916409609"/>
+      </p:ext>
+    </p:extLst>
+  </p:cSld>
+  <p:clrMapOvr>
+    <a:masterClrMapping/>
+  </p:clrMapOvr>
+  <p:timing>
+    <p:tnLst>
+      <p:par>
+        <p:cTn id="1" dur="indefinite" restart="never" nodeType="tmRoot"/>
+      </p:par>
+    </p:tnLst>
+  </p:timing>
+</p:sld>
+</file>
+
+<file path=ppt/slides/slide40.xml><?xml version="1.0" encoding="utf-8"?>
+<p:sld xmlns:a="http://schemas.openxmlformats.org/drawingml/2006/main" xmlns:r="http://schemas.openxmlformats.org/officeDocument/2006/relationships" xmlns:p="http://schemas.openxmlformats.org/presentationml/2006/main">
+  <p:cSld>
+    <p:spTree>
+      <p:nvGrpSpPr>
+        <p:cNvPr id="1" name=""/>
+        <p:cNvGrpSpPr/>
+        <p:nvPr/>
+      </p:nvGrpSpPr>
+      <p:grpSpPr>
+        <a:xfrm>
+          <a:off x="0" y="0"/>
+          <a:ext cx="0" cy="0"/>
+          <a:chOff x="0" y="0"/>
+          <a:chExt cx="0" cy="0"/>
+        </a:xfrm>
+      </p:grpSpPr>
+      <p:sp>
+        <p:nvSpPr>
+          <p:cNvPr id="2" name="Title 1"/>
+          <p:cNvSpPr>
+            <a:spLocks noGrp="1"/>
+          </p:cNvSpPr>
+          <p:nvPr>
+            <p:ph type="title"/>
+          </p:nvPr>
+        </p:nvSpPr>
+        <p:spPr/>
+        <p:txBody>
+          <a:bodyPr/>
+          <a:lstStyle/>
+          <a:p>
+            <a:r>
+              <a:rPr lang="en-GB" dirty="0" smtClean="0"/>
+              <a:t>Hints</a:t>
+            </a:r>
+            <a:endParaRPr lang="en-GB" dirty="0"/>
+          </a:p>
+        </p:txBody>
+      </p:sp>
+      <p:sp>
+        <p:nvSpPr>
+          <p:cNvPr id="3" name="Content Placeholder 2"/>
+          <p:cNvSpPr>
+            <a:spLocks noGrp="1"/>
+          </p:cNvSpPr>
+          <p:nvPr>
+            <p:ph idx="1"/>
+          </p:nvPr>
+        </p:nvSpPr>
+        <p:spPr/>
+        <p:txBody>
+          <a:bodyPr>
+            <a:normAutofit fontScale="92500" lnSpcReduction="20000"/>
+          </a:bodyPr>
+          <a:lstStyle/>
+          <a:p>
+            <a:r>
+              <a:rPr lang="en-GB" dirty="0" smtClean="0"/>
+              <a:t>RECOMPILE/With Recompile</a:t>
+            </a:r>
+          </a:p>
+          <a:p>
+            <a:pPr lvl="1"/>
+            <a:r>
+              <a:rPr lang="en-GB" dirty="0" smtClean="0"/>
+              <a:t>Prevents the plan from being cached</a:t>
+            </a:r>
+          </a:p>
+          <a:p>
+            <a:pPr lvl="1"/>
+            <a:r>
+              <a:rPr lang="en-GB" dirty="0" smtClean="0"/>
+              <a:t>Parameterisation will not take place</a:t>
+            </a:r>
+          </a:p>
+          <a:p>
+            <a:r>
+              <a:rPr lang="en-GB" dirty="0" smtClean="0"/>
+              <a:t>FORCE ORDER</a:t>
+            </a:r>
+          </a:p>
+          <a:p>
+            <a:r>
+              <a:rPr lang="en-GB" dirty="0" smtClean="0"/>
+              <a:t>MERGE/HASH/LOOP Join</a:t>
+            </a:r>
+          </a:p>
+          <a:p>
+            <a:r>
+              <a:rPr lang="en-GB" dirty="0" smtClean="0"/>
+              <a:t>FORCE SEEK/SCAN</a:t>
+            </a:r>
+          </a:p>
+          <a:p>
+            <a:r>
+              <a:rPr lang="en-GB" dirty="0" smtClean="0"/>
+              <a:t>MAXDOP</a:t>
+            </a:r>
+          </a:p>
+          <a:p>
+            <a:r>
+              <a:rPr lang="en-GB" dirty="0" smtClean="0"/>
+              <a:t>INDEX [</a:t>
+            </a:r>
+            <a:r>
+              <a:rPr lang="en-GB" dirty="0" err="1" smtClean="0"/>
+              <a:t>IndexName</a:t>
+            </a:r>
+            <a:r>
+              <a:rPr lang="en-GB" dirty="0" smtClean="0"/>
+              <a:t>]</a:t>
+            </a:r>
+          </a:p>
+          <a:p>
+            <a:r>
+              <a:rPr lang="en-GB" dirty="0" smtClean="0"/>
+              <a:t>OPTIMIZE FOR/UNKNOWN</a:t>
+            </a:r>
+          </a:p>
+          <a:p>
+            <a:endParaRPr lang="en-GB" dirty="0"/>
+          </a:p>
+        </p:txBody>
+      </p:sp>
+    </p:spTree>
+    <p:extLst>
+      <p:ext uri="{BB962C8B-B14F-4D97-AF65-F5344CB8AC3E}">
+        <p14:creationId xmlns:p14="http://schemas.microsoft.com/office/powerpoint/2010/main" val="2038152599"/>
+      </p:ext>
+    </p:extLst>
+  </p:cSld>
+  <p:clrMapOvr>
+    <a:masterClrMapping/>
+  </p:clrMapOvr>
+  <p:timing>
+    <p:tnLst>
+      <p:par>
+        <p:cTn id="1" dur="indefinite" restart="never" nodeType="tmRoot"/>
+      </p:par>
+    </p:tnLst>
+  </p:timing>
+</p:sld>
+</file>
+
+<file path=ppt/slides/slide5.xml><?xml version="1.0" encoding="utf-8"?>
+<p:sld xmlns:a="http://schemas.openxmlformats.org/drawingml/2006/main" xmlns:r="http://schemas.openxmlformats.org/officeDocument/2006/relationships" xmlns:p="http://schemas.openxmlformats.org/presentationml/2006/main">
+  <p:cSld>
+    <p:spTree>
+      <p:nvGrpSpPr>
+        <p:cNvPr id="1" name=""/>
+        <p:cNvGrpSpPr/>
+        <p:nvPr/>
+      </p:nvGrpSpPr>
+      <p:grpSpPr>
+        <a:xfrm>
+          <a:off x="0" y="0"/>
+          <a:ext cx="0" cy="0"/>
+          <a:chOff x="0" y="0"/>
+          <a:chExt cx="0" cy="0"/>
+        </a:xfrm>
+      </p:grpSpPr>
+      <p:sp>
+        <p:nvSpPr>
           <p:cNvPr id="2" name="Title 1"/>
           <p:cNvSpPr>
             <a:spLocks noGrp="1"/>
@@ -18395,7 +18755,7 @@
 </p:sld>
 </file>
 
-<file path=ppt/slides/slide5.xml><?xml version="1.0" encoding="utf-8"?>
+<file path=ppt/slides/slide6.xml><?xml version="1.0" encoding="utf-8"?>
 <p:sld xmlns:a="http://schemas.openxmlformats.org/drawingml/2006/main" xmlns:r="http://schemas.openxmlformats.org/officeDocument/2006/relationships" xmlns:p="http://schemas.openxmlformats.org/presentationml/2006/main">
   <p:cSld>
     <p:spTree>
@@ -18541,129 +18901,6 @@
 </p:sld>
 </file>
 
-<file path=ppt/slides/slide6.xml><?xml version="1.0" encoding="utf-8"?>
-<p:sld xmlns:a="http://schemas.openxmlformats.org/drawingml/2006/main" xmlns:r="http://schemas.openxmlformats.org/officeDocument/2006/relationships" xmlns:p="http://schemas.openxmlformats.org/presentationml/2006/main">
-  <p:cSld>
-    <p:spTree>
-      <p:nvGrpSpPr>
-        <p:cNvPr id="1" name=""/>
-        <p:cNvGrpSpPr/>
-        <p:nvPr/>
-      </p:nvGrpSpPr>
-      <p:grpSpPr>
-        <a:xfrm>
-          <a:off x="0" y="0"/>
-          <a:ext cx="0" cy="0"/>
-          <a:chOff x="0" y="0"/>
-          <a:chExt cx="0" cy="0"/>
-        </a:xfrm>
-      </p:grpSpPr>
-      <p:sp>
-        <p:nvSpPr>
-          <p:cNvPr id="2" name="Title 1"/>
-          <p:cNvSpPr>
-            <a:spLocks noGrp="1"/>
-          </p:cNvSpPr>
-          <p:nvPr>
-            <p:ph type="title"/>
-          </p:nvPr>
-        </p:nvSpPr>
-        <p:spPr/>
-        <p:txBody>
-          <a:bodyPr/>
-          <a:lstStyle/>
-          <a:p>
-            <a:r>
-              <a:rPr lang="en-GB" dirty="0" smtClean="0"/>
-              <a:t>What is a Plan?</a:t>
-            </a:r>
-            <a:endParaRPr lang="en-GB" dirty="0"/>
-          </a:p>
-        </p:txBody>
-      </p:sp>
-      <p:sp>
-        <p:nvSpPr>
-          <p:cNvPr id="3" name="Content Placeholder 2"/>
-          <p:cNvSpPr>
-            <a:spLocks noGrp="1"/>
-          </p:cNvSpPr>
-          <p:nvPr>
-            <p:ph idx="1"/>
-          </p:nvPr>
-        </p:nvSpPr>
-        <p:spPr/>
-        <p:txBody>
-          <a:bodyPr/>
-          <a:lstStyle/>
-          <a:p>
-            <a:r>
-              <a:rPr lang="en-GB" dirty="0" smtClean="0"/>
-              <a:t>Calculated method to complete a given task</a:t>
-            </a:r>
-          </a:p>
-          <a:p>
-            <a:r>
-              <a:rPr lang="en-GB" dirty="0" smtClean="0"/>
-              <a:t>How?</a:t>
-            </a:r>
-          </a:p>
-          <a:p>
-            <a:pPr lvl="1"/>
-            <a:r>
-              <a:rPr lang="en-GB" dirty="0" smtClean="0"/>
-              <a:t>Indexes</a:t>
-            </a:r>
-          </a:p>
-          <a:p>
-            <a:pPr lvl="1"/>
-            <a:r>
-              <a:rPr lang="en-GB" dirty="0" smtClean="0"/>
-              <a:t>Statistics</a:t>
-            </a:r>
-          </a:p>
-          <a:p>
-            <a:pPr lvl="1"/>
-            <a:r>
-              <a:rPr lang="en-GB" dirty="0" smtClean="0"/>
-              <a:t>Hints</a:t>
-            </a:r>
-          </a:p>
-          <a:p>
-            <a:r>
-              <a:rPr lang="en-GB" dirty="0" smtClean="0"/>
-              <a:t>Estimated Plans vs Actual Plans</a:t>
-            </a:r>
-          </a:p>
-          <a:p>
-            <a:pPr lvl="1"/>
-            <a:r>
-              <a:rPr lang="en-GB" dirty="0" smtClean="0"/>
-              <a:t>Actually the same thing, one just has the actual counts/cost during execution</a:t>
-            </a:r>
-            <a:endParaRPr lang="en-GB" dirty="0"/>
-          </a:p>
-        </p:txBody>
-      </p:sp>
-    </p:spTree>
-    <p:extLst>
-      <p:ext uri="{BB962C8B-B14F-4D97-AF65-F5344CB8AC3E}">
-        <p14:creationId xmlns:p14="http://schemas.microsoft.com/office/powerpoint/2010/main" val="1233659612"/>
-      </p:ext>
-    </p:extLst>
-  </p:cSld>
-  <p:clrMapOvr>
-    <a:masterClrMapping/>
-  </p:clrMapOvr>
-  <p:timing>
-    <p:tnLst>
-      <p:par>
-        <p:cTn id="1" dur="indefinite" restart="never" nodeType="tmRoot"/>
-      </p:par>
-    </p:tnLst>
-  </p:timing>
-</p:sld>
-</file>
-
 <file path=ppt/slides/slide7.xml><?xml version="1.0" encoding="utf-8"?>
 <p:sld xmlns:a="http://schemas.openxmlformats.org/drawingml/2006/main" xmlns:r="http://schemas.openxmlformats.org/officeDocument/2006/relationships" xmlns:p="http://schemas.openxmlformats.org/presentationml/2006/main">
   <p:cSld>
@@ -18698,7 +18935,7 @@
           <a:p>
             <a:r>
               <a:rPr lang="en-GB" dirty="0" smtClean="0"/>
-              <a:t>Query Plans</a:t>
+              <a:t>What is a Plan?</a:t>
             </a:r>
             <a:endParaRPr lang="en-GB" dirty="0"/>
           </a:p>
@@ -18716,74 +18953,52 @@
         </p:nvSpPr>
         <p:spPr/>
         <p:txBody>
-          <a:bodyPr>
-            <a:normAutofit fontScale="92500" lnSpcReduction="20000"/>
-          </a:bodyPr>
+          <a:bodyPr/>
           <a:lstStyle/>
           <a:p>
             <a:r>
               <a:rPr lang="en-GB" dirty="0" smtClean="0"/>
-              <a:t>Cost</a:t>
-            </a:r>
-          </a:p>
-          <a:p>
-            <a:r>
-              <a:rPr lang="en-GB" dirty="0" smtClean="0"/>
-              <a:t>Operators</a:t>
+              <a:t>Calculated method to complete a given task</a:t>
+            </a:r>
+          </a:p>
+          <a:p>
+            <a:r>
+              <a:rPr lang="en-GB" dirty="0" smtClean="0"/>
+              <a:t>How?</a:t>
             </a:r>
           </a:p>
           <a:p>
             <a:pPr lvl="1"/>
             <a:r>
               <a:rPr lang="en-GB" dirty="0" smtClean="0"/>
-              <a:t>Seeks/Scans</a:t>
+              <a:t>Indexes</a:t>
             </a:r>
           </a:p>
           <a:p>
             <a:pPr lvl="1"/>
             <a:r>
               <a:rPr lang="en-GB" dirty="0" smtClean="0"/>
-              <a:t>Joins</a:t>
+              <a:t>Statistics</a:t>
             </a:r>
           </a:p>
           <a:p>
             <a:pPr lvl="1"/>
             <a:r>
               <a:rPr lang="en-GB" dirty="0" smtClean="0"/>
-              <a:t>Sorting</a:t>
+              <a:t>Hints</a:t>
+            </a:r>
+          </a:p>
+          <a:p>
+            <a:r>
+              <a:rPr lang="en-GB" dirty="0" smtClean="0"/>
+              <a:t>Estimated Plans vs Actual Plans</a:t>
             </a:r>
           </a:p>
           <a:p>
             <a:pPr lvl="1"/>
             <a:r>
               <a:rPr lang="en-GB" dirty="0" smtClean="0"/>
-              <a:t>Calculations</a:t>
-            </a:r>
-          </a:p>
-          <a:p>
-            <a:r>
-              <a:rPr lang="en-GB" dirty="0" smtClean="0"/>
-              <a:t>Indexing</a:t>
-            </a:r>
-          </a:p>
-          <a:p>
-            <a:pPr lvl="1"/>
-            <a:r>
-              <a:rPr lang="en-GB" dirty="0" smtClean="0"/>
-              <a:t>Covering indexes</a:t>
-            </a:r>
-          </a:p>
-          <a:p>
-            <a:pPr lvl="1"/>
-            <a:r>
-              <a:rPr lang="en-GB" dirty="0" smtClean="0"/>
-              <a:t>Sort order</a:t>
-            </a:r>
-          </a:p>
-          <a:p>
-            <a:r>
-              <a:rPr lang="en-GB" dirty="0" smtClean="0"/>
-              <a:t>Estimation</a:t>
+              <a:t>Actually the same thing, one just has the actual counts/cost during execution</a:t>
             </a:r>
             <a:endParaRPr lang="en-GB" dirty="0"/>
           </a:p>
@@ -18792,21 +19007,13 @@
     </p:spTree>
     <p:extLst>
       <p:ext uri="{BB962C8B-B14F-4D97-AF65-F5344CB8AC3E}">
-        <p14:creationId xmlns:p14="http://schemas.microsoft.com/office/powerpoint/2010/main" val="501372832"/>
+        <p14:creationId xmlns:p14="http://schemas.microsoft.com/office/powerpoint/2010/main" val="1233659612"/>
       </p:ext>
     </p:extLst>
   </p:cSld>
   <p:clrMapOvr>
     <a:masterClrMapping/>
   </p:clrMapOvr>
-  <mc:AlternateContent xmlns:mc="http://schemas.openxmlformats.org/markup-compatibility/2006" xmlns:p14="http://schemas.microsoft.com/office/powerpoint/2010/main">
-    <mc:Choice Requires="p14">
-      <p:transition spd="slow" p14:dur="2000"/>
-    </mc:Choice>
-    <mc:Fallback xmlns="">
-      <p:transition spd="slow"/>
-    </mc:Fallback>
-  </mc:AlternateContent>
   <p:timing>
     <p:tnLst>
       <p:par>
@@ -18851,7 +19058,7 @@
           <a:p>
             <a:r>
               <a:rPr lang="en-GB" dirty="0" smtClean="0"/>
-              <a:t>Cost</a:t>
+              <a:t>Query Plans</a:t>
             </a:r>
             <a:endParaRPr lang="en-GB" dirty="0"/>
           </a:p>
@@ -18870,58 +19077,73 @@
         <p:spPr/>
         <p:txBody>
           <a:bodyPr>
-            <a:normAutofit/>
+            <a:normAutofit fontScale="92500" lnSpcReduction="20000"/>
           </a:bodyPr>
           <a:lstStyle/>
           <a:p>
             <a:r>
               <a:rPr lang="en-GB" dirty="0" smtClean="0"/>
-              <a:t>Is based on a machine many years ago</a:t>
-            </a:r>
-          </a:p>
-          <a:p>
-            <a:r>
-              <a:rPr lang="en-GB" dirty="0" smtClean="0"/>
-              <a:t>Doesn't equate to anything specific</a:t>
-            </a:r>
-          </a:p>
-          <a:p>
-            <a:r>
-              <a:rPr lang="en-GB" dirty="0" smtClean="0"/>
-              <a:t>Useful for comparison</a:t>
-            </a:r>
-          </a:p>
-          <a:p>
-            <a:r>
-              <a:rPr lang="en-GB" dirty="0" smtClean="0"/>
-              <a:t>Shouldn't be used in isolation</a:t>
-            </a:r>
-          </a:p>
-          <a:p>
-            <a:r>
-              <a:rPr lang="en-GB" dirty="0" smtClean="0"/>
-              <a:t>Doesn't consider server state</a:t>
+              <a:t>Cost</a:t>
+            </a:r>
+          </a:p>
+          <a:p>
+            <a:r>
+              <a:rPr lang="en-GB" dirty="0" smtClean="0"/>
+              <a:t>Operators</a:t>
             </a:r>
           </a:p>
           <a:p>
             <a:pPr lvl="1"/>
             <a:r>
               <a:rPr lang="en-GB" dirty="0" smtClean="0"/>
-              <a:t>Available memory</a:t>
+              <a:t>Seeks/Scans</a:t>
             </a:r>
           </a:p>
           <a:p>
             <a:pPr lvl="1"/>
             <a:r>
               <a:rPr lang="en-GB" dirty="0" smtClean="0"/>
-              <a:t>Pages in memory already</a:t>
+              <a:t>Joins</a:t>
             </a:r>
           </a:p>
           <a:p>
             <a:pPr lvl="1"/>
             <a:r>
               <a:rPr lang="en-GB" dirty="0" smtClean="0"/>
-              <a:t>High end disk (ram disk, SSD)</a:t>
+              <a:t>Sorting</a:t>
+            </a:r>
+          </a:p>
+          <a:p>
+            <a:pPr lvl="1"/>
+            <a:r>
+              <a:rPr lang="en-GB" dirty="0" smtClean="0"/>
+              <a:t>Calculations</a:t>
+            </a:r>
+          </a:p>
+          <a:p>
+            <a:r>
+              <a:rPr lang="en-GB" dirty="0" smtClean="0"/>
+              <a:t>Indexing</a:t>
+            </a:r>
+          </a:p>
+          <a:p>
+            <a:pPr lvl="1"/>
+            <a:r>
+              <a:rPr lang="en-GB" dirty="0" smtClean="0"/>
+              <a:t>Covering indexes</a:t>
+            </a:r>
+          </a:p>
+          <a:p>
+            <a:pPr lvl="1"/>
+            <a:r>
+              <a:rPr lang="en-GB" dirty="0" smtClean="0"/>
+              <a:t>Sort order</a:t>
+            </a:r>
+          </a:p>
+          <a:p>
+            <a:r>
+              <a:rPr lang="en-GB" dirty="0" smtClean="0"/>
+              <a:t>Estimation</a:t>
             </a:r>
             <a:endParaRPr lang="en-GB" dirty="0"/>
           </a:p>
@@ -18930,7 +19152,7 @@
     </p:spTree>
     <p:extLst>
       <p:ext uri="{BB962C8B-B14F-4D97-AF65-F5344CB8AC3E}">
-        <p14:creationId xmlns:p14="http://schemas.microsoft.com/office/powerpoint/2010/main" val="1801466196"/>
+        <p14:creationId xmlns:p14="http://schemas.microsoft.com/office/powerpoint/2010/main" val="501372832"/>
       </p:ext>
     </p:extLst>
   </p:cSld>
@@ -18989,7 +19211,7 @@
           <a:p>
             <a:r>
               <a:rPr lang="en-GB" dirty="0" smtClean="0"/>
-              <a:t>Building a Plan</a:t>
+              <a:t>Cost</a:t>
             </a:r>
             <a:endParaRPr lang="en-GB" dirty="0"/>
           </a:p>
@@ -19007,43 +19229,60 @@
         </p:nvSpPr>
         <p:spPr/>
         <p:txBody>
-          <a:bodyPr/>
+          <a:bodyPr>
+            <a:normAutofit/>
+          </a:bodyPr>
           <a:lstStyle/>
           <a:p>
             <a:r>
               <a:rPr lang="en-GB" dirty="0" smtClean="0"/>
-              <a:t>Seek vs Scan</a:t>
-            </a:r>
-          </a:p>
-          <a:p>
-            <a:r>
-              <a:rPr lang="en-GB" dirty="0" smtClean="0"/>
-              <a:t>Choosing an Index</a:t>
+              <a:t>Is based on a machine many years ago</a:t>
+            </a:r>
+          </a:p>
+          <a:p>
+            <a:r>
+              <a:rPr lang="en-GB" dirty="0" smtClean="0"/>
+              <a:t>Doesn't equate to anything specific</a:t>
+            </a:r>
+          </a:p>
+          <a:p>
+            <a:r>
+              <a:rPr lang="en-GB" dirty="0" smtClean="0"/>
+              <a:t>Useful for comparison</a:t>
+            </a:r>
+          </a:p>
+          <a:p>
+            <a:r>
+              <a:rPr lang="en-GB" dirty="0" smtClean="0"/>
+              <a:t>Shouldn't be used in isolation</a:t>
+            </a:r>
+          </a:p>
+          <a:p>
+            <a:r>
+              <a:rPr lang="en-GB" dirty="0" smtClean="0"/>
+              <a:t>Doesn't consider server state</a:t>
             </a:r>
           </a:p>
           <a:p>
             <a:pPr lvl="1"/>
             <a:r>
               <a:rPr lang="en-GB" dirty="0" smtClean="0"/>
-              <a:t>Cardinality</a:t>
-            </a:r>
-          </a:p>
-          <a:p>
-            <a:r>
-              <a:rPr lang="en-GB" dirty="0" smtClean="0"/>
-              <a:t>Covering vs Non Covering</a:t>
-            </a:r>
-          </a:p>
-          <a:p>
-            <a:r>
-              <a:rPr lang="en-GB" dirty="0" smtClean="0"/>
-              <a:t>Filtered Indexes</a:t>
-            </a:r>
-          </a:p>
-          <a:p>
-            <a:endParaRPr lang="en-GB" dirty="0" smtClean="0"/>
-          </a:p>
-          <a:p>
+              <a:t>Available memory</a:t>
+            </a:r>
+          </a:p>
+          <a:p>
+            <a:pPr lvl="1"/>
+            <a:r>
+              <a:rPr lang="en-GB" dirty="0" smtClean="0"/>
+              <a:t>Pages in memory already</a:t>
+            </a:r>
+          </a:p>
+          <a:p>
+            <a:pPr lvl="1"/>
+            <a:r>
+              <a:rPr lang="en-GB" dirty="0" smtClean="0"/>
+              <a:t>High end disk (ram disk, SSD)</a:t>
+            </a:r>
             <a:endParaRPr lang="en-GB" dirty="0"/>
           </a:p>
         </p:txBody>
@@ -19051,13 +19290,21 @@
     </p:spTree>
     <p:extLst>
       <p:ext uri="{BB962C8B-B14F-4D97-AF65-F5344CB8AC3E}">
-        <p14:creationId xmlns:p14="http://schemas.microsoft.com/office/powerpoint/2010/main" val="2914966170"/>
+        <p14:creationId xmlns:p14="http://schemas.microsoft.com/office/powerpoint/2010/main" val="1801466196"/>
       </p:ext>
     </p:extLst>
   </p:cSld>
   <p:clrMapOvr>
     <a:masterClrMapping/>
   </p:clrMapOvr>
+  <mc:AlternateContent xmlns:mc="http://schemas.openxmlformats.org/markup-compatibility/2006" xmlns:p14="http://schemas.microsoft.com/office/powerpoint/2010/main">
+    <mc:Choice Requires="p14">
+      <p:transition spd="slow" p14:dur="2000"/>
+    </mc:Choice>
+    <mc:Fallback xmlns="">
+      <p:transition spd="slow"/>
+    </mc:Fallback>
+  </mc:AlternateContent>
   <p:timing>
     <p:tnLst>
       <p:par>

--- a/Slides/3. Query Execution.pptx
+++ b/Slides/3. Query Execution.pptx
@@ -7297,7 +7297,7 @@
           <a:p>
             <a:fld id="{C33E546B-25B4-4054-B726-50ABAEF81226}" type="datetimeFigureOut">
               <a:rPr lang="en-GB" smtClean="0"/>
-              <a:t>15/02/2016</a:t>
+              <a:t>16/02/2016</a:t>
             </a:fld>
             <a:endParaRPr lang="en-GB"/>
           </a:p>
@@ -7837,11 +7837,7 @@
           <a:p>
             <a:r>
               <a:rPr lang="en-GB" dirty="0" smtClean="0"/>
-              <a:t>During this demo explain the parts of the query </a:t>
-            </a:r>
-            <a:r>
-              <a:rPr lang="en-GB" dirty="0" smtClean="0"/>
-              <a:t>plan</a:t>
+              <a:t>During this demo explain the parts of the query plan</a:t>
             </a:r>
           </a:p>
           <a:p>
@@ -8489,7 +8485,7 @@
           <a:p>
             <a:fld id="{8204E7FD-169F-464A-8003-B2893D8D8FF1}" type="datetimeFigureOut">
               <a:rPr lang="en-GB" smtClean="0"/>
-              <a:t>15/02/2016</a:t>
+              <a:t>16/02/2016</a:t>
             </a:fld>
             <a:endParaRPr lang="en-GB"/>
           </a:p>
@@ -8830,7 +8826,7 @@
           <a:p>
             <a:fld id="{8204E7FD-169F-464A-8003-B2893D8D8FF1}" type="datetimeFigureOut">
               <a:rPr lang="en-GB" smtClean="0"/>
-              <a:t>15/02/2016</a:t>
+              <a:t>16/02/2016</a:t>
             </a:fld>
             <a:endParaRPr lang="en-GB"/>
           </a:p>
@@ -9108,7 +9104,7 @@
           <a:p>
             <a:fld id="{8204E7FD-169F-464A-8003-B2893D8D8FF1}" type="datetimeFigureOut">
               <a:rPr lang="en-GB" smtClean="0"/>
-              <a:t>15/02/2016</a:t>
+              <a:t>16/02/2016</a:t>
             </a:fld>
             <a:endParaRPr lang="en-GB"/>
           </a:p>
@@ -9724,7 +9720,7 @@
           <a:p>
             <a:fld id="{8204E7FD-169F-464A-8003-B2893D8D8FF1}" type="datetimeFigureOut">
               <a:rPr lang="en-GB" smtClean="0"/>
-              <a:t>15/02/2016</a:t>
+              <a:t>16/02/2016</a:t>
             </a:fld>
             <a:endParaRPr lang="en-GB"/>
           </a:p>
@@ -10002,7 +9998,7 @@
           <a:p>
             <a:fld id="{8204E7FD-169F-464A-8003-B2893D8D8FF1}" type="datetimeFigureOut">
               <a:rPr lang="en-GB" smtClean="0"/>
-              <a:t>15/02/2016</a:t>
+              <a:t>16/02/2016</a:t>
             </a:fld>
             <a:endParaRPr lang="en-GB"/>
           </a:p>
@@ -10612,7 +10608,7 @@
           <a:p>
             <a:fld id="{8204E7FD-169F-464A-8003-B2893D8D8FF1}" type="datetimeFigureOut">
               <a:rPr lang="en-GB" smtClean="0"/>
-              <a:t>15/02/2016</a:t>
+              <a:t>16/02/2016</a:t>
             </a:fld>
             <a:endParaRPr lang="en-GB"/>
           </a:p>
@@ -10939,7 +10935,7 @@
           <a:p>
             <a:fld id="{8204E7FD-169F-464A-8003-B2893D8D8FF1}" type="datetimeFigureOut">
               <a:rPr lang="en-GB" smtClean="0"/>
-              <a:t>15/02/2016</a:t>
+              <a:t>16/02/2016</a:t>
             </a:fld>
             <a:endParaRPr lang="en-GB"/>
           </a:p>
@@ -11116,7 +11112,7 @@
           <a:p>
             <a:fld id="{8204E7FD-169F-464A-8003-B2893D8D8FF1}" type="datetimeFigureOut">
               <a:rPr lang="en-GB" smtClean="0"/>
-              <a:t>15/02/2016</a:t>
+              <a:t>16/02/2016</a:t>
             </a:fld>
             <a:endParaRPr lang="en-GB"/>
           </a:p>
@@ -11354,7 +11350,7 @@
           <a:p>
             <a:fld id="{8204E7FD-169F-464A-8003-B2893D8D8FF1}" type="datetimeFigureOut">
               <a:rPr lang="en-GB" smtClean="0"/>
-              <a:t>15/02/2016</a:t>
+              <a:t>16/02/2016</a:t>
             </a:fld>
             <a:endParaRPr lang="en-GB"/>
           </a:p>
@@ -11554,7 +11550,7 @@
           <a:p>
             <a:fld id="{8204E7FD-169F-464A-8003-B2893D8D8FF1}" type="datetimeFigureOut">
               <a:rPr lang="en-GB" smtClean="0"/>
-              <a:t>15/02/2016</a:t>
+              <a:t>16/02/2016</a:t>
             </a:fld>
             <a:endParaRPr lang="en-GB"/>
           </a:p>
@@ -11837,7 +11833,7 @@
           <a:p>
             <a:fld id="{8204E7FD-169F-464A-8003-B2893D8D8FF1}" type="datetimeFigureOut">
               <a:rPr lang="en-GB" smtClean="0"/>
-              <a:t>15/02/2016</a:t>
+              <a:t>16/02/2016</a:t>
             </a:fld>
             <a:endParaRPr lang="en-GB"/>
           </a:p>
@@ -12110,7 +12106,7 @@
           <a:p>
             <a:fld id="{8204E7FD-169F-464A-8003-B2893D8D8FF1}" type="datetimeFigureOut">
               <a:rPr lang="en-GB" smtClean="0"/>
-              <a:t>15/02/2016</a:t>
+              <a:t>16/02/2016</a:t>
             </a:fld>
             <a:endParaRPr lang="en-GB"/>
           </a:p>
@@ -12484,7 +12480,7 @@
           <a:p>
             <a:fld id="{8204E7FD-169F-464A-8003-B2893D8D8FF1}" type="datetimeFigureOut">
               <a:rPr lang="en-GB" smtClean="0"/>
-              <a:t>15/02/2016</a:t>
+              <a:t>16/02/2016</a:t>
             </a:fld>
             <a:endParaRPr lang="en-GB"/>
           </a:p>
@@ -12639,7 +12635,7 @@
           <a:p>
             <a:fld id="{8204E7FD-169F-464A-8003-B2893D8D8FF1}" type="datetimeFigureOut">
               <a:rPr lang="en-GB" smtClean="0"/>
-              <a:t>15/02/2016</a:t>
+              <a:t>16/02/2016</a:t>
             </a:fld>
             <a:endParaRPr lang="en-GB"/>
           </a:p>
@@ -12764,7 +12760,7 @@
           <a:p>
             <a:fld id="{8204E7FD-169F-464A-8003-B2893D8D8FF1}" type="datetimeFigureOut">
               <a:rPr lang="en-GB" smtClean="0"/>
-              <a:t>15/02/2016</a:t>
+              <a:t>16/02/2016</a:t>
             </a:fld>
             <a:endParaRPr lang="en-GB"/>
           </a:p>
@@ -13049,7 +13045,7 @@
           <a:p>
             <a:fld id="{8204E7FD-169F-464A-8003-B2893D8D8FF1}" type="datetimeFigureOut">
               <a:rPr lang="en-GB" smtClean="0"/>
-              <a:t>15/02/2016</a:t>
+              <a:t>16/02/2016</a:t>
             </a:fld>
             <a:endParaRPr lang="en-GB"/>
           </a:p>
@@ -13373,7 +13369,7 @@
           <a:p>
             <a:fld id="{8204E7FD-169F-464A-8003-B2893D8D8FF1}" type="datetimeFigureOut">
               <a:rPr lang="en-GB" smtClean="0"/>
-              <a:t>15/02/2016</a:t>
+              <a:t>16/02/2016</a:t>
             </a:fld>
             <a:endParaRPr lang="en-GB"/>
           </a:p>
@@ -13587,7 +13583,7 @@
           <a:p>
             <a:fld id="{8204E7FD-169F-464A-8003-B2893D8D8FF1}" type="datetimeFigureOut">
               <a:rPr lang="en-GB" smtClean="0"/>
-              <a:t>15/02/2016</a:t>
+              <a:t>16/02/2016</a:t>
             </a:fld>
             <a:endParaRPr lang="en-GB"/>
           </a:p>
@@ -14285,6 +14281,12 @@
             </a:r>
           </a:p>
           <a:p>
+            <a:r>
+              <a:rPr lang="en-GB" dirty="0" smtClean="0"/>
+              <a:t>Plan Guides</a:t>
+            </a:r>
+          </a:p>
+          <a:p>
             <a:endParaRPr lang="en-GB" dirty="0" smtClean="0"/>
           </a:p>
           <a:p>
@@ -15351,7 +15353,6 @@
               <a:rPr lang="en-GB" dirty="0" smtClean="0"/>
               <a:t>SQLTraining123</a:t>
             </a:r>
-            <a:endParaRPr lang="en-GB" dirty="0" smtClean="0"/>
           </a:p>
           <a:p>
             <a:r>
@@ -16347,13 +16348,21 @@
           <a:p>
             <a:r>
               <a:rPr lang="en-GB" dirty="0" smtClean="0"/>
-              <a:t>Different SET options </a:t>
-            </a:r>
-            <a:r>
-              <a:rPr lang="en-GB" dirty="0" smtClean="0"/>
-              <a:t>– demo later</a:t>
-            </a:r>
-            <a:endParaRPr lang="en-GB" dirty="0" smtClean="0"/>
+              <a:t>Evicted from memory</a:t>
+            </a:r>
+          </a:p>
+          <a:p>
+            <a:pPr lvl="1"/>
+            <a:r>
+              <a:rPr lang="en-GB" dirty="0" smtClean="0"/>
+              <a:t>Based on usage and cost to generate</a:t>
+            </a:r>
+          </a:p>
+          <a:p>
+            <a:r>
+              <a:rPr lang="en-GB" dirty="0" smtClean="0"/>
+              <a:t>Different SET options – next demo</a:t>
+            </a:r>
           </a:p>
           <a:p>
             <a:r>
@@ -18715,6 +18724,10 @@
               <a:t>Enough memory (space to execute the query) – not </a:t>
             </a:r>
             <a:r>
+              <a:rPr lang="en-GB" dirty="0" smtClean="0"/>
+              <a:t>strictly </a:t>
+            </a:r>
+            <a:r>
               <a:rPr lang="en-GB" dirty="0" err="1" smtClean="0"/>
               <a:t>fifo</a:t>
             </a:r>
@@ -18953,13 +18966,33 @@
         </p:nvSpPr>
         <p:spPr/>
         <p:txBody>
-          <a:bodyPr/>
+          <a:bodyPr>
+            <a:normAutofit fontScale="92500" lnSpcReduction="10000"/>
+          </a:bodyPr>
           <a:lstStyle/>
           <a:p>
             <a:r>
               <a:rPr lang="en-GB" dirty="0" smtClean="0"/>
-              <a:t>Calculated method to complete a given task</a:t>
-            </a:r>
+              <a:t>Calculated method to complete a given </a:t>
+            </a:r>
+            <a:r>
+              <a:rPr lang="en-GB" dirty="0" smtClean="0"/>
+              <a:t>task</a:t>
+            </a:r>
+          </a:p>
+          <a:p>
+            <a:r>
+              <a:rPr lang="en-GB" dirty="0" smtClean="0"/>
+              <a:t>Estimates resources required	</a:t>
+            </a:r>
+          </a:p>
+          <a:p>
+            <a:pPr lvl="1"/>
+            <a:r>
+              <a:rPr lang="en-GB" dirty="0" smtClean="0"/>
+              <a:t>Cost (CPU/Memory)</a:t>
+            </a:r>
+            <a:endParaRPr lang="en-GB" dirty="0" smtClean="0"/>
           </a:p>
           <a:p>
             <a:r>

--- a/Slides/3. Query Execution.pptx
+++ b/Slides/3. Query Execution.pptx
@@ -8,8 +8,8 @@
     <p:notesMasterId r:id="rId42"/>
   </p:notesMasterIdLst>
   <p:sldIdLst>
-    <p:sldId id="256" r:id="rId2"/>
-    <p:sldId id="284" r:id="rId3"/>
+    <p:sldId id="305" r:id="rId2"/>
+    <p:sldId id="256" r:id="rId3"/>
     <p:sldId id="304" r:id="rId4"/>
     <p:sldId id="288" r:id="rId5"/>
     <p:sldId id="299" r:id="rId6"/>
@@ -151,8 +151,8 @@
       <p14:sectionLst xmlns:p14="http://schemas.microsoft.com/office/powerpoint/2010/main">
         <p14:section name="Query Plans" id="{83BD849D-C976-4106-9033-75A5B83D4A95}">
           <p14:sldIdLst>
+            <p14:sldId id="305"/>
             <p14:sldId id="256"/>
-            <p14:sldId id="284"/>
             <p14:sldId id="304"/>
             <p14:sldId id="288"/>
             <p14:sldId id="299"/>
@@ -7297,7 +7297,7 @@
           <a:p>
             <a:fld id="{C33E546B-25B4-4054-B726-50ABAEF81226}" type="datetimeFigureOut">
               <a:rPr lang="en-GB" smtClean="0"/>
-              <a:t>16/02/2016</a:t>
+              <a:t>02/03/2016</a:t>
             </a:fld>
             <a:endParaRPr lang="en-GB"/>
           </a:p>
@@ -8132,6 +8132,94 @@
           <a:bodyPr/>
           <a:lstStyle/>
           <a:p>
+            <a:r>
+              <a:rPr lang="en-GB" dirty="0" smtClean="0"/>
+              <a:t>Show DBCC USEROPTIONS()</a:t>
+            </a:r>
+            <a:endParaRPr lang="en-GB" dirty="0"/>
+          </a:p>
+        </p:txBody>
+      </p:sp>
+      <p:sp>
+        <p:nvSpPr>
+          <p:cNvPr id="4" name="Slide Number Placeholder 3"/>
+          <p:cNvSpPr>
+            <a:spLocks noGrp="1"/>
+          </p:cNvSpPr>
+          <p:nvPr>
+            <p:ph type="sldNum" sz="quarter" idx="10"/>
+          </p:nvPr>
+        </p:nvSpPr>
+        <p:spPr/>
+        <p:txBody>
+          <a:bodyPr/>
+          <a:lstStyle/>
+          <a:p>
+            <a:fld id="{C07FE611-E342-4944-80A8-F7B4C421E4DD}" type="slidenum">
+              <a:rPr lang="en-GB" smtClean="0"/>
+              <a:t>28</a:t>
+            </a:fld>
+            <a:endParaRPr lang="en-GB"/>
+          </a:p>
+        </p:txBody>
+      </p:sp>
+    </p:spTree>
+    <p:extLst>
+      <p:ext uri="{BB962C8B-B14F-4D97-AF65-F5344CB8AC3E}">
+        <p14:creationId xmlns:p14="http://schemas.microsoft.com/office/powerpoint/2010/main" val="1133274640"/>
+      </p:ext>
+    </p:extLst>
+  </p:cSld>
+  <p:clrMapOvr>
+    <a:masterClrMapping/>
+  </p:clrMapOvr>
+</p:notes>
+</file>
+
+<file path=ppt/notesSlides/notesSlide6.xml><?xml version="1.0" encoding="utf-8"?>
+<p:notes xmlns:a="http://schemas.openxmlformats.org/drawingml/2006/main" xmlns:r="http://schemas.openxmlformats.org/officeDocument/2006/relationships" xmlns:p="http://schemas.openxmlformats.org/presentationml/2006/main">
+  <p:cSld>
+    <p:spTree>
+      <p:nvGrpSpPr>
+        <p:cNvPr id="1" name=""/>
+        <p:cNvGrpSpPr/>
+        <p:nvPr/>
+      </p:nvGrpSpPr>
+      <p:grpSpPr>
+        <a:xfrm>
+          <a:off x="0" y="0"/>
+          <a:ext cx="0" cy="0"/>
+          <a:chOff x="0" y="0"/>
+          <a:chExt cx="0" cy="0"/>
+        </a:xfrm>
+      </p:grpSpPr>
+      <p:sp>
+        <p:nvSpPr>
+          <p:cNvPr id="2" name="Slide Image Placeholder 1"/>
+          <p:cNvSpPr>
+            <a:spLocks noGrp="1" noRot="1" noChangeAspect="1"/>
+          </p:cNvSpPr>
+          <p:nvPr>
+            <p:ph type="sldImg"/>
+          </p:nvPr>
+        </p:nvSpPr>
+        <p:spPr/>
+      </p:sp>
+      <p:sp>
+        <p:nvSpPr>
+          <p:cNvPr id="3" name="Notes Placeholder 2"/>
+          <p:cNvSpPr>
+            <a:spLocks noGrp="1"/>
+          </p:cNvSpPr>
+          <p:nvPr>
+            <p:ph type="body" idx="1"/>
+          </p:nvPr>
+        </p:nvSpPr>
+        <p:spPr/>
+        <p:txBody>
+          <a:bodyPr/>
+          <a:lstStyle/>
+          <a:p>
             <a:endParaRPr lang="en-GB" dirty="0"/>
           </a:p>
         </p:txBody>
@@ -8172,7 +8260,7 @@
 </p:notes>
 </file>
 
-<file path=ppt/notesSlides/notesSlide6.xml><?xml version="1.0" encoding="utf-8"?>
+<file path=ppt/notesSlides/notesSlide7.xml><?xml version="1.0" encoding="utf-8"?>
 <p:notes xmlns:a="http://schemas.openxmlformats.org/drawingml/2006/main" xmlns:r="http://schemas.openxmlformats.org/officeDocument/2006/relationships" xmlns:p="http://schemas.openxmlformats.org/presentationml/2006/main">
   <p:cSld>
     <p:spTree>
@@ -8485,7 +8573,7 @@
           <a:p>
             <a:fld id="{8204E7FD-169F-464A-8003-B2893D8D8FF1}" type="datetimeFigureOut">
               <a:rPr lang="en-GB" smtClean="0"/>
-              <a:t>16/02/2016</a:t>
+              <a:t>02/03/2016</a:t>
             </a:fld>
             <a:endParaRPr lang="en-GB"/>
           </a:p>
@@ -8826,7 +8914,7 @@
           <a:p>
             <a:fld id="{8204E7FD-169F-464A-8003-B2893D8D8FF1}" type="datetimeFigureOut">
               <a:rPr lang="en-GB" smtClean="0"/>
-              <a:t>16/02/2016</a:t>
+              <a:t>02/03/2016</a:t>
             </a:fld>
             <a:endParaRPr lang="en-GB"/>
           </a:p>
@@ -9104,7 +9192,7 @@
           <a:p>
             <a:fld id="{8204E7FD-169F-464A-8003-B2893D8D8FF1}" type="datetimeFigureOut">
               <a:rPr lang="en-GB" smtClean="0"/>
-              <a:t>16/02/2016</a:t>
+              <a:t>02/03/2016</a:t>
             </a:fld>
             <a:endParaRPr lang="en-GB"/>
           </a:p>
@@ -9720,7 +9808,7 @@
           <a:p>
             <a:fld id="{8204E7FD-169F-464A-8003-B2893D8D8FF1}" type="datetimeFigureOut">
               <a:rPr lang="en-GB" smtClean="0"/>
-              <a:t>16/02/2016</a:t>
+              <a:t>02/03/2016</a:t>
             </a:fld>
             <a:endParaRPr lang="en-GB"/>
           </a:p>
@@ -9998,7 +10086,7 @@
           <a:p>
             <a:fld id="{8204E7FD-169F-464A-8003-B2893D8D8FF1}" type="datetimeFigureOut">
               <a:rPr lang="en-GB" smtClean="0"/>
-              <a:t>16/02/2016</a:t>
+              <a:t>02/03/2016</a:t>
             </a:fld>
             <a:endParaRPr lang="en-GB"/>
           </a:p>
@@ -10608,7 +10696,7 @@
           <a:p>
             <a:fld id="{8204E7FD-169F-464A-8003-B2893D8D8FF1}" type="datetimeFigureOut">
               <a:rPr lang="en-GB" smtClean="0"/>
-              <a:t>16/02/2016</a:t>
+              <a:t>02/03/2016</a:t>
             </a:fld>
             <a:endParaRPr lang="en-GB"/>
           </a:p>
@@ -10935,7 +11023,7 @@
           <a:p>
             <a:fld id="{8204E7FD-169F-464A-8003-B2893D8D8FF1}" type="datetimeFigureOut">
               <a:rPr lang="en-GB" smtClean="0"/>
-              <a:t>16/02/2016</a:t>
+              <a:t>02/03/2016</a:t>
             </a:fld>
             <a:endParaRPr lang="en-GB"/>
           </a:p>
@@ -11112,7 +11200,7 @@
           <a:p>
             <a:fld id="{8204E7FD-169F-464A-8003-B2893D8D8FF1}" type="datetimeFigureOut">
               <a:rPr lang="en-GB" smtClean="0"/>
-              <a:t>16/02/2016</a:t>
+              <a:t>02/03/2016</a:t>
             </a:fld>
             <a:endParaRPr lang="en-GB"/>
           </a:p>
@@ -11350,7 +11438,7 @@
           <a:p>
             <a:fld id="{8204E7FD-169F-464A-8003-B2893D8D8FF1}" type="datetimeFigureOut">
               <a:rPr lang="en-GB" smtClean="0"/>
-              <a:t>16/02/2016</a:t>
+              <a:t>02/03/2016</a:t>
             </a:fld>
             <a:endParaRPr lang="en-GB"/>
           </a:p>
@@ -11550,7 +11638,7 @@
           <a:p>
             <a:fld id="{8204E7FD-169F-464A-8003-B2893D8D8FF1}" type="datetimeFigureOut">
               <a:rPr lang="en-GB" smtClean="0"/>
-              <a:t>16/02/2016</a:t>
+              <a:t>02/03/2016</a:t>
             </a:fld>
             <a:endParaRPr lang="en-GB"/>
           </a:p>
@@ -11833,7 +11921,7 @@
           <a:p>
             <a:fld id="{8204E7FD-169F-464A-8003-B2893D8D8FF1}" type="datetimeFigureOut">
               <a:rPr lang="en-GB" smtClean="0"/>
-              <a:t>16/02/2016</a:t>
+              <a:t>02/03/2016</a:t>
             </a:fld>
             <a:endParaRPr lang="en-GB"/>
           </a:p>
@@ -12106,7 +12194,7 @@
           <a:p>
             <a:fld id="{8204E7FD-169F-464A-8003-B2893D8D8FF1}" type="datetimeFigureOut">
               <a:rPr lang="en-GB" smtClean="0"/>
-              <a:t>16/02/2016</a:t>
+              <a:t>02/03/2016</a:t>
             </a:fld>
             <a:endParaRPr lang="en-GB"/>
           </a:p>
@@ -12480,7 +12568,7 @@
           <a:p>
             <a:fld id="{8204E7FD-169F-464A-8003-B2893D8D8FF1}" type="datetimeFigureOut">
               <a:rPr lang="en-GB" smtClean="0"/>
-              <a:t>16/02/2016</a:t>
+              <a:t>02/03/2016</a:t>
             </a:fld>
             <a:endParaRPr lang="en-GB"/>
           </a:p>
@@ -12635,7 +12723,7 @@
           <a:p>
             <a:fld id="{8204E7FD-169F-464A-8003-B2893D8D8FF1}" type="datetimeFigureOut">
               <a:rPr lang="en-GB" smtClean="0"/>
-              <a:t>16/02/2016</a:t>
+              <a:t>02/03/2016</a:t>
             </a:fld>
             <a:endParaRPr lang="en-GB"/>
           </a:p>
@@ -12760,7 +12848,7 @@
           <a:p>
             <a:fld id="{8204E7FD-169F-464A-8003-B2893D8D8FF1}" type="datetimeFigureOut">
               <a:rPr lang="en-GB" smtClean="0"/>
-              <a:t>16/02/2016</a:t>
+              <a:t>02/03/2016</a:t>
             </a:fld>
             <a:endParaRPr lang="en-GB"/>
           </a:p>
@@ -13045,7 +13133,7 @@
           <a:p>
             <a:fld id="{8204E7FD-169F-464A-8003-B2893D8D8FF1}" type="datetimeFigureOut">
               <a:rPr lang="en-GB" smtClean="0"/>
-              <a:t>16/02/2016</a:t>
+              <a:t>02/03/2016</a:t>
             </a:fld>
             <a:endParaRPr lang="en-GB"/>
           </a:p>
@@ -13369,7 +13457,7 @@
           <a:p>
             <a:fld id="{8204E7FD-169F-464A-8003-B2893D8D8FF1}" type="datetimeFigureOut">
               <a:rPr lang="en-GB" smtClean="0"/>
-              <a:t>16/02/2016</a:t>
+              <a:t>02/03/2016</a:t>
             </a:fld>
             <a:endParaRPr lang="en-GB"/>
           </a:p>
@@ -13583,7 +13671,7 @@
           <a:p>
             <a:fld id="{8204E7FD-169F-464A-8003-B2893D8D8FF1}" type="datetimeFigureOut">
               <a:rPr lang="en-GB" smtClean="0"/>
-              <a:t>16/02/2016</a:t>
+              <a:t>02/03/2016</a:t>
             </a:fld>
             <a:endParaRPr lang="en-GB"/>
           </a:p>
@@ -14150,7 +14238,7 @@
           <a:p>
             <a:r>
               <a:rPr lang="en-GB" dirty="0" smtClean="0"/>
-              <a:t>Query Execution</a:t>
+              <a:t>SQL Bootcamp</a:t>
             </a:r>
             <a:endParaRPr lang="en-GB" dirty="0"/>
           </a:p>
@@ -14171,14 +14259,18 @@
           <a:bodyPr/>
           <a:lstStyle/>
           <a:p>
-            <a:endParaRPr lang="en-GB"/>
+            <a:r>
+              <a:rPr lang="en-GB" dirty="0" smtClean="0"/>
+              <a:t>Query Execution</a:t>
+            </a:r>
+            <a:endParaRPr lang="en-GB" dirty="0"/>
           </a:p>
         </p:txBody>
       </p:sp>
     </p:spTree>
     <p:extLst>
       <p:ext uri="{BB962C8B-B14F-4D97-AF65-F5344CB8AC3E}">
-        <p14:creationId xmlns:p14="http://schemas.microsoft.com/office/powerpoint/2010/main" val="130111604"/>
+        <p14:creationId xmlns:p14="http://schemas.microsoft.com/office/powerpoint/2010/main" val="2847011561"/>
       </p:ext>
     </p:extLst>
   </p:cSld>
@@ -15272,7 +15364,7 @@
             <a:spLocks noGrp="1"/>
           </p:cNvSpPr>
           <p:nvPr>
-            <p:ph type="title"/>
+            <p:ph type="ctrTitle"/>
           </p:nvPr>
         </p:nvSpPr>
         <p:spPr/>
@@ -15282,7 +15374,7 @@
           <a:p>
             <a:r>
               <a:rPr lang="en-GB" dirty="0" smtClean="0"/>
-              <a:t>Welcome</a:t>
+              <a:t>Query Execution</a:t>
             </a:r>
             <a:endParaRPr lang="en-GB" dirty="0"/>
           </a:p>
@@ -15290,118 +15382,27 @@
       </p:sp>
       <p:sp>
         <p:nvSpPr>
-          <p:cNvPr id="3" name="Content Placeholder 2"/>
+          <p:cNvPr id="3" name="Subtitle 2"/>
           <p:cNvSpPr>
             <a:spLocks noGrp="1"/>
           </p:cNvSpPr>
           <p:nvPr>
-            <p:ph idx="1"/>
+            <p:ph type="subTitle" idx="1"/>
           </p:nvPr>
         </p:nvSpPr>
         <p:spPr/>
         <p:txBody>
-          <a:bodyPr>
-            <a:normAutofit/>
-          </a:bodyPr>
+          <a:bodyPr/>
           <a:lstStyle/>
           <a:p>
-            <a:r>
-              <a:rPr lang="en-GB" dirty="0" smtClean="0"/>
-              <a:t>Get a VM:</a:t>
-            </a:r>
-          </a:p>
-          <a:p>
-            <a:pPr lvl="1"/>
-            <a:r>
-              <a:rPr lang="en-GB" dirty="0" smtClean="0"/>
-              <a:t>sabiniotr</a:t>
-            </a:r>
-            <a:r>
-              <a:rPr lang="en-GB" dirty="0" smtClean="0">
-                <a:solidFill>
-                  <a:srgbClr val="FF0000"/>
-                </a:solidFill>
-              </a:rPr>
-              <a:t>XX</a:t>
-            </a:r>
-            <a:r>
-              <a:rPr lang="en-GB" dirty="0" smtClean="0"/>
-              <a:t>.westeurope.cloudapp.azure.com</a:t>
-            </a:r>
-          </a:p>
-          <a:p>
-            <a:r>
-              <a:rPr lang="en-GB" dirty="0" smtClean="0"/>
-              <a:t>Login</a:t>
-            </a:r>
-          </a:p>
-          <a:p>
-            <a:pPr lvl="1"/>
-            <a:r>
-              <a:rPr lang="en-GB" dirty="0" smtClean="0"/>
-              <a:t>.\</a:t>
-            </a:r>
-            <a:r>
-              <a:rPr lang="en-GB" dirty="0" err="1" smtClean="0"/>
-              <a:t>SQLTraining</a:t>
-            </a:r>
-            <a:endParaRPr lang="en-GB" dirty="0" smtClean="0"/>
-          </a:p>
-          <a:p>
-            <a:pPr lvl="1"/>
-            <a:r>
-              <a:rPr lang="en-GB" dirty="0" smtClean="0"/>
-              <a:t>SQLTraining123</a:t>
-            </a:r>
-          </a:p>
-          <a:p>
-            <a:r>
-              <a:rPr lang="en-GB" dirty="0" err="1" smtClean="0"/>
-              <a:t>Wifi</a:t>
-            </a:r>
-            <a:endParaRPr lang="en-GB" dirty="0" smtClean="0"/>
-          </a:p>
-          <a:p>
-            <a:pPr lvl="1"/>
-            <a:r>
-              <a:rPr lang="en-GB" dirty="0"/>
-              <a:t>U</a:t>
-            </a:r>
-            <a:r>
-              <a:rPr lang="en-GB" dirty="0" smtClean="0"/>
-              <a:t>sername</a:t>
-            </a:r>
-            <a:r>
-              <a:rPr lang="en-GB" dirty="0"/>
-              <a:t>:	huddle</a:t>
-            </a:r>
-          </a:p>
-          <a:p>
-            <a:pPr lvl="1"/>
-            <a:r>
-              <a:rPr lang="en-GB" dirty="0" smtClean="0"/>
-              <a:t>Password</a:t>
-            </a:r>
-            <a:r>
-              <a:rPr lang="en-GB" dirty="0"/>
-              <a:t>:	</a:t>
-            </a:r>
-            <a:r>
-              <a:rPr lang="en-GB" dirty="0" err="1"/>
-              <a:t>wCKEgk</a:t>
-            </a:r>
-            <a:endParaRPr lang="en-GB" dirty="0"/>
-          </a:p>
-          <a:p>
-            <a:pPr lvl="1"/>
-            <a:endParaRPr lang="en-GB" dirty="0" smtClean="0"/>
+            <a:endParaRPr lang="en-GB"/>
           </a:p>
         </p:txBody>
       </p:sp>
     </p:spTree>
     <p:extLst>
       <p:ext uri="{BB962C8B-B14F-4D97-AF65-F5344CB8AC3E}">
-        <p14:creationId xmlns:p14="http://schemas.microsoft.com/office/powerpoint/2010/main" val="2755014549"/>
+        <p14:creationId xmlns:p14="http://schemas.microsoft.com/office/powerpoint/2010/main" val="130111604"/>
       </p:ext>
     </p:extLst>
   </p:cSld>
@@ -18721,11 +18722,7 @@
             <a:pPr lvl="1"/>
             <a:r>
               <a:rPr lang="en-GB" dirty="0" smtClean="0"/>
-              <a:t>Enough memory (space to execute the query) – not </a:t>
-            </a:r>
-            <a:r>
-              <a:rPr lang="en-GB" dirty="0" smtClean="0"/>
-              <a:t>strictly </a:t>
+              <a:t>Enough memory (space to execute the query) – not strictly </a:t>
             </a:r>
             <a:r>
               <a:rPr lang="en-GB" dirty="0" err="1" smtClean="0"/>
@@ -18973,11 +18970,7 @@
           <a:p>
             <a:r>
               <a:rPr lang="en-GB" dirty="0" smtClean="0"/>
-              <a:t>Calculated method to complete a given </a:t>
-            </a:r>
-            <a:r>
-              <a:rPr lang="en-GB" dirty="0" smtClean="0"/>
-              <a:t>task</a:t>
+              <a:t>Calculated method to complete a given task</a:t>
             </a:r>
           </a:p>
           <a:p>
@@ -18992,7 +18985,6 @@
               <a:rPr lang="en-GB" dirty="0" smtClean="0"/>
               <a:t>Cost (CPU/Memory)</a:t>
             </a:r>
-            <a:endParaRPr lang="en-GB" dirty="0" smtClean="0"/>
           </a:p>
           <a:p>
             <a:r>
